--- a/instructors/13-Repositories_v2.0.pptx
+++ b/instructors/13-Repositories_v2.0.pptx
@@ -5,7 +5,7 @@
     <p:sldMasterId id="2147483648" r:id="rId1"/>
   </p:sldMasterIdLst>
   <p:notesMasterIdLst>
-    <p:notesMasterId r:id="rId21"/>
+    <p:notesMasterId r:id="rId29"/>
   </p:notesMasterIdLst>
   <p:sldIdLst>
     <p:sldId id="280" r:id="rId2"/>
@@ -15,18 +15,26 @@
     <p:sldId id="292" r:id="rId6"/>
     <p:sldId id="310" r:id="rId7"/>
     <p:sldId id="295" r:id="rId8"/>
-    <p:sldId id="298" r:id="rId9"/>
-    <p:sldId id="297" r:id="rId10"/>
-    <p:sldId id="299" r:id="rId11"/>
-    <p:sldId id="301" r:id="rId12"/>
-    <p:sldId id="300" r:id="rId13"/>
-    <p:sldId id="302" r:id="rId14"/>
-    <p:sldId id="303" r:id="rId15"/>
-    <p:sldId id="308" r:id="rId16"/>
-    <p:sldId id="304" r:id="rId17"/>
-    <p:sldId id="307" r:id="rId18"/>
-    <p:sldId id="306" r:id="rId19"/>
-    <p:sldId id="296" r:id="rId20"/>
+    <p:sldId id="311" r:id="rId9"/>
+    <p:sldId id="312" r:id="rId10"/>
+    <p:sldId id="313" r:id="rId11"/>
+    <p:sldId id="314" r:id="rId12"/>
+    <p:sldId id="298" r:id="rId13"/>
+    <p:sldId id="315" r:id="rId14"/>
+    <p:sldId id="297" r:id="rId15"/>
+    <p:sldId id="299" r:id="rId16"/>
+    <p:sldId id="301" r:id="rId17"/>
+    <p:sldId id="300" r:id="rId18"/>
+    <p:sldId id="316" r:id="rId19"/>
+    <p:sldId id="302" r:id="rId20"/>
+    <p:sldId id="303" r:id="rId21"/>
+    <p:sldId id="308" r:id="rId22"/>
+    <p:sldId id="317" r:id="rId23"/>
+    <p:sldId id="304" r:id="rId24"/>
+    <p:sldId id="307" r:id="rId25"/>
+    <p:sldId id="318" r:id="rId26"/>
+    <p:sldId id="306" r:id="rId27"/>
+    <p:sldId id="296" r:id="rId28"/>
   </p:sldIdLst>
   <p:sldSz cx="12192000" cy="6858000"/>
   <p:notesSz cx="6858000" cy="9144000"/>
@@ -215,7 +223,7 @@
           <a:p>
             <a:fld id="{585C48AE-4A1E-9A43-835F-510354165F99}" type="datetimeFigureOut">
               <a:rPr lang="en-GB" smtClean="0"/>
-              <a:t>19/10/2021</a:t>
+              <a:t>20/10/2021</a:t>
             </a:fld>
             <a:endParaRPr lang="en-GB"/>
           </a:p>
@@ -631,7 +639,7 @@
           <a:p>
             <a:fld id="{5913FB77-D8DB-4AB9-8EA5-EE8C3B57A5E1}" type="datetimeFigureOut">
               <a:rPr lang="en-GB" smtClean="0"/>
-              <a:t>19/10/2021</a:t>
+              <a:t>20/10/2021</a:t>
             </a:fld>
             <a:endParaRPr lang="en-GB"/>
           </a:p>
@@ -878,7 +886,7 @@
           <a:p>
             <a:fld id="{5913FB77-D8DB-4AB9-8EA5-EE8C3B57A5E1}" type="datetimeFigureOut">
               <a:rPr lang="en-GB" smtClean="0"/>
-              <a:t>19/10/2021</a:t>
+              <a:t>20/10/2021</a:t>
             </a:fld>
             <a:endParaRPr lang="en-GB"/>
           </a:p>
@@ -1088,7 +1096,7 @@
           <a:p>
             <a:fld id="{5913FB77-D8DB-4AB9-8EA5-EE8C3B57A5E1}" type="datetimeFigureOut">
               <a:rPr lang="en-GB" smtClean="0"/>
-              <a:t>19/10/2021</a:t>
+              <a:t>20/10/2021</a:t>
             </a:fld>
             <a:endParaRPr lang="en-GB"/>
           </a:p>
@@ -1288,7 +1296,7 @@
           <a:p>
             <a:fld id="{5913FB77-D8DB-4AB9-8EA5-EE8C3B57A5E1}" type="datetimeFigureOut">
               <a:rPr lang="en-GB" smtClean="0"/>
-              <a:t>19/10/2021</a:t>
+              <a:t>20/10/2021</a:t>
             </a:fld>
             <a:endParaRPr lang="en-GB"/>
           </a:p>
@@ -1564,7 +1572,7 @@
           <a:p>
             <a:fld id="{5913FB77-D8DB-4AB9-8EA5-EE8C3B57A5E1}" type="datetimeFigureOut">
               <a:rPr lang="en-GB" smtClean="0"/>
-              <a:t>19/10/2021</a:t>
+              <a:t>20/10/2021</a:t>
             </a:fld>
             <a:endParaRPr lang="en-GB"/>
           </a:p>
@@ -1832,7 +1840,7 @@
           <a:p>
             <a:fld id="{5913FB77-D8DB-4AB9-8EA5-EE8C3B57A5E1}" type="datetimeFigureOut">
               <a:rPr lang="en-GB" smtClean="0"/>
-              <a:t>19/10/2021</a:t>
+              <a:t>20/10/2021</a:t>
             </a:fld>
             <a:endParaRPr lang="en-GB"/>
           </a:p>
@@ -2247,7 +2255,7 @@
           <a:p>
             <a:fld id="{5913FB77-D8DB-4AB9-8EA5-EE8C3B57A5E1}" type="datetimeFigureOut">
               <a:rPr lang="en-GB" smtClean="0"/>
-              <a:t>19/10/2021</a:t>
+              <a:t>20/10/2021</a:t>
             </a:fld>
             <a:endParaRPr lang="en-GB"/>
           </a:p>
@@ -2389,7 +2397,7 @@
           <a:p>
             <a:fld id="{5913FB77-D8DB-4AB9-8EA5-EE8C3B57A5E1}" type="datetimeFigureOut">
               <a:rPr lang="en-GB" smtClean="0"/>
-              <a:t>19/10/2021</a:t>
+              <a:t>20/10/2021</a:t>
             </a:fld>
             <a:endParaRPr lang="en-GB"/>
           </a:p>
@@ -2502,7 +2510,7 @@
           <a:p>
             <a:fld id="{5913FB77-D8DB-4AB9-8EA5-EE8C3B57A5E1}" type="datetimeFigureOut">
               <a:rPr lang="en-GB" smtClean="0"/>
-              <a:t>19/10/2021</a:t>
+              <a:t>20/10/2021</a:t>
             </a:fld>
             <a:endParaRPr lang="en-GB"/>
           </a:p>
@@ -2815,7 +2823,7 @@
           <a:p>
             <a:fld id="{5913FB77-D8DB-4AB9-8EA5-EE8C3B57A5E1}" type="datetimeFigureOut">
               <a:rPr lang="en-GB" smtClean="0"/>
-              <a:t>19/10/2021</a:t>
+              <a:t>20/10/2021</a:t>
             </a:fld>
             <a:endParaRPr lang="en-GB"/>
           </a:p>
@@ -3104,7 +3112,7 @@
           <a:p>
             <a:fld id="{5913FB77-D8DB-4AB9-8EA5-EE8C3B57A5E1}" type="datetimeFigureOut">
               <a:rPr lang="en-GB" smtClean="0"/>
-              <a:t>19/10/2021</a:t>
+              <a:t>20/10/2021</a:t>
             </a:fld>
             <a:endParaRPr lang="en-GB"/>
           </a:p>
@@ -3346,7 +3354,7 @@
             <a:fld id="{5913FB77-D8DB-4AB9-8EA5-EE8C3B57A5E1}" type="datetimeFigureOut">
               <a:rPr lang="en-GB" smtClean="0"/>
               <a:pPr/>
-              <a:t>19/10/2021</a:t>
+              <a:t>20/10/2021</a:t>
             </a:fld>
             <a:endParaRPr lang="en-GB"/>
           </a:p>
@@ -3972,175 +3980,6 @@
       </p:grpSpPr>
       <p:sp>
         <p:nvSpPr>
-          <p:cNvPr id="2" name="Rectangle 1"/>
-          <p:cNvSpPr/>
-          <p:nvPr/>
-        </p:nvSpPr>
-        <p:spPr>
-          <a:xfrm>
-            <a:off x="838200" y="1599228"/>
-            <a:ext cx="9573768" cy="5262979"/>
-          </a:xfrm>
-          <a:prstGeom prst="rect">
-            <a:avLst/>
-          </a:prstGeom>
-        </p:spPr>
-        <p:txBody>
-          <a:bodyPr wrap="square">
-            <a:spAutoFit/>
-          </a:bodyPr>
-          <a:lstStyle/>
-          <a:p>
-            <a:r>
-              <a:rPr lang="pl-PL" sz="2400" dirty="0">
-                <a:solidFill>
-                  <a:srgbClr val="0070C0"/>
-                </a:solidFill>
-              </a:rPr>
-              <a:t>M</a:t>
-            </a:r>
-            <a:r>
-              <a:rPr lang="en-GB" sz="2400" dirty="0" err="1">
-                <a:solidFill>
-                  <a:srgbClr val="0070C0"/>
-                </a:solidFill>
-              </a:rPr>
-              <a:t>inimal</a:t>
-            </a:r>
-            <a:r>
-              <a:rPr lang="en-GB" sz="2400" dirty="0">
-                <a:solidFill>
-                  <a:srgbClr val="0070C0"/>
-                </a:solidFill>
-              </a:rPr>
-              <a:t> data set to consist of the data required to replicate all study findings reported in the article, as well as related metadata and methods</a:t>
-            </a:r>
-            <a:r>
-              <a:rPr lang="pl-PL" sz="2400" dirty="0">
-                <a:solidFill>
-                  <a:srgbClr val="0070C0"/>
-                </a:solidFill>
-              </a:rPr>
-              <a:t>.</a:t>
-            </a:r>
-          </a:p>
-          <a:p>
-            <a:endParaRPr lang="pl-PL" sz="2400" dirty="0">
-              <a:solidFill>
-                <a:srgbClr val="0070C0"/>
-              </a:solidFill>
-            </a:endParaRPr>
-          </a:p>
-          <a:p>
-            <a:endParaRPr lang="pl-PL" sz="2400" dirty="0">
-              <a:solidFill>
-                <a:srgbClr val="0070C0"/>
-              </a:solidFill>
-            </a:endParaRPr>
-          </a:p>
-          <a:p>
-            <a:pPr marL="285750" indent="-285750">
-              <a:buFont typeface="Arial" panose="020B0604020202020204" pitchFamily="34" charset="0"/>
-              <a:buChar char="•"/>
-            </a:pPr>
-            <a:r>
-              <a:rPr lang="en-GB" sz="2400" dirty="0">
-                <a:solidFill>
-                  <a:srgbClr val="0070C0"/>
-                </a:solidFill>
-              </a:rPr>
-              <a:t>The values behind the means, standard deviations and other measures reported</a:t>
-            </a:r>
-          </a:p>
-          <a:p>
-            <a:pPr marL="285750" indent="-285750">
-              <a:buFont typeface="Arial" panose="020B0604020202020204" pitchFamily="34" charset="0"/>
-              <a:buChar char="•"/>
-            </a:pPr>
-            <a:r>
-              <a:rPr lang="en-GB" sz="2400" dirty="0">
-                <a:solidFill>
-                  <a:srgbClr val="0070C0"/>
-                </a:solidFill>
-              </a:rPr>
-              <a:t>The values used to build graphs</a:t>
-            </a:r>
-          </a:p>
-          <a:p>
-            <a:pPr marL="285750" indent="-285750">
-              <a:buFont typeface="Arial" panose="020B0604020202020204" pitchFamily="34" charset="0"/>
-              <a:buChar char="•"/>
-            </a:pPr>
-            <a:r>
-              <a:rPr lang="en-GB" sz="2400" dirty="0">
-                <a:solidFill>
-                  <a:srgbClr val="0070C0"/>
-                </a:solidFill>
-              </a:rPr>
-              <a:t>The points extracted from images for analysis.</a:t>
-            </a:r>
-          </a:p>
-          <a:p>
-            <a:endParaRPr lang="pl-PL" sz="2400" dirty="0">
-              <a:solidFill>
-                <a:srgbClr val="0070C0"/>
-              </a:solidFill>
-            </a:endParaRPr>
-          </a:p>
-          <a:p>
-            <a:r>
-              <a:rPr lang="pl-PL" sz="2400" dirty="0">
-                <a:solidFill>
-                  <a:srgbClr val="0070C0"/>
-                </a:solidFill>
-              </a:rPr>
-              <a:t>(no need for </a:t>
-            </a:r>
-            <a:r>
-              <a:rPr lang="en-GB" sz="2400" dirty="0">
-                <a:solidFill>
-                  <a:srgbClr val="0070C0"/>
-                </a:solidFill>
-              </a:rPr>
-              <a:t>raw data if the standard in the field is to share data that have been processed</a:t>
-            </a:r>
-            <a:r>
-              <a:rPr lang="pl-PL" sz="2400" dirty="0">
-                <a:solidFill>
-                  <a:srgbClr val="0070C0"/>
-                </a:solidFill>
-              </a:rPr>
-              <a:t>)</a:t>
-            </a:r>
-          </a:p>
-          <a:p>
-            <a:endParaRPr lang="pl-PL" sz="2400" dirty="0">
-              <a:solidFill>
-                <a:srgbClr val="0070C0"/>
-              </a:solidFill>
-            </a:endParaRPr>
-          </a:p>
-          <a:p>
-            <a:endParaRPr lang="pl-PL" sz="2400" dirty="0">
-              <a:solidFill>
-                <a:srgbClr val="0070C0"/>
-              </a:solidFill>
-            </a:endParaRPr>
-          </a:p>
-          <a:p>
-            <a:r>
-              <a:rPr lang="en-GB" sz="2400" dirty="0">
-                <a:solidFill>
-                  <a:srgbClr val="0070C0"/>
-                </a:solidFill>
-              </a:rPr>
-              <a:t>https://journals.plos.org/plosbiology/s/data-availability</a:t>
-            </a:r>
-          </a:p>
-        </p:txBody>
-      </p:sp>
-      <p:sp>
-        <p:nvSpPr>
           <p:cNvPr id="5" name="Title 1">
             <a:extLst>
               <a:ext uri="{FF2B5EF4-FFF2-40B4-BE49-F238E27FC236}">
@@ -4171,20 +4010,126 @@
                   <a:srgbClr val="0070C0"/>
                 </a:solidFill>
               </a:rPr>
-              <a:t>Minimal data set (after PLOS)</a:t>
-            </a:r>
-            <a:endParaRPr lang="en-GB" dirty="0">
-              <a:solidFill>
-                <a:srgbClr val="0070C0"/>
-              </a:solidFill>
-            </a:endParaRPr>
+              <a:t>Public record</a:t>
+            </a:r>
+            <a:r>
+              <a:rPr lang="en-GB" dirty="0">
+                <a:solidFill>
+                  <a:srgbClr val="0070C0"/>
+                </a:solidFill>
+              </a:rPr>
+              <a:t> - Solutions</a:t>
+            </a:r>
+          </a:p>
+        </p:txBody>
+      </p:sp>
+      <p:sp>
+        <p:nvSpPr>
+          <p:cNvPr id="6" name="TextBox 5">
+            <a:extLst>
+              <a:ext uri="{FF2B5EF4-FFF2-40B4-BE49-F238E27FC236}">
+                <a16:creationId xmlns:a16="http://schemas.microsoft.com/office/drawing/2014/main" id="{216805BD-FE46-4237-9C78-2FA56E8B599C}"/>
+              </a:ext>
+            </a:extLst>
+          </p:cNvPr>
+          <p:cNvSpPr txBox="1"/>
+          <p:nvPr/>
+        </p:nvSpPr>
+        <p:spPr>
+          <a:xfrm>
+            <a:off x="1117041" y="1957980"/>
+            <a:ext cx="9957917" cy="2805063"/>
+          </a:xfrm>
+          <a:prstGeom prst="rect">
+            <a:avLst/>
+          </a:prstGeom>
+          <a:noFill/>
+        </p:spPr>
+        <p:txBody>
+          <a:bodyPr wrap="square">
+            <a:spAutoFit/>
+          </a:bodyPr>
+          <a:lstStyle/>
+          <a:p>
+            <a:pPr algn="l">
+              <a:lnSpc>
+                <a:spcPct val="150000"/>
+              </a:lnSpc>
+            </a:pPr>
+            <a:r>
+              <a:rPr lang="en-GB" sz="2400" b="1" i="0" dirty="0">
+                <a:solidFill>
+                  <a:srgbClr val="333333"/>
+                </a:solidFill>
+                <a:effectLst/>
+                <a:latin typeface="Ubuntu"/>
+              </a:rPr>
+              <a:t>Interoperable:</a:t>
+            </a:r>
+          </a:p>
+          <a:p>
+            <a:pPr algn="l">
+              <a:lnSpc>
+                <a:spcPct val="150000"/>
+              </a:lnSpc>
+              <a:buFont typeface="Arial" panose="020B0604020202020204" pitchFamily="34" charset="0"/>
+              <a:buChar char="•"/>
+            </a:pPr>
+            <a:r>
+              <a:rPr lang="en-GB" sz="2400" b="0" i="0" dirty="0">
+                <a:solidFill>
+                  <a:srgbClr val="333333"/>
+                </a:solidFill>
+                <a:effectLst/>
+                <a:latin typeface="Ubuntu"/>
+              </a:rPr>
+              <a:t>I1. (Meta)data use a formal, accessible, shared, and broadly applicable language for knowledge representation. - YES</a:t>
+            </a:r>
+          </a:p>
+          <a:p>
+            <a:pPr algn="l">
+              <a:lnSpc>
+                <a:spcPct val="150000"/>
+              </a:lnSpc>
+              <a:buFont typeface="Arial" panose="020B0604020202020204" pitchFamily="34" charset="0"/>
+              <a:buChar char="•"/>
+            </a:pPr>
+            <a:r>
+              <a:rPr lang="en-GB" sz="2400" b="0" i="0" dirty="0">
+                <a:solidFill>
+                  <a:srgbClr val="333333"/>
+                </a:solidFill>
+                <a:effectLst/>
+                <a:latin typeface="Ubuntu"/>
+              </a:rPr>
+              <a:t>I2. (Meta)data use vocabularies that follow FAIR principles - PARTIALLY</a:t>
+            </a:r>
+          </a:p>
+          <a:p>
+            <a:pPr algn="l">
+              <a:lnSpc>
+                <a:spcPct val="150000"/>
+              </a:lnSpc>
+              <a:buFont typeface="Arial" panose="020B0604020202020204" pitchFamily="34" charset="0"/>
+              <a:buChar char="•"/>
+            </a:pPr>
+            <a:r>
+              <a:rPr lang="en-GB" sz="2400" b="0" i="0" dirty="0">
+                <a:solidFill>
+                  <a:srgbClr val="333333"/>
+                </a:solidFill>
+                <a:effectLst/>
+                <a:latin typeface="Ubuntu"/>
+              </a:rPr>
+              <a:t>I3. (Meta)data include qualified references to other (meta)data - YES</a:t>
+            </a:r>
           </a:p>
         </p:txBody>
       </p:sp>
     </p:spTree>
     <p:extLst>
       <p:ext uri="{BB962C8B-B14F-4D97-AF65-F5344CB8AC3E}">
-        <p14:creationId xmlns:p14="http://schemas.microsoft.com/office/powerpoint/2010/main" val="757247184"/>
+        <p14:creationId xmlns:p14="http://schemas.microsoft.com/office/powerpoint/2010/main" val="829891487"/>
       </p:ext>
     </p:extLst>
   </p:cSld>
@@ -4211,191 +4156,6 @@
           <a:chExt cx="0" cy="0"/>
         </a:xfrm>
       </p:grpSpPr>
-      <p:pic>
-        <p:nvPicPr>
-          <p:cNvPr id="4" name="Picture 2" descr="Ed_DaSH">
-            <a:extLst>
-              <a:ext uri="{FF2B5EF4-FFF2-40B4-BE49-F238E27FC236}">
-                <a16:creationId xmlns:a16="http://schemas.microsoft.com/office/drawing/2014/main" id="{A783256F-E39E-4712-96B0-240BD611CFEB}"/>
-              </a:ext>
-            </a:extLst>
-          </p:cNvPr>
-          <p:cNvPicPr>
-            <a:picLocks noChangeAspect="1" noChangeArrowheads="1"/>
-          </p:cNvPicPr>
-          <p:nvPr/>
-        </p:nvPicPr>
-        <p:blipFill>
-          <a:blip r:embed="rId2" cstate="hqprint">
-            <a:extLst>
-              <a:ext uri="{28A0092B-C50C-407E-A947-70E740481C1C}">
-                <a14:useLocalDpi xmlns:a14="http://schemas.microsoft.com/office/drawing/2010/main" val="0"/>
-              </a:ext>
-            </a:extLst>
-          </a:blip>
-          <a:srcRect/>
-          <a:stretch>
-            <a:fillRect/>
-          </a:stretch>
-        </p:blipFill>
-        <p:spPr bwMode="auto">
-          <a:xfrm>
-            <a:off x="10820670" y="5458691"/>
-            <a:ext cx="1289214" cy="1325418"/>
-          </a:xfrm>
-          <a:prstGeom prst="rect">
-            <a:avLst/>
-          </a:prstGeom>
-          <a:noFill/>
-          <a:extLst>
-            <a:ext uri="{909E8E84-426E-40DD-AFC4-6F175D3DCCD1}">
-              <a14:hiddenFill xmlns:a14="http://schemas.microsoft.com/office/drawing/2010/main">
-                <a:solidFill>
-                  <a:srgbClr val="FFFFFF"/>
-                </a:solidFill>
-              </a14:hiddenFill>
-            </a:ext>
-          </a:extLst>
-        </p:spPr>
-      </p:pic>
-      <p:sp>
-        <p:nvSpPr>
-          <p:cNvPr id="2" name="Rectangle 1"/>
-          <p:cNvSpPr/>
-          <p:nvPr/>
-        </p:nvSpPr>
-        <p:spPr>
-          <a:xfrm>
-            <a:off x="742384" y="2064189"/>
-            <a:ext cx="10981854" cy="2677656"/>
-          </a:xfrm>
-          <a:prstGeom prst="rect">
-            <a:avLst/>
-          </a:prstGeom>
-        </p:spPr>
-        <p:txBody>
-          <a:bodyPr wrap="square">
-            <a:spAutoFit/>
-          </a:bodyPr>
-          <a:lstStyle/>
-          <a:p>
-            <a:pPr marL="285750" indent="-285750">
-              <a:buFont typeface="Arial" panose="020B0604020202020204" pitchFamily="34" charset="0"/>
-              <a:buChar char="•"/>
-            </a:pPr>
-            <a:r>
-              <a:rPr lang="en-GB" sz="2400" dirty="0">
-                <a:solidFill>
-                  <a:srgbClr val="0070C0"/>
-                </a:solidFill>
-              </a:rPr>
-              <a:t>Higher exposure</a:t>
-            </a:r>
-            <a:endParaRPr lang="pl-PL" sz="2400" dirty="0">
-              <a:solidFill>
-                <a:srgbClr val="0070C0"/>
-              </a:solidFill>
-            </a:endParaRPr>
-          </a:p>
-          <a:p>
-            <a:pPr marL="285750" indent="-285750">
-              <a:buFont typeface="Arial" panose="020B0604020202020204" pitchFamily="34" charset="0"/>
-              <a:buChar char="•"/>
-            </a:pPr>
-            <a:r>
-              <a:rPr lang="pl-PL" sz="2400" dirty="0">
-                <a:solidFill>
-                  <a:srgbClr val="0070C0"/>
-                </a:solidFill>
-              </a:rPr>
-              <a:t>Data specific features (e.g. Visulization)</a:t>
-            </a:r>
-          </a:p>
-          <a:p>
-            <a:pPr marL="285750" indent="-285750">
-              <a:buFont typeface="Arial" panose="020B0604020202020204" pitchFamily="34" charset="0"/>
-              <a:buChar char="•"/>
-            </a:pPr>
-            <a:r>
-              <a:rPr lang="pl-PL" sz="2400" dirty="0">
-                <a:solidFill>
-                  <a:srgbClr val="0070C0"/>
-                </a:solidFill>
-              </a:rPr>
-              <a:t>Enforced minimal metadata</a:t>
-            </a:r>
-          </a:p>
-          <a:p>
-            <a:pPr marL="285750" indent="-285750">
-              <a:buFont typeface="Arial" panose="020B0604020202020204" pitchFamily="34" charset="0"/>
-              <a:buChar char="•"/>
-            </a:pPr>
-            <a:r>
-              <a:rPr lang="pl-PL" sz="2400" dirty="0">
-                <a:solidFill>
-                  <a:srgbClr val="0070C0"/>
-                </a:solidFill>
-              </a:rPr>
-              <a:t>API for data retrival / agregation /searching</a:t>
-            </a:r>
-          </a:p>
-          <a:p>
-            <a:pPr marL="285750" indent="-285750">
-              <a:buFont typeface="Arial" panose="020B0604020202020204" pitchFamily="34" charset="0"/>
-              <a:buChar char="•"/>
-            </a:pPr>
-            <a:r>
-              <a:rPr lang="pl-PL" sz="2400" dirty="0">
-                <a:solidFill>
-                  <a:srgbClr val="0070C0"/>
-                </a:solidFill>
-              </a:rPr>
-              <a:t>Curated data</a:t>
-            </a:r>
-          </a:p>
-          <a:p>
-            <a:pPr marL="285750" indent="-285750">
-              <a:buFont typeface="Arial" panose="020B0604020202020204" pitchFamily="34" charset="0"/>
-              <a:buChar char="•"/>
-            </a:pPr>
-            <a:r>
-              <a:rPr lang="pl-PL" sz="2400" dirty="0">
-                <a:solidFill>
-                  <a:srgbClr val="0070C0"/>
-                </a:solidFill>
-              </a:rPr>
-              <a:t>Better searching</a:t>
-            </a:r>
-          </a:p>
-          <a:p>
-            <a:pPr marL="285750" indent="-285750">
-              <a:buFont typeface="Arial" panose="020B0604020202020204" pitchFamily="34" charset="0"/>
-              <a:buChar char="•"/>
-            </a:pPr>
-            <a:r>
-              <a:rPr lang="pl-PL" sz="2400" dirty="0">
-                <a:solidFill>
-                  <a:srgbClr val="0070C0"/>
-                </a:solidFill>
-              </a:rPr>
-              <a:t>Interlinking between data </a:t>
-            </a:r>
-            <a:r>
-              <a:rPr lang="pl-PL" sz="2400" dirty="0" err="1">
-                <a:solidFill>
-                  <a:srgbClr val="0070C0"/>
-                </a:solidFill>
-              </a:rPr>
-              <a:t>types</a:t>
-            </a:r>
-            <a:endParaRPr lang="pl-PL" sz="2400" dirty="0">
-              <a:solidFill>
-                <a:srgbClr val="0070C0"/>
-              </a:solidFill>
-            </a:endParaRPr>
-          </a:p>
-        </p:txBody>
-      </p:sp>
       <p:sp>
         <p:nvSpPr>
           <p:cNvPr id="5" name="Title 1">
@@ -4428,20 +4188,145 @@
                   <a:srgbClr val="0070C0"/>
                 </a:solidFill>
               </a:rPr>
-              <a:t>Domain specific repositories</a:t>
-            </a:r>
-            <a:endParaRPr lang="en-GB" dirty="0">
-              <a:solidFill>
-                <a:srgbClr val="0070C0"/>
-              </a:solidFill>
-            </a:endParaRPr>
+              <a:t>Public record</a:t>
+            </a:r>
+            <a:r>
+              <a:rPr lang="en-GB" dirty="0">
+                <a:solidFill>
+                  <a:srgbClr val="0070C0"/>
+                </a:solidFill>
+              </a:rPr>
+              <a:t> - Solutions</a:t>
+            </a:r>
+          </a:p>
+        </p:txBody>
+      </p:sp>
+      <p:sp>
+        <p:nvSpPr>
+          <p:cNvPr id="6" name="TextBox 5">
+            <a:extLst>
+              <a:ext uri="{FF2B5EF4-FFF2-40B4-BE49-F238E27FC236}">
+                <a16:creationId xmlns:a16="http://schemas.microsoft.com/office/drawing/2014/main" id="{216805BD-FE46-4237-9C78-2FA56E8B599C}"/>
+              </a:ext>
+            </a:extLst>
+          </p:cNvPr>
+          <p:cNvSpPr txBox="1"/>
+          <p:nvPr/>
+        </p:nvSpPr>
+        <p:spPr>
+          <a:xfrm>
+            <a:off x="1117041" y="1957980"/>
+            <a:ext cx="9957917" cy="2126864"/>
+          </a:xfrm>
+          <a:prstGeom prst="rect">
+            <a:avLst/>
+          </a:prstGeom>
+          <a:noFill/>
+        </p:spPr>
+        <p:txBody>
+          <a:bodyPr wrap="square">
+            <a:spAutoFit/>
+          </a:bodyPr>
+          <a:lstStyle/>
+          <a:p>
+            <a:pPr algn="l">
+              <a:lnSpc>
+                <a:spcPct val="150000"/>
+              </a:lnSpc>
+            </a:pPr>
+            <a:r>
+              <a:rPr lang="en-GB" b="1" i="0" dirty="0">
+                <a:solidFill>
+                  <a:srgbClr val="333333"/>
+                </a:solidFill>
+                <a:effectLst/>
+                <a:latin typeface="Ubuntu"/>
+              </a:rPr>
+              <a:t>Reusable:</a:t>
+            </a:r>
+          </a:p>
+          <a:p>
+            <a:pPr algn="l">
+              <a:lnSpc>
+                <a:spcPct val="150000"/>
+              </a:lnSpc>
+              <a:buFont typeface="Arial" panose="020B0604020202020204" pitchFamily="34" charset="0"/>
+              <a:buChar char="•"/>
+            </a:pPr>
+            <a:r>
+              <a:rPr lang="en-GB" b="0" i="0" dirty="0">
+                <a:solidFill>
+                  <a:srgbClr val="333333"/>
+                </a:solidFill>
+                <a:effectLst/>
+                <a:latin typeface="Ubuntu"/>
+              </a:rPr>
+              <a:t>R1. (Meta)data are richly described with a plurality of accurate and relevant attributes - YES</a:t>
+            </a:r>
+          </a:p>
+          <a:p>
+            <a:pPr marL="742950" lvl="1" indent="-285750" algn="l">
+              <a:lnSpc>
+                <a:spcPct val="150000"/>
+              </a:lnSpc>
+              <a:buFont typeface="Arial" panose="020B0604020202020204" pitchFamily="34" charset="0"/>
+              <a:buChar char="•"/>
+            </a:pPr>
+            <a:r>
+              <a:rPr lang="en-GB" b="0" i="0" dirty="0">
+                <a:solidFill>
+                  <a:srgbClr val="333333"/>
+                </a:solidFill>
+                <a:effectLst/>
+                <a:latin typeface="Ubuntu"/>
+              </a:rPr>
+              <a:t>R1.1. (Meta)data are released with a clear and accessible data usage license - YES</a:t>
+            </a:r>
+          </a:p>
+          <a:p>
+            <a:pPr marL="742950" lvl="1" indent="-285750" algn="l">
+              <a:lnSpc>
+                <a:spcPct val="150000"/>
+              </a:lnSpc>
+              <a:buFont typeface="Arial" panose="020B0604020202020204" pitchFamily="34" charset="0"/>
+              <a:buChar char="•"/>
+            </a:pPr>
+            <a:r>
+              <a:rPr lang="en-GB" b="0" i="0" dirty="0">
+                <a:solidFill>
+                  <a:srgbClr val="333333"/>
+                </a:solidFill>
+                <a:effectLst/>
+                <a:latin typeface="Ubuntu"/>
+              </a:rPr>
+              <a:t>R1.2. (Meta)data are associated with detailed provenance - YES</a:t>
+            </a:r>
+          </a:p>
+          <a:p>
+            <a:pPr marL="742950" lvl="1" indent="-285750" algn="l">
+              <a:lnSpc>
+                <a:spcPct val="150000"/>
+              </a:lnSpc>
+              <a:buFont typeface="Arial" panose="020B0604020202020204" pitchFamily="34" charset="0"/>
+              <a:buChar char="•"/>
+            </a:pPr>
+            <a:r>
+              <a:rPr lang="en-GB" b="0" i="0" dirty="0">
+                <a:solidFill>
+                  <a:srgbClr val="333333"/>
+                </a:solidFill>
+                <a:effectLst/>
+                <a:latin typeface="Ubuntu"/>
+              </a:rPr>
+              <a:t>R1.3. (Meta)data meet domain-relevant community standards - YES/PARTIALLY</a:t>
+            </a:r>
           </a:p>
         </p:txBody>
       </p:sp>
     </p:spTree>
     <p:extLst>
       <p:ext uri="{BB962C8B-B14F-4D97-AF65-F5344CB8AC3E}">
-        <p14:creationId xmlns:p14="http://schemas.microsoft.com/office/powerpoint/2010/main" val="1646562172"/>
+        <p14:creationId xmlns:p14="http://schemas.microsoft.com/office/powerpoint/2010/main" val="2471381770"/>
       </p:ext>
     </p:extLst>
   </p:cSld>
@@ -4468,53 +4353,38 @@
           <a:chExt cx="0" cy="0"/>
         </a:xfrm>
       </p:grpSpPr>
-      <p:pic>
-        <p:nvPicPr>
-          <p:cNvPr id="4" name="Picture 2" descr="Ed_DaSH">
-            <a:extLst>
-              <a:ext uri="{FF2B5EF4-FFF2-40B4-BE49-F238E27FC236}">
-                <a16:creationId xmlns:a16="http://schemas.microsoft.com/office/drawing/2014/main" id="{A783256F-E39E-4712-96B0-240BD611CFEB}"/>
-              </a:ext>
-            </a:extLst>
-          </p:cNvPr>
-          <p:cNvPicPr>
-            <a:picLocks noChangeAspect="1" noChangeArrowheads="1"/>
-          </p:cNvPicPr>
+      <p:sp>
+        <p:nvSpPr>
+          <p:cNvPr id="2" name="Rectangle 1"/>
+          <p:cNvSpPr/>
           <p:nvPr/>
-        </p:nvPicPr>
-        <p:blipFill>
-          <a:blip r:embed="rId2" cstate="hqprint">
-            <a:extLst>
-              <a:ext uri="{28A0092B-C50C-407E-A947-70E740481C1C}">
-                <a14:useLocalDpi xmlns:a14="http://schemas.microsoft.com/office/drawing/2010/main" val="0"/>
-              </a:ext>
-            </a:extLst>
-          </a:blip>
-          <a:srcRect/>
-          <a:stretch>
-            <a:fillRect/>
-          </a:stretch>
-        </p:blipFill>
-        <p:spPr bwMode="auto">
+        </p:nvSpPr>
+        <p:spPr>
           <a:xfrm>
-            <a:off x="10820670" y="5458691"/>
-            <a:ext cx="1289214" cy="1325418"/>
+            <a:off x="3413663" y="3198167"/>
+            <a:ext cx="5364674" cy="461665"/>
           </a:xfrm>
           <a:prstGeom prst="rect">
             <a:avLst/>
           </a:prstGeom>
-          <a:noFill/>
-          <a:extLst>
-            <a:ext uri="{909E8E84-426E-40DD-AFC4-6F175D3DCCD1}">
-              <a14:hiddenFill xmlns:a14="http://schemas.microsoft.com/office/drawing/2010/main">
-                <a:solidFill>
-                  <a:srgbClr val="FFFFFF"/>
-                </a:solidFill>
-              </a14:hiddenFill>
-            </a:ext>
-          </a:extLst>
         </p:spPr>
-      </p:pic>
+        <p:txBody>
+          <a:bodyPr wrap="none">
+            <a:spAutoFit/>
+          </a:bodyPr>
+          <a:lstStyle/>
+          <a:p>
+            <a:r>
+              <a:rPr lang="en-GB" sz="2400" dirty="0">
+                <a:solidFill>
+                  <a:srgbClr val="0070C0"/>
+                </a:solidFill>
+              </a:rPr>
+              <a:t>https://doi.org/10.5281/zenodo.5045374</a:t>
+            </a:r>
+          </a:p>
+        </p:txBody>
+      </p:sp>
       <p:sp>
         <p:nvSpPr>
           <p:cNvPr id="5" name="Title 1">
@@ -4547,7 +4417,7 @@
                   <a:srgbClr val="0070C0"/>
                 </a:solidFill>
               </a:rPr>
-              <a:t>Domain specific repositories</a:t>
+              <a:t>Dataset discovery</a:t>
             </a:r>
             <a:endParaRPr lang="en-GB" dirty="0">
               <a:solidFill>
@@ -4559,13 +4429,19 @@
       </p:sp>
       <p:sp>
         <p:nvSpPr>
-          <p:cNvPr id="6" name="Rectangle 5"/>
+          <p:cNvPr id="4" name="Rectangle 3">
+            <a:extLst>
+              <a:ext uri="{FF2B5EF4-FFF2-40B4-BE49-F238E27FC236}">
+                <a16:creationId xmlns:a16="http://schemas.microsoft.com/office/drawing/2014/main" id="{CAA0BFB8-30CB-4548-8596-047DD833C1C6}"/>
+              </a:ext>
+            </a:extLst>
+          </p:cNvPr>
           <p:cNvSpPr/>
           <p:nvPr/>
         </p:nvSpPr>
         <p:spPr>
           <a:xfrm>
-            <a:off x="693616" y="2951946"/>
+            <a:off x="605073" y="1977256"/>
             <a:ext cx="10981854" cy="1323439"/>
           </a:xfrm>
           <a:prstGeom prst="rect">
@@ -4587,6 +4463,19 @@
               </a:rPr>
               <a:t>Exercise</a:t>
             </a:r>
+            <a:r>
+              <a:rPr lang="en-GB" sz="4000" dirty="0">
+                <a:solidFill>
+                  <a:srgbClr val="0070C0"/>
+                </a:solidFill>
+              </a:rPr>
+              <a:t> 2</a:t>
+            </a:r>
+            <a:endParaRPr lang="pl-PL" sz="4000" dirty="0">
+              <a:solidFill>
+                <a:srgbClr val="0070C0"/>
+              </a:solidFill>
+            </a:endParaRPr>
           </a:p>
           <a:p>
             <a:pPr marL="285750" indent="-285750" algn="ctr">
@@ -4604,7 +4493,7 @@
     </p:spTree>
     <p:extLst>
       <p:ext uri="{BB962C8B-B14F-4D97-AF65-F5344CB8AC3E}">
-        <p14:creationId xmlns:p14="http://schemas.microsoft.com/office/powerpoint/2010/main" val="4258755406"/>
+        <p14:creationId xmlns:p14="http://schemas.microsoft.com/office/powerpoint/2010/main" val="3474192978"/>
       </p:ext>
     </p:extLst>
   </p:cSld>
@@ -4633,18 +4522,30 @@
       </p:grpSpPr>
       <p:sp>
         <p:nvSpPr>
-          <p:cNvPr id="2" name="Rectangle 1"/>
-          <p:cNvSpPr/>
+          <p:cNvPr id="5" name="TextBox 4">
+            <a:extLst>
+              <a:ext uri="{FF2B5EF4-FFF2-40B4-BE49-F238E27FC236}">
+                <a16:creationId xmlns:a16="http://schemas.microsoft.com/office/drawing/2014/main" id="{AADF90D3-6D01-481A-8133-6B0A81743C1D}"/>
+              </a:ext>
+            </a:extLst>
+          </p:cNvPr>
+          <p:cNvSpPr txBox="1"/>
           <p:nvPr/>
         </p:nvSpPr>
         <p:spPr>
           <a:xfrm>
-            <a:off x="838200" y="1483424"/>
-            <a:ext cx="10981854" cy="4708981"/>
+            <a:off x="1205802" y="2722993"/>
+            <a:ext cx="10158884" cy="1200329"/>
           </a:xfrm>
           <a:prstGeom prst="rect">
             <a:avLst/>
           </a:prstGeom>
+          <a:solidFill>
+            <a:schemeClr val="accent1">
+              <a:lumMod val="20000"/>
+              <a:lumOff val="80000"/>
+            </a:schemeClr>
+          </a:solidFill>
         </p:spPr>
         <p:txBody>
           <a:bodyPr wrap="square">
@@ -4652,259 +4553,69 @@
           </a:bodyPr>
           <a:lstStyle/>
           <a:p>
-            <a:pPr marL="285750" indent="-285750">
-              <a:buFont typeface="Arial" panose="020B0604020202020204" pitchFamily="34" charset="0"/>
-              <a:buChar char="•"/>
-            </a:pPr>
-            <a:r>
-              <a:rPr lang="en-GB" sz="2000" dirty="0">
-                <a:solidFill>
-                  <a:srgbClr val="0070C0"/>
-                </a:solidFill>
-              </a:rPr>
-              <a:t>[BioMed Central / Springer Nature] - (https://www.springernature.com/gp/authors/research-data-policy/recommended-repositories)</a:t>
-            </a:r>
-          </a:p>
-          <a:p>
-            <a:pPr marL="285750" indent="-285750">
-              <a:buFont typeface="Arial" panose="020B0604020202020204" pitchFamily="34" charset="0"/>
-              <a:buChar char="•"/>
-            </a:pPr>
-            <a:r>
-              <a:rPr lang="en-GB" sz="2000" dirty="0">
-                <a:solidFill>
-                  <a:srgbClr val="0070C0"/>
-                </a:solidFill>
-              </a:rPr>
-              <a:t>[</a:t>
-            </a:r>
-            <a:r>
-              <a:rPr lang="en-GB" sz="2000" dirty="0" err="1">
-                <a:solidFill>
-                  <a:srgbClr val="0070C0"/>
-                </a:solidFill>
-              </a:rPr>
-              <a:t>eLife</a:t>
-            </a:r>
-            <a:r>
-              <a:rPr lang="en-GB" sz="2000" dirty="0">
-                <a:solidFill>
-                  <a:srgbClr val="0070C0"/>
-                </a:solidFill>
-              </a:rPr>
-              <a:t>] - (https://submit.elifesciences.org/html/elife_author_instructions.html#policies)</a:t>
-            </a:r>
-          </a:p>
-          <a:p>
-            <a:pPr marL="285750" indent="-285750">
-              <a:buFont typeface="Arial" panose="020B0604020202020204" pitchFamily="34" charset="0"/>
-              <a:buChar char="•"/>
-            </a:pPr>
-            <a:r>
-              <a:rPr lang="en-GB" sz="2000" dirty="0">
-                <a:solidFill>
-                  <a:srgbClr val="0070C0"/>
-                </a:solidFill>
-              </a:rPr>
-              <a:t>[Elsevier] - (https://www.elsevier.com/about/policies/research-data)</a:t>
-            </a:r>
-          </a:p>
-          <a:p>
-            <a:pPr marL="285750" indent="-285750">
-              <a:buFont typeface="Arial" panose="020B0604020202020204" pitchFamily="34" charset="0"/>
-              <a:buChar char="•"/>
-            </a:pPr>
-            <a:r>
-              <a:rPr lang="en-GB" sz="2000" dirty="0">
-                <a:solidFill>
-                  <a:srgbClr val="0070C0"/>
-                </a:solidFill>
-              </a:rPr>
-              <a:t>[EMBO Press] - (https://www.embopress.org/page/journal/14602075/authorguide#datadeposition)</a:t>
-            </a:r>
-          </a:p>
-          <a:p>
-            <a:pPr marL="285750" indent="-285750">
-              <a:buFont typeface="Arial" panose="020B0604020202020204" pitchFamily="34" charset="0"/>
-              <a:buChar char="•"/>
-            </a:pPr>
-            <a:r>
-              <a:rPr lang="en-GB" sz="2000" dirty="0">
-                <a:solidFill>
-                  <a:srgbClr val="0070C0"/>
-                </a:solidFill>
-              </a:rPr>
-              <a:t>[F1000 Research] - (https://f1000research.com/for-authors/data-guidelines)</a:t>
-            </a:r>
-          </a:p>
-          <a:p>
-            <a:pPr marL="285750" indent="-285750">
-              <a:buFont typeface="Arial" panose="020B0604020202020204" pitchFamily="34" charset="0"/>
-              <a:buChar char="•"/>
-            </a:pPr>
-            <a:r>
-              <a:rPr lang="en-GB" sz="2000" dirty="0">
-                <a:solidFill>
-                  <a:srgbClr val="0070C0"/>
-                </a:solidFill>
-              </a:rPr>
-              <a:t>[</a:t>
-            </a:r>
-            <a:r>
-              <a:rPr lang="en-GB" sz="2000" dirty="0" err="1">
-                <a:solidFill>
-                  <a:srgbClr val="0070C0"/>
-                </a:solidFill>
-              </a:rPr>
-              <a:t>GIGAscience</a:t>
-            </a:r>
-            <a:r>
-              <a:rPr lang="en-GB" sz="2000" dirty="0">
-                <a:solidFill>
-                  <a:srgbClr val="0070C0"/>
-                </a:solidFill>
-              </a:rPr>
-              <a:t> - OUP] - (https://academic.oup.com/gigascience/pages/instructions_to_authors)</a:t>
-            </a:r>
-          </a:p>
-          <a:p>
-            <a:pPr marL="285750" indent="-285750">
-              <a:buFont typeface="Arial" panose="020B0604020202020204" pitchFamily="34" charset="0"/>
-              <a:buChar char="•"/>
-            </a:pPr>
-            <a:r>
-              <a:rPr lang="en-GB" sz="2000" dirty="0">
-                <a:solidFill>
-                  <a:srgbClr val="0070C0"/>
-                </a:solidFill>
-              </a:rPr>
-              <a:t>[</a:t>
-            </a:r>
-            <a:r>
-              <a:rPr lang="en-GB" sz="2000" dirty="0" err="1">
-                <a:solidFill>
-                  <a:srgbClr val="0070C0"/>
-                </a:solidFill>
-              </a:rPr>
-              <a:t>PLoS</a:t>
-            </a:r>
-            <a:r>
-              <a:rPr lang="en-GB" sz="2000" dirty="0">
-                <a:solidFill>
-                  <a:srgbClr val="0070C0"/>
-                </a:solidFill>
-              </a:rPr>
-              <a:t>] - (https://journals.plos.org/plosbiology/s/recommended-repositories)</a:t>
-            </a:r>
-          </a:p>
-          <a:p>
-            <a:pPr marL="285750" indent="-285750">
-              <a:buFont typeface="Arial" panose="020B0604020202020204" pitchFamily="34" charset="0"/>
-              <a:buChar char="•"/>
-            </a:pPr>
-            <a:r>
-              <a:rPr lang="en-GB" sz="2000" dirty="0">
-                <a:solidFill>
-                  <a:srgbClr val="0070C0"/>
-                </a:solidFill>
-              </a:rPr>
-              <a:t>[Scientific Data - Nature] - (https://www.nature.com/sdata/policies/repositories)</a:t>
-            </a:r>
-          </a:p>
-          <a:p>
-            <a:pPr marL="285750" indent="-285750">
-              <a:buFont typeface="Arial" panose="020B0604020202020204" pitchFamily="34" charset="0"/>
-              <a:buChar char="•"/>
-            </a:pPr>
-            <a:r>
-              <a:rPr lang="en-GB" sz="2000" dirty="0">
-                <a:solidFill>
-                  <a:srgbClr val="0070C0"/>
-                </a:solidFill>
-              </a:rPr>
-              <a:t>[Taylor and Francis] - (https://authorservices.taylorandfrancis.com/data-sharing-policies/repositories/)</a:t>
-            </a:r>
-          </a:p>
-          <a:p>
-            <a:pPr marL="285750" indent="-285750">
-              <a:buFont typeface="Arial" panose="020B0604020202020204" pitchFamily="34" charset="0"/>
-              <a:buChar char="•"/>
-            </a:pPr>
-            <a:r>
-              <a:rPr lang="en-GB" sz="2000" dirty="0">
-                <a:solidFill>
-                  <a:srgbClr val="0070C0"/>
-                </a:solidFill>
-              </a:rPr>
-              <a:t>[BBSRC] - (https://bbsrc.ukri.org/research/resources/)</a:t>
-            </a:r>
-          </a:p>
-          <a:p>
-            <a:pPr marL="285750" indent="-285750">
-              <a:buFont typeface="Arial" panose="020B0604020202020204" pitchFamily="34" charset="0"/>
-              <a:buChar char="•"/>
-            </a:pPr>
-            <a:r>
-              <a:rPr lang="en-GB" sz="2000" dirty="0">
-                <a:solidFill>
-                  <a:srgbClr val="0070C0"/>
-                </a:solidFill>
-              </a:rPr>
-              <a:t>[NERC] - (https://nerc.ukri.org/research/sites/environmental-data-service-eds/policy/)</a:t>
-            </a:r>
-          </a:p>
-          <a:p>
-            <a:pPr marL="285750" indent="-285750">
-              <a:buFont typeface="Arial" panose="020B0604020202020204" pitchFamily="34" charset="0"/>
-              <a:buChar char="•"/>
-            </a:pPr>
-            <a:r>
-              <a:rPr lang="en-GB" sz="2000" dirty="0">
-                <a:solidFill>
-                  <a:srgbClr val="0070C0"/>
-                </a:solidFill>
-              </a:rPr>
-              <a:t>[Royal Society] - (https://royalsociety.org/journals/ethics-policies/data-sharing-mining/)</a:t>
-            </a:r>
-          </a:p>
-          <a:p>
-            <a:pPr marL="285750" indent="-285750">
-              <a:buFont typeface="Arial" panose="020B0604020202020204" pitchFamily="34" charset="0"/>
-              <a:buChar char="•"/>
-            </a:pPr>
-            <a:r>
-              <a:rPr lang="en-GB" sz="2000" dirty="0">
-                <a:solidFill>
-                  <a:srgbClr val="0070C0"/>
-                </a:solidFill>
-              </a:rPr>
-              <a:t>[</a:t>
-            </a:r>
-            <a:r>
-              <a:rPr lang="en-GB" sz="2000" dirty="0" err="1">
-                <a:solidFill>
-                  <a:srgbClr val="0070C0"/>
-                </a:solidFill>
-              </a:rPr>
-              <a:t>Wellcome</a:t>
-            </a:r>
-            <a:r>
-              <a:rPr lang="en-GB" sz="2000" dirty="0">
-                <a:solidFill>
-                  <a:srgbClr val="0070C0"/>
-                </a:solidFill>
-              </a:rPr>
-              <a:t> Open Research] - (https://wellcomeopenresearch.org/for-authors/data-guidelines) </a:t>
-            </a:r>
-          </a:p>
-        </p:txBody>
-      </p:sp>
-      <p:sp>
-        <p:nvSpPr>
-          <p:cNvPr id="5" name="Title 1">
-            <a:extLst>
-              <a:ext uri="{FF2B5EF4-FFF2-40B4-BE49-F238E27FC236}">
-                <a16:creationId xmlns:a16="http://schemas.microsoft.com/office/drawing/2014/main" id="{775BFE92-9990-4094-B7B2-01514614F16E}"/>
+            <a:r>
+              <a:rPr lang="en-GB" sz="2400" b="0" i="0" dirty="0" err="1">
+                <a:solidFill>
+                  <a:srgbClr val="333333"/>
+                </a:solidFill>
+                <a:effectLst/>
+                <a:latin typeface="Ubuntu"/>
+              </a:rPr>
+              <a:t>Zenodo</a:t>
+            </a:r>
+            <a:r>
+              <a:rPr lang="en-GB" sz="2400" b="0" i="0" dirty="0">
+                <a:solidFill>
+                  <a:srgbClr val="333333"/>
+                </a:solidFill>
+                <a:effectLst/>
+                <a:latin typeface="Ubuntu"/>
+              </a:rPr>
+              <a:t> is a good place to keep your data separate from paper. It gives access to all files, allowing you to cite the data as well (or instead of) the paper.</a:t>
+            </a:r>
+            <a:br>
+              <a:rPr lang="en-GB" sz="2400" dirty="0"/>
+            </a:br>
+            <a:r>
+              <a:rPr lang="en-GB" sz="2400" b="0" i="0" dirty="0">
+                <a:solidFill>
+                  <a:srgbClr val="333333"/>
+                </a:solidFill>
+                <a:effectLst/>
+                <a:latin typeface="Ubuntu"/>
+              </a:rPr>
+              <a:t>However, it is not good for </a:t>
+            </a:r>
+            <a:r>
+              <a:rPr lang="en-GB" sz="2400" b="0" i="0" dirty="0" err="1">
+                <a:solidFill>
+                  <a:srgbClr val="333333"/>
+                </a:solidFill>
+                <a:effectLst/>
+                <a:latin typeface="Ubuntu"/>
+              </a:rPr>
+              <a:t>disovery</a:t>
+            </a:r>
+            <a:r>
+              <a:rPr lang="en-GB" sz="2400" b="0" i="0" dirty="0">
+                <a:solidFill>
+                  <a:srgbClr val="333333"/>
+                </a:solidFill>
+                <a:effectLst/>
+                <a:latin typeface="Ubuntu"/>
+              </a:rPr>
+              <a:t>, and does not enforce most metadata!</a:t>
+            </a:r>
+            <a:endParaRPr lang="en-GB" sz="2400" dirty="0"/>
+          </a:p>
+        </p:txBody>
+      </p:sp>
+      <p:sp>
+        <p:nvSpPr>
+          <p:cNvPr id="6" name="Title 1">
+            <a:extLst>
+              <a:ext uri="{FF2B5EF4-FFF2-40B4-BE49-F238E27FC236}">
+                <a16:creationId xmlns:a16="http://schemas.microsoft.com/office/drawing/2014/main" id="{666F9E5E-D8A2-49C1-876A-84EDD1D6D868}"/>
               </a:ext>
             </a:extLst>
           </p:cNvPr>
@@ -4926,73 +4637,28 @@
           <a:lstStyle/>
           <a:p>
             <a:r>
-              <a:rPr lang="pl-PL" dirty="0" err="1">
-                <a:solidFill>
-                  <a:srgbClr val="0070C0"/>
-                </a:solidFill>
-              </a:rPr>
-              <a:t>Finding</a:t>
-            </a:r>
-            <a:r>
               <a:rPr lang="pl-PL" dirty="0">
                 <a:solidFill>
                   <a:srgbClr val="0070C0"/>
                 </a:solidFill>
               </a:rPr>
-              <a:t> </a:t>
-            </a:r>
-            <a:r>
-              <a:rPr lang="pl-PL" dirty="0" err="1">
-                <a:solidFill>
-                  <a:srgbClr val="0070C0"/>
-                </a:solidFill>
-              </a:rPr>
-              <a:t>repositories</a:t>
-            </a:r>
-            <a:r>
-              <a:rPr lang="pl-PL" dirty="0">
-                <a:solidFill>
-                  <a:srgbClr val="0070C0"/>
-                </a:solidFill>
-              </a:rPr>
-              <a:t> – </a:t>
-            </a:r>
-            <a:r>
-              <a:rPr lang="pl-PL" dirty="0" err="1">
-                <a:solidFill>
-                  <a:srgbClr val="0070C0"/>
-                </a:solidFill>
-              </a:rPr>
-              <a:t>use</a:t>
-            </a:r>
-            <a:r>
-              <a:rPr lang="pl-PL" dirty="0">
-                <a:solidFill>
-                  <a:srgbClr val="0070C0"/>
-                </a:solidFill>
-              </a:rPr>
-              <a:t> </a:t>
-            </a:r>
-            <a:r>
-              <a:rPr lang="pl-PL" dirty="0" err="1">
-                <a:solidFill>
-                  <a:srgbClr val="0070C0"/>
-                </a:solidFill>
-              </a:rPr>
-              <a:t>recommendations</a:t>
-            </a:r>
-            <a:endParaRPr lang="en-GB" dirty="0">
-              <a:solidFill>
-                <a:srgbClr val="0070C0"/>
-              </a:solidFill>
-            </a:endParaRPr>
+              <a:t>Dataset discovery</a:t>
+            </a:r>
+            <a:r>
+              <a:rPr lang="en-GB" dirty="0">
+                <a:solidFill>
+                  <a:srgbClr val="0070C0"/>
+                </a:solidFill>
+              </a:rPr>
+              <a:t> - Solution</a:t>
+            </a:r>
           </a:p>
         </p:txBody>
       </p:sp>
     </p:spTree>
     <p:extLst>
       <p:ext uri="{BB962C8B-B14F-4D97-AF65-F5344CB8AC3E}">
-        <p14:creationId xmlns:p14="http://schemas.microsoft.com/office/powerpoint/2010/main" val="2392727602"/>
+        <p14:creationId xmlns:p14="http://schemas.microsoft.com/office/powerpoint/2010/main" val="2135189893"/>
       </p:ext>
     </p:extLst>
   </p:cSld>
@@ -5028,7 +4694,7 @@
         <p:spPr>
           <a:xfrm>
             <a:off x="742384" y="2064189"/>
-            <a:ext cx="10981854" cy="3416320"/>
+            <a:ext cx="10981854" cy="2308324"/>
           </a:xfrm>
           <a:prstGeom prst="rect">
             <a:avLst/>
@@ -5041,23 +4707,37 @@
           <a:lstStyle/>
           <a:p>
             <a:r>
-              <a:rPr lang="pl-PL" sz="2400" dirty="0" err="1">
-                <a:solidFill>
-                  <a:srgbClr val="0070C0"/>
-                </a:solidFill>
-              </a:rPr>
-              <a:t>FAIRSharing.org</a:t>
-            </a:r>
-            <a:r>
               <a:rPr lang="pl-PL" sz="2400" dirty="0">
                 <a:solidFill>
                   <a:srgbClr val="0070C0"/>
                 </a:solidFill>
               </a:rPr>
-              <a:t> – search engine</a:t>
-            </a:r>
-          </a:p>
-          <a:p>
+              <a:t>General repositories</a:t>
+            </a:r>
+            <a:r>
+              <a:rPr lang="en-GB" sz="2400" dirty="0">
+                <a:solidFill>
+                  <a:srgbClr val="0070C0"/>
+                </a:solidFill>
+              </a:rPr>
+              <a:t> </a:t>
+            </a:r>
+            <a:r>
+              <a:rPr lang="pl-PL" sz="2400" dirty="0">
+                <a:solidFill>
+                  <a:srgbClr val="0070C0"/>
+                </a:solidFill>
+              </a:rPr>
+              <a:t>are</a:t>
+            </a:r>
+            <a:r>
+              <a:rPr lang="en-GB" sz="2400" dirty="0">
+                <a:solidFill>
+                  <a:srgbClr val="0070C0"/>
+                </a:solidFill>
+              </a:rPr>
+              <a:t> a good place to keep your data separate from a paper. </a:t>
+            </a:r>
             <a:endParaRPr lang="pl-PL" sz="2400" dirty="0">
               <a:solidFill>
                 <a:srgbClr val="0070C0"/>
@@ -5072,52 +4752,14 @@
             </a:endParaRPr>
           </a:p>
           <a:p>
-            <a:pPr marL="342900" indent="-342900">
-              <a:buFont typeface="Arial" panose="020B0604020202020204" pitchFamily="34" charset="0"/>
-              <a:buChar char="•"/>
-            </a:pPr>
-            <a:r>
-              <a:rPr lang="pl-PL" sz="2400" dirty="0">
-                <a:solidFill>
-                  <a:srgbClr val="0070C0"/>
-                </a:solidFill>
-              </a:rPr>
-              <a:t>Repositories</a:t>
-            </a:r>
-          </a:p>
-          <a:p>
-            <a:pPr marL="342900" indent="-342900">
-              <a:buFont typeface="Arial" panose="020B0604020202020204" pitchFamily="34" charset="0"/>
-              <a:buChar char="•"/>
-            </a:pPr>
-            <a:r>
-              <a:rPr lang="pl-PL" sz="2400" dirty="0">
-                <a:solidFill>
-                  <a:srgbClr val="0070C0"/>
-                </a:solidFill>
-              </a:rPr>
-              <a:t>Data standards</a:t>
-            </a:r>
-          </a:p>
-          <a:p>
-            <a:pPr marL="342900" indent="-342900">
-              <a:buFont typeface="Arial" panose="020B0604020202020204" pitchFamily="34" charset="0"/>
-              <a:buChar char="•"/>
-            </a:pPr>
-            <a:r>
-              <a:rPr lang="pl-PL" sz="2400" dirty="0">
-                <a:solidFill>
-                  <a:srgbClr val="0070C0"/>
-                </a:solidFill>
-              </a:rPr>
-              <a:t>Policies</a:t>
-            </a:r>
-          </a:p>
-          <a:p>
-            <a:pPr marL="285750" indent="-285750">
-              <a:buFontTx/>
-              <a:buChar char="-"/>
-            </a:pPr>
+            <a:r>
+              <a:rPr lang="en-GB" sz="2400" dirty="0">
+                <a:solidFill>
+                  <a:srgbClr val="0070C0"/>
+                </a:solidFill>
+              </a:rPr>
+              <a:t>It gives access to all files, allowing you to cite the data as well (or instead of) the paper.</a:t>
+            </a:r>
             <a:endParaRPr lang="pl-PL" sz="2400" dirty="0">
               <a:solidFill>
                 <a:srgbClr val="0070C0"/>
@@ -5125,10 +4767,6 @@
             </a:endParaRPr>
           </a:p>
           <a:p>
-            <a:pPr marL="285750" indent="-285750">
-              <a:buFontTx/>
-              <a:buChar char="-"/>
-            </a:pPr>
             <a:endParaRPr lang="pl-PL" sz="2400" dirty="0">
               <a:solidFill>
                 <a:srgbClr val="0070C0"/>
@@ -5142,9 +4780,11 @@
                   <a:srgbClr val="0070C0"/>
                 </a:solidFill>
               </a:rPr>
-              <a:t>(too) many options for each type</a:t>
-            </a:r>
-            <a:endParaRPr lang="en-GB" sz="2400" dirty="0" err="1">
+              <a:t>But they are not great in data discovery and agreggation.</a:t>
+            </a:r>
+          </a:p>
+          <a:p>
+            <a:endParaRPr lang="en-GB" sz="2400" dirty="0">
               <a:solidFill>
                 <a:srgbClr val="0070C0"/>
               </a:solidFill>
@@ -5152,68 +4792,10 @@
           </a:p>
         </p:txBody>
       </p:sp>
-      <p:sp>
-        <p:nvSpPr>
-          <p:cNvPr id="5" name="Title 1">
-            <a:extLst>
-              <a:ext uri="{FF2B5EF4-FFF2-40B4-BE49-F238E27FC236}">
-                <a16:creationId xmlns:a16="http://schemas.microsoft.com/office/drawing/2014/main" id="{775BFE92-9990-4094-B7B2-01514614F16E}"/>
-              </a:ext>
-            </a:extLst>
-          </p:cNvPr>
-          <p:cNvSpPr>
-            <a:spLocks noGrp="1"/>
-          </p:cNvSpPr>
-          <p:nvPr>
-            <p:ph type="title"/>
-          </p:nvPr>
-        </p:nvSpPr>
-        <p:spPr>
-          <a:xfrm>
-            <a:off x="838200" y="365125"/>
-            <a:ext cx="10515600" cy="1325563"/>
-          </a:xfrm>
-        </p:spPr>
-        <p:txBody>
-          <a:bodyPr/>
-          <a:lstStyle/>
-          <a:p>
-            <a:r>
-              <a:rPr lang="pl-PL" dirty="0" err="1">
-                <a:solidFill>
-                  <a:srgbClr val="0070C0"/>
-                </a:solidFill>
-              </a:rPr>
-              <a:t>Finding</a:t>
-            </a:r>
-            <a:r>
-              <a:rPr lang="pl-PL" dirty="0">
-                <a:solidFill>
-                  <a:srgbClr val="0070C0"/>
-                </a:solidFill>
-              </a:rPr>
-              <a:t> </a:t>
-            </a:r>
-            <a:r>
-              <a:rPr lang="pl-PL" dirty="0" err="1">
-                <a:solidFill>
-                  <a:srgbClr val="0070C0"/>
-                </a:solidFill>
-              </a:rPr>
-              <a:t>repositories</a:t>
-            </a:r>
-            <a:endParaRPr lang="en-GB" dirty="0">
-              <a:solidFill>
-                <a:srgbClr val="0070C0"/>
-              </a:solidFill>
-            </a:endParaRPr>
-          </a:p>
-        </p:txBody>
-      </p:sp>
     </p:spTree>
     <p:extLst>
       <p:ext uri="{BB962C8B-B14F-4D97-AF65-F5344CB8AC3E}">
-        <p14:creationId xmlns:p14="http://schemas.microsoft.com/office/powerpoint/2010/main" val="1889911849"/>
+        <p14:creationId xmlns:p14="http://schemas.microsoft.com/office/powerpoint/2010/main" val="3769265816"/>
       </p:ext>
     </p:extLst>
   </p:cSld>
@@ -5242,6 +4824,175 @@
       </p:grpSpPr>
       <p:sp>
         <p:nvSpPr>
+          <p:cNvPr id="2" name="Rectangle 1"/>
+          <p:cNvSpPr/>
+          <p:nvPr/>
+        </p:nvSpPr>
+        <p:spPr>
+          <a:xfrm>
+            <a:off x="838200" y="1599228"/>
+            <a:ext cx="9573768" cy="5262979"/>
+          </a:xfrm>
+          <a:prstGeom prst="rect">
+            <a:avLst/>
+          </a:prstGeom>
+        </p:spPr>
+        <p:txBody>
+          <a:bodyPr wrap="square">
+            <a:spAutoFit/>
+          </a:bodyPr>
+          <a:lstStyle/>
+          <a:p>
+            <a:r>
+              <a:rPr lang="pl-PL" sz="2400" dirty="0">
+                <a:solidFill>
+                  <a:srgbClr val="0070C0"/>
+                </a:solidFill>
+              </a:rPr>
+              <a:t>M</a:t>
+            </a:r>
+            <a:r>
+              <a:rPr lang="en-GB" sz="2400" dirty="0" err="1">
+                <a:solidFill>
+                  <a:srgbClr val="0070C0"/>
+                </a:solidFill>
+              </a:rPr>
+              <a:t>inimal</a:t>
+            </a:r>
+            <a:r>
+              <a:rPr lang="en-GB" sz="2400" dirty="0">
+                <a:solidFill>
+                  <a:srgbClr val="0070C0"/>
+                </a:solidFill>
+              </a:rPr>
+              <a:t> data set to consist of the data required to replicate all study findings reported in the article, as well as related metadata and methods</a:t>
+            </a:r>
+            <a:r>
+              <a:rPr lang="pl-PL" sz="2400" dirty="0">
+                <a:solidFill>
+                  <a:srgbClr val="0070C0"/>
+                </a:solidFill>
+              </a:rPr>
+              <a:t>.</a:t>
+            </a:r>
+          </a:p>
+          <a:p>
+            <a:endParaRPr lang="pl-PL" sz="2400" dirty="0">
+              <a:solidFill>
+                <a:srgbClr val="0070C0"/>
+              </a:solidFill>
+            </a:endParaRPr>
+          </a:p>
+          <a:p>
+            <a:endParaRPr lang="pl-PL" sz="2400" dirty="0">
+              <a:solidFill>
+                <a:srgbClr val="0070C0"/>
+              </a:solidFill>
+            </a:endParaRPr>
+          </a:p>
+          <a:p>
+            <a:pPr marL="285750" indent="-285750">
+              <a:buFont typeface="Arial" panose="020B0604020202020204" pitchFamily="34" charset="0"/>
+              <a:buChar char="•"/>
+            </a:pPr>
+            <a:r>
+              <a:rPr lang="en-GB" sz="2400" dirty="0">
+                <a:solidFill>
+                  <a:srgbClr val="0070C0"/>
+                </a:solidFill>
+              </a:rPr>
+              <a:t>The values behind the means, standard deviations and other measures reported</a:t>
+            </a:r>
+          </a:p>
+          <a:p>
+            <a:pPr marL="285750" indent="-285750">
+              <a:buFont typeface="Arial" panose="020B0604020202020204" pitchFamily="34" charset="0"/>
+              <a:buChar char="•"/>
+            </a:pPr>
+            <a:r>
+              <a:rPr lang="en-GB" sz="2400" dirty="0">
+                <a:solidFill>
+                  <a:srgbClr val="0070C0"/>
+                </a:solidFill>
+              </a:rPr>
+              <a:t>The values used to build graphs</a:t>
+            </a:r>
+          </a:p>
+          <a:p>
+            <a:pPr marL="285750" indent="-285750">
+              <a:buFont typeface="Arial" panose="020B0604020202020204" pitchFamily="34" charset="0"/>
+              <a:buChar char="•"/>
+            </a:pPr>
+            <a:r>
+              <a:rPr lang="en-GB" sz="2400" dirty="0">
+                <a:solidFill>
+                  <a:srgbClr val="0070C0"/>
+                </a:solidFill>
+              </a:rPr>
+              <a:t>The points extracted from images for analysis.</a:t>
+            </a:r>
+          </a:p>
+          <a:p>
+            <a:endParaRPr lang="pl-PL" sz="2400" dirty="0">
+              <a:solidFill>
+                <a:srgbClr val="0070C0"/>
+              </a:solidFill>
+            </a:endParaRPr>
+          </a:p>
+          <a:p>
+            <a:r>
+              <a:rPr lang="pl-PL" sz="2400" dirty="0">
+                <a:solidFill>
+                  <a:srgbClr val="0070C0"/>
+                </a:solidFill>
+              </a:rPr>
+              <a:t>(no need for </a:t>
+            </a:r>
+            <a:r>
+              <a:rPr lang="en-GB" sz="2400" dirty="0">
+                <a:solidFill>
+                  <a:srgbClr val="0070C0"/>
+                </a:solidFill>
+              </a:rPr>
+              <a:t>raw data if the standard in the field is to share data that have been processed</a:t>
+            </a:r>
+            <a:r>
+              <a:rPr lang="pl-PL" sz="2400" dirty="0">
+                <a:solidFill>
+                  <a:srgbClr val="0070C0"/>
+                </a:solidFill>
+              </a:rPr>
+              <a:t>)</a:t>
+            </a:r>
+          </a:p>
+          <a:p>
+            <a:endParaRPr lang="pl-PL" sz="2400" dirty="0">
+              <a:solidFill>
+                <a:srgbClr val="0070C0"/>
+              </a:solidFill>
+            </a:endParaRPr>
+          </a:p>
+          <a:p>
+            <a:endParaRPr lang="pl-PL" sz="2400" dirty="0">
+              <a:solidFill>
+                <a:srgbClr val="0070C0"/>
+              </a:solidFill>
+            </a:endParaRPr>
+          </a:p>
+          <a:p>
+            <a:r>
+              <a:rPr lang="en-GB" sz="2400" dirty="0">
+                <a:solidFill>
+                  <a:srgbClr val="0070C0"/>
+                </a:solidFill>
+              </a:rPr>
+              <a:t>https://journals.plos.org/plosbiology/s/data-availability</a:t>
+            </a:r>
+          </a:p>
+        </p:txBody>
+      </p:sp>
+      <p:sp>
+        <p:nvSpPr>
           <p:cNvPr id="5" name="Title 1">
             <a:extLst>
               <a:ext uri="{FF2B5EF4-FFF2-40B4-BE49-F238E27FC236}">
@@ -5272,7 +5023,7 @@
                   <a:srgbClr val="0070C0"/>
                 </a:solidFill>
               </a:rPr>
-              <a:t>Finding repository</a:t>
+              <a:t>Minimal data set (after PLOS)</a:t>
             </a:r>
             <a:endParaRPr lang="en-GB" dirty="0">
               <a:solidFill>
@@ -5282,60 +5033,10 @@
           </a:p>
         </p:txBody>
       </p:sp>
-      <p:sp>
-        <p:nvSpPr>
-          <p:cNvPr id="6" name="Rectangle 5">
-            <a:extLst>
-              <a:ext uri="{FF2B5EF4-FFF2-40B4-BE49-F238E27FC236}">
-                <a16:creationId xmlns:a16="http://schemas.microsoft.com/office/drawing/2014/main" id="{22F34A1D-F400-3A41-84C5-6FDD05616677}"/>
-              </a:ext>
-            </a:extLst>
-          </p:cNvPr>
-          <p:cNvSpPr/>
-          <p:nvPr/>
-        </p:nvSpPr>
-        <p:spPr>
-          <a:xfrm>
-            <a:off x="693616" y="2951946"/>
-            <a:ext cx="10981854" cy="1323439"/>
-          </a:xfrm>
-          <a:prstGeom prst="rect">
-            <a:avLst/>
-          </a:prstGeom>
-        </p:spPr>
-        <p:txBody>
-          <a:bodyPr wrap="square">
-            <a:spAutoFit/>
-          </a:bodyPr>
-          <a:lstStyle/>
-          <a:p>
-            <a:pPr algn="ctr"/>
-            <a:r>
-              <a:rPr lang="pl-PL" sz="4000" dirty="0">
-                <a:solidFill>
-                  <a:srgbClr val="0070C0"/>
-                </a:solidFill>
-              </a:rPr>
-              <a:t>Exercise</a:t>
-            </a:r>
-          </a:p>
-          <a:p>
-            <a:pPr marL="285750" indent="-285750" algn="ctr">
-              <a:buFont typeface="Arial" panose="020B0604020202020204" pitchFamily="34" charset="0"/>
-              <a:buChar char="•"/>
-            </a:pPr>
-            <a:endParaRPr lang="en-GB" sz="4000" dirty="0">
-              <a:solidFill>
-                <a:srgbClr val="0070C0"/>
-              </a:solidFill>
-            </a:endParaRPr>
-          </a:p>
-        </p:txBody>
-      </p:sp>
     </p:spTree>
     <p:extLst>
       <p:ext uri="{BB962C8B-B14F-4D97-AF65-F5344CB8AC3E}">
-        <p14:creationId xmlns:p14="http://schemas.microsoft.com/office/powerpoint/2010/main" val="213822311"/>
+        <p14:creationId xmlns:p14="http://schemas.microsoft.com/office/powerpoint/2010/main" val="757247184"/>
       </p:ext>
     </p:extLst>
   </p:cSld>
@@ -5362,6 +5063,53 @@
           <a:chExt cx="0" cy="0"/>
         </a:xfrm>
       </p:grpSpPr>
+      <p:pic>
+        <p:nvPicPr>
+          <p:cNvPr id="4" name="Picture 2" descr="Ed_DaSH">
+            <a:extLst>
+              <a:ext uri="{FF2B5EF4-FFF2-40B4-BE49-F238E27FC236}">
+                <a16:creationId xmlns:a16="http://schemas.microsoft.com/office/drawing/2014/main" id="{A783256F-E39E-4712-96B0-240BD611CFEB}"/>
+              </a:ext>
+            </a:extLst>
+          </p:cNvPr>
+          <p:cNvPicPr>
+            <a:picLocks noChangeAspect="1" noChangeArrowheads="1"/>
+          </p:cNvPicPr>
+          <p:nvPr/>
+        </p:nvPicPr>
+        <p:blipFill>
+          <a:blip r:embed="rId2" cstate="hqprint">
+            <a:extLst>
+              <a:ext uri="{28A0092B-C50C-407E-A947-70E740481C1C}">
+                <a14:useLocalDpi xmlns:a14="http://schemas.microsoft.com/office/drawing/2010/main" val="0"/>
+              </a:ext>
+            </a:extLst>
+          </a:blip>
+          <a:srcRect/>
+          <a:stretch>
+            <a:fillRect/>
+          </a:stretch>
+        </p:blipFill>
+        <p:spPr bwMode="auto">
+          <a:xfrm>
+            <a:off x="10820670" y="5458691"/>
+            <a:ext cx="1289214" cy="1325418"/>
+          </a:xfrm>
+          <a:prstGeom prst="rect">
+            <a:avLst/>
+          </a:prstGeom>
+          <a:noFill/>
+          <a:extLst>
+            <a:ext uri="{909E8E84-426E-40DD-AFC4-6F175D3DCCD1}">
+              <a14:hiddenFill xmlns:a14="http://schemas.microsoft.com/office/drawing/2010/main">
+                <a:solidFill>
+                  <a:srgbClr val="FFFFFF"/>
+                </a:solidFill>
+              </a14:hiddenFill>
+            </a:ext>
+          </a:extLst>
+        </p:spPr>
+      </p:pic>
       <p:sp>
         <p:nvSpPr>
           <p:cNvPr id="2" name="Rectangle 1"/>
@@ -5370,8 +5118,8 @@
         </p:nvSpPr>
         <p:spPr>
           <a:xfrm>
-            <a:off x="742384" y="1451031"/>
-            <a:ext cx="10981854" cy="5016758"/>
+            <a:off x="742384" y="2064189"/>
+            <a:ext cx="10981854" cy="2677656"/>
           </a:xfrm>
           <a:prstGeom prst="rect">
             <a:avLst/>
@@ -5383,456 +5131,120 @@
           </a:bodyPr>
           <a:lstStyle/>
           <a:p>
-            <a:r>
-              <a:rPr lang="pl-PL" sz="2000" b="1" dirty="0">
-                <a:solidFill>
-                  <a:srgbClr val="0070C0"/>
-                </a:solidFill>
-              </a:rPr>
-              <a:t>1. </a:t>
-            </a:r>
-            <a:r>
-              <a:rPr lang="pl-PL" sz="2000" b="1" dirty="0" err="1">
-                <a:solidFill>
-                  <a:srgbClr val="0070C0"/>
-                </a:solidFill>
-              </a:rPr>
-              <a:t>Who</a:t>
-            </a:r>
-            <a:r>
-              <a:rPr lang="pl-PL" sz="2000" b="1" dirty="0">
-                <a:solidFill>
-                  <a:srgbClr val="0070C0"/>
-                </a:solidFill>
-              </a:rPr>
-              <a:t> is behind it? What is its funding?</a:t>
-            </a:r>
-          </a:p>
-          <a:p>
-            <a:endParaRPr lang="pl-PL" sz="2000" dirty="0">
+            <a:pPr marL="285750" indent="-285750">
+              <a:buFont typeface="Arial" panose="020B0604020202020204" pitchFamily="34" charset="0"/>
+              <a:buChar char="•"/>
+            </a:pPr>
+            <a:r>
+              <a:rPr lang="en-GB" sz="2400" dirty="0">
+                <a:solidFill>
+                  <a:srgbClr val="0070C0"/>
+                </a:solidFill>
+              </a:rPr>
+              <a:t>Higher exposure</a:t>
+            </a:r>
+            <a:endParaRPr lang="pl-PL" sz="2400" dirty="0">
               <a:solidFill>
                 <a:srgbClr val="0070C0"/>
               </a:solidFill>
             </a:endParaRPr>
           </a:p>
           <a:p>
-            <a:r>
-              <a:rPr lang="pl-PL" sz="2000" b="1" dirty="0">
-                <a:solidFill>
-                  <a:srgbClr val="0070C0"/>
-                </a:solidFill>
-              </a:rPr>
-              <a:t>2. Q</a:t>
-            </a:r>
-            <a:r>
-              <a:rPr lang="en-GB" sz="2000" b="1" dirty="0" err="1">
-                <a:solidFill>
-                  <a:srgbClr val="0070C0"/>
-                </a:solidFill>
-              </a:rPr>
-              <a:t>uality</a:t>
-            </a:r>
-            <a:r>
-              <a:rPr lang="en-GB" sz="2000" b="1" dirty="0">
-                <a:solidFill>
-                  <a:srgbClr val="0070C0"/>
-                </a:solidFill>
-              </a:rPr>
-              <a:t> of interaction</a:t>
-            </a:r>
-            <a:r>
-              <a:rPr lang="pl-PL" sz="2000" b="1" dirty="0">
-                <a:solidFill>
-                  <a:srgbClr val="0070C0"/>
-                </a:solidFill>
-              </a:rPr>
-              <a:t>/interface</a:t>
-            </a:r>
-            <a:r>
-              <a:rPr lang="en-GB" sz="2000" b="1" dirty="0">
-                <a:solidFill>
-                  <a:srgbClr val="0070C0"/>
-                </a:solidFill>
-              </a:rPr>
-              <a:t>: </a:t>
-            </a:r>
-            <a:br>
-              <a:rPr lang="pl-PL" sz="2000" dirty="0">
-                <a:solidFill>
-                  <a:srgbClr val="0070C0"/>
-                </a:solidFill>
-              </a:rPr>
-            </a:br>
-            <a:r>
-              <a:rPr lang="pl-PL" sz="2000" dirty="0">
-                <a:solidFill>
-                  <a:srgbClr val="0070C0"/>
-                </a:solidFill>
-              </a:rPr>
-              <a:t>	</a:t>
-            </a:r>
-            <a:r>
-              <a:rPr lang="en-GB" sz="2000" dirty="0">
-                <a:solidFill>
-                  <a:srgbClr val="0070C0"/>
-                </a:solidFill>
-              </a:rPr>
-              <a:t>is the interaction for purposes of data deposit or reuse efficient, </a:t>
-            </a:r>
-          </a:p>
-          <a:p>
-            <a:r>
-              <a:rPr lang="en-GB" sz="2000" dirty="0">
-                <a:solidFill>
-                  <a:srgbClr val="0070C0"/>
-                </a:solidFill>
-              </a:rPr>
-              <a:t>	effective and satisfactory for you?</a:t>
-            </a:r>
-          </a:p>
-          <a:p>
-            <a:endParaRPr lang="pl-PL" sz="2000" dirty="0">
+            <a:pPr marL="285750" indent="-285750">
+              <a:buFont typeface="Arial" panose="020B0604020202020204" pitchFamily="34" charset="0"/>
+              <a:buChar char="•"/>
+            </a:pPr>
+            <a:r>
+              <a:rPr lang="pl-PL" sz="2400" dirty="0">
+                <a:solidFill>
+                  <a:srgbClr val="0070C0"/>
+                </a:solidFill>
+              </a:rPr>
+              <a:t>Data specific features (e.g. Visulization)</a:t>
+            </a:r>
+          </a:p>
+          <a:p>
+            <a:pPr marL="285750" indent="-285750">
+              <a:buFont typeface="Arial" panose="020B0604020202020204" pitchFamily="34" charset="0"/>
+              <a:buChar char="•"/>
+            </a:pPr>
+            <a:r>
+              <a:rPr lang="pl-PL" sz="2400" dirty="0">
+                <a:solidFill>
+                  <a:srgbClr val="0070C0"/>
+                </a:solidFill>
+              </a:rPr>
+              <a:t>Enforced minimal metadata</a:t>
+            </a:r>
+          </a:p>
+          <a:p>
+            <a:pPr marL="285750" indent="-285750">
+              <a:buFont typeface="Arial" panose="020B0604020202020204" pitchFamily="34" charset="0"/>
+              <a:buChar char="•"/>
+            </a:pPr>
+            <a:r>
+              <a:rPr lang="pl-PL" sz="2400" dirty="0">
+                <a:solidFill>
+                  <a:srgbClr val="0070C0"/>
+                </a:solidFill>
+              </a:rPr>
+              <a:t>API for data retrival / agregation /searching</a:t>
+            </a:r>
+          </a:p>
+          <a:p>
+            <a:pPr marL="285750" indent="-285750">
+              <a:buFont typeface="Arial" panose="020B0604020202020204" pitchFamily="34" charset="0"/>
+              <a:buChar char="•"/>
+            </a:pPr>
+            <a:r>
+              <a:rPr lang="pl-PL" sz="2400" dirty="0">
+                <a:solidFill>
+                  <a:srgbClr val="0070C0"/>
+                </a:solidFill>
+              </a:rPr>
+              <a:t>Curated data</a:t>
+            </a:r>
+          </a:p>
+          <a:p>
+            <a:pPr marL="285750" indent="-285750">
+              <a:buFont typeface="Arial" panose="020B0604020202020204" pitchFamily="34" charset="0"/>
+              <a:buChar char="•"/>
+            </a:pPr>
+            <a:r>
+              <a:rPr lang="pl-PL" sz="2400" dirty="0">
+                <a:solidFill>
+                  <a:srgbClr val="0070C0"/>
+                </a:solidFill>
+              </a:rPr>
+              <a:t>Better searching</a:t>
+            </a:r>
+          </a:p>
+          <a:p>
+            <a:pPr marL="285750" indent="-285750">
+              <a:buFont typeface="Arial" panose="020B0604020202020204" pitchFamily="34" charset="0"/>
+              <a:buChar char="•"/>
+            </a:pPr>
+            <a:r>
+              <a:rPr lang="pl-PL" sz="2400" dirty="0">
+                <a:solidFill>
+                  <a:srgbClr val="0070C0"/>
+                </a:solidFill>
+              </a:rPr>
+              <a:t>Interlinking between data </a:t>
+            </a:r>
+            <a:r>
+              <a:rPr lang="pl-PL" sz="2400" dirty="0" err="1">
+                <a:solidFill>
+                  <a:srgbClr val="0070C0"/>
+                </a:solidFill>
+              </a:rPr>
+              <a:t>types</a:t>
+            </a:r>
+            <a:endParaRPr lang="pl-PL" sz="2400" dirty="0">
               <a:solidFill>
                 <a:srgbClr val="0070C0"/>
               </a:solidFill>
             </a:endParaRPr>
-          </a:p>
-          <a:p>
-            <a:r>
-              <a:rPr lang="pl-PL" sz="2000" b="1" dirty="0">
-                <a:solidFill>
-                  <a:srgbClr val="0070C0"/>
-                </a:solidFill>
-              </a:rPr>
-              <a:t>3. T</a:t>
-            </a:r>
-            <a:r>
-              <a:rPr lang="en-GB" sz="2000" b="1" dirty="0" err="1">
-                <a:solidFill>
-                  <a:srgbClr val="0070C0"/>
-                </a:solidFill>
-              </a:rPr>
-              <a:t>ake</a:t>
-            </a:r>
-            <a:r>
-              <a:rPr lang="en-GB" sz="2000" b="1" dirty="0">
-                <a:solidFill>
-                  <a:srgbClr val="0070C0"/>
-                </a:solidFill>
-              </a:rPr>
-              <a:t>-up and impact: </a:t>
-            </a:r>
-            <a:endParaRPr lang="pl-PL" sz="2000" b="1" dirty="0">
-              <a:solidFill>
-                <a:srgbClr val="0070C0"/>
-              </a:solidFill>
-            </a:endParaRPr>
-          </a:p>
-          <a:p>
-            <a:r>
-              <a:rPr lang="pl-PL" sz="2000" dirty="0">
-                <a:solidFill>
-                  <a:srgbClr val="0070C0"/>
-                </a:solidFill>
-              </a:rPr>
-              <a:t>	</a:t>
-            </a:r>
-            <a:r>
-              <a:rPr lang="en-GB" sz="2000" dirty="0">
-                <a:solidFill>
-                  <a:srgbClr val="0070C0"/>
-                </a:solidFill>
-              </a:rPr>
-              <a:t>what can I put in it? </a:t>
-            </a:r>
-            <a:br>
-              <a:rPr lang="pl-PL" sz="2000" dirty="0">
-                <a:solidFill>
-                  <a:srgbClr val="0070C0"/>
-                </a:solidFill>
-              </a:rPr>
-            </a:br>
-            <a:r>
-              <a:rPr lang="pl-PL" sz="2000" dirty="0">
-                <a:solidFill>
-                  <a:srgbClr val="0070C0"/>
-                </a:solidFill>
-              </a:rPr>
-              <a:t>	i</a:t>
-            </a:r>
-            <a:r>
-              <a:rPr lang="en-GB" sz="2000" dirty="0">
-                <a:solidFill>
-                  <a:srgbClr val="0070C0"/>
-                </a:solidFill>
-              </a:rPr>
-              <a:t>s anyone else using it? </a:t>
-            </a:r>
-            <a:br>
-              <a:rPr lang="pl-PL" sz="2000" dirty="0">
-                <a:solidFill>
-                  <a:srgbClr val="0070C0"/>
-                </a:solidFill>
-              </a:rPr>
-            </a:br>
-            <a:r>
-              <a:rPr lang="pl-PL" sz="2000" dirty="0">
-                <a:solidFill>
-                  <a:srgbClr val="0070C0"/>
-                </a:solidFill>
-              </a:rPr>
-              <a:t>	w</a:t>
-            </a:r>
-            <a:r>
-              <a:rPr lang="en-GB" sz="2000" dirty="0">
-                <a:solidFill>
-                  <a:srgbClr val="0070C0"/>
-                </a:solidFill>
-              </a:rPr>
-              <a:t>ill others be able to find stuff deposited in it?</a:t>
-            </a:r>
-            <a:br>
-              <a:rPr lang="pl-PL" sz="2000" dirty="0">
-                <a:solidFill>
-                  <a:srgbClr val="0070C0"/>
-                </a:solidFill>
-              </a:rPr>
-            </a:br>
-            <a:r>
-              <a:rPr lang="pl-PL" sz="2000" dirty="0">
-                <a:solidFill>
-                  <a:srgbClr val="0070C0"/>
-                </a:solidFill>
-              </a:rPr>
-              <a:t>	is</a:t>
-            </a:r>
-            <a:r>
-              <a:rPr lang="en-GB" sz="2000" dirty="0">
-                <a:solidFill>
-                  <a:srgbClr val="0070C0"/>
-                </a:solidFill>
-              </a:rPr>
-              <a:t> the repository linked to other data repositories</a:t>
-            </a:r>
-            <a:r>
-              <a:rPr lang="pl-PL" sz="2000" dirty="0">
-                <a:solidFill>
-                  <a:srgbClr val="0070C0"/>
-                </a:solidFill>
-              </a:rPr>
-              <a:t>?</a:t>
-            </a:r>
-            <a:br>
-              <a:rPr lang="pl-PL" sz="2000" dirty="0">
-                <a:solidFill>
-                  <a:srgbClr val="0070C0"/>
-                </a:solidFill>
-              </a:rPr>
-            </a:br>
-            <a:r>
-              <a:rPr lang="pl-PL" sz="2000" dirty="0">
-                <a:solidFill>
-                  <a:srgbClr val="0070C0"/>
-                </a:solidFill>
-              </a:rPr>
-              <a:t>	c</a:t>
-            </a:r>
-            <a:r>
-              <a:rPr lang="en-GB" sz="2000" dirty="0">
-                <a:solidFill>
-                  <a:srgbClr val="0070C0"/>
-                </a:solidFill>
-              </a:rPr>
-              <a:t>an others cite the data?</a:t>
-            </a:r>
-            <a:endParaRPr lang="pl-PL" sz="2000" dirty="0">
-              <a:solidFill>
-                <a:srgbClr val="0070C0"/>
-              </a:solidFill>
-            </a:endParaRPr>
-          </a:p>
-          <a:p>
-            <a:endParaRPr lang="en-GB" sz="2000" dirty="0">
-              <a:solidFill>
-                <a:srgbClr val="0070C0"/>
-              </a:solidFill>
-            </a:endParaRPr>
-          </a:p>
-          <a:p>
-            <a:r>
-              <a:rPr lang="pl-PL" sz="2000" b="1" dirty="0">
-                <a:solidFill>
-                  <a:srgbClr val="0070C0"/>
-                </a:solidFill>
-              </a:rPr>
-              <a:t>4. P</a:t>
-            </a:r>
-            <a:r>
-              <a:rPr lang="en-GB" sz="2000" b="1" dirty="0" err="1">
-                <a:solidFill>
-                  <a:srgbClr val="0070C0"/>
-                </a:solidFill>
-              </a:rPr>
-              <a:t>olicy</a:t>
-            </a:r>
-            <a:r>
-              <a:rPr lang="en-GB" sz="2000" b="1" dirty="0">
-                <a:solidFill>
-                  <a:srgbClr val="0070C0"/>
-                </a:solidFill>
-              </a:rPr>
-              <a:t> and process: </a:t>
-            </a:r>
-            <a:br>
-              <a:rPr lang="pl-PL" sz="2000" dirty="0">
-                <a:solidFill>
-                  <a:srgbClr val="0070C0"/>
-                </a:solidFill>
-              </a:rPr>
-            </a:br>
-            <a:r>
-              <a:rPr lang="pl-PL" sz="2000" dirty="0">
-                <a:solidFill>
-                  <a:srgbClr val="0070C0"/>
-                </a:solidFill>
-              </a:rPr>
-              <a:t>	d</a:t>
-            </a:r>
-            <a:r>
-              <a:rPr lang="en-GB" sz="2000" dirty="0" err="1">
-                <a:solidFill>
-                  <a:srgbClr val="0070C0"/>
-                </a:solidFill>
-              </a:rPr>
-              <a:t>oes</a:t>
-            </a:r>
-            <a:r>
-              <a:rPr lang="en-GB" sz="2000" dirty="0">
-                <a:solidFill>
-                  <a:srgbClr val="0070C0"/>
-                </a:solidFill>
-              </a:rPr>
-              <a:t> it help meet</a:t>
-            </a:r>
-            <a:r>
-              <a:rPr lang="pl-PL" sz="2000" dirty="0">
-                <a:solidFill>
-                  <a:srgbClr val="0070C0"/>
-                </a:solidFill>
-              </a:rPr>
-              <a:t>ing</a:t>
-            </a:r>
-            <a:r>
-              <a:rPr lang="en-GB" sz="2000" dirty="0">
-                <a:solidFill>
-                  <a:srgbClr val="0070C0"/>
-                </a:solidFill>
-              </a:rPr>
-              <a:t> community standards</a:t>
-            </a:r>
-            <a:r>
-              <a:rPr lang="pl-PL" sz="2000" dirty="0">
-                <a:solidFill>
-                  <a:srgbClr val="0070C0"/>
-                </a:solidFill>
-              </a:rPr>
-              <a:t>,</a:t>
-            </a:r>
-            <a:r>
-              <a:rPr lang="en-GB" sz="2000" dirty="0">
-                <a:solidFill>
-                  <a:srgbClr val="0070C0"/>
-                </a:solidFill>
-              </a:rPr>
-              <a:t> good practice</a:t>
-            </a:r>
-            <a:r>
-              <a:rPr lang="pl-PL" sz="2000" dirty="0">
-                <a:solidFill>
-                  <a:srgbClr val="0070C0"/>
-                </a:solidFill>
-              </a:rPr>
-              <a:t>s</a:t>
-            </a:r>
-            <a:r>
-              <a:rPr lang="en-GB" sz="2000" dirty="0">
-                <a:solidFill>
-                  <a:srgbClr val="0070C0"/>
-                </a:solidFill>
-              </a:rPr>
-              <a:t> </a:t>
-            </a:r>
-            <a:r>
-              <a:rPr lang="pl-PL" sz="2000" dirty="0">
-                <a:solidFill>
-                  <a:srgbClr val="0070C0"/>
-                </a:solidFill>
-              </a:rPr>
-              <a:t>and</a:t>
-            </a:r>
-            <a:r>
-              <a:rPr lang="en-GB" sz="2000" dirty="0">
-                <a:solidFill>
-                  <a:srgbClr val="0070C0"/>
-                </a:solidFill>
-              </a:rPr>
-              <a:t> policies</a:t>
-            </a:r>
-            <a:r>
-              <a:rPr lang="pl-PL" sz="2000" dirty="0">
-                <a:solidFill>
-                  <a:srgbClr val="0070C0"/>
-                </a:solidFill>
-              </a:rPr>
-              <a:t>?</a:t>
-            </a:r>
-            <a:br>
-              <a:rPr lang="pl-PL" sz="2000" dirty="0">
-                <a:solidFill>
-                  <a:srgbClr val="0070C0"/>
-                </a:solidFill>
-              </a:rPr>
-            </a:br>
-            <a:r>
-              <a:rPr lang="pl-PL" sz="2000" dirty="0">
-                <a:solidFill>
-                  <a:srgbClr val="0070C0"/>
-                </a:solidFill>
-              </a:rPr>
-              <a:t>	is </a:t>
-            </a:r>
-            <a:r>
-              <a:rPr lang="pl-PL" sz="2000" dirty="0" err="1">
-                <a:solidFill>
-                  <a:srgbClr val="0070C0"/>
-                </a:solidFill>
-              </a:rPr>
-              <a:t>it</a:t>
-            </a:r>
-            <a:r>
-              <a:rPr lang="pl-PL" sz="2000" dirty="0">
-                <a:solidFill>
-                  <a:srgbClr val="0070C0"/>
-                </a:solidFill>
-              </a:rPr>
-              <a:t> </a:t>
-            </a:r>
-            <a:r>
-              <a:rPr lang="pl-PL" sz="2000" dirty="0" err="1">
-                <a:solidFill>
-                  <a:srgbClr val="0070C0"/>
-                </a:solidFill>
-              </a:rPr>
-              <a:t>curated</a:t>
-            </a:r>
-            <a:r>
-              <a:rPr lang="pl-PL" sz="2000" dirty="0">
-                <a:solidFill>
-                  <a:srgbClr val="0070C0"/>
-                </a:solidFill>
-              </a:rPr>
-              <a:t>?</a:t>
-            </a:r>
           </a:p>
         </p:txBody>
       </p:sp>
@@ -5863,20 +5275,25 @@
           <a:lstStyle/>
           <a:p>
             <a:r>
-              <a:rPr lang="en-GB" dirty="0">
-                <a:solidFill>
-                  <a:srgbClr val="0070C0"/>
-                </a:solidFill>
-              </a:rPr>
-              <a:t>Evaluating a data repository</a:t>
-            </a:r>
+              <a:rPr lang="pl-PL" dirty="0">
+                <a:solidFill>
+                  <a:srgbClr val="0070C0"/>
+                </a:solidFill>
+              </a:rPr>
+              <a:t>Domain specific repositories</a:t>
+            </a:r>
+            <a:endParaRPr lang="en-GB" dirty="0">
+              <a:solidFill>
+                <a:srgbClr val="0070C0"/>
+              </a:solidFill>
+            </a:endParaRPr>
           </a:p>
         </p:txBody>
       </p:sp>
     </p:spTree>
     <p:extLst>
       <p:ext uri="{BB962C8B-B14F-4D97-AF65-F5344CB8AC3E}">
-        <p14:creationId xmlns:p14="http://schemas.microsoft.com/office/powerpoint/2010/main" val="2410312540"/>
+        <p14:creationId xmlns:p14="http://schemas.microsoft.com/office/powerpoint/2010/main" val="1646562172"/>
       </p:ext>
     </p:extLst>
   </p:cSld>
@@ -5903,209 +5320,53 @@
           <a:chExt cx="0" cy="0"/>
         </a:xfrm>
       </p:grpSpPr>
-      <p:sp>
-        <p:nvSpPr>
-          <p:cNvPr id="2" name="Rectangle 1"/>
-          <p:cNvSpPr/>
+      <p:pic>
+        <p:nvPicPr>
+          <p:cNvPr id="4" name="Picture 2" descr="Ed_DaSH">
+            <a:extLst>
+              <a:ext uri="{FF2B5EF4-FFF2-40B4-BE49-F238E27FC236}">
+                <a16:creationId xmlns:a16="http://schemas.microsoft.com/office/drawing/2014/main" id="{A783256F-E39E-4712-96B0-240BD611CFEB}"/>
+              </a:ext>
+            </a:extLst>
+          </p:cNvPr>
+          <p:cNvPicPr>
+            <a:picLocks noChangeAspect="1" noChangeArrowheads="1"/>
+          </p:cNvPicPr>
           <p:nvPr/>
-        </p:nvSpPr>
-        <p:spPr>
+        </p:nvPicPr>
+        <p:blipFill>
+          <a:blip r:embed="rId2" cstate="hqprint">
+            <a:extLst>
+              <a:ext uri="{28A0092B-C50C-407E-A947-70E740481C1C}">
+                <a14:useLocalDpi xmlns:a14="http://schemas.microsoft.com/office/drawing/2010/main" val="0"/>
+              </a:ext>
+            </a:extLst>
+          </a:blip>
+          <a:srcRect/>
+          <a:stretch>
+            <a:fillRect/>
+          </a:stretch>
+        </p:blipFill>
+        <p:spPr bwMode="auto">
           <a:xfrm>
-            <a:off x="730192" y="1690688"/>
-            <a:ext cx="10981854" cy="4467057"/>
+            <a:off x="10820670" y="5458691"/>
+            <a:ext cx="1289214" cy="1325418"/>
           </a:xfrm>
           <a:prstGeom prst="rect">
             <a:avLst/>
           </a:prstGeom>
+          <a:noFill/>
+          <a:extLst>
+            <a:ext uri="{909E8E84-426E-40DD-AFC4-6F175D3DCCD1}">
+              <a14:hiddenFill xmlns:a14="http://schemas.microsoft.com/office/drawing/2010/main">
+                <a:solidFill>
+                  <a:srgbClr val="FFFFFF"/>
+                </a:solidFill>
+              </a14:hiddenFill>
+            </a:ext>
+          </a:extLst>
         </p:spPr>
-        <p:txBody>
-          <a:bodyPr wrap="square">
-            <a:spAutoFit/>
-          </a:bodyPr>
-          <a:lstStyle/>
-          <a:p>
-            <a:pPr marL="285750" indent="-285750">
-              <a:lnSpc>
-                <a:spcPct val="150000"/>
-              </a:lnSpc>
-              <a:buFont typeface="Arial" panose="020B0604020202020204" pitchFamily="34" charset="0"/>
-              <a:buChar char="•"/>
-            </a:pPr>
-            <a:r>
-              <a:rPr lang="en-GB" sz="2400" dirty="0">
-                <a:solidFill>
-                  <a:srgbClr val="0070C0"/>
-                </a:solidFill>
-              </a:rPr>
-              <a:t>Find suitable repository(</a:t>
-            </a:r>
-            <a:r>
-              <a:rPr lang="en-GB" sz="2400" dirty="0" err="1">
-                <a:solidFill>
-                  <a:srgbClr val="0070C0"/>
-                </a:solidFill>
-              </a:rPr>
-              <a:t>ies</a:t>
-            </a:r>
-            <a:r>
-              <a:rPr lang="en-GB" sz="2400" dirty="0">
-                <a:solidFill>
-                  <a:srgbClr val="0070C0"/>
-                </a:solidFill>
-              </a:rPr>
-              <a:t>) as soon as you get your data</a:t>
-            </a:r>
-          </a:p>
-          <a:p>
-            <a:pPr marL="285750" indent="-285750">
-              <a:lnSpc>
-                <a:spcPct val="150000"/>
-              </a:lnSpc>
-              <a:buFont typeface="Arial" panose="020B0604020202020204" pitchFamily="34" charset="0"/>
-              <a:buChar char="•"/>
-            </a:pPr>
-            <a:r>
-              <a:rPr lang="en-GB" sz="2400" dirty="0">
-                <a:solidFill>
-                  <a:srgbClr val="0070C0"/>
-                </a:solidFill>
-              </a:rPr>
-              <a:t>If repository permits embargo deposit data as soon as you get it (especially if analysed externally)</a:t>
-            </a:r>
-            <a:endParaRPr lang="pl-PL" sz="2400" dirty="0">
-              <a:solidFill>
-                <a:srgbClr val="0070C0"/>
-              </a:solidFill>
-            </a:endParaRPr>
-          </a:p>
-          <a:p>
-            <a:pPr marL="285750" indent="-285750">
-              <a:lnSpc>
-                <a:spcPct val="150000"/>
-              </a:lnSpc>
-              <a:buFont typeface="Arial" panose="020B0604020202020204" pitchFamily="34" charset="0"/>
-              <a:buChar char="•"/>
-            </a:pPr>
-            <a:r>
-              <a:rPr lang="en-GB" sz="2400" dirty="0">
-                <a:solidFill>
-                  <a:srgbClr val="0070C0"/>
-                </a:solidFill>
-              </a:rPr>
-              <a:t>Deposit simultaneously to a very specialized repo and a „main stream” one</a:t>
-            </a:r>
-            <a:r>
-              <a:rPr lang="pl-PL" sz="2400" dirty="0">
-                <a:solidFill>
-                  <a:srgbClr val="0070C0"/>
-                </a:solidFill>
-              </a:rPr>
-              <a:t> (better </a:t>
-            </a:r>
-            <a:r>
-              <a:rPr lang="pl-PL" sz="2400" dirty="0" err="1">
-                <a:solidFill>
-                  <a:srgbClr val="0070C0"/>
-                </a:solidFill>
-              </a:rPr>
-              <a:t>discovery</a:t>
-            </a:r>
-            <a:r>
-              <a:rPr lang="pl-PL" sz="2400" dirty="0">
-                <a:solidFill>
-                  <a:srgbClr val="0070C0"/>
-                </a:solidFill>
-              </a:rPr>
-              <a:t>)</a:t>
-            </a:r>
-          </a:p>
-          <a:p>
-            <a:pPr marL="285750" indent="-285750">
-              <a:lnSpc>
-                <a:spcPct val="150000"/>
-              </a:lnSpc>
-              <a:buFont typeface="Arial" panose="020B0604020202020204" pitchFamily="34" charset="0"/>
-              <a:buChar char="•"/>
-            </a:pPr>
-            <a:r>
-              <a:rPr lang="en-GB" sz="2400" dirty="0">
-                <a:solidFill>
-                  <a:srgbClr val="0070C0"/>
-                </a:solidFill>
-              </a:rPr>
-              <a:t>Cross link your repositories’ records </a:t>
-            </a:r>
-            <a:endParaRPr lang="pl-PL" sz="2400" dirty="0">
-              <a:solidFill>
-                <a:srgbClr val="0070C0"/>
-              </a:solidFill>
-            </a:endParaRPr>
-          </a:p>
-          <a:p>
-            <a:pPr marL="285750" indent="-285750">
-              <a:lnSpc>
-                <a:spcPct val="150000"/>
-              </a:lnSpc>
-              <a:buFont typeface="Arial" panose="020B0604020202020204" pitchFamily="34" charset="0"/>
-              <a:buChar char="•"/>
-            </a:pPr>
-            <a:r>
-              <a:rPr lang="en-GB" sz="2400" dirty="0">
-                <a:solidFill>
-                  <a:srgbClr val="0070C0"/>
-                </a:solidFill>
-              </a:rPr>
-              <a:t>Add data availability</a:t>
-            </a:r>
-            <a:r>
-              <a:rPr lang="pl-PL" sz="2400" dirty="0">
-                <a:solidFill>
-                  <a:srgbClr val="0070C0"/>
-                </a:solidFill>
-              </a:rPr>
-              <a:t> section to your papers and list all the public </a:t>
-            </a:r>
-            <a:r>
-              <a:rPr lang="pl-PL" sz="2400" dirty="0" err="1">
-                <a:solidFill>
-                  <a:srgbClr val="0070C0"/>
-                </a:solidFill>
-              </a:rPr>
-              <a:t>records</a:t>
-            </a:r>
-            <a:endParaRPr lang="pl-PL" sz="2400" dirty="0">
-              <a:solidFill>
-                <a:srgbClr val="0070C0"/>
-              </a:solidFill>
-            </a:endParaRPr>
-          </a:p>
-          <a:p>
-            <a:pPr marL="285750" indent="-285750">
-              <a:lnSpc>
-                <a:spcPct val="150000"/>
-              </a:lnSpc>
-              <a:buFont typeface="Arial" panose="020B0604020202020204" pitchFamily="34" charset="0"/>
-              <a:buChar char="•"/>
-            </a:pPr>
-            <a:r>
-              <a:rPr lang="pl-PL" sz="2400" dirty="0">
-                <a:solidFill>
-                  <a:srgbClr val="0070C0"/>
-                </a:solidFill>
-              </a:rPr>
-              <a:t>List your data sets in ORCID</a:t>
-            </a:r>
-            <a:r>
-              <a:rPr lang="en-GB" sz="2400" dirty="0">
-                <a:solidFill>
-                  <a:srgbClr val="0070C0"/>
-                </a:solidFill>
-              </a:rPr>
-              <a:t> </a:t>
-            </a:r>
-          </a:p>
-        </p:txBody>
-      </p:sp>
+      </p:pic>
       <p:sp>
         <p:nvSpPr>
           <p:cNvPr id="5" name="Title 1">
@@ -6138,7 +5399,7 @@
                   <a:srgbClr val="0070C0"/>
                 </a:solidFill>
               </a:rPr>
-              <a:t>Repositories Summary</a:t>
+              <a:t>Domain specific repositories</a:t>
             </a:r>
             <a:endParaRPr lang="en-GB" dirty="0">
               <a:solidFill>
@@ -6148,10 +5409,67 @@
           </a:p>
         </p:txBody>
       </p:sp>
+      <p:sp>
+        <p:nvSpPr>
+          <p:cNvPr id="6" name="Rectangle 5"/>
+          <p:cNvSpPr/>
+          <p:nvPr/>
+        </p:nvSpPr>
+        <p:spPr>
+          <a:xfrm>
+            <a:off x="605073" y="1977256"/>
+            <a:ext cx="10981854" cy="1323439"/>
+          </a:xfrm>
+          <a:prstGeom prst="rect">
+            <a:avLst/>
+          </a:prstGeom>
+        </p:spPr>
+        <p:txBody>
+          <a:bodyPr wrap="square">
+            <a:spAutoFit/>
+          </a:bodyPr>
+          <a:lstStyle/>
+          <a:p>
+            <a:pPr algn="ctr"/>
+            <a:r>
+              <a:rPr lang="pl-PL" sz="4000" dirty="0">
+                <a:solidFill>
+                  <a:srgbClr val="0070C0"/>
+                </a:solidFill>
+              </a:rPr>
+              <a:t>Exercise</a:t>
+            </a:r>
+            <a:r>
+              <a:rPr lang="en-GB" sz="4000" dirty="0">
+                <a:solidFill>
+                  <a:srgbClr val="0070C0"/>
+                </a:solidFill>
+              </a:rPr>
+              <a:t> 3</a:t>
+            </a:r>
+            <a:endParaRPr lang="pl-PL" sz="4000" dirty="0">
+              <a:solidFill>
+                <a:srgbClr val="0070C0"/>
+              </a:solidFill>
+            </a:endParaRPr>
+          </a:p>
+          <a:p>
+            <a:pPr marL="285750" indent="-285750" algn="ctr">
+              <a:buFont typeface="Arial" panose="020B0604020202020204" pitchFamily="34" charset="0"/>
+              <a:buChar char="•"/>
+            </a:pPr>
+            <a:endParaRPr lang="en-GB" sz="4000" dirty="0">
+              <a:solidFill>
+                <a:srgbClr val="0070C0"/>
+              </a:solidFill>
+            </a:endParaRPr>
+          </a:p>
+        </p:txBody>
+      </p:sp>
     </p:spTree>
     <p:extLst>
       <p:ext uri="{BB962C8B-B14F-4D97-AF65-F5344CB8AC3E}">
-        <p14:creationId xmlns:p14="http://schemas.microsoft.com/office/powerpoint/2010/main" val="2464484896"/>
+        <p14:creationId xmlns:p14="http://schemas.microsoft.com/office/powerpoint/2010/main" val="4258755406"/>
       </p:ext>
     </p:extLst>
   </p:cSld>
@@ -6178,210 +5496,176 @@
           <a:chExt cx="0" cy="0"/>
         </a:xfrm>
       </p:grpSpPr>
-      <p:pic>
-        <p:nvPicPr>
-          <p:cNvPr id="4" name="Picture 2" descr="Ed_DaSH">
-            <a:extLst>
-              <a:ext uri="{FF2B5EF4-FFF2-40B4-BE49-F238E27FC236}">
-                <a16:creationId xmlns:a16="http://schemas.microsoft.com/office/drawing/2014/main" id="{A783256F-E39E-4712-96B0-240BD611CFEB}"/>
-              </a:ext>
-            </a:extLst>
-          </p:cNvPr>
-          <p:cNvPicPr>
-            <a:picLocks noChangeAspect="1" noChangeArrowheads="1"/>
-          </p:cNvPicPr>
-          <p:nvPr/>
-        </p:nvPicPr>
-        <p:blipFill>
-          <a:blip r:embed="rId2" cstate="hqprint">
-            <a:extLst>
-              <a:ext uri="{28A0092B-C50C-407E-A947-70E740481C1C}">
-                <a14:useLocalDpi xmlns:a14="http://schemas.microsoft.com/office/drawing/2010/main" val="0"/>
-              </a:ext>
-            </a:extLst>
-          </a:blip>
-          <a:srcRect/>
-          <a:stretch>
-            <a:fillRect/>
-          </a:stretch>
-        </p:blipFill>
-        <p:spPr bwMode="auto">
-          <a:xfrm>
-            <a:off x="10820670" y="5458691"/>
-            <a:ext cx="1289214" cy="1325418"/>
-          </a:xfrm>
-          <a:prstGeom prst="rect">
-            <a:avLst/>
-          </a:prstGeom>
-          <a:noFill/>
-          <a:extLst>
-            <a:ext uri="{909E8E84-426E-40DD-AFC4-6F175D3DCCD1}">
-              <a14:hiddenFill xmlns:a14="http://schemas.microsoft.com/office/drawing/2010/main">
-                <a:solidFill>
-                  <a:srgbClr val="FFFFFF"/>
-                </a:solidFill>
-              </a14:hiddenFill>
-            </a:ext>
-          </a:extLst>
-        </p:spPr>
-      </p:pic>
-      <p:sp>
-        <p:nvSpPr>
-          <p:cNvPr id="2" name="Rectangle 1"/>
-          <p:cNvSpPr/>
+      <p:sp>
+        <p:nvSpPr>
+          <p:cNvPr id="4" name="Title 1">
+            <a:extLst>
+              <a:ext uri="{FF2B5EF4-FFF2-40B4-BE49-F238E27FC236}">
+                <a16:creationId xmlns:a16="http://schemas.microsoft.com/office/drawing/2014/main" id="{A11E7DE7-A0AD-425E-8044-DF65BF838ED7}"/>
+              </a:ext>
+            </a:extLst>
+          </p:cNvPr>
+          <p:cNvSpPr txBox="1">
+            <a:spLocks/>
+          </p:cNvSpPr>
           <p:nvPr/>
         </p:nvSpPr>
         <p:spPr>
           <a:xfrm>
-            <a:off x="742384" y="2064189"/>
-            <a:ext cx="10981854" cy="2677656"/>
+            <a:off x="990600" y="517525"/>
+            <a:ext cx="10515600" cy="1325563"/>
           </a:xfrm>
           <a:prstGeom prst="rect">
             <a:avLst/>
           </a:prstGeom>
         </p:spPr>
         <p:txBody>
+          <a:bodyPr vert="horz" lIns="91440" tIns="45720" rIns="91440" bIns="45720" rtlCol="0" anchor="ctr">
+            <a:normAutofit/>
+          </a:bodyPr>
+          <a:lstStyle>
+            <a:lvl1pPr algn="l" defTabSz="914400" rtl="0" eaLnBrk="1" latinLnBrk="0" hangingPunct="1">
+              <a:lnSpc>
+                <a:spcPct val="90000"/>
+              </a:lnSpc>
+              <a:spcBef>
+                <a:spcPct val="0"/>
+              </a:spcBef>
+              <a:buNone/>
+              <a:defRPr sz="4400" kern="1200">
+                <a:solidFill>
+                  <a:srgbClr val="0070C0"/>
+                </a:solidFill>
+                <a:latin typeface="+mj-lt"/>
+                <a:ea typeface="+mj-ea"/>
+                <a:cs typeface="+mj-cs"/>
+              </a:defRPr>
+            </a:lvl1pPr>
+          </a:lstStyle>
+          <a:p>
+            <a:r>
+              <a:rPr lang="pl-PL" dirty="0"/>
+              <a:t>Dataset discovery</a:t>
+            </a:r>
+            <a:r>
+              <a:rPr lang="en-GB" dirty="0"/>
+              <a:t> - Solution</a:t>
+            </a:r>
+          </a:p>
+        </p:txBody>
+      </p:sp>
+      <p:sp>
+        <p:nvSpPr>
+          <p:cNvPr id="5" name="TextBox 4">
+            <a:extLst>
+              <a:ext uri="{FF2B5EF4-FFF2-40B4-BE49-F238E27FC236}">
+                <a16:creationId xmlns:a16="http://schemas.microsoft.com/office/drawing/2014/main" id="{1C55261F-33BF-4ECB-A99F-446565AB2E20}"/>
+              </a:ext>
+            </a:extLst>
+          </p:cNvPr>
+          <p:cNvSpPr txBox="1"/>
+          <p:nvPr/>
+        </p:nvSpPr>
+        <p:spPr>
+          <a:xfrm>
+            <a:off x="1168958" y="2209850"/>
+            <a:ext cx="10158884" cy="2805063"/>
+          </a:xfrm>
+          <a:prstGeom prst="rect">
+            <a:avLst/>
+          </a:prstGeom>
+          <a:solidFill>
+            <a:schemeClr val="accent1">
+              <a:lumMod val="20000"/>
+              <a:lumOff val="80000"/>
+            </a:schemeClr>
+          </a:solidFill>
+        </p:spPr>
+        <p:txBody>
           <a:bodyPr wrap="square">
             <a:spAutoFit/>
           </a:bodyPr>
           <a:lstStyle/>
           <a:p>
-            <a:endParaRPr lang="pl-PL" sz="2400" dirty="0" err="1"/>
-          </a:p>
-          <a:p>
-            <a:r>
-              <a:rPr lang="en-GB" sz="2400" dirty="0">
-                <a:solidFill>
-                  <a:srgbClr val="0070C0"/>
-                </a:solidFill>
-              </a:rPr>
-              <a:t>Why is choosing a domain specific </a:t>
-            </a:r>
-            <a:r>
-              <a:rPr lang="en-GB" sz="2400" dirty="0" err="1">
-                <a:solidFill>
-                  <a:srgbClr val="0070C0"/>
-                </a:solidFill>
-              </a:rPr>
-              <a:t>repositoriy</a:t>
-            </a:r>
-            <a:r>
-              <a:rPr lang="en-GB" sz="2400" dirty="0">
-                <a:solidFill>
-                  <a:srgbClr val="0070C0"/>
-                </a:solidFill>
-              </a:rPr>
-              <a:t> over </a:t>
-            </a:r>
-            <a:r>
-              <a:rPr lang="en-GB" sz="2400" dirty="0" err="1">
-                <a:solidFill>
-                  <a:srgbClr val="0070C0"/>
-                </a:solidFill>
-              </a:rPr>
-              <a:t>zenodo</a:t>
-            </a:r>
-            <a:r>
-              <a:rPr lang="en-GB" sz="2400" dirty="0">
-                <a:solidFill>
-                  <a:srgbClr val="0070C0"/>
-                </a:solidFill>
-              </a:rPr>
-              <a:t> more FAIR?</a:t>
-            </a:r>
-            <a:endParaRPr lang="pl-PL" sz="2400" dirty="0">
-              <a:solidFill>
-                <a:srgbClr val="0070C0"/>
-              </a:solidFill>
-            </a:endParaRPr>
-          </a:p>
-          <a:p>
-            <a:endParaRPr lang="en-GB" sz="2400" dirty="0">
-              <a:solidFill>
-                <a:srgbClr val="0070C0"/>
-              </a:solidFill>
-            </a:endParaRPr>
-          </a:p>
-          <a:p>
-            <a:r>
-              <a:rPr lang="en-GB" sz="2400" dirty="0">
-                <a:solidFill>
-                  <a:srgbClr val="0070C0"/>
-                </a:solidFill>
-              </a:rPr>
-              <a:t>How can selecting a repository for your data as soon as you do an experiment (or even before!) benefit you research and help your data become FAIR?</a:t>
-            </a:r>
-            <a:endParaRPr lang="pl-PL" sz="2400" dirty="0">
-              <a:solidFill>
-                <a:srgbClr val="0070C0"/>
-              </a:solidFill>
-            </a:endParaRPr>
-          </a:p>
-          <a:p>
-            <a:endParaRPr lang="en-GB" sz="2400" dirty="0">
-              <a:solidFill>
-                <a:srgbClr val="0070C0"/>
-              </a:solidFill>
-            </a:endParaRPr>
-          </a:p>
-          <a:p>
-            <a:r>
-              <a:rPr lang="en-GB" sz="2400" dirty="0">
-                <a:solidFill>
-                  <a:srgbClr val="0070C0"/>
-                </a:solidFill>
-              </a:rPr>
-              <a:t>What’s your favourite research data repository? Why?</a:t>
-            </a:r>
-          </a:p>
-        </p:txBody>
-      </p:sp>
-      <p:sp>
-        <p:nvSpPr>
-          <p:cNvPr id="5" name="Title 1">
-            <a:extLst>
-              <a:ext uri="{FF2B5EF4-FFF2-40B4-BE49-F238E27FC236}">
-                <a16:creationId xmlns:a16="http://schemas.microsoft.com/office/drawing/2014/main" id="{775BFE92-9990-4094-B7B2-01514614F16E}"/>
-              </a:ext>
-            </a:extLst>
-          </p:cNvPr>
-          <p:cNvSpPr>
-            <a:spLocks noGrp="1"/>
-          </p:cNvSpPr>
-          <p:nvPr>
-            <p:ph type="title"/>
-          </p:nvPr>
-        </p:nvSpPr>
-        <p:spPr>
-          <a:xfrm>
-            <a:off x="838200" y="365125"/>
-            <a:ext cx="10515600" cy="1325563"/>
-          </a:xfrm>
-        </p:spPr>
-        <p:txBody>
-          <a:bodyPr/>
-          <a:lstStyle/>
-          <a:p>
-            <a:r>
-              <a:rPr lang="pl-PL" dirty="0">
-                <a:solidFill>
-                  <a:srgbClr val="0070C0"/>
-                </a:solidFill>
-              </a:rPr>
-              <a:t>Repositories and FAIR</a:t>
-            </a:r>
-            <a:endParaRPr lang="en-GB" dirty="0">
-              <a:solidFill>
-                <a:srgbClr val="0070C0"/>
-              </a:solidFill>
-            </a:endParaRPr>
+            <a:pPr algn="l">
+              <a:lnSpc>
+                <a:spcPct val="150000"/>
+              </a:lnSpc>
+            </a:pPr>
+            <a:r>
+              <a:rPr lang="en-GB" sz="2400" b="1" i="0" dirty="0">
+                <a:solidFill>
+                  <a:srgbClr val="333333"/>
+                </a:solidFill>
+                <a:effectLst/>
+                <a:latin typeface="Ubuntu"/>
+              </a:rPr>
+              <a:t>Some advantages are:</a:t>
+            </a:r>
+          </a:p>
+          <a:p>
+            <a:pPr algn="l">
+              <a:lnSpc>
+                <a:spcPct val="150000"/>
+              </a:lnSpc>
+              <a:buFont typeface="Arial" panose="020B0604020202020204" pitchFamily="34" charset="0"/>
+              <a:buChar char="•"/>
+            </a:pPr>
+            <a:r>
+              <a:rPr lang="en-GB" sz="2400" b="0" i="0" dirty="0">
+                <a:solidFill>
+                  <a:srgbClr val="333333"/>
+                </a:solidFill>
+                <a:effectLst/>
+                <a:latin typeface="Ubuntu"/>
+              </a:rPr>
+              <a:t>The repository is more relevant to your discipline than a generalist one.</a:t>
+            </a:r>
+          </a:p>
+          <a:p>
+            <a:pPr algn="l">
+              <a:lnSpc>
+                <a:spcPct val="150000"/>
+              </a:lnSpc>
+              <a:buFont typeface="Arial" panose="020B0604020202020204" pitchFamily="34" charset="0"/>
+              <a:buChar char="•"/>
+            </a:pPr>
+            <a:r>
+              <a:rPr lang="en-GB" sz="2400" b="0" i="0" dirty="0">
+                <a:solidFill>
+                  <a:srgbClr val="333333"/>
+                </a:solidFill>
+                <a:effectLst/>
+                <a:latin typeface="Ubuntu"/>
+              </a:rPr>
+              <a:t>Higher exposure (people looking for those specific types of data will usually first look at the specific repository).</a:t>
+            </a:r>
+          </a:p>
+          <a:p>
+            <a:pPr algn="l">
+              <a:lnSpc>
+                <a:spcPct val="150000"/>
+              </a:lnSpc>
+              <a:buFont typeface="Arial" panose="020B0604020202020204" pitchFamily="34" charset="0"/>
+              <a:buChar char="•"/>
+            </a:pPr>
+            <a:r>
+              <a:rPr lang="en-GB" sz="2400" b="0" i="0" dirty="0">
+                <a:solidFill>
+                  <a:srgbClr val="333333"/>
+                </a:solidFill>
+                <a:effectLst/>
+                <a:latin typeface="Ubuntu"/>
+              </a:rPr>
+              <a:t>Higher number of citations (see above).</a:t>
+            </a:r>
           </a:p>
         </p:txBody>
       </p:sp>
     </p:spTree>
     <p:extLst>
       <p:ext uri="{BB962C8B-B14F-4D97-AF65-F5344CB8AC3E}">
-        <p14:creationId xmlns:p14="http://schemas.microsoft.com/office/powerpoint/2010/main" val="1815562741"/>
+        <p14:creationId xmlns:p14="http://schemas.microsoft.com/office/powerpoint/2010/main" val="1656222730"/>
       </p:ext>
     </p:extLst>
   </p:cSld>
@@ -6408,10 +5692,368 @@
           <a:chExt cx="0" cy="0"/>
         </a:xfrm>
       </p:grpSpPr>
+      <p:sp>
+        <p:nvSpPr>
+          <p:cNvPr id="2" name="Rectangle 1"/>
+          <p:cNvSpPr/>
+          <p:nvPr/>
+        </p:nvSpPr>
+        <p:spPr>
+          <a:xfrm>
+            <a:off x="838200" y="1483424"/>
+            <a:ext cx="10981854" cy="4708981"/>
+          </a:xfrm>
+          <a:prstGeom prst="rect">
+            <a:avLst/>
+          </a:prstGeom>
+        </p:spPr>
+        <p:txBody>
+          <a:bodyPr wrap="square">
+            <a:spAutoFit/>
+          </a:bodyPr>
+          <a:lstStyle/>
+          <a:p>
+            <a:pPr marL="285750" indent="-285750">
+              <a:buFont typeface="Arial" panose="020B0604020202020204" pitchFamily="34" charset="0"/>
+              <a:buChar char="•"/>
+            </a:pPr>
+            <a:r>
+              <a:rPr lang="en-GB" sz="2000" dirty="0">
+                <a:solidFill>
+                  <a:srgbClr val="0070C0"/>
+                </a:solidFill>
+              </a:rPr>
+              <a:t>[BioMed Central / Springer Nature] - (https://www.springernature.com/gp/authors/research-data-policy/recommended-repositories)</a:t>
+            </a:r>
+          </a:p>
+          <a:p>
+            <a:pPr marL="285750" indent="-285750">
+              <a:buFont typeface="Arial" panose="020B0604020202020204" pitchFamily="34" charset="0"/>
+              <a:buChar char="•"/>
+            </a:pPr>
+            <a:r>
+              <a:rPr lang="en-GB" sz="2000" dirty="0">
+                <a:solidFill>
+                  <a:srgbClr val="0070C0"/>
+                </a:solidFill>
+              </a:rPr>
+              <a:t>[</a:t>
+            </a:r>
+            <a:r>
+              <a:rPr lang="en-GB" sz="2000" dirty="0" err="1">
+                <a:solidFill>
+                  <a:srgbClr val="0070C0"/>
+                </a:solidFill>
+              </a:rPr>
+              <a:t>eLife</a:t>
+            </a:r>
+            <a:r>
+              <a:rPr lang="en-GB" sz="2000" dirty="0">
+                <a:solidFill>
+                  <a:srgbClr val="0070C0"/>
+                </a:solidFill>
+              </a:rPr>
+              <a:t>] - (https://submit.elifesciences.org/html/elife_author_instructions.html#policies)</a:t>
+            </a:r>
+          </a:p>
+          <a:p>
+            <a:pPr marL="285750" indent="-285750">
+              <a:buFont typeface="Arial" panose="020B0604020202020204" pitchFamily="34" charset="0"/>
+              <a:buChar char="•"/>
+            </a:pPr>
+            <a:r>
+              <a:rPr lang="en-GB" sz="2000" dirty="0">
+                <a:solidFill>
+                  <a:srgbClr val="0070C0"/>
+                </a:solidFill>
+              </a:rPr>
+              <a:t>[Elsevier] - (https://www.elsevier.com/about/policies/research-data)</a:t>
+            </a:r>
+          </a:p>
+          <a:p>
+            <a:pPr marL="285750" indent="-285750">
+              <a:buFont typeface="Arial" panose="020B0604020202020204" pitchFamily="34" charset="0"/>
+              <a:buChar char="•"/>
+            </a:pPr>
+            <a:r>
+              <a:rPr lang="en-GB" sz="2000" dirty="0">
+                <a:solidFill>
+                  <a:srgbClr val="0070C0"/>
+                </a:solidFill>
+              </a:rPr>
+              <a:t>[EMBO Press] - (https://www.embopress.org/page/journal/14602075/authorguide#datadeposition)</a:t>
+            </a:r>
+          </a:p>
+          <a:p>
+            <a:pPr marL="285750" indent="-285750">
+              <a:buFont typeface="Arial" panose="020B0604020202020204" pitchFamily="34" charset="0"/>
+              <a:buChar char="•"/>
+            </a:pPr>
+            <a:r>
+              <a:rPr lang="en-GB" sz="2000" dirty="0">
+                <a:solidFill>
+                  <a:srgbClr val="0070C0"/>
+                </a:solidFill>
+              </a:rPr>
+              <a:t>[F1000 Research] - (https://f1000research.com/for-authors/data-guidelines)</a:t>
+            </a:r>
+          </a:p>
+          <a:p>
+            <a:pPr marL="285750" indent="-285750">
+              <a:buFont typeface="Arial" panose="020B0604020202020204" pitchFamily="34" charset="0"/>
+              <a:buChar char="•"/>
+            </a:pPr>
+            <a:r>
+              <a:rPr lang="en-GB" sz="2000" dirty="0">
+                <a:solidFill>
+                  <a:srgbClr val="0070C0"/>
+                </a:solidFill>
+              </a:rPr>
+              <a:t>[</a:t>
+            </a:r>
+            <a:r>
+              <a:rPr lang="en-GB" sz="2000" dirty="0" err="1">
+                <a:solidFill>
+                  <a:srgbClr val="0070C0"/>
+                </a:solidFill>
+              </a:rPr>
+              <a:t>GIGAscience</a:t>
+            </a:r>
+            <a:r>
+              <a:rPr lang="en-GB" sz="2000" dirty="0">
+                <a:solidFill>
+                  <a:srgbClr val="0070C0"/>
+                </a:solidFill>
+              </a:rPr>
+              <a:t> - OUP] - (https://academic.oup.com/gigascience/pages/instructions_to_authors)</a:t>
+            </a:r>
+          </a:p>
+          <a:p>
+            <a:pPr marL="285750" indent="-285750">
+              <a:buFont typeface="Arial" panose="020B0604020202020204" pitchFamily="34" charset="0"/>
+              <a:buChar char="•"/>
+            </a:pPr>
+            <a:r>
+              <a:rPr lang="en-GB" sz="2000" dirty="0">
+                <a:solidFill>
+                  <a:srgbClr val="0070C0"/>
+                </a:solidFill>
+              </a:rPr>
+              <a:t>[</a:t>
+            </a:r>
+            <a:r>
+              <a:rPr lang="en-GB" sz="2000" dirty="0" err="1">
+                <a:solidFill>
+                  <a:srgbClr val="0070C0"/>
+                </a:solidFill>
+              </a:rPr>
+              <a:t>PLoS</a:t>
+            </a:r>
+            <a:r>
+              <a:rPr lang="en-GB" sz="2000" dirty="0">
+                <a:solidFill>
+                  <a:srgbClr val="0070C0"/>
+                </a:solidFill>
+              </a:rPr>
+              <a:t>] - (https://journals.plos.org/plosbiology/s/recommended-repositories)</a:t>
+            </a:r>
+          </a:p>
+          <a:p>
+            <a:pPr marL="285750" indent="-285750">
+              <a:buFont typeface="Arial" panose="020B0604020202020204" pitchFamily="34" charset="0"/>
+              <a:buChar char="•"/>
+            </a:pPr>
+            <a:r>
+              <a:rPr lang="en-GB" sz="2000" dirty="0">
+                <a:solidFill>
+                  <a:srgbClr val="0070C0"/>
+                </a:solidFill>
+              </a:rPr>
+              <a:t>[Scientific Data - Nature] - (https://www.nature.com/sdata/policies/repositories)</a:t>
+            </a:r>
+          </a:p>
+          <a:p>
+            <a:pPr marL="285750" indent="-285750">
+              <a:buFont typeface="Arial" panose="020B0604020202020204" pitchFamily="34" charset="0"/>
+              <a:buChar char="•"/>
+            </a:pPr>
+            <a:r>
+              <a:rPr lang="en-GB" sz="2000" dirty="0">
+                <a:solidFill>
+                  <a:srgbClr val="0070C0"/>
+                </a:solidFill>
+              </a:rPr>
+              <a:t>[Taylor and Francis] - (https://authorservices.taylorandfrancis.com/data-sharing-policies/repositories/)</a:t>
+            </a:r>
+          </a:p>
+          <a:p>
+            <a:pPr marL="285750" indent="-285750">
+              <a:buFont typeface="Arial" panose="020B0604020202020204" pitchFamily="34" charset="0"/>
+              <a:buChar char="•"/>
+            </a:pPr>
+            <a:r>
+              <a:rPr lang="en-GB" sz="2000" dirty="0">
+                <a:solidFill>
+                  <a:srgbClr val="0070C0"/>
+                </a:solidFill>
+              </a:rPr>
+              <a:t>[BBSRC] - (https://bbsrc.ukri.org/research/resources/)</a:t>
+            </a:r>
+          </a:p>
+          <a:p>
+            <a:pPr marL="285750" indent="-285750">
+              <a:buFont typeface="Arial" panose="020B0604020202020204" pitchFamily="34" charset="0"/>
+              <a:buChar char="•"/>
+            </a:pPr>
+            <a:r>
+              <a:rPr lang="en-GB" sz="2000" dirty="0">
+                <a:solidFill>
+                  <a:srgbClr val="0070C0"/>
+                </a:solidFill>
+              </a:rPr>
+              <a:t>[NERC] - (https://nerc.ukri.org/research/sites/environmental-data-service-eds/policy/)</a:t>
+            </a:r>
+          </a:p>
+          <a:p>
+            <a:pPr marL="285750" indent="-285750">
+              <a:buFont typeface="Arial" panose="020B0604020202020204" pitchFamily="34" charset="0"/>
+              <a:buChar char="•"/>
+            </a:pPr>
+            <a:r>
+              <a:rPr lang="en-GB" sz="2000" dirty="0">
+                <a:solidFill>
+                  <a:srgbClr val="0070C0"/>
+                </a:solidFill>
+              </a:rPr>
+              <a:t>[Royal Society] - (https://royalsociety.org/journals/ethics-policies/data-sharing-mining/)</a:t>
+            </a:r>
+          </a:p>
+          <a:p>
+            <a:pPr marL="285750" indent="-285750">
+              <a:buFont typeface="Arial" panose="020B0604020202020204" pitchFamily="34" charset="0"/>
+              <a:buChar char="•"/>
+            </a:pPr>
+            <a:r>
+              <a:rPr lang="en-GB" sz="2000" dirty="0">
+                <a:solidFill>
+                  <a:srgbClr val="0070C0"/>
+                </a:solidFill>
+              </a:rPr>
+              <a:t>[</a:t>
+            </a:r>
+            <a:r>
+              <a:rPr lang="en-GB" sz="2000" dirty="0" err="1">
+                <a:solidFill>
+                  <a:srgbClr val="0070C0"/>
+                </a:solidFill>
+              </a:rPr>
+              <a:t>Wellcome</a:t>
+            </a:r>
+            <a:r>
+              <a:rPr lang="en-GB" sz="2000" dirty="0">
+                <a:solidFill>
+                  <a:srgbClr val="0070C0"/>
+                </a:solidFill>
+              </a:rPr>
+              <a:t> Open Research] - (https://wellcomeopenresearch.org/for-authors/data-guidelines) </a:t>
+            </a:r>
+          </a:p>
+        </p:txBody>
+      </p:sp>
+      <p:sp>
+        <p:nvSpPr>
+          <p:cNvPr id="5" name="Title 1">
+            <a:extLst>
+              <a:ext uri="{FF2B5EF4-FFF2-40B4-BE49-F238E27FC236}">
+                <a16:creationId xmlns:a16="http://schemas.microsoft.com/office/drawing/2014/main" id="{775BFE92-9990-4094-B7B2-01514614F16E}"/>
+              </a:ext>
+            </a:extLst>
+          </p:cNvPr>
+          <p:cNvSpPr>
+            <a:spLocks noGrp="1"/>
+          </p:cNvSpPr>
+          <p:nvPr>
+            <p:ph type="title"/>
+          </p:nvPr>
+        </p:nvSpPr>
+        <p:spPr>
+          <a:xfrm>
+            <a:off x="838200" y="365125"/>
+            <a:ext cx="10515600" cy="1325563"/>
+          </a:xfrm>
+        </p:spPr>
+        <p:txBody>
+          <a:bodyPr/>
+          <a:lstStyle/>
+          <a:p>
+            <a:r>
+              <a:rPr lang="pl-PL" dirty="0" err="1">
+                <a:solidFill>
+                  <a:srgbClr val="0070C0"/>
+                </a:solidFill>
+              </a:rPr>
+              <a:t>Finding</a:t>
+            </a:r>
+            <a:r>
+              <a:rPr lang="pl-PL" dirty="0">
+                <a:solidFill>
+                  <a:srgbClr val="0070C0"/>
+                </a:solidFill>
+              </a:rPr>
+              <a:t> </a:t>
+            </a:r>
+            <a:r>
+              <a:rPr lang="pl-PL" dirty="0" err="1">
+                <a:solidFill>
+                  <a:srgbClr val="0070C0"/>
+                </a:solidFill>
+              </a:rPr>
+              <a:t>repositories</a:t>
+            </a:r>
+            <a:r>
+              <a:rPr lang="pl-PL" dirty="0">
+                <a:solidFill>
+                  <a:srgbClr val="0070C0"/>
+                </a:solidFill>
+              </a:rPr>
+              <a:t> – </a:t>
+            </a:r>
+            <a:r>
+              <a:rPr lang="pl-PL" dirty="0" err="1">
+                <a:solidFill>
+                  <a:srgbClr val="0070C0"/>
+                </a:solidFill>
+              </a:rPr>
+              <a:t>use</a:t>
+            </a:r>
+            <a:r>
+              <a:rPr lang="pl-PL" dirty="0">
+                <a:solidFill>
+                  <a:srgbClr val="0070C0"/>
+                </a:solidFill>
+              </a:rPr>
+              <a:t> </a:t>
+            </a:r>
+            <a:r>
+              <a:rPr lang="pl-PL" dirty="0" err="1">
+                <a:solidFill>
+                  <a:srgbClr val="0070C0"/>
+                </a:solidFill>
+              </a:rPr>
+              <a:t>recommendations</a:t>
+            </a:r>
+            <a:endParaRPr lang="en-GB" dirty="0">
+              <a:solidFill>
+                <a:srgbClr val="0070C0"/>
+              </a:solidFill>
+            </a:endParaRPr>
+          </a:p>
+        </p:txBody>
+      </p:sp>
     </p:spTree>
     <p:extLst>
       <p:ext uri="{BB962C8B-B14F-4D97-AF65-F5344CB8AC3E}">
-        <p14:creationId xmlns:p14="http://schemas.microsoft.com/office/powerpoint/2010/main" val="509458476"/>
+        <p14:creationId xmlns:p14="http://schemas.microsoft.com/office/powerpoint/2010/main" val="2392727602"/>
       </p:ext>
     </p:extLst>
   </p:cSld>
@@ -6489,6 +6131,2216 @@
     <p:extLst>
       <p:ext uri="{BB962C8B-B14F-4D97-AF65-F5344CB8AC3E}">
         <p14:creationId xmlns:p14="http://schemas.microsoft.com/office/powerpoint/2010/main" val="2808499447"/>
+      </p:ext>
+    </p:extLst>
+  </p:cSld>
+  <p:clrMapOvr>
+    <a:masterClrMapping/>
+  </p:clrMapOvr>
+</p:sld>
+</file>
+
+<file path=ppt/slides/slide20.xml><?xml version="1.0" encoding="utf-8"?>
+<p:sld xmlns:a="http://schemas.openxmlformats.org/drawingml/2006/main" xmlns:r="http://schemas.openxmlformats.org/officeDocument/2006/relationships" xmlns:p="http://schemas.openxmlformats.org/presentationml/2006/main">
+  <p:cSld>
+    <p:spTree>
+      <p:nvGrpSpPr>
+        <p:cNvPr id="1" name=""/>
+        <p:cNvGrpSpPr/>
+        <p:nvPr/>
+      </p:nvGrpSpPr>
+      <p:grpSpPr>
+        <a:xfrm>
+          <a:off x="0" y="0"/>
+          <a:ext cx="0" cy="0"/>
+          <a:chOff x="0" y="0"/>
+          <a:chExt cx="0" cy="0"/>
+        </a:xfrm>
+      </p:grpSpPr>
+      <p:sp>
+        <p:nvSpPr>
+          <p:cNvPr id="2" name="Rectangle 1"/>
+          <p:cNvSpPr/>
+          <p:nvPr/>
+        </p:nvSpPr>
+        <p:spPr>
+          <a:xfrm>
+            <a:off x="742384" y="2064189"/>
+            <a:ext cx="10981854" cy="3416320"/>
+          </a:xfrm>
+          <a:prstGeom prst="rect">
+            <a:avLst/>
+          </a:prstGeom>
+        </p:spPr>
+        <p:txBody>
+          <a:bodyPr wrap="square">
+            <a:spAutoFit/>
+          </a:bodyPr>
+          <a:lstStyle/>
+          <a:p>
+            <a:r>
+              <a:rPr lang="pl-PL" sz="2400" dirty="0" err="1">
+                <a:solidFill>
+                  <a:srgbClr val="0070C0"/>
+                </a:solidFill>
+              </a:rPr>
+              <a:t>FAIRSharing.org</a:t>
+            </a:r>
+            <a:r>
+              <a:rPr lang="pl-PL" sz="2400" dirty="0">
+                <a:solidFill>
+                  <a:srgbClr val="0070C0"/>
+                </a:solidFill>
+              </a:rPr>
+              <a:t> – search engine</a:t>
+            </a:r>
+          </a:p>
+          <a:p>
+            <a:endParaRPr lang="pl-PL" sz="2400" dirty="0">
+              <a:solidFill>
+                <a:srgbClr val="0070C0"/>
+              </a:solidFill>
+            </a:endParaRPr>
+          </a:p>
+          <a:p>
+            <a:endParaRPr lang="pl-PL" sz="2400" dirty="0">
+              <a:solidFill>
+                <a:srgbClr val="0070C0"/>
+              </a:solidFill>
+            </a:endParaRPr>
+          </a:p>
+          <a:p>
+            <a:pPr marL="342900" indent="-342900">
+              <a:buFont typeface="Arial" panose="020B0604020202020204" pitchFamily="34" charset="0"/>
+              <a:buChar char="•"/>
+            </a:pPr>
+            <a:r>
+              <a:rPr lang="pl-PL" sz="2400" dirty="0">
+                <a:solidFill>
+                  <a:srgbClr val="0070C0"/>
+                </a:solidFill>
+              </a:rPr>
+              <a:t>Repositories</a:t>
+            </a:r>
+          </a:p>
+          <a:p>
+            <a:pPr marL="342900" indent="-342900">
+              <a:buFont typeface="Arial" panose="020B0604020202020204" pitchFamily="34" charset="0"/>
+              <a:buChar char="•"/>
+            </a:pPr>
+            <a:r>
+              <a:rPr lang="pl-PL" sz="2400" dirty="0">
+                <a:solidFill>
+                  <a:srgbClr val="0070C0"/>
+                </a:solidFill>
+              </a:rPr>
+              <a:t>Data standards</a:t>
+            </a:r>
+          </a:p>
+          <a:p>
+            <a:pPr marL="342900" indent="-342900">
+              <a:buFont typeface="Arial" panose="020B0604020202020204" pitchFamily="34" charset="0"/>
+              <a:buChar char="•"/>
+            </a:pPr>
+            <a:r>
+              <a:rPr lang="pl-PL" sz="2400" dirty="0">
+                <a:solidFill>
+                  <a:srgbClr val="0070C0"/>
+                </a:solidFill>
+              </a:rPr>
+              <a:t>Policies</a:t>
+            </a:r>
+          </a:p>
+          <a:p>
+            <a:pPr marL="285750" indent="-285750">
+              <a:buFontTx/>
+              <a:buChar char="-"/>
+            </a:pPr>
+            <a:endParaRPr lang="pl-PL" sz="2400" dirty="0">
+              <a:solidFill>
+                <a:srgbClr val="0070C0"/>
+              </a:solidFill>
+            </a:endParaRPr>
+          </a:p>
+          <a:p>
+            <a:pPr marL="285750" indent="-285750">
+              <a:buFontTx/>
+              <a:buChar char="-"/>
+            </a:pPr>
+            <a:endParaRPr lang="pl-PL" sz="2400" dirty="0">
+              <a:solidFill>
+                <a:srgbClr val="0070C0"/>
+              </a:solidFill>
+            </a:endParaRPr>
+          </a:p>
+          <a:p>
+            <a:r>
+              <a:rPr lang="pl-PL" sz="2400" dirty="0">
+                <a:solidFill>
+                  <a:srgbClr val="0070C0"/>
+                </a:solidFill>
+              </a:rPr>
+              <a:t>(too) many options for each type</a:t>
+            </a:r>
+            <a:endParaRPr lang="en-GB" sz="2400" dirty="0" err="1">
+              <a:solidFill>
+                <a:srgbClr val="0070C0"/>
+              </a:solidFill>
+            </a:endParaRPr>
+          </a:p>
+        </p:txBody>
+      </p:sp>
+      <p:sp>
+        <p:nvSpPr>
+          <p:cNvPr id="5" name="Title 1">
+            <a:extLst>
+              <a:ext uri="{FF2B5EF4-FFF2-40B4-BE49-F238E27FC236}">
+                <a16:creationId xmlns:a16="http://schemas.microsoft.com/office/drawing/2014/main" id="{775BFE92-9990-4094-B7B2-01514614F16E}"/>
+              </a:ext>
+            </a:extLst>
+          </p:cNvPr>
+          <p:cNvSpPr>
+            <a:spLocks noGrp="1"/>
+          </p:cNvSpPr>
+          <p:nvPr>
+            <p:ph type="title"/>
+          </p:nvPr>
+        </p:nvSpPr>
+        <p:spPr>
+          <a:xfrm>
+            <a:off x="838200" y="365125"/>
+            <a:ext cx="10515600" cy="1325563"/>
+          </a:xfrm>
+        </p:spPr>
+        <p:txBody>
+          <a:bodyPr/>
+          <a:lstStyle/>
+          <a:p>
+            <a:r>
+              <a:rPr lang="pl-PL" dirty="0" err="1">
+                <a:solidFill>
+                  <a:srgbClr val="0070C0"/>
+                </a:solidFill>
+              </a:rPr>
+              <a:t>Finding</a:t>
+            </a:r>
+            <a:r>
+              <a:rPr lang="pl-PL" dirty="0">
+                <a:solidFill>
+                  <a:srgbClr val="0070C0"/>
+                </a:solidFill>
+              </a:rPr>
+              <a:t> </a:t>
+            </a:r>
+            <a:r>
+              <a:rPr lang="pl-PL" dirty="0" err="1">
+                <a:solidFill>
+                  <a:srgbClr val="0070C0"/>
+                </a:solidFill>
+              </a:rPr>
+              <a:t>repositories</a:t>
+            </a:r>
+            <a:endParaRPr lang="en-GB" dirty="0">
+              <a:solidFill>
+                <a:srgbClr val="0070C0"/>
+              </a:solidFill>
+            </a:endParaRPr>
+          </a:p>
+        </p:txBody>
+      </p:sp>
+    </p:spTree>
+    <p:extLst>
+      <p:ext uri="{BB962C8B-B14F-4D97-AF65-F5344CB8AC3E}">
+        <p14:creationId xmlns:p14="http://schemas.microsoft.com/office/powerpoint/2010/main" val="1889911849"/>
+      </p:ext>
+    </p:extLst>
+  </p:cSld>
+  <p:clrMapOvr>
+    <a:masterClrMapping/>
+  </p:clrMapOvr>
+</p:sld>
+</file>
+
+<file path=ppt/slides/slide21.xml><?xml version="1.0" encoding="utf-8"?>
+<p:sld xmlns:a="http://schemas.openxmlformats.org/drawingml/2006/main" xmlns:r="http://schemas.openxmlformats.org/officeDocument/2006/relationships" xmlns:p="http://schemas.openxmlformats.org/presentationml/2006/main">
+  <p:cSld>
+    <p:spTree>
+      <p:nvGrpSpPr>
+        <p:cNvPr id="1" name=""/>
+        <p:cNvGrpSpPr/>
+        <p:nvPr/>
+      </p:nvGrpSpPr>
+      <p:grpSpPr>
+        <a:xfrm>
+          <a:off x="0" y="0"/>
+          <a:ext cx="0" cy="0"/>
+          <a:chOff x="0" y="0"/>
+          <a:chExt cx="0" cy="0"/>
+        </a:xfrm>
+      </p:grpSpPr>
+      <p:sp>
+        <p:nvSpPr>
+          <p:cNvPr id="5" name="Title 1">
+            <a:extLst>
+              <a:ext uri="{FF2B5EF4-FFF2-40B4-BE49-F238E27FC236}">
+                <a16:creationId xmlns:a16="http://schemas.microsoft.com/office/drawing/2014/main" id="{775BFE92-9990-4094-B7B2-01514614F16E}"/>
+              </a:ext>
+            </a:extLst>
+          </p:cNvPr>
+          <p:cNvSpPr>
+            <a:spLocks noGrp="1"/>
+          </p:cNvSpPr>
+          <p:nvPr>
+            <p:ph type="title"/>
+          </p:nvPr>
+        </p:nvSpPr>
+        <p:spPr>
+          <a:xfrm>
+            <a:off x="838200" y="365125"/>
+            <a:ext cx="10515600" cy="1325563"/>
+          </a:xfrm>
+        </p:spPr>
+        <p:txBody>
+          <a:bodyPr/>
+          <a:lstStyle/>
+          <a:p>
+            <a:r>
+              <a:rPr lang="pl-PL" dirty="0">
+                <a:solidFill>
+                  <a:srgbClr val="0070C0"/>
+                </a:solidFill>
+              </a:rPr>
+              <a:t>Finding repository</a:t>
+            </a:r>
+            <a:endParaRPr lang="en-GB" dirty="0">
+              <a:solidFill>
+                <a:srgbClr val="0070C0"/>
+              </a:solidFill>
+            </a:endParaRPr>
+          </a:p>
+        </p:txBody>
+      </p:sp>
+      <p:sp>
+        <p:nvSpPr>
+          <p:cNvPr id="6" name="Rectangle 5">
+            <a:extLst>
+              <a:ext uri="{FF2B5EF4-FFF2-40B4-BE49-F238E27FC236}">
+                <a16:creationId xmlns:a16="http://schemas.microsoft.com/office/drawing/2014/main" id="{22F34A1D-F400-3A41-84C5-6FDD05616677}"/>
+              </a:ext>
+            </a:extLst>
+          </p:cNvPr>
+          <p:cNvSpPr/>
+          <p:nvPr/>
+        </p:nvSpPr>
+        <p:spPr>
+          <a:xfrm>
+            <a:off x="693616" y="2951946"/>
+            <a:ext cx="10981854" cy="1323439"/>
+          </a:xfrm>
+          <a:prstGeom prst="rect">
+            <a:avLst/>
+          </a:prstGeom>
+        </p:spPr>
+        <p:txBody>
+          <a:bodyPr wrap="square">
+            <a:spAutoFit/>
+          </a:bodyPr>
+          <a:lstStyle/>
+          <a:p>
+            <a:pPr algn="ctr"/>
+            <a:r>
+              <a:rPr lang="pl-PL" sz="4000" dirty="0">
+                <a:solidFill>
+                  <a:srgbClr val="0070C0"/>
+                </a:solidFill>
+              </a:rPr>
+              <a:t>Exercise</a:t>
+            </a:r>
+            <a:r>
+              <a:rPr lang="en-GB" sz="4000" dirty="0">
+                <a:solidFill>
+                  <a:srgbClr val="0070C0"/>
+                </a:solidFill>
+              </a:rPr>
+              <a:t> 4</a:t>
+            </a:r>
+            <a:endParaRPr lang="pl-PL" sz="4000" dirty="0">
+              <a:solidFill>
+                <a:srgbClr val="0070C0"/>
+              </a:solidFill>
+            </a:endParaRPr>
+          </a:p>
+          <a:p>
+            <a:pPr marL="285750" indent="-285750" algn="ctr">
+              <a:buFont typeface="Arial" panose="020B0604020202020204" pitchFamily="34" charset="0"/>
+              <a:buChar char="•"/>
+            </a:pPr>
+            <a:endParaRPr lang="en-GB" sz="4000" dirty="0">
+              <a:solidFill>
+                <a:srgbClr val="0070C0"/>
+              </a:solidFill>
+            </a:endParaRPr>
+          </a:p>
+        </p:txBody>
+      </p:sp>
+    </p:spTree>
+    <p:extLst>
+      <p:ext uri="{BB962C8B-B14F-4D97-AF65-F5344CB8AC3E}">
+        <p14:creationId xmlns:p14="http://schemas.microsoft.com/office/powerpoint/2010/main" val="213822311"/>
+      </p:ext>
+    </p:extLst>
+  </p:cSld>
+  <p:clrMapOvr>
+    <a:masterClrMapping/>
+  </p:clrMapOvr>
+</p:sld>
+</file>
+
+<file path=ppt/slides/slide22.xml><?xml version="1.0" encoding="utf-8"?>
+<p:sld xmlns:a="http://schemas.openxmlformats.org/drawingml/2006/main" xmlns:r="http://schemas.openxmlformats.org/officeDocument/2006/relationships" xmlns:p="http://schemas.openxmlformats.org/presentationml/2006/main">
+  <p:cSld>
+    <p:spTree>
+      <p:nvGrpSpPr>
+        <p:cNvPr id="1" name=""/>
+        <p:cNvGrpSpPr/>
+        <p:nvPr/>
+      </p:nvGrpSpPr>
+      <p:grpSpPr>
+        <a:xfrm>
+          <a:off x="0" y="0"/>
+          <a:ext cx="0" cy="0"/>
+          <a:chOff x="0" y="0"/>
+          <a:chExt cx="0" cy="0"/>
+        </a:xfrm>
+      </p:grpSpPr>
+      <p:sp>
+        <p:nvSpPr>
+          <p:cNvPr id="5" name="Title 1">
+            <a:extLst>
+              <a:ext uri="{FF2B5EF4-FFF2-40B4-BE49-F238E27FC236}">
+                <a16:creationId xmlns:a16="http://schemas.microsoft.com/office/drawing/2014/main" id="{775BFE92-9990-4094-B7B2-01514614F16E}"/>
+              </a:ext>
+            </a:extLst>
+          </p:cNvPr>
+          <p:cNvSpPr>
+            <a:spLocks noGrp="1"/>
+          </p:cNvSpPr>
+          <p:nvPr>
+            <p:ph type="title"/>
+          </p:nvPr>
+        </p:nvSpPr>
+        <p:spPr>
+          <a:xfrm>
+            <a:off x="838200" y="365125"/>
+            <a:ext cx="10515600" cy="1325563"/>
+          </a:xfrm>
+        </p:spPr>
+        <p:txBody>
+          <a:bodyPr/>
+          <a:lstStyle/>
+          <a:p>
+            <a:r>
+              <a:rPr lang="pl-PL" dirty="0">
+                <a:solidFill>
+                  <a:srgbClr val="0070C0"/>
+                </a:solidFill>
+              </a:rPr>
+              <a:t>Finding repository</a:t>
+            </a:r>
+            <a:r>
+              <a:rPr lang="en-GB" dirty="0">
+                <a:solidFill>
+                  <a:srgbClr val="0070C0"/>
+                </a:solidFill>
+              </a:rPr>
+              <a:t> - Solution</a:t>
+            </a:r>
+          </a:p>
+        </p:txBody>
+      </p:sp>
+      <p:sp>
+        <p:nvSpPr>
+          <p:cNvPr id="7" name="TextBox 6">
+            <a:extLst>
+              <a:ext uri="{FF2B5EF4-FFF2-40B4-BE49-F238E27FC236}">
+                <a16:creationId xmlns:a16="http://schemas.microsoft.com/office/drawing/2014/main" id="{20AB0459-2566-4B4F-B318-FA9C6A08F0E4}"/>
+              </a:ext>
+            </a:extLst>
+          </p:cNvPr>
+          <p:cNvSpPr txBox="1"/>
+          <p:nvPr/>
+        </p:nvSpPr>
+        <p:spPr>
+          <a:xfrm>
+            <a:off x="1831311" y="2021691"/>
+            <a:ext cx="7754815" cy="2814617"/>
+          </a:xfrm>
+          <a:prstGeom prst="rect">
+            <a:avLst/>
+          </a:prstGeom>
+          <a:noFill/>
+        </p:spPr>
+        <p:txBody>
+          <a:bodyPr wrap="square">
+            <a:spAutoFit/>
+          </a:bodyPr>
+          <a:lstStyle/>
+          <a:p>
+            <a:pPr>
+              <a:lnSpc>
+                <a:spcPct val="150000"/>
+              </a:lnSpc>
+            </a:pPr>
+            <a:r>
+              <a:rPr lang="en-GB" sz="2000" b="1" i="0" dirty="0">
+                <a:solidFill>
+                  <a:srgbClr val="333333"/>
+                </a:solidFill>
+                <a:effectLst/>
+                <a:latin typeface="Ubuntu"/>
+              </a:rPr>
+              <a:t>Find a repo for genomics data:</a:t>
+            </a:r>
+          </a:p>
+          <a:p>
+            <a:pPr>
+              <a:lnSpc>
+                <a:spcPct val="150000"/>
+              </a:lnSpc>
+            </a:pPr>
+            <a:r>
+              <a:rPr lang="en-GB" sz="2000" b="0" i="0" dirty="0">
+                <a:solidFill>
+                  <a:srgbClr val="333333"/>
+                </a:solidFill>
+                <a:effectLst/>
+                <a:latin typeface="Ubuntu"/>
+              </a:rPr>
+              <a:t>GEO/SRA and ENA/</a:t>
+            </a:r>
+            <a:r>
+              <a:rPr lang="en-GB" sz="2000" b="0" i="0" dirty="0" err="1">
+                <a:solidFill>
+                  <a:srgbClr val="333333"/>
+                </a:solidFill>
+                <a:effectLst/>
+                <a:latin typeface="Ubuntu"/>
+              </a:rPr>
+              <a:t>ArrayExpress</a:t>
+            </a:r>
+            <a:r>
+              <a:rPr lang="en-GB" sz="2000" b="0" i="0" dirty="0">
+                <a:solidFill>
+                  <a:srgbClr val="333333"/>
+                </a:solidFill>
+                <a:effectLst/>
+                <a:latin typeface="Ubuntu"/>
+              </a:rPr>
+              <a:t> are good examples. Interestingly these repositories do not issue a DOI.</a:t>
+            </a:r>
+          </a:p>
+          <a:p>
+            <a:pPr marL="342900" indent="-342900">
+              <a:lnSpc>
+                <a:spcPct val="150000"/>
+              </a:lnSpc>
+              <a:buAutoNum type="alphaLcParenR"/>
+            </a:pPr>
+            <a:endParaRPr lang="en-GB" sz="2000" dirty="0">
+              <a:solidFill>
+                <a:srgbClr val="333333"/>
+              </a:solidFill>
+              <a:latin typeface="Ubuntu"/>
+            </a:endParaRPr>
+          </a:p>
+          <a:p>
+            <a:pPr>
+              <a:lnSpc>
+                <a:spcPct val="150000"/>
+              </a:lnSpc>
+            </a:pPr>
+            <a:r>
+              <a:rPr lang="en-GB" sz="2000" b="1" i="0" dirty="0">
+                <a:solidFill>
+                  <a:srgbClr val="333333"/>
+                </a:solidFill>
+                <a:effectLst/>
+                <a:latin typeface="Ubuntu"/>
+              </a:rPr>
+              <a:t>Find a repo for microscopy data:</a:t>
+            </a:r>
+            <a:endParaRPr lang="en-GB" sz="2000" b="1" dirty="0">
+              <a:solidFill>
+                <a:srgbClr val="333333"/>
+              </a:solidFill>
+              <a:latin typeface="Ubuntu"/>
+            </a:endParaRPr>
+          </a:p>
+          <a:p>
+            <a:pPr>
+              <a:lnSpc>
+                <a:spcPct val="150000"/>
+              </a:lnSpc>
+            </a:pPr>
+            <a:r>
+              <a:rPr lang="en-GB" sz="2000" b="0" i="0" dirty="0">
+                <a:solidFill>
+                  <a:srgbClr val="333333"/>
+                </a:solidFill>
+                <a:effectLst/>
+                <a:latin typeface="Ubuntu"/>
+              </a:rPr>
+              <a:t>IDR is good examples.</a:t>
+            </a:r>
+            <a:endParaRPr lang="en-GB" sz="2000" dirty="0"/>
+          </a:p>
+        </p:txBody>
+      </p:sp>
+    </p:spTree>
+    <p:extLst>
+      <p:ext uri="{BB962C8B-B14F-4D97-AF65-F5344CB8AC3E}">
+        <p14:creationId xmlns:p14="http://schemas.microsoft.com/office/powerpoint/2010/main" val="489845771"/>
+      </p:ext>
+    </p:extLst>
+  </p:cSld>
+  <p:clrMapOvr>
+    <a:masterClrMapping/>
+  </p:clrMapOvr>
+</p:sld>
+</file>
+
+<file path=ppt/slides/slide23.xml><?xml version="1.0" encoding="utf-8"?>
+<p:sld xmlns:a="http://schemas.openxmlformats.org/drawingml/2006/main" xmlns:r="http://schemas.openxmlformats.org/officeDocument/2006/relationships" xmlns:p="http://schemas.openxmlformats.org/presentationml/2006/main">
+  <p:cSld>
+    <p:spTree>
+      <p:nvGrpSpPr>
+        <p:cNvPr id="1" name=""/>
+        <p:cNvGrpSpPr/>
+        <p:nvPr/>
+      </p:nvGrpSpPr>
+      <p:grpSpPr>
+        <a:xfrm>
+          <a:off x="0" y="0"/>
+          <a:ext cx="0" cy="0"/>
+          <a:chOff x="0" y="0"/>
+          <a:chExt cx="0" cy="0"/>
+        </a:xfrm>
+      </p:grpSpPr>
+      <p:sp>
+        <p:nvSpPr>
+          <p:cNvPr id="2" name="Rectangle 1"/>
+          <p:cNvSpPr/>
+          <p:nvPr/>
+        </p:nvSpPr>
+        <p:spPr>
+          <a:xfrm>
+            <a:off x="742384" y="1451031"/>
+            <a:ext cx="10981854" cy="5016758"/>
+          </a:xfrm>
+          <a:prstGeom prst="rect">
+            <a:avLst/>
+          </a:prstGeom>
+        </p:spPr>
+        <p:txBody>
+          <a:bodyPr wrap="square">
+            <a:spAutoFit/>
+          </a:bodyPr>
+          <a:lstStyle/>
+          <a:p>
+            <a:r>
+              <a:rPr lang="pl-PL" sz="2000" b="1" dirty="0">
+                <a:solidFill>
+                  <a:srgbClr val="0070C0"/>
+                </a:solidFill>
+              </a:rPr>
+              <a:t>1. </a:t>
+            </a:r>
+            <a:r>
+              <a:rPr lang="pl-PL" sz="2000" b="1" dirty="0" err="1">
+                <a:solidFill>
+                  <a:srgbClr val="0070C0"/>
+                </a:solidFill>
+              </a:rPr>
+              <a:t>Who</a:t>
+            </a:r>
+            <a:r>
+              <a:rPr lang="pl-PL" sz="2000" b="1" dirty="0">
+                <a:solidFill>
+                  <a:srgbClr val="0070C0"/>
+                </a:solidFill>
+              </a:rPr>
+              <a:t> is behind it? What is its funding?</a:t>
+            </a:r>
+          </a:p>
+          <a:p>
+            <a:endParaRPr lang="pl-PL" sz="2000" dirty="0">
+              <a:solidFill>
+                <a:srgbClr val="0070C0"/>
+              </a:solidFill>
+            </a:endParaRPr>
+          </a:p>
+          <a:p>
+            <a:r>
+              <a:rPr lang="pl-PL" sz="2000" b="1" dirty="0">
+                <a:solidFill>
+                  <a:srgbClr val="0070C0"/>
+                </a:solidFill>
+              </a:rPr>
+              <a:t>2. Q</a:t>
+            </a:r>
+            <a:r>
+              <a:rPr lang="en-GB" sz="2000" b="1" dirty="0" err="1">
+                <a:solidFill>
+                  <a:srgbClr val="0070C0"/>
+                </a:solidFill>
+              </a:rPr>
+              <a:t>uality</a:t>
+            </a:r>
+            <a:r>
+              <a:rPr lang="en-GB" sz="2000" b="1" dirty="0">
+                <a:solidFill>
+                  <a:srgbClr val="0070C0"/>
+                </a:solidFill>
+              </a:rPr>
+              <a:t> of interaction</a:t>
+            </a:r>
+            <a:r>
+              <a:rPr lang="pl-PL" sz="2000" b="1" dirty="0">
+                <a:solidFill>
+                  <a:srgbClr val="0070C0"/>
+                </a:solidFill>
+              </a:rPr>
+              <a:t>/interface</a:t>
+            </a:r>
+            <a:r>
+              <a:rPr lang="en-GB" sz="2000" b="1" dirty="0">
+                <a:solidFill>
+                  <a:srgbClr val="0070C0"/>
+                </a:solidFill>
+              </a:rPr>
+              <a:t>: </a:t>
+            </a:r>
+            <a:br>
+              <a:rPr lang="pl-PL" sz="2000" dirty="0">
+                <a:solidFill>
+                  <a:srgbClr val="0070C0"/>
+                </a:solidFill>
+              </a:rPr>
+            </a:br>
+            <a:r>
+              <a:rPr lang="pl-PL" sz="2000" dirty="0">
+                <a:solidFill>
+                  <a:srgbClr val="0070C0"/>
+                </a:solidFill>
+              </a:rPr>
+              <a:t>	</a:t>
+            </a:r>
+            <a:r>
+              <a:rPr lang="en-GB" sz="2000" dirty="0">
+                <a:solidFill>
+                  <a:srgbClr val="0070C0"/>
+                </a:solidFill>
+              </a:rPr>
+              <a:t>is the interaction for purposes of data deposit or reuse efficient, </a:t>
+            </a:r>
+          </a:p>
+          <a:p>
+            <a:r>
+              <a:rPr lang="en-GB" sz="2000" dirty="0">
+                <a:solidFill>
+                  <a:srgbClr val="0070C0"/>
+                </a:solidFill>
+              </a:rPr>
+              <a:t>	effective and satisfactory for you?</a:t>
+            </a:r>
+          </a:p>
+          <a:p>
+            <a:endParaRPr lang="pl-PL" sz="2000" dirty="0">
+              <a:solidFill>
+                <a:srgbClr val="0070C0"/>
+              </a:solidFill>
+            </a:endParaRPr>
+          </a:p>
+          <a:p>
+            <a:r>
+              <a:rPr lang="pl-PL" sz="2000" b="1" dirty="0">
+                <a:solidFill>
+                  <a:srgbClr val="0070C0"/>
+                </a:solidFill>
+              </a:rPr>
+              <a:t>3. T</a:t>
+            </a:r>
+            <a:r>
+              <a:rPr lang="en-GB" sz="2000" b="1" dirty="0" err="1">
+                <a:solidFill>
+                  <a:srgbClr val="0070C0"/>
+                </a:solidFill>
+              </a:rPr>
+              <a:t>ake</a:t>
+            </a:r>
+            <a:r>
+              <a:rPr lang="en-GB" sz="2000" b="1" dirty="0">
+                <a:solidFill>
+                  <a:srgbClr val="0070C0"/>
+                </a:solidFill>
+              </a:rPr>
+              <a:t>-up and impact: </a:t>
+            </a:r>
+            <a:endParaRPr lang="pl-PL" sz="2000" b="1" dirty="0">
+              <a:solidFill>
+                <a:srgbClr val="0070C0"/>
+              </a:solidFill>
+            </a:endParaRPr>
+          </a:p>
+          <a:p>
+            <a:r>
+              <a:rPr lang="pl-PL" sz="2000" dirty="0">
+                <a:solidFill>
+                  <a:srgbClr val="0070C0"/>
+                </a:solidFill>
+              </a:rPr>
+              <a:t>	</a:t>
+            </a:r>
+            <a:r>
+              <a:rPr lang="en-GB" sz="2000" dirty="0">
+                <a:solidFill>
+                  <a:srgbClr val="0070C0"/>
+                </a:solidFill>
+              </a:rPr>
+              <a:t>what can I put in it? </a:t>
+            </a:r>
+            <a:br>
+              <a:rPr lang="pl-PL" sz="2000" dirty="0">
+                <a:solidFill>
+                  <a:srgbClr val="0070C0"/>
+                </a:solidFill>
+              </a:rPr>
+            </a:br>
+            <a:r>
+              <a:rPr lang="pl-PL" sz="2000" dirty="0">
+                <a:solidFill>
+                  <a:srgbClr val="0070C0"/>
+                </a:solidFill>
+              </a:rPr>
+              <a:t>	i</a:t>
+            </a:r>
+            <a:r>
+              <a:rPr lang="en-GB" sz="2000" dirty="0">
+                <a:solidFill>
+                  <a:srgbClr val="0070C0"/>
+                </a:solidFill>
+              </a:rPr>
+              <a:t>s anyone else using it? </a:t>
+            </a:r>
+            <a:br>
+              <a:rPr lang="pl-PL" sz="2000" dirty="0">
+                <a:solidFill>
+                  <a:srgbClr val="0070C0"/>
+                </a:solidFill>
+              </a:rPr>
+            </a:br>
+            <a:r>
+              <a:rPr lang="pl-PL" sz="2000" dirty="0">
+                <a:solidFill>
+                  <a:srgbClr val="0070C0"/>
+                </a:solidFill>
+              </a:rPr>
+              <a:t>	w</a:t>
+            </a:r>
+            <a:r>
+              <a:rPr lang="en-GB" sz="2000" dirty="0">
+                <a:solidFill>
+                  <a:srgbClr val="0070C0"/>
+                </a:solidFill>
+              </a:rPr>
+              <a:t>ill others be able to find stuff deposited in it?</a:t>
+            </a:r>
+            <a:br>
+              <a:rPr lang="pl-PL" sz="2000" dirty="0">
+                <a:solidFill>
+                  <a:srgbClr val="0070C0"/>
+                </a:solidFill>
+              </a:rPr>
+            </a:br>
+            <a:r>
+              <a:rPr lang="pl-PL" sz="2000" dirty="0">
+                <a:solidFill>
+                  <a:srgbClr val="0070C0"/>
+                </a:solidFill>
+              </a:rPr>
+              <a:t>	is</a:t>
+            </a:r>
+            <a:r>
+              <a:rPr lang="en-GB" sz="2000" dirty="0">
+                <a:solidFill>
+                  <a:srgbClr val="0070C0"/>
+                </a:solidFill>
+              </a:rPr>
+              <a:t> the repository linked to other data repositories</a:t>
+            </a:r>
+            <a:r>
+              <a:rPr lang="pl-PL" sz="2000" dirty="0">
+                <a:solidFill>
+                  <a:srgbClr val="0070C0"/>
+                </a:solidFill>
+              </a:rPr>
+              <a:t>?</a:t>
+            </a:r>
+            <a:br>
+              <a:rPr lang="pl-PL" sz="2000" dirty="0">
+                <a:solidFill>
+                  <a:srgbClr val="0070C0"/>
+                </a:solidFill>
+              </a:rPr>
+            </a:br>
+            <a:r>
+              <a:rPr lang="pl-PL" sz="2000" dirty="0">
+                <a:solidFill>
+                  <a:srgbClr val="0070C0"/>
+                </a:solidFill>
+              </a:rPr>
+              <a:t>	c</a:t>
+            </a:r>
+            <a:r>
+              <a:rPr lang="en-GB" sz="2000" dirty="0">
+                <a:solidFill>
+                  <a:srgbClr val="0070C0"/>
+                </a:solidFill>
+              </a:rPr>
+              <a:t>an others cite the data?</a:t>
+            </a:r>
+            <a:endParaRPr lang="pl-PL" sz="2000" dirty="0">
+              <a:solidFill>
+                <a:srgbClr val="0070C0"/>
+              </a:solidFill>
+            </a:endParaRPr>
+          </a:p>
+          <a:p>
+            <a:endParaRPr lang="en-GB" sz="2000" dirty="0">
+              <a:solidFill>
+                <a:srgbClr val="0070C0"/>
+              </a:solidFill>
+            </a:endParaRPr>
+          </a:p>
+          <a:p>
+            <a:r>
+              <a:rPr lang="pl-PL" sz="2000" b="1" dirty="0">
+                <a:solidFill>
+                  <a:srgbClr val="0070C0"/>
+                </a:solidFill>
+              </a:rPr>
+              <a:t>4. P</a:t>
+            </a:r>
+            <a:r>
+              <a:rPr lang="en-GB" sz="2000" b="1" dirty="0" err="1">
+                <a:solidFill>
+                  <a:srgbClr val="0070C0"/>
+                </a:solidFill>
+              </a:rPr>
+              <a:t>olicy</a:t>
+            </a:r>
+            <a:r>
+              <a:rPr lang="en-GB" sz="2000" b="1" dirty="0">
+                <a:solidFill>
+                  <a:srgbClr val="0070C0"/>
+                </a:solidFill>
+              </a:rPr>
+              <a:t> and process: </a:t>
+            </a:r>
+            <a:br>
+              <a:rPr lang="pl-PL" sz="2000" dirty="0">
+                <a:solidFill>
+                  <a:srgbClr val="0070C0"/>
+                </a:solidFill>
+              </a:rPr>
+            </a:br>
+            <a:r>
+              <a:rPr lang="pl-PL" sz="2000" dirty="0">
+                <a:solidFill>
+                  <a:srgbClr val="0070C0"/>
+                </a:solidFill>
+              </a:rPr>
+              <a:t>	d</a:t>
+            </a:r>
+            <a:r>
+              <a:rPr lang="en-GB" sz="2000" dirty="0" err="1">
+                <a:solidFill>
+                  <a:srgbClr val="0070C0"/>
+                </a:solidFill>
+              </a:rPr>
+              <a:t>oes</a:t>
+            </a:r>
+            <a:r>
+              <a:rPr lang="en-GB" sz="2000" dirty="0">
+                <a:solidFill>
+                  <a:srgbClr val="0070C0"/>
+                </a:solidFill>
+              </a:rPr>
+              <a:t> it help meet</a:t>
+            </a:r>
+            <a:r>
+              <a:rPr lang="pl-PL" sz="2000" dirty="0">
+                <a:solidFill>
+                  <a:srgbClr val="0070C0"/>
+                </a:solidFill>
+              </a:rPr>
+              <a:t>ing</a:t>
+            </a:r>
+            <a:r>
+              <a:rPr lang="en-GB" sz="2000" dirty="0">
+                <a:solidFill>
+                  <a:srgbClr val="0070C0"/>
+                </a:solidFill>
+              </a:rPr>
+              <a:t> community standards</a:t>
+            </a:r>
+            <a:r>
+              <a:rPr lang="pl-PL" sz="2000" dirty="0">
+                <a:solidFill>
+                  <a:srgbClr val="0070C0"/>
+                </a:solidFill>
+              </a:rPr>
+              <a:t>,</a:t>
+            </a:r>
+            <a:r>
+              <a:rPr lang="en-GB" sz="2000" dirty="0">
+                <a:solidFill>
+                  <a:srgbClr val="0070C0"/>
+                </a:solidFill>
+              </a:rPr>
+              <a:t> good practice</a:t>
+            </a:r>
+            <a:r>
+              <a:rPr lang="pl-PL" sz="2000" dirty="0">
+                <a:solidFill>
+                  <a:srgbClr val="0070C0"/>
+                </a:solidFill>
+              </a:rPr>
+              <a:t>s</a:t>
+            </a:r>
+            <a:r>
+              <a:rPr lang="en-GB" sz="2000" dirty="0">
+                <a:solidFill>
+                  <a:srgbClr val="0070C0"/>
+                </a:solidFill>
+              </a:rPr>
+              <a:t> </a:t>
+            </a:r>
+            <a:r>
+              <a:rPr lang="pl-PL" sz="2000" dirty="0">
+                <a:solidFill>
+                  <a:srgbClr val="0070C0"/>
+                </a:solidFill>
+              </a:rPr>
+              <a:t>and</a:t>
+            </a:r>
+            <a:r>
+              <a:rPr lang="en-GB" sz="2000" dirty="0">
+                <a:solidFill>
+                  <a:srgbClr val="0070C0"/>
+                </a:solidFill>
+              </a:rPr>
+              <a:t> policies</a:t>
+            </a:r>
+            <a:r>
+              <a:rPr lang="pl-PL" sz="2000" dirty="0">
+                <a:solidFill>
+                  <a:srgbClr val="0070C0"/>
+                </a:solidFill>
+              </a:rPr>
+              <a:t>?</a:t>
+            </a:r>
+            <a:br>
+              <a:rPr lang="pl-PL" sz="2000" dirty="0">
+                <a:solidFill>
+                  <a:srgbClr val="0070C0"/>
+                </a:solidFill>
+              </a:rPr>
+            </a:br>
+            <a:r>
+              <a:rPr lang="pl-PL" sz="2000" dirty="0">
+                <a:solidFill>
+                  <a:srgbClr val="0070C0"/>
+                </a:solidFill>
+              </a:rPr>
+              <a:t>	is </a:t>
+            </a:r>
+            <a:r>
+              <a:rPr lang="pl-PL" sz="2000" dirty="0" err="1">
+                <a:solidFill>
+                  <a:srgbClr val="0070C0"/>
+                </a:solidFill>
+              </a:rPr>
+              <a:t>it</a:t>
+            </a:r>
+            <a:r>
+              <a:rPr lang="pl-PL" sz="2000" dirty="0">
+                <a:solidFill>
+                  <a:srgbClr val="0070C0"/>
+                </a:solidFill>
+              </a:rPr>
+              <a:t> </a:t>
+            </a:r>
+            <a:r>
+              <a:rPr lang="pl-PL" sz="2000" dirty="0" err="1">
+                <a:solidFill>
+                  <a:srgbClr val="0070C0"/>
+                </a:solidFill>
+              </a:rPr>
+              <a:t>curated</a:t>
+            </a:r>
+            <a:r>
+              <a:rPr lang="pl-PL" sz="2000" dirty="0">
+                <a:solidFill>
+                  <a:srgbClr val="0070C0"/>
+                </a:solidFill>
+              </a:rPr>
+              <a:t>?</a:t>
+            </a:r>
+          </a:p>
+        </p:txBody>
+      </p:sp>
+      <p:sp>
+        <p:nvSpPr>
+          <p:cNvPr id="5" name="Title 1">
+            <a:extLst>
+              <a:ext uri="{FF2B5EF4-FFF2-40B4-BE49-F238E27FC236}">
+                <a16:creationId xmlns:a16="http://schemas.microsoft.com/office/drawing/2014/main" id="{775BFE92-9990-4094-B7B2-01514614F16E}"/>
+              </a:ext>
+            </a:extLst>
+          </p:cNvPr>
+          <p:cNvSpPr>
+            <a:spLocks noGrp="1"/>
+          </p:cNvSpPr>
+          <p:nvPr>
+            <p:ph type="title"/>
+          </p:nvPr>
+        </p:nvSpPr>
+        <p:spPr>
+          <a:xfrm>
+            <a:off x="838200" y="365125"/>
+            <a:ext cx="10515600" cy="1325563"/>
+          </a:xfrm>
+        </p:spPr>
+        <p:txBody>
+          <a:bodyPr/>
+          <a:lstStyle/>
+          <a:p>
+            <a:r>
+              <a:rPr lang="en-GB" dirty="0">
+                <a:solidFill>
+                  <a:srgbClr val="0070C0"/>
+                </a:solidFill>
+              </a:rPr>
+              <a:t>Evaluating a data repository</a:t>
+            </a:r>
+          </a:p>
+        </p:txBody>
+      </p:sp>
+    </p:spTree>
+    <p:extLst>
+      <p:ext uri="{BB962C8B-B14F-4D97-AF65-F5344CB8AC3E}">
+        <p14:creationId xmlns:p14="http://schemas.microsoft.com/office/powerpoint/2010/main" val="2410312540"/>
+      </p:ext>
+    </p:extLst>
+  </p:cSld>
+  <p:clrMapOvr>
+    <a:masterClrMapping/>
+  </p:clrMapOvr>
+</p:sld>
+</file>
+
+<file path=ppt/slides/slide24.xml><?xml version="1.0" encoding="utf-8"?>
+<p:sld xmlns:a="http://schemas.openxmlformats.org/drawingml/2006/main" xmlns:r="http://schemas.openxmlformats.org/officeDocument/2006/relationships" xmlns:p="http://schemas.openxmlformats.org/presentationml/2006/main">
+  <p:cSld>
+    <p:spTree>
+      <p:nvGrpSpPr>
+        <p:cNvPr id="1" name=""/>
+        <p:cNvGrpSpPr/>
+        <p:nvPr/>
+      </p:nvGrpSpPr>
+      <p:grpSpPr>
+        <a:xfrm>
+          <a:off x="0" y="0"/>
+          <a:ext cx="0" cy="0"/>
+          <a:chOff x="0" y="0"/>
+          <a:chExt cx="0" cy="0"/>
+        </a:xfrm>
+      </p:grpSpPr>
+      <p:sp>
+        <p:nvSpPr>
+          <p:cNvPr id="2" name="Rectangle 1"/>
+          <p:cNvSpPr/>
+          <p:nvPr/>
+        </p:nvSpPr>
+        <p:spPr>
+          <a:xfrm>
+            <a:off x="730192" y="1690688"/>
+            <a:ext cx="10981854" cy="4467057"/>
+          </a:xfrm>
+          <a:prstGeom prst="rect">
+            <a:avLst/>
+          </a:prstGeom>
+        </p:spPr>
+        <p:txBody>
+          <a:bodyPr wrap="square">
+            <a:spAutoFit/>
+          </a:bodyPr>
+          <a:lstStyle/>
+          <a:p>
+            <a:pPr marL="285750" indent="-285750">
+              <a:lnSpc>
+                <a:spcPct val="150000"/>
+              </a:lnSpc>
+              <a:buFont typeface="Arial" panose="020B0604020202020204" pitchFamily="34" charset="0"/>
+              <a:buChar char="•"/>
+            </a:pPr>
+            <a:r>
+              <a:rPr lang="en-GB" sz="2400" dirty="0">
+                <a:solidFill>
+                  <a:srgbClr val="0070C0"/>
+                </a:solidFill>
+              </a:rPr>
+              <a:t>Find suitable repository(</a:t>
+            </a:r>
+            <a:r>
+              <a:rPr lang="en-GB" sz="2400" dirty="0" err="1">
+                <a:solidFill>
+                  <a:srgbClr val="0070C0"/>
+                </a:solidFill>
+              </a:rPr>
+              <a:t>ies</a:t>
+            </a:r>
+            <a:r>
+              <a:rPr lang="en-GB" sz="2400" dirty="0">
+                <a:solidFill>
+                  <a:srgbClr val="0070C0"/>
+                </a:solidFill>
+              </a:rPr>
+              <a:t>) as soon as you get your data</a:t>
+            </a:r>
+          </a:p>
+          <a:p>
+            <a:pPr marL="285750" indent="-285750">
+              <a:lnSpc>
+                <a:spcPct val="150000"/>
+              </a:lnSpc>
+              <a:buFont typeface="Arial" panose="020B0604020202020204" pitchFamily="34" charset="0"/>
+              <a:buChar char="•"/>
+            </a:pPr>
+            <a:r>
+              <a:rPr lang="en-GB" sz="2400" dirty="0">
+                <a:solidFill>
+                  <a:srgbClr val="0070C0"/>
+                </a:solidFill>
+              </a:rPr>
+              <a:t>If repository permits embargo deposit data as soon as you get it (especially if analysed externally)</a:t>
+            </a:r>
+            <a:endParaRPr lang="pl-PL" sz="2400" dirty="0">
+              <a:solidFill>
+                <a:srgbClr val="0070C0"/>
+              </a:solidFill>
+            </a:endParaRPr>
+          </a:p>
+          <a:p>
+            <a:pPr marL="285750" indent="-285750">
+              <a:lnSpc>
+                <a:spcPct val="150000"/>
+              </a:lnSpc>
+              <a:buFont typeface="Arial" panose="020B0604020202020204" pitchFamily="34" charset="0"/>
+              <a:buChar char="•"/>
+            </a:pPr>
+            <a:r>
+              <a:rPr lang="en-GB" sz="2400" dirty="0">
+                <a:solidFill>
+                  <a:srgbClr val="0070C0"/>
+                </a:solidFill>
+              </a:rPr>
+              <a:t>Deposit simultaneously to a very specialized repo and a „main stream” one</a:t>
+            </a:r>
+            <a:r>
+              <a:rPr lang="pl-PL" sz="2400" dirty="0">
+                <a:solidFill>
+                  <a:srgbClr val="0070C0"/>
+                </a:solidFill>
+              </a:rPr>
+              <a:t> (better </a:t>
+            </a:r>
+            <a:r>
+              <a:rPr lang="pl-PL" sz="2400" dirty="0" err="1">
+                <a:solidFill>
+                  <a:srgbClr val="0070C0"/>
+                </a:solidFill>
+              </a:rPr>
+              <a:t>discovery</a:t>
+            </a:r>
+            <a:r>
+              <a:rPr lang="pl-PL" sz="2400" dirty="0">
+                <a:solidFill>
+                  <a:srgbClr val="0070C0"/>
+                </a:solidFill>
+              </a:rPr>
+              <a:t>)</a:t>
+            </a:r>
+          </a:p>
+          <a:p>
+            <a:pPr marL="285750" indent="-285750">
+              <a:lnSpc>
+                <a:spcPct val="150000"/>
+              </a:lnSpc>
+              <a:buFont typeface="Arial" panose="020B0604020202020204" pitchFamily="34" charset="0"/>
+              <a:buChar char="•"/>
+            </a:pPr>
+            <a:r>
+              <a:rPr lang="en-GB" sz="2400" dirty="0">
+                <a:solidFill>
+                  <a:srgbClr val="0070C0"/>
+                </a:solidFill>
+              </a:rPr>
+              <a:t>Cross link your repositories’ records </a:t>
+            </a:r>
+            <a:endParaRPr lang="pl-PL" sz="2400" dirty="0">
+              <a:solidFill>
+                <a:srgbClr val="0070C0"/>
+              </a:solidFill>
+            </a:endParaRPr>
+          </a:p>
+          <a:p>
+            <a:pPr marL="285750" indent="-285750">
+              <a:lnSpc>
+                <a:spcPct val="150000"/>
+              </a:lnSpc>
+              <a:buFont typeface="Arial" panose="020B0604020202020204" pitchFamily="34" charset="0"/>
+              <a:buChar char="•"/>
+            </a:pPr>
+            <a:r>
+              <a:rPr lang="en-GB" sz="2400" dirty="0">
+                <a:solidFill>
+                  <a:srgbClr val="0070C0"/>
+                </a:solidFill>
+              </a:rPr>
+              <a:t>Add data availability</a:t>
+            </a:r>
+            <a:r>
+              <a:rPr lang="pl-PL" sz="2400" dirty="0">
+                <a:solidFill>
+                  <a:srgbClr val="0070C0"/>
+                </a:solidFill>
+              </a:rPr>
+              <a:t> section to your papers and list all the public </a:t>
+            </a:r>
+            <a:r>
+              <a:rPr lang="pl-PL" sz="2400" dirty="0" err="1">
+                <a:solidFill>
+                  <a:srgbClr val="0070C0"/>
+                </a:solidFill>
+              </a:rPr>
+              <a:t>records</a:t>
+            </a:r>
+            <a:endParaRPr lang="pl-PL" sz="2400" dirty="0">
+              <a:solidFill>
+                <a:srgbClr val="0070C0"/>
+              </a:solidFill>
+            </a:endParaRPr>
+          </a:p>
+          <a:p>
+            <a:pPr marL="285750" indent="-285750">
+              <a:lnSpc>
+                <a:spcPct val="150000"/>
+              </a:lnSpc>
+              <a:buFont typeface="Arial" panose="020B0604020202020204" pitchFamily="34" charset="0"/>
+              <a:buChar char="•"/>
+            </a:pPr>
+            <a:r>
+              <a:rPr lang="pl-PL" sz="2400" dirty="0">
+                <a:solidFill>
+                  <a:srgbClr val="0070C0"/>
+                </a:solidFill>
+              </a:rPr>
+              <a:t>List your data sets in ORCID</a:t>
+            </a:r>
+            <a:r>
+              <a:rPr lang="en-GB" sz="2400" dirty="0">
+                <a:solidFill>
+                  <a:srgbClr val="0070C0"/>
+                </a:solidFill>
+              </a:rPr>
+              <a:t> </a:t>
+            </a:r>
+          </a:p>
+        </p:txBody>
+      </p:sp>
+      <p:sp>
+        <p:nvSpPr>
+          <p:cNvPr id="5" name="Title 1">
+            <a:extLst>
+              <a:ext uri="{FF2B5EF4-FFF2-40B4-BE49-F238E27FC236}">
+                <a16:creationId xmlns:a16="http://schemas.microsoft.com/office/drawing/2014/main" id="{775BFE92-9990-4094-B7B2-01514614F16E}"/>
+              </a:ext>
+            </a:extLst>
+          </p:cNvPr>
+          <p:cNvSpPr>
+            <a:spLocks noGrp="1"/>
+          </p:cNvSpPr>
+          <p:nvPr>
+            <p:ph type="title"/>
+          </p:nvPr>
+        </p:nvSpPr>
+        <p:spPr>
+          <a:xfrm>
+            <a:off x="838200" y="365125"/>
+            <a:ext cx="10515600" cy="1325563"/>
+          </a:xfrm>
+        </p:spPr>
+        <p:txBody>
+          <a:bodyPr/>
+          <a:lstStyle/>
+          <a:p>
+            <a:r>
+              <a:rPr lang="pl-PL" dirty="0">
+                <a:solidFill>
+                  <a:srgbClr val="0070C0"/>
+                </a:solidFill>
+              </a:rPr>
+              <a:t>Repositories Summary</a:t>
+            </a:r>
+            <a:endParaRPr lang="en-GB" dirty="0">
+              <a:solidFill>
+                <a:srgbClr val="0070C0"/>
+              </a:solidFill>
+            </a:endParaRPr>
+          </a:p>
+        </p:txBody>
+      </p:sp>
+    </p:spTree>
+    <p:extLst>
+      <p:ext uri="{BB962C8B-B14F-4D97-AF65-F5344CB8AC3E}">
+        <p14:creationId xmlns:p14="http://schemas.microsoft.com/office/powerpoint/2010/main" val="2464484896"/>
+      </p:ext>
+    </p:extLst>
+  </p:cSld>
+  <p:clrMapOvr>
+    <a:masterClrMapping/>
+  </p:clrMapOvr>
+</p:sld>
+</file>
+
+<file path=ppt/slides/slide25.xml><?xml version="1.0" encoding="utf-8"?>
+<p:sld xmlns:a="http://schemas.openxmlformats.org/drawingml/2006/main" xmlns:r="http://schemas.openxmlformats.org/officeDocument/2006/relationships" xmlns:p="http://schemas.openxmlformats.org/presentationml/2006/main">
+  <p:cSld>
+    <p:spTree>
+      <p:nvGrpSpPr>
+        <p:cNvPr id="1" name=""/>
+        <p:cNvGrpSpPr/>
+        <p:nvPr/>
+      </p:nvGrpSpPr>
+      <p:grpSpPr>
+        <a:xfrm>
+          <a:off x="0" y="0"/>
+          <a:ext cx="0" cy="0"/>
+          <a:chOff x="0" y="0"/>
+          <a:chExt cx="0" cy="0"/>
+        </a:xfrm>
+      </p:grpSpPr>
+      <p:sp>
+        <p:nvSpPr>
+          <p:cNvPr id="2" name="Title 1">
+            <a:extLst>
+              <a:ext uri="{FF2B5EF4-FFF2-40B4-BE49-F238E27FC236}">
+                <a16:creationId xmlns:a16="http://schemas.microsoft.com/office/drawing/2014/main" id="{0644B4C3-AD1C-4994-814E-0100950A4C17}"/>
+              </a:ext>
+            </a:extLst>
+          </p:cNvPr>
+          <p:cNvSpPr>
+            <a:spLocks noGrp="1"/>
+          </p:cNvSpPr>
+          <p:nvPr>
+            <p:ph type="title"/>
+          </p:nvPr>
+        </p:nvSpPr>
+        <p:spPr>
+          <a:xfrm>
+            <a:off x="305637" y="180211"/>
+            <a:ext cx="10515600" cy="1325563"/>
+          </a:xfrm>
+        </p:spPr>
+        <p:txBody>
+          <a:bodyPr/>
+          <a:lstStyle/>
+          <a:p>
+            <a:r>
+              <a:rPr lang="en-GB" dirty="0"/>
+              <a:t>What about </a:t>
+            </a:r>
+            <a:r>
+              <a:rPr lang="en-GB" dirty="0" err="1"/>
+              <a:t>Github</a:t>
+            </a:r>
+            <a:r>
+              <a:rPr lang="en-GB" dirty="0"/>
+              <a:t>? Can it be cited?</a:t>
+            </a:r>
+          </a:p>
+        </p:txBody>
+      </p:sp>
+      <p:sp>
+        <p:nvSpPr>
+          <p:cNvPr id="5" name="TextBox 4">
+            <a:extLst>
+              <a:ext uri="{FF2B5EF4-FFF2-40B4-BE49-F238E27FC236}">
+                <a16:creationId xmlns:a16="http://schemas.microsoft.com/office/drawing/2014/main" id="{1EF43E33-0E7B-4B21-9546-9C820EA0355B}"/>
+              </a:ext>
+            </a:extLst>
+          </p:cNvPr>
+          <p:cNvSpPr txBox="1"/>
+          <p:nvPr/>
+        </p:nvSpPr>
+        <p:spPr>
+          <a:xfrm>
+            <a:off x="3802463" y="1431152"/>
+            <a:ext cx="6296130" cy="1938992"/>
+          </a:xfrm>
+          <a:prstGeom prst="rect">
+            <a:avLst/>
+          </a:prstGeom>
+          <a:solidFill>
+            <a:schemeClr val="accent1">
+              <a:lumMod val="20000"/>
+              <a:lumOff val="80000"/>
+            </a:schemeClr>
+          </a:solidFill>
+        </p:spPr>
+        <p:txBody>
+          <a:bodyPr wrap="square">
+            <a:spAutoFit/>
+          </a:bodyPr>
+          <a:lstStyle/>
+          <a:p>
+            <a:pPr algn="just"/>
+            <a:r>
+              <a:rPr lang="en-GB" sz="2400" b="0" i="0" dirty="0">
+                <a:solidFill>
+                  <a:srgbClr val="333333"/>
+                </a:solidFill>
+                <a:effectLst/>
+                <a:latin typeface="Ubuntu"/>
+              </a:rPr>
+              <a:t>To make your code repositories easier to reference in academic literature, you can create persistent identifiers for them. Particularly, you can use the data archiving tool in </a:t>
+            </a:r>
+            <a:r>
+              <a:rPr lang="en-GB" sz="2400" b="0" i="0" dirty="0" err="1">
+                <a:solidFill>
+                  <a:srgbClr val="333333"/>
+                </a:solidFill>
+                <a:effectLst/>
+                <a:latin typeface="Ubuntu"/>
+              </a:rPr>
+              <a:t>Zenodo</a:t>
+            </a:r>
+            <a:r>
+              <a:rPr lang="en-GB" sz="2400" b="0" i="0" dirty="0">
+                <a:solidFill>
+                  <a:srgbClr val="333333"/>
+                </a:solidFill>
+                <a:effectLst/>
+                <a:latin typeface="Ubuntu"/>
+              </a:rPr>
+              <a:t> to archive a GitHub repository and issue a DOI for it.</a:t>
+            </a:r>
+            <a:endParaRPr lang="en-GB" sz="2400" dirty="0"/>
+          </a:p>
+        </p:txBody>
+      </p:sp>
+      <p:sp>
+        <p:nvSpPr>
+          <p:cNvPr id="6" name="TextBox 5">
+            <a:extLst>
+              <a:ext uri="{FF2B5EF4-FFF2-40B4-BE49-F238E27FC236}">
+                <a16:creationId xmlns:a16="http://schemas.microsoft.com/office/drawing/2014/main" id="{98A9A35A-D4DA-4FB2-979C-061380BA5A75}"/>
+              </a:ext>
+            </a:extLst>
+          </p:cNvPr>
+          <p:cNvSpPr txBox="1"/>
+          <p:nvPr/>
+        </p:nvSpPr>
+        <p:spPr>
+          <a:xfrm>
+            <a:off x="1896343" y="1862254"/>
+            <a:ext cx="1082156" cy="707886"/>
+          </a:xfrm>
+          <a:prstGeom prst="rect">
+            <a:avLst/>
+          </a:prstGeom>
+          <a:noFill/>
+        </p:spPr>
+        <p:txBody>
+          <a:bodyPr wrap="none" rtlCol="0">
+            <a:spAutoFit/>
+          </a:bodyPr>
+          <a:lstStyle/>
+          <a:p>
+            <a:r>
+              <a:rPr lang="en-GB" sz="4000" dirty="0">
+                <a:solidFill>
+                  <a:srgbClr val="0070C0"/>
+                </a:solidFill>
+              </a:rPr>
+              <a:t>YES!</a:t>
+            </a:r>
+          </a:p>
+        </p:txBody>
+      </p:sp>
+      <p:pic>
+        <p:nvPicPr>
+          <p:cNvPr id="1028" name="Picture 4" descr="What Exactly Is GitHub Anyway? | TechCrunch">
+            <a:extLst>
+              <a:ext uri="{FF2B5EF4-FFF2-40B4-BE49-F238E27FC236}">
+                <a16:creationId xmlns:a16="http://schemas.microsoft.com/office/drawing/2014/main" id="{0268865A-4811-4E7A-AB2F-DDC778793847}"/>
+              </a:ext>
+            </a:extLst>
+          </p:cNvPr>
+          <p:cNvPicPr>
+            <a:picLocks noChangeAspect="1" noChangeArrowheads="1"/>
+          </p:cNvPicPr>
+          <p:nvPr/>
+        </p:nvPicPr>
+        <p:blipFill>
+          <a:blip r:embed="rId2">
+            <a:extLst>
+              <a:ext uri="{28A0092B-C50C-407E-A947-70E740481C1C}">
+                <a14:useLocalDpi xmlns:a14="http://schemas.microsoft.com/office/drawing/2010/main" val="0"/>
+              </a:ext>
+            </a:extLst>
+          </a:blip>
+          <a:srcRect/>
+          <a:stretch>
+            <a:fillRect/>
+          </a:stretch>
+        </p:blipFill>
+        <p:spPr bwMode="auto">
+          <a:xfrm>
+            <a:off x="3561302" y="5487182"/>
+            <a:ext cx="1084382" cy="1084382"/>
+          </a:xfrm>
+          <a:prstGeom prst="rect">
+            <a:avLst/>
+          </a:prstGeom>
+          <a:noFill/>
+          <a:extLst>
+            <a:ext uri="{909E8E84-426E-40DD-AFC4-6F175D3DCCD1}">
+              <a14:hiddenFill xmlns:a14="http://schemas.microsoft.com/office/drawing/2010/main">
+                <a:solidFill>
+                  <a:srgbClr val="FFFFFF"/>
+                </a:solidFill>
+              </a14:hiddenFill>
+            </a:ext>
+          </a:extLst>
+        </p:spPr>
+      </p:pic>
+      <p:pic>
+        <p:nvPicPr>
+          <p:cNvPr id="1030" name="Picture 6" descr="zenodo-is-launched">
+            <a:extLst>
+              <a:ext uri="{FF2B5EF4-FFF2-40B4-BE49-F238E27FC236}">
+                <a16:creationId xmlns:a16="http://schemas.microsoft.com/office/drawing/2014/main" id="{06F62E6D-3784-4F16-9DD9-1AFE853583C0}"/>
+              </a:ext>
+            </a:extLst>
+          </p:cNvPr>
+          <p:cNvPicPr>
+            <a:picLocks noChangeAspect="1" noChangeArrowheads="1"/>
+          </p:cNvPicPr>
+          <p:nvPr/>
+        </p:nvPicPr>
+        <p:blipFill>
+          <a:blip r:embed="rId3">
+            <a:extLst>
+              <a:ext uri="{28A0092B-C50C-407E-A947-70E740481C1C}">
+                <a14:useLocalDpi xmlns:a14="http://schemas.microsoft.com/office/drawing/2010/main" val="0"/>
+              </a:ext>
+            </a:extLst>
+          </a:blip>
+          <a:srcRect/>
+          <a:stretch>
+            <a:fillRect/>
+          </a:stretch>
+        </p:blipFill>
+        <p:spPr bwMode="auto">
+          <a:xfrm>
+            <a:off x="4852674" y="4634695"/>
+            <a:ext cx="3571875" cy="1704975"/>
+          </a:xfrm>
+          <a:prstGeom prst="rect">
+            <a:avLst/>
+          </a:prstGeom>
+          <a:noFill/>
+          <a:extLst>
+            <a:ext uri="{909E8E84-426E-40DD-AFC4-6F175D3DCCD1}">
+              <a14:hiddenFill xmlns:a14="http://schemas.microsoft.com/office/drawing/2010/main">
+                <a:solidFill>
+                  <a:srgbClr val="FFFFFF"/>
+                </a:solidFill>
+              </a14:hiddenFill>
+            </a:ext>
+          </a:extLst>
+        </p:spPr>
+      </p:pic>
+      <p:pic>
+        <p:nvPicPr>
+          <p:cNvPr id="10" name="Picture 4" descr="What Exactly Is GitHub Anyway? | TechCrunch">
+            <a:extLst>
+              <a:ext uri="{FF2B5EF4-FFF2-40B4-BE49-F238E27FC236}">
+                <a16:creationId xmlns:a16="http://schemas.microsoft.com/office/drawing/2014/main" id="{496F2BA2-FD40-4CF9-94E1-A384457ACA16}"/>
+              </a:ext>
+            </a:extLst>
+          </p:cNvPr>
+          <p:cNvPicPr>
+            <a:picLocks noChangeAspect="1" noChangeArrowheads="1"/>
+          </p:cNvPicPr>
+          <p:nvPr/>
+        </p:nvPicPr>
+        <p:blipFill>
+          <a:blip r:embed="rId2">
+            <a:extLst>
+              <a:ext uri="{28A0092B-C50C-407E-A947-70E740481C1C}">
+                <a14:useLocalDpi xmlns:a14="http://schemas.microsoft.com/office/drawing/2010/main" val="0"/>
+              </a:ext>
+            </a:extLst>
+          </a:blip>
+          <a:srcRect/>
+          <a:stretch>
+            <a:fillRect/>
+          </a:stretch>
+        </p:blipFill>
+        <p:spPr bwMode="auto">
+          <a:xfrm>
+            <a:off x="4310483" y="3971218"/>
+            <a:ext cx="1084382" cy="1084382"/>
+          </a:xfrm>
+          <a:prstGeom prst="rect">
+            <a:avLst/>
+          </a:prstGeom>
+          <a:noFill/>
+          <a:extLst>
+            <a:ext uri="{909E8E84-426E-40DD-AFC4-6F175D3DCCD1}">
+              <a14:hiddenFill xmlns:a14="http://schemas.microsoft.com/office/drawing/2010/main">
+                <a:solidFill>
+                  <a:srgbClr val="FFFFFF"/>
+                </a:solidFill>
+              </a14:hiddenFill>
+            </a:ext>
+          </a:extLst>
+        </p:spPr>
+      </p:pic>
+      <p:pic>
+        <p:nvPicPr>
+          <p:cNvPr id="11" name="Picture 4" descr="What Exactly Is GitHub Anyway? | TechCrunch">
+            <a:extLst>
+              <a:ext uri="{FF2B5EF4-FFF2-40B4-BE49-F238E27FC236}">
+                <a16:creationId xmlns:a16="http://schemas.microsoft.com/office/drawing/2014/main" id="{E02671B7-7972-43B1-8257-CE7A202A329B}"/>
+              </a:ext>
+            </a:extLst>
+          </p:cNvPr>
+          <p:cNvPicPr>
+            <a:picLocks noChangeAspect="1" noChangeArrowheads="1"/>
+          </p:cNvPicPr>
+          <p:nvPr/>
+        </p:nvPicPr>
+        <p:blipFill>
+          <a:blip r:embed="rId2">
+            <a:extLst>
+              <a:ext uri="{28A0092B-C50C-407E-A947-70E740481C1C}">
+                <a14:useLocalDpi xmlns:a14="http://schemas.microsoft.com/office/drawing/2010/main" val="0"/>
+              </a:ext>
+            </a:extLst>
+          </a:blip>
+          <a:srcRect/>
+          <a:stretch>
+            <a:fillRect/>
+          </a:stretch>
+        </p:blipFill>
+        <p:spPr bwMode="auto">
+          <a:xfrm>
+            <a:off x="5937056" y="3559433"/>
+            <a:ext cx="1084382" cy="1084382"/>
+          </a:xfrm>
+          <a:prstGeom prst="rect">
+            <a:avLst/>
+          </a:prstGeom>
+          <a:noFill/>
+          <a:extLst>
+            <a:ext uri="{909E8E84-426E-40DD-AFC4-6F175D3DCCD1}">
+              <a14:hiddenFill xmlns:a14="http://schemas.microsoft.com/office/drawing/2010/main">
+                <a:solidFill>
+                  <a:srgbClr val="FFFFFF"/>
+                </a:solidFill>
+              </a14:hiddenFill>
+            </a:ext>
+          </a:extLst>
+        </p:spPr>
+      </p:pic>
+      <p:pic>
+        <p:nvPicPr>
+          <p:cNvPr id="12" name="Picture 4" descr="What Exactly Is GitHub Anyway? | TechCrunch">
+            <a:extLst>
+              <a:ext uri="{FF2B5EF4-FFF2-40B4-BE49-F238E27FC236}">
+                <a16:creationId xmlns:a16="http://schemas.microsoft.com/office/drawing/2014/main" id="{C30661E2-0F2E-4230-8E51-ACBF66279A61}"/>
+              </a:ext>
+            </a:extLst>
+          </p:cNvPr>
+          <p:cNvPicPr>
+            <a:picLocks noChangeAspect="1" noChangeArrowheads="1"/>
+          </p:cNvPicPr>
+          <p:nvPr/>
+        </p:nvPicPr>
+        <p:blipFill>
+          <a:blip r:embed="rId2">
+            <a:extLst>
+              <a:ext uri="{28A0092B-C50C-407E-A947-70E740481C1C}">
+                <a14:useLocalDpi xmlns:a14="http://schemas.microsoft.com/office/drawing/2010/main" val="0"/>
+              </a:ext>
+            </a:extLst>
+          </a:blip>
+          <a:srcRect/>
+          <a:stretch>
+            <a:fillRect/>
+          </a:stretch>
+        </p:blipFill>
+        <p:spPr bwMode="auto">
+          <a:xfrm>
+            <a:off x="8041722" y="3921735"/>
+            <a:ext cx="1084382" cy="1084382"/>
+          </a:xfrm>
+          <a:prstGeom prst="rect">
+            <a:avLst/>
+          </a:prstGeom>
+          <a:noFill/>
+          <a:extLst>
+            <a:ext uri="{909E8E84-426E-40DD-AFC4-6F175D3DCCD1}">
+              <a14:hiddenFill xmlns:a14="http://schemas.microsoft.com/office/drawing/2010/main">
+                <a:solidFill>
+                  <a:srgbClr val="FFFFFF"/>
+                </a:solidFill>
+              </a14:hiddenFill>
+            </a:ext>
+          </a:extLst>
+        </p:spPr>
+      </p:pic>
+      <p:pic>
+        <p:nvPicPr>
+          <p:cNvPr id="13" name="Picture 4" descr="What Exactly Is GitHub Anyway? | TechCrunch">
+            <a:extLst>
+              <a:ext uri="{FF2B5EF4-FFF2-40B4-BE49-F238E27FC236}">
+                <a16:creationId xmlns:a16="http://schemas.microsoft.com/office/drawing/2014/main" id="{9BAB43FF-0190-40F9-BD07-2BF85AE5053E}"/>
+              </a:ext>
+            </a:extLst>
+          </p:cNvPr>
+          <p:cNvPicPr>
+            <a:picLocks noChangeAspect="1" noChangeArrowheads="1"/>
+          </p:cNvPicPr>
+          <p:nvPr/>
+        </p:nvPicPr>
+        <p:blipFill>
+          <a:blip r:embed="rId2">
+            <a:extLst>
+              <a:ext uri="{28A0092B-C50C-407E-A947-70E740481C1C}">
+                <a14:useLocalDpi xmlns:a14="http://schemas.microsoft.com/office/drawing/2010/main" val="0"/>
+              </a:ext>
+            </a:extLst>
+          </a:blip>
+          <a:srcRect/>
+          <a:stretch>
+            <a:fillRect/>
+          </a:stretch>
+        </p:blipFill>
+        <p:spPr bwMode="auto">
+          <a:xfrm>
+            <a:off x="8089348" y="5487182"/>
+            <a:ext cx="1084382" cy="1084382"/>
+          </a:xfrm>
+          <a:prstGeom prst="rect">
+            <a:avLst/>
+          </a:prstGeom>
+          <a:noFill/>
+          <a:extLst>
+            <a:ext uri="{909E8E84-426E-40DD-AFC4-6F175D3DCCD1}">
+              <a14:hiddenFill xmlns:a14="http://schemas.microsoft.com/office/drawing/2010/main">
+                <a:solidFill>
+                  <a:srgbClr val="FFFFFF"/>
+                </a:solidFill>
+              </a14:hiddenFill>
+            </a:ext>
+          </a:extLst>
+        </p:spPr>
+      </p:pic>
+      <p:pic>
+        <p:nvPicPr>
+          <p:cNvPr id="14" name="Picture 4" descr="What Exactly Is GitHub Anyway? | TechCrunch">
+            <a:extLst>
+              <a:ext uri="{FF2B5EF4-FFF2-40B4-BE49-F238E27FC236}">
+                <a16:creationId xmlns:a16="http://schemas.microsoft.com/office/drawing/2014/main" id="{5047CE5C-BA72-42AC-92A2-7A13E0D35128}"/>
+              </a:ext>
+            </a:extLst>
+          </p:cNvPr>
+          <p:cNvPicPr>
+            <a:picLocks noChangeAspect="1" noChangeArrowheads="1"/>
+          </p:cNvPicPr>
+          <p:nvPr/>
+        </p:nvPicPr>
+        <p:blipFill>
+          <a:blip r:embed="rId2">
+            <a:extLst>
+              <a:ext uri="{28A0092B-C50C-407E-A947-70E740481C1C}">
+                <a14:useLocalDpi xmlns:a14="http://schemas.microsoft.com/office/drawing/2010/main" val="0"/>
+              </a:ext>
+            </a:extLst>
+          </a:blip>
+          <a:srcRect/>
+          <a:stretch>
+            <a:fillRect/>
+          </a:stretch>
+        </p:blipFill>
+        <p:spPr bwMode="auto">
+          <a:xfrm>
+            <a:off x="6619664" y="5797479"/>
+            <a:ext cx="1084382" cy="1084382"/>
+          </a:xfrm>
+          <a:prstGeom prst="rect">
+            <a:avLst/>
+          </a:prstGeom>
+          <a:noFill/>
+          <a:extLst>
+            <a:ext uri="{909E8E84-426E-40DD-AFC4-6F175D3DCCD1}">
+              <a14:hiddenFill xmlns:a14="http://schemas.microsoft.com/office/drawing/2010/main">
+                <a:solidFill>
+                  <a:srgbClr val="FFFFFF"/>
+                </a:solidFill>
+              </a14:hiddenFill>
+            </a:ext>
+          </a:extLst>
+        </p:spPr>
+      </p:pic>
+      <p:sp>
+        <p:nvSpPr>
+          <p:cNvPr id="7" name="TextBox 6">
+            <a:extLst>
+              <a:ext uri="{FF2B5EF4-FFF2-40B4-BE49-F238E27FC236}">
+                <a16:creationId xmlns:a16="http://schemas.microsoft.com/office/drawing/2014/main" id="{0A61927E-39C9-4171-9DD7-41B4704B8A30}"/>
+              </a:ext>
+            </a:extLst>
+          </p:cNvPr>
+          <p:cNvSpPr txBox="1"/>
+          <p:nvPr/>
+        </p:nvSpPr>
+        <p:spPr>
+          <a:xfrm>
+            <a:off x="100019" y="6169709"/>
+            <a:ext cx="2892715" cy="646331"/>
+          </a:xfrm>
+          <a:prstGeom prst="rect">
+            <a:avLst/>
+          </a:prstGeom>
+          <a:noFill/>
+        </p:spPr>
+        <p:txBody>
+          <a:bodyPr wrap="none" rtlCol="0">
+            <a:spAutoFit/>
+          </a:bodyPr>
+          <a:lstStyle/>
+          <a:p>
+            <a:r>
+              <a:rPr lang="en-GB" sz="1200" dirty="0"/>
+              <a:t>Image credits:</a:t>
+            </a:r>
+          </a:p>
+          <a:p>
+            <a:pPr marL="285750" indent="-285750">
+              <a:buFont typeface="Arial" panose="020B0604020202020204" pitchFamily="34" charset="0"/>
+              <a:buChar char="•"/>
+            </a:pPr>
+            <a:r>
+              <a:rPr lang="en-GB" sz="1200" dirty="0" err="1"/>
+              <a:t>Zenodo</a:t>
+            </a:r>
+            <a:r>
+              <a:rPr lang="en-GB" sz="1200" dirty="0"/>
+              <a:t> logo: Openaire.eu</a:t>
+            </a:r>
+          </a:p>
+          <a:p>
+            <a:pPr marL="285750" indent="-285750">
+              <a:buFont typeface="Arial" panose="020B0604020202020204" pitchFamily="34" charset="0"/>
+              <a:buChar char="•"/>
+            </a:pPr>
+            <a:r>
+              <a:rPr lang="en-GB" sz="1200" dirty="0" err="1"/>
+              <a:t>Github</a:t>
+            </a:r>
+            <a:r>
+              <a:rPr lang="en-GB" sz="1200" dirty="0"/>
+              <a:t> logo: </a:t>
+            </a:r>
+            <a:r>
+              <a:rPr lang="en-GB" sz="1200" dirty="0" err="1"/>
+              <a:t>Klint</a:t>
+            </a:r>
+            <a:r>
+              <a:rPr lang="en-GB" sz="1200" dirty="0"/>
+              <a:t> Finley (TechCrunch+)</a:t>
+            </a:r>
+          </a:p>
+        </p:txBody>
+      </p:sp>
+    </p:spTree>
+    <p:extLst>
+      <p:ext uri="{BB962C8B-B14F-4D97-AF65-F5344CB8AC3E}">
+        <p14:creationId xmlns:p14="http://schemas.microsoft.com/office/powerpoint/2010/main" val="4074167485"/>
+      </p:ext>
+    </p:extLst>
+  </p:cSld>
+  <p:clrMapOvr>
+    <a:masterClrMapping/>
+  </p:clrMapOvr>
+</p:sld>
+</file>
+
+<file path=ppt/slides/slide26.xml><?xml version="1.0" encoding="utf-8"?>
+<p:sld xmlns:a="http://schemas.openxmlformats.org/drawingml/2006/main" xmlns:r="http://schemas.openxmlformats.org/officeDocument/2006/relationships" xmlns:p="http://schemas.openxmlformats.org/presentationml/2006/main">
+  <p:cSld>
+    <p:spTree>
+      <p:nvGrpSpPr>
+        <p:cNvPr id="1" name=""/>
+        <p:cNvGrpSpPr/>
+        <p:nvPr/>
+      </p:nvGrpSpPr>
+      <p:grpSpPr>
+        <a:xfrm>
+          <a:off x="0" y="0"/>
+          <a:ext cx="0" cy="0"/>
+          <a:chOff x="0" y="0"/>
+          <a:chExt cx="0" cy="0"/>
+        </a:xfrm>
+      </p:grpSpPr>
+      <p:pic>
+        <p:nvPicPr>
+          <p:cNvPr id="4" name="Picture 2" descr="Ed_DaSH">
+            <a:extLst>
+              <a:ext uri="{FF2B5EF4-FFF2-40B4-BE49-F238E27FC236}">
+                <a16:creationId xmlns:a16="http://schemas.microsoft.com/office/drawing/2014/main" id="{A783256F-E39E-4712-96B0-240BD611CFEB}"/>
+              </a:ext>
+            </a:extLst>
+          </p:cNvPr>
+          <p:cNvPicPr>
+            <a:picLocks noChangeAspect="1" noChangeArrowheads="1"/>
+          </p:cNvPicPr>
+          <p:nvPr/>
+        </p:nvPicPr>
+        <p:blipFill>
+          <a:blip r:embed="rId2" cstate="hqprint">
+            <a:extLst>
+              <a:ext uri="{28A0092B-C50C-407E-A947-70E740481C1C}">
+                <a14:useLocalDpi xmlns:a14="http://schemas.microsoft.com/office/drawing/2010/main" val="0"/>
+              </a:ext>
+            </a:extLst>
+          </a:blip>
+          <a:srcRect/>
+          <a:stretch>
+            <a:fillRect/>
+          </a:stretch>
+        </p:blipFill>
+        <p:spPr bwMode="auto">
+          <a:xfrm>
+            <a:off x="10820670" y="5458691"/>
+            <a:ext cx="1289214" cy="1325418"/>
+          </a:xfrm>
+          <a:prstGeom prst="rect">
+            <a:avLst/>
+          </a:prstGeom>
+          <a:noFill/>
+          <a:extLst>
+            <a:ext uri="{909E8E84-426E-40DD-AFC4-6F175D3DCCD1}">
+              <a14:hiddenFill xmlns:a14="http://schemas.microsoft.com/office/drawing/2010/main">
+                <a:solidFill>
+                  <a:srgbClr val="FFFFFF"/>
+                </a:solidFill>
+              </a14:hiddenFill>
+            </a:ext>
+          </a:extLst>
+        </p:spPr>
+      </p:pic>
+      <p:sp>
+        <p:nvSpPr>
+          <p:cNvPr id="2" name="Rectangle 1"/>
+          <p:cNvSpPr/>
+          <p:nvPr/>
+        </p:nvSpPr>
+        <p:spPr>
+          <a:xfrm>
+            <a:off x="742384" y="2064189"/>
+            <a:ext cx="10981854" cy="2677656"/>
+          </a:xfrm>
+          <a:prstGeom prst="rect">
+            <a:avLst/>
+          </a:prstGeom>
+        </p:spPr>
+        <p:txBody>
+          <a:bodyPr wrap="square">
+            <a:spAutoFit/>
+          </a:bodyPr>
+          <a:lstStyle/>
+          <a:p>
+            <a:endParaRPr lang="pl-PL" sz="2400" dirty="0" err="1"/>
+          </a:p>
+          <a:p>
+            <a:r>
+              <a:rPr lang="en-GB" sz="2400" dirty="0">
+                <a:solidFill>
+                  <a:srgbClr val="0070C0"/>
+                </a:solidFill>
+              </a:rPr>
+              <a:t>Why is choosing a domain specific repository over </a:t>
+            </a:r>
+            <a:r>
+              <a:rPr lang="en-GB" sz="2400" dirty="0" err="1">
+                <a:solidFill>
+                  <a:srgbClr val="0070C0"/>
+                </a:solidFill>
+              </a:rPr>
+              <a:t>Zenodo</a:t>
+            </a:r>
+            <a:r>
+              <a:rPr lang="en-GB" sz="2400" dirty="0">
+                <a:solidFill>
+                  <a:srgbClr val="0070C0"/>
+                </a:solidFill>
+              </a:rPr>
+              <a:t> more FAIR?</a:t>
+            </a:r>
+            <a:endParaRPr lang="pl-PL" sz="2400" dirty="0">
+              <a:solidFill>
+                <a:srgbClr val="0070C0"/>
+              </a:solidFill>
+            </a:endParaRPr>
+          </a:p>
+          <a:p>
+            <a:endParaRPr lang="en-GB" sz="2400" dirty="0">
+              <a:solidFill>
+                <a:srgbClr val="0070C0"/>
+              </a:solidFill>
+            </a:endParaRPr>
+          </a:p>
+          <a:p>
+            <a:r>
+              <a:rPr lang="en-GB" sz="2400" dirty="0">
+                <a:solidFill>
+                  <a:srgbClr val="0070C0"/>
+                </a:solidFill>
+              </a:rPr>
+              <a:t>How can selecting a repository for your data as soon as you do an experiment (or even before!) benefit you research and help your data become FAIR?</a:t>
+            </a:r>
+            <a:endParaRPr lang="pl-PL" sz="2400" dirty="0">
+              <a:solidFill>
+                <a:srgbClr val="0070C0"/>
+              </a:solidFill>
+            </a:endParaRPr>
+          </a:p>
+          <a:p>
+            <a:endParaRPr lang="en-GB" sz="2400" dirty="0">
+              <a:solidFill>
+                <a:srgbClr val="0070C0"/>
+              </a:solidFill>
+            </a:endParaRPr>
+          </a:p>
+          <a:p>
+            <a:r>
+              <a:rPr lang="en-GB" sz="2400" dirty="0">
+                <a:solidFill>
+                  <a:srgbClr val="0070C0"/>
+                </a:solidFill>
+              </a:rPr>
+              <a:t>What’s your favourite research data repository? Why?</a:t>
+            </a:r>
+          </a:p>
+        </p:txBody>
+      </p:sp>
+      <p:sp>
+        <p:nvSpPr>
+          <p:cNvPr id="5" name="Title 1">
+            <a:extLst>
+              <a:ext uri="{FF2B5EF4-FFF2-40B4-BE49-F238E27FC236}">
+                <a16:creationId xmlns:a16="http://schemas.microsoft.com/office/drawing/2014/main" id="{775BFE92-9990-4094-B7B2-01514614F16E}"/>
+              </a:ext>
+            </a:extLst>
+          </p:cNvPr>
+          <p:cNvSpPr>
+            <a:spLocks noGrp="1"/>
+          </p:cNvSpPr>
+          <p:nvPr>
+            <p:ph type="title"/>
+          </p:nvPr>
+        </p:nvSpPr>
+        <p:spPr>
+          <a:xfrm>
+            <a:off x="838200" y="365125"/>
+            <a:ext cx="10515600" cy="1325563"/>
+          </a:xfrm>
+        </p:spPr>
+        <p:txBody>
+          <a:bodyPr/>
+          <a:lstStyle/>
+          <a:p>
+            <a:r>
+              <a:rPr lang="pl-PL" dirty="0">
+                <a:solidFill>
+                  <a:srgbClr val="0070C0"/>
+                </a:solidFill>
+              </a:rPr>
+              <a:t>Repositories and FAIR</a:t>
+            </a:r>
+            <a:r>
+              <a:rPr lang="en-GB" dirty="0">
+                <a:solidFill>
+                  <a:srgbClr val="0070C0"/>
+                </a:solidFill>
+              </a:rPr>
+              <a:t> – Exercise 5</a:t>
+            </a:r>
+          </a:p>
+        </p:txBody>
+      </p:sp>
+    </p:spTree>
+    <p:extLst>
+      <p:ext uri="{BB962C8B-B14F-4D97-AF65-F5344CB8AC3E}">
+        <p14:creationId xmlns:p14="http://schemas.microsoft.com/office/powerpoint/2010/main" val="1815562741"/>
+      </p:ext>
+    </p:extLst>
+  </p:cSld>
+  <p:clrMapOvr>
+    <a:masterClrMapping/>
+  </p:clrMapOvr>
+</p:sld>
+</file>
+
+<file path=ppt/slides/slide27.xml><?xml version="1.0" encoding="utf-8"?>
+<p:sld xmlns:a="http://schemas.openxmlformats.org/drawingml/2006/main" xmlns:r="http://schemas.openxmlformats.org/officeDocument/2006/relationships" xmlns:p="http://schemas.openxmlformats.org/presentationml/2006/main">
+  <p:cSld>
+    <p:spTree>
+      <p:nvGrpSpPr>
+        <p:cNvPr id="1" name=""/>
+        <p:cNvGrpSpPr/>
+        <p:nvPr/>
+      </p:nvGrpSpPr>
+      <p:grpSpPr>
+        <a:xfrm>
+          <a:off x="0" y="0"/>
+          <a:ext cx="0" cy="0"/>
+          <a:chOff x="0" y="0"/>
+          <a:chExt cx="0" cy="0"/>
+        </a:xfrm>
+      </p:grpSpPr>
+    </p:spTree>
+    <p:extLst>
+      <p:ext uri="{BB962C8B-B14F-4D97-AF65-F5344CB8AC3E}">
+        <p14:creationId xmlns:p14="http://schemas.microsoft.com/office/powerpoint/2010/main" val="509458476"/>
       </p:ext>
     </p:extLst>
   </p:cSld>
@@ -7861,6 +9713,69 @@
           </a:p>
         </p:txBody>
       </p:sp>
+      <p:sp>
+        <p:nvSpPr>
+          <p:cNvPr id="4" name="Rectangle 3">
+            <a:extLst>
+              <a:ext uri="{FF2B5EF4-FFF2-40B4-BE49-F238E27FC236}">
+                <a16:creationId xmlns:a16="http://schemas.microsoft.com/office/drawing/2014/main" id="{08FEDCDC-2830-4683-8748-8A358CD9A38A}"/>
+              </a:ext>
+            </a:extLst>
+          </p:cNvPr>
+          <p:cNvSpPr/>
+          <p:nvPr/>
+        </p:nvSpPr>
+        <p:spPr>
+          <a:xfrm>
+            <a:off x="605073" y="1977256"/>
+            <a:ext cx="10981854" cy="1323439"/>
+          </a:xfrm>
+          <a:prstGeom prst="rect">
+            <a:avLst/>
+          </a:prstGeom>
+        </p:spPr>
+        <p:txBody>
+          <a:bodyPr wrap="square">
+            <a:spAutoFit/>
+          </a:bodyPr>
+          <a:lstStyle/>
+          <a:p>
+            <a:pPr algn="ctr"/>
+            <a:r>
+              <a:rPr lang="pl-PL" sz="4000" dirty="0">
+                <a:solidFill>
+                  <a:srgbClr val="0070C0"/>
+                </a:solidFill>
+              </a:rPr>
+              <a:t>Exercise</a:t>
+            </a:r>
+            <a:r>
+              <a:rPr lang="en-GB" sz="4000" dirty="0">
+                <a:solidFill>
+                  <a:srgbClr val="0070C0"/>
+                </a:solidFill>
+              </a:rPr>
+              <a:t> 1</a:t>
+            </a:r>
+            <a:endParaRPr lang="pl-PL" sz="4000" dirty="0">
+              <a:solidFill>
+                <a:srgbClr val="0070C0"/>
+              </a:solidFill>
+            </a:endParaRPr>
+          </a:p>
+          <a:p>
+            <a:pPr marL="285750" indent="-285750" algn="ctr">
+              <a:buFont typeface="Arial" panose="020B0604020202020204" pitchFamily="34" charset="0"/>
+              <a:buChar char="•"/>
+            </a:pPr>
+            <a:endParaRPr lang="en-GB" sz="4000" dirty="0">
+              <a:solidFill>
+                <a:srgbClr val="0070C0"/>
+              </a:solidFill>
+            </a:endParaRPr>
+          </a:p>
+        </p:txBody>
+      </p:sp>
     </p:spTree>
     <p:extLst>
       <p:ext uri="{BB962C8B-B14F-4D97-AF65-F5344CB8AC3E}">
@@ -7893,38 +9808,6 @@
       </p:grpSpPr>
       <p:sp>
         <p:nvSpPr>
-          <p:cNvPr id="2" name="Rectangle 1"/>
-          <p:cNvSpPr/>
-          <p:nvPr/>
-        </p:nvSpPr>
-        <p:spPr>
-          <a:xfrm>
-            <a:off x="3413663" y="3198167"/>
-            <a:ext cx="5364674" cy="461665"/>
-          </a:xfrm>
-          <a:prstGeom prst="rect">
-            <a:avLst/>
-          </a:prstGeom>
-        </p:spPr>
-        <p:txBody>
-          <a:bodyPr wrap="none">
-            <a:spAutoFit/>
-          </a:bodyPr>
-          <a:lstStyle/>
-          <a:p>
-            <a:r>
-              <a:rPr lang="en-GB" sz="2400" dirty="0">
-                <a:solidFill>
-                  <a:srgbClr val="0070C0"/>
-                </a:solidFill>
-              </a:rPr>
-              <a:t>https://doi.org/10.5281/zenodo.5045374</a:t>
-            </a:r>
-          </a:p>
-        </p:txBody>
-      </p:sp>
-      <p:sp>
-        <p:nvSpPr>
           <p:cNvPr id="5" name="Title 1">
             <a:extLst>
               <a:ext uri="{FF2B5EF4-FFF2-40B4-BE49-F238E27FC236}">
@@ -7955,20 +9838,145 @@
                   <a:srgbClr val="0070C0"/>
                 </a:solidFill>
               </a:rPr>
-              <a:t>Dataset discovery</a:t>
-            </a:r>
-            <a:endParaRPr lang="en-GB" dirty="0">
-              <a:solidFill>
-                <a:srgbClr val="0070C0"/>
-              </a:solidFill>
-            </a:endParaRPr>
+              <a:t>Public record</a:t>
+            </a:r>
+            <a:r>
+              <a:rPr lang="en-GB" dirty="0">
+                <a:solidFill>
+                  <a:srgbClr val="0070C0"/>
+                </a:solidFill>
+              </a:rPr>
+              <a:t> - Solutions</a:t>
+            </a:r>
+          </a:p>
+        </p:txBody>
+      </p:sp>
+      <p:sp>
+        <p:nvSpPr>
+          <p:cNvPr id="6" name="TextBox 5">
+            <a:extLst>
+              <a:ext uri="{FF2B5EF4-FFF2-40B4-BE49-F238E27FC236}">
+                <a16:creationId xmlns:a16="http://schemas.microsoft.com/office/drawing/2014/main" id="{216805BD-FE46-4237-9C78-2FA56E8B599C}"/>
+              </a:ext>
+            </a:extLst>
+          </p:cNvPr>
+          <p:cNvSpPr txBox="1"/>
+          <p:nvPr/>
+        </p:nvSpPr>
+        <p:spPr>
+          <a:xfrm>
+            <a:off x="1117041" y="1957980"/>
+            <a:ext cx="9957917" cy="3359061"/>
+          </a:xfrm>
+          <a:prstGeom prst="rect">
+            <a:avLst/>
+          </a:prstGeom>
+          <a:noFill/>
+        </p:spPr>
+        <p:txBody>
+          <a:bodyPr wrap="square">
+            <a:spAutoFit/>
+          </a:bodyPr>
+          <a:lstStyle/>
+          <a:p>
+            <a:pPr algn="l">
+              <a:lnSpc>
+                <a:spcPct val="150000"/>
+              </a:lnSpc>
+            </a:pPr>
+            <a:r>
+              <a:rPr lang="en-GB" sz="2400" b="1" i="0" dirty="0">
+                <a:solidFill>
+                  <a:srgbClr val="333333"/>
+                </a:solidFill>
+                <a:effectLst/>
+                <a:latin typeface="Ubuntu"/>
+              </a:rPr>
+              <a:t>Findable:</a:t>
+            </a:r>
+          </a:p>
+          <a:p>
+            <a:pPr algn="l">
+              <a:lnSpc>
+                <a:spcPct val="150000"/>
+              </a:lnSpc>
+              <a:buFont typeface="Arial" panose="020B0604020202020204" pitchFamily="34" charset="0"/>
+              <a:buChar char="•"/>
+            </a:pPr>
+            <a:r>
+              <a:rPr lang="en-GB" sz="2400" b="0" i="0" dirty="0">
+                <a:solidFill>
+                  <a:srgbClr val="333333"/>
+                </a:solidFill>
+                <a:effectLst/>
+                <a:latin typeface="Ubuntu"/>
+              </a:rPr>
+              <a:t>F1. (Meta)data are assigned a globally unique and persistent identifier - YES</a:t>
+            </a:r>
+          </a:p>
+          <a:p>
+            <a:pPr algn="l">
+              <a:lnSpc>
+                <a:spcPct val="150000"/>
+              </a:lnSpc>
+              <a:buFont typeface="Arial" panose="020B0604020202020204" pitchFamily="34" charset="0"/>
+              <a:buChar char="•"/>
+            </a:pPr>
+            <a:r>
+              <a:rPr lang="en-GB" sz="2400" b="0" i="0" dirty="0">
+                <a:solidFill>
+                  <a:srgbClr val="333333"/>
+                </a:solidFill>
+                <a:effectLst/>
+                <a:latin typeface="Ubuntu"/>
+              </a:rPr>
+              <a:t>F2. Data are described with rich metadata (defined by R1 below)- YES</a:t>
+            </a:r>
+          </a:p>
+          <a:p>
+            <a:pPr algn="l">
+              <a:lnSpc>
+                <a:spcPct val="150000"/>
+              </a:lnSpc>
+              <a:buFont typeface="Arial" panose="020B0604020202020204" pitchFamily="34" charset="0"/>
+              <a:buChar char="•"/>
+            </a:pPr>
+            <a:r>
+              <a:rPr lang="en-GB" sz="2400" b="0" i="0" dirty="0">
+                <a:solidFill>
+                  <a:srgbClr val="333333"/>
+                </a:solidFill>
+                <a:effectLst/>
+                <a:latin typeface="Ubuntu"/>
+              </a:rPr>
+              <a:t>F3. Metadata clearly and explicitly include the identifier of the data they describe - YES</a:t>
+            </a:r>
+          </a:p>
+          <a:p>
+            <a:pPr algn="l">
+              <a:lnSpc>
+                <a:spcPct val="150000"/>
+              </a:lnSpc>
+              <a:buFont typeface="Arial" panose="020B0604020202020204" pitchFamily="34" charset="0"/>
+              <a:buChar char="•"/>
+            </a:pPr>
+            <a:r>
+              <a:rPr lang="en-GB" sz="2400" b="0" i="0" dirty="0">
+                <a:solidFill>
+                  <a:srgbClr val="333333"/>
+                </a:solidFill>
+                <a:effectLst/>
+                <a:latin typeface="Ubuntu"/>
+              </a:rPr>
+              <a:t>F4. (Meta)data are registered or indexed in a searchable resource - YES</a:t>
+            </a:r>
           </a:p>
         </p:txBody>
       </p:sp>
     </p:spTree>
     <p:extLst>
       <p:ext uri="{BB962C8B-B14F-4D97-AF65-F5344CB8AC3E}">
-        <p14:creationId xmlns:p14="http://schemas.microsoft.com/office/powerpoint/2010/main" val="3474192978"/>
+        <p14:creationId xmlns:p14="http://schemas.microsoft.com/office/powerpoint/2010/main" val="999536205"/>
       </p:ext>
     </p:extLst>
   </p:cSld>
@@ -7997,18 +10005,70 @@
       </p:grpSpPr>
       <p:sp>
         <p:nvSpPr>
-          <p:cNvPr id="2" name="Rectangle 1"/>
-          <p:cNvSpPr/>
-          <p:nvPr/>
+          <p:cNvPr id="5" name="Title 1">
+            <a:extLst>
+              <a:ext uri="{FF2B5EF4-FFF2-40B4-BE49-F238E27FC236}">
+                <a16:creationId xmlns:a16="http://schemas.microsoft.com/office/drawing/2014/main" id="{775BFE92-9990-4094-B7B2-01514614F16E}"/>
+              </a:ext>
+            </a:extLst>
+          </p:cNvPr>
+          <p:cNvSpPr>
+            <a:spLocks noGrp="1"/>
+          </p:cNvSpPr>
+          <p:nvPr>
+            <p:ph type="title"/>
+          </p:nvPr>
         </p:nvSpPr>
         <p:spPr>
           <a:xfrm>
-            <a:off x="742384" y="2064189"/>
-            <a:ext cx="10981854" cy="2308324"/>
+            <a:off x="838200" y="365125"/>
+            <a:ext cx="10515600" cy="1325563"/>
+          </a:xfrm>
+        </p:spPr>
+        <p:txBody>
+          <a:bodyPr/>
+          <a:lstStyle/>
+          <a:p>
+            <a:r>
+              <a:rPr lang="pl-PL" dirty="0">
+                <a:solidFill>
+                  <a:srgbClr val="0070C0"/>
+                </a:solidFill>
+              </a:rPr>
+              <a:t>Public record</a:t>
+            </a:r>
+            <a:r>
+              <a:rPr lang="en-GB" dirty="0">
+                <a:solidFill>
+                  <a:srgbClr val="0070C0"/>
+                </a:solidFill>
+              </a:rPr>
+              <a:t> - Solutions</a:t>
+            </a:r>
+          </a:p>
+        </p:txBody>
+      </p:sp>
+      <p:sp>
+        <p:nvSpPr>
+          <p:cNvPr id="6" name="TextBox 5">
+            <a:extLst>
+              <a:ext uri="{FF2B5EF4-FFF2-40B4-BE49-F238E27FC236}">
+                <a16:creationId xmlns:a16="http://schemas.microsoft.com/office/drawing/2014/main" id="{216805BD-FE46-4237-9C78-2FA56E8B599C}"/>
+              </a:ext>
+            </a:extLst>
+          </p:cNvPr>
+          <p:cNvSpPr txBox="1"/>
+          <p:nvPr/>
+        </p:nvSpPr>
+        <p:spPr>
+          <a:xfrm>
+            <a:off x="1117041" y="1957980"/>
+            <a:ext cx="9957917" cy="2251065"/>
           </a:xfrm>
           <a:prstGeom prst="rect">
             <a:avLst/>
           </a:prstGeom>
+          <a:noFill/>
         </p:spPr>
         <p:txBody>
           <a:bodyPr wrap="square">
@@ -8016,96 +10076,66 @@
           </a:bodyPr>
           <a:lstStyle/>
           <a:p>
-            <a:r>
-              <a:rPr lang="pl-PL" sz="2400" dirty="0">
-                <a:solidFill>
-                  <a:srgbClr val="0070C0"/>
-                </a:solidFill>
-              </a:rPr>
-              <a:t>General repositories</a:t>
-            </a:r>
-            <a:r>
-              <a:rPr lang="en-GB" sz="2400" dirty="0">
-                <a:solidFill>
-                  <a:srgbClr val="0070C0"/>
-                </a:solidFill>
-              </a:rPr>
-              <a:t> </a:t>
-            </a:r>
-            <a:r>
-              <a:rPr lang="pl-PL" sz="2400" dirty="0">
-                <a:solidFill>
-                  <a:srgbClr val="0070C0"/>
-                </a:solidFill>
-              </a:rPr>
-              <a:t>are</a:t>
-            </a:r>
-            <a:r>
-              <a:rPr lang="en-GB" sz="2400" dirty="0">
-                <a:solidFill>
-                  <a:srgbClr val="0070C0"/>
-                </a:solidFill>
-              </a:rPr>
-              <a:t> a good place to keep your data separate from a paper. </a:t>
-            </a:r>
-            <a:endParaRPr lang="pl-PL" sz="2400" dirty="0">
-              <a:solidFill>
-                <a:srgbClr val="0070C0"/>
-              </a:solidFill>
-            </a:endParaRPr>
-          </a:p>
-          <a:p>
-            <a:endParaRPr lang="pl-PL" sz="2400" dirty="0">
-              <a:solidFill>
-                <a:srgbClr val="0070C0"/>
-              </a:solidFill>
-            </a:endParaRPr>
-          </a:p>
-          <a:p>
-            <a:r>
-              <a:rPr lang="en-GB" sz="2400" dirty="0">
-                <a:solidFill>
-                  <a:srgbClr val="0070C0"/>
-                </a:solidFill>
-              </a:rPr>
-              <a:t>It gives access to all files, allowing you to cite the data as well (or instead of) the paper.</a:t>
-            </a:r>
-            <a:endParaRPr lang="pl-PL" sz="2400" dirty="0">
-              <a:solidFill>
-                <a:srgbClr val="0070C0"/>
-              </a:solidFill>
-            </a:endParaRPr>
-          </a:p>
-          <a:p>
-            <a:endParaRPr lang="pl-PL" sz="2400" dirty="0">
-              <a:solidFill>
-                <a:srgbClr val="0070C0"/>
-              </a:solidFill>
-            </a:endParaRPr>
-          </a:p>
-          <a:p>
-            <a:r>
-              <a:rPr lang="pl-PL" sz="2400" dirty="0">
-                <a:solidFill>
-                  <a:srgbClr val="0070C0"/>
-                </a:solidFill>
-              </a:rPr>
-              <a:t>But they are not great in data discovery and agreggation.</a:t>
-            </a:r>
-          </a:p>
-          <a:p>
-            <a:endParaRPr lang="en-GB" sz="2400" dirty="0">
-              <a:solidFill>
-                <a:srgbClr val="0070C0"/>
-              </a:solidFill>
-            </a:endParaRPr>
+            <a:pPr algn="l">
+              <a:lnSpc>
+                <a:spcPct val="150000"/>
+              </a:lnSpc>
+            </a:pPr>
+            <a:r>
+              <a:rPr lang="en-GB" sz="2400" b="1" i="0" dirty="0">
+                <a:solidFill>
+                  <a:srgbClr val="333333"/>
+                </a:solidFill>
+                <a:effectLst/>
+                <a:latin typeface="Ubuntu"/>
+              </a:rPr>
+              <a:t>Accessible:</a:t>
+            </a:r>
+          </a:p>
+          <a:p>
+            <a:pPr algn="l">
+              <a:lnSpc>
+                <a:spcPct val="150000"/>
+              </a:lnSpc>
+              <a:buFont typeface="Arial" panose="020B0604020202020204" pitchFamily="34" charset="0"/>
+              <a:buChar char="•"/>
+            </a:pPr>
+            <a:r>
+              <a:rPr lang="en-GB" sz="2400" b="0" i="0" dirty="0">
+                <a:solidFill>
+                  <a:srgbClr val="333333"/>
+                </a:solidFill>
+                <a:effectLst/>
+                <a:latin typeface="Ubuntu"/>
+              </a:rPr>
+              <a:t>A1. (Meta)data are retrievable by their identifier using a standardised communications protocol - YES</a:t>
+            </a:r>
+          </a:p>
+          <a:p>
+            <a:pPr algn="l">
+              <a:lnSpc>
+                <a:spcPct val="150000"/>
+              </a:lnSpc>
+              <a:buFont typeface="Arial" panose="020B0604020202020204" pitchFamily="34" charset="0"/>
+              <a:buChar char="•"/>
+            </a:pPr>
+            <a:r>
+              <a:rPr lang="en-GB" sz="2400" b="0" i="0" dirty="0">
+                <a:solidFill>
+                  <a:srgbClr val="333333"/>
+                </a:solidFill>
+                <a:effectLst/>
+                <a:latin typeface="Ubuntu"/>
+              </a:rPr>
+              <a:t>A2. Metadata are accessible, even when the data are no longer available - YES</a:t>
+            </a:r>
           </a:p>
         </p:txBody>
       </p:sp>
     </p:spTree>
     <p:extLst>
       <p:ext uri="{BB962C8B-B14F-4D97-AF65-F5344CB8AC3E}">
-        <p14:creationId xmlns:p14="http://schemas.microsoft.com/office/powerpoint/2010/main" val="3769265816"/>
+        <p14:creationId xmlns:p14="http://schemas.microsoft.com/office/powerpoint/2010/main" val="1475107681"/>
       </p:ext>
     </p:extLst>
   </p:cSld>

--- a/instructors/13-Repositories_v2.0.pptx
+++ b/instructors/13-Repositories_v2.0.pptx
@@ -5,7 +5,7 @@
     <p:sldMasterId id="2147483648" r:id="rId1"/>
   </p:sldMasterIdLst>
   <p:notesMasterIdLst>
-    <p:notesMasterId r:id="rId29"/>
+    <p:notesMasterId r:id="rId30"/>
   </p:notesMasterIdLst>
   <p:sldIdLst>
     <p:sldId id="280" r:id="rId2"/>
@@ -33,8 +33,9 @@
     <p:sldId id="304" r:id="rId24"/>
     <p:sldId id="307" r:id="rId25"/>
     <p:sldId id="318" r:id="rId26"/>
-    <p:sldId id="306" r:id="rId27"/>
-    <p:sldId id="296" r:id="rId28"/>
+    <p:sldId id="319" r:id="rId27"/>
+    <p:sldId id="306" r:id="rId28"/>
+    <p:sldId id="296" r:id="rId29"/>
   </p:sldIdLst>
   <p:sldSz cx="12192000" cy="6858000"/>
   <p:notesSz cx="6858000" cy="9144000"/>
@@ -223,7 +224,7 @@
           <a:p>
             <a:fld id="{585C48AE-4A1E-9A43-835F-510354165F99}" type="datetimeFigureOut">
               <a:rPr lang="en-GB" smtClean="0"/>
-              <a:t>20/10/2021</a:t>
+              <a:t>21/10/2021</a:t>
             </a:fld>
             <a:endParaRPr lang="en-GB"/>
           </a:p>
@@ -639,7 +640,7 @@
           <a:p>
             <a:fld id="{5913FB77-D8DB-4AB9-8EA5-EE8C3B57A5E1}" type="datetimeFigureOut">
               <a:rPr lang="en-GB" smtClean="0"/>
-              <a:t>20/10/2021</a:t>
+              <a:t>21/10/2021</a:t>
             </a:fld>
             <a:endParaRPr lang="en-GB"/>
           </a:p>
@@ -886,7 +887,7 @@
           <a:p>
             <a:fld id="{5913FB77-D8DB-4AB9-8EA5-EE8C3B57A5E1}" type="datetimeFigureOut">
               <a:rPr lang="en-GB" smtClean="0"/>
-              <a:t>20/10/2021</a:t>
+              <a:t>21/10/2021</a:t>
             </a:fld>
             <a:endParaRPr lang="en-GB"/>
           </a:p>
@@ -1096,7 +1097,7 @@
           <a:p>
             <a:fld id="{5913FB77-D8DB-4AB9-8EA5-EE8C3B57A5E1}" type="datetimeFigureOut">
               <a:rPr lang="en-GB" smtClean="0"/>
-              <a:t>20/10/2021</a:t>
+              <a:t>21/10/2021</a:t>
             </a:fld>
             <a:endParaRPr lang="en-GB"/>
           </a:p>
@@ -1296,7 +1297,7 @@
           <a:p>
             <a:fld id="{5913FB77-D8DB-4AB9-8EA5-EE8C3B57A5E1}" type="datetimeFigureOut">
               <a:rPr lang="en-GB" smtClean="0"/>
-              <a:t>20/10/2021</a:t>
+              <a:t>21/10/2021</a:t>
             </a:fld>
             <a:endParaRPr lang="en-GB"/>
           </a:p>
@@ -1572,7 +1573,7 @@
           <a:p>
             <a:fld id="{5913FB77-D8DB-4AB9-8EA5-EE8C3B57A5E1}" type="datetimeFigureOut">
               <a:rPr lang="en-GB" smtClean="0"/>
-              <a:t>20/10/2021</a:t>
+              <a:t>21/10/2021</a:t>
             </a:fld>
             <a:endParaRPr lang="en-GB"/>
           </a:p>
@@ -1840,7 +1841,7 @@
           <a:p>
             <a:fld id="{5913FB77-D8DB-4AB9-8EA5-EE8C3B57A5E1}" type="datetimeFigureOut">
               <a:rPr lang="en-GB" smtClean="0"/>
-              <a:t>20/10/2021</a:t>
+              <a:t>21/10/2021</a:t>
             </a:fld>
             <a:endParaRPr lang="en-GB"/>
           </a:p>
@@ -2255,7 +2256,7 @@
           <a:p>
             <a:fld id="{5913FB77-D8DB-4AB9-8EA5-EE8C3B57A5E1}" type="datetimeFigureOut">
               <a:rPr lang="en-GB" smtClean="0"/>
-              <a:t>20/10/2021</a:t>
+              <a:t>21/10/2021</a:t>
             </a:fld>
             <a:endParaRPr lang="en-GB"/>
           </a:p>
@@ -2397,7 +2398,7 @@
           <a:p>
             <a:fld id="{5913FB77-D8DB-4AB9-8EA5-EE8C3B57A5E1}" type="datetimeFigureOut">
               <a:rPr lang="en-GB" smtClean="0"/>
-              <a:t>20/10/2021</a:t>
+              <a:t>21/10/2021</a:t>
             </a:fld>
             <a:endParaRPr lang="en-GB"/>
           </a:p>
@@ -2510,7 +2511,7 @@
           <a:p>
             <a:fld id="{5913FB77-D8DB-4AB9-8EA5-EE8C3B57A5E1}" type="datetimeFigureOut">
               <a:rPr lang="en-GB" smtClean="0"/>
-              <a:t>20/10/2021</a:t>
+              <a:t>21/10/2021</a:t>
             </a:fld>
             <a:endParaRPr lang="en-GB"/>
           </a:p>
@@ -2823,7 +2824,7 @@
           <a:p>
             <a:fld id="{5913FB77-D8DB-4AB9-8EA5-EE8C3B57A5E1}" type="datetimeFigureOut">
               <a:rPr lang="en-GB" smtClean="0"/>
-              <a:t>20/10/2021</a:t>
+              <a:t>21/10/2021</a:t>
             </a:fld>
             <a:endParaRPr lang="en-GB"/>
           </a:p>
@@ -3112,7 +3113,7 @@
           <a:p>
             <a:fld id="{5913FB77-D8DB-4AB9-8EA5-EE8C3B57A5E1}" type="datetimeFigureOut">
               <a:rPr lang="en-GB" smtClean="0"/>
-              <a:t>20/10/2021</a:t>
+              <a:t>21/10/2021</a:t>
             </a:fld>
             <a:endParaRPr lang="en-GB"/>
           </a:p>
@@ -3354,7 +3355,7 @@
             <a:fld id="{5913FB77-D8DB-4AB9-8EA5-EE8C3B57A5E1}" type="datetimeFigureOut">
               <a:rPr lang="en-GB" smtClean="0"/>
               <a:pPr/>
-              <a:t>20/10/2021</a:t>
+              <a:t>21/10/2021</a:t>
             </a:fld>
             <a:endParaRPr lang="en-GB"/>
           </a:p>
@@ -4584,27 +4585,7 @@
                 <a:effectLst/>
                 <a:latin typeface="Ubuntu"/>
               </a:rPr>
-              <a:t>However, it is not good for </a:t>
-            </a:r>
-            <a:r>
-              <a:rPr lang="en-GB" sz="2400" b="0" i="0" dirty="0" err="1">
-                <a:solidFill>
-                  <a:srgbClr val="333333"/>
-                </a:solidFill>
-                <a:effectLst/>
-                <a:latin typeface="Ubuntu"/>
-              </a:rPr>
-              <a:t>disovery</a:t>
-            </a:r>
-            <a:r>
-              <a:rPr lang="en-GB" sz="2400" b="0" i="0" dirty="0">
-                <a:solidFill>
-                  <a:srgbClr val="333333"/>
-                </a:solidFill>
-                <a:effectLst/>
-                <a:latin typeface="Ubuntu"/>
-              </a:rPr>
-              <a:t>, and does not enforce most metadata!</a:t>
+              <a:t>However, it is not good for discovery, and does not enforce most metadata!</a:t>
             </a:r>
             <a:endParaRPr lang="en-GB" sz="2400" dirty="0"/>
           </a:p>
@@ -8120,6 +8101,296 @@
           <a:chExt cx="0" cy="0"/>
         </a:xfrm>
       </p:grpSpPr>
+      <p:sp>
+        <p:nvSpPr>
+          <p:cNvPr id="2" name="Title 1">
+            <a:extLst>
+              <a:ext uri="{FF2B5EF4-FFF2-40B4-BE49-F238E27FC236}">
+                <a16:creationId xmlns:a16="http://schemas.microsoft.com/office/drawing/2014/main" id="{0644B4C3-AD1C-4994-814E-0100950A4C17}"/>
+              </a:ext>
+            </a:extLst>
+          </p:cNvPr>
+          <p:cNvSpPr>
+            <a:spLocks noGrp="1"/>
+          </p:cNvSpPr>
+          <p:nvPr>
+            <p:ph type="title"/>
+          </p:nvPr>
+        </p:nvSpPr>
+        <p:spPr>
+          <a:xfrm>
+            <a:off x="305637" y="180211"/>
+            <a:ext cx="10515600" cy="1325563"/>
+          </a:xfrm>
+        </p:spPr>
+        <p:txBody>
+          <a:bodyPr/>
+          <a:lstStyle/>
+          <a:p>
+            <a:r>
+              <a:rPr lang="en-GB" dirty="0"/>
+              <a:t>What about the ReadMe file?</a:t>
+            </a:r>
+          </a:p>
+        </p:txBody>
+      </p:sp>
+      <p:sp>
+        <p:nvSpPr>
+          <p:cNvPr id="5" name="TextBox 4">
+            <a:extLst>
+              <a:ext uri="{FF2B5EF4-FFF2-40B4-BE49-F238E27FC236}">
+                <a16:creationId xmlns:a16="http://schemas.microsoft.com/office/drawing/2014/main" id="{1EF43E33-0E7B-4B21-9546-9C820EA0355B}"/>
+              </a:ext>
+            </a:extLst>
+          </p:cNvPr>
+          <p:cNvSpPr txBox="1"/>
+          <p:nvPr/>
+        </p:nvSpPr>
+        <p:spPr>
+          <a:xfrm>
+            <a:off x="2766714" y="2228671"/>
+            <a:ext cx="6296130" cy="1200329"/>
+          </a:xfrm>
+          <a:prstGeom prst="rect">
+            <a:avLst/>
+          </a:prstGeom>
+          <a:solidFill>
+            <a:schemeClr val="accent1">
+              <a:lumMod val="20000"/>
+              <a:lumOff val="80000"/>
+            </a:schemeClr>
+          </a:solidFill>
+        </p:spPr>
+        <p:txBody>
+          <a:bodyPr wrap="square">
+            <a:spAutoFit/>
+          </a:bodyPr>
+          <a:lstStyle/>
+          <a:p>
+            <a:pPr algn="ctr"/>
+            <a:r>
+              <a:rPr lang="en-GB" sz="2400" b="0" i="0" dirty="0">
+                <a:solidFill>
+                  <a:srgbClr val="333333"/>
+                </a:solidFill>
+                <a:effectLst/>
+                <a:latin typeface="Ubuntu"/>
+              </a:rPr>
+              <a:t>Always include a ReadMe file when you deposit in “General” research data public repositories, such as </a:t>
+            </a:r>
+            <a:r>
+              <a:rPr lang="en-GB" sz="2400" b="0" i="0" dirty="0" err="1">
+                <a:solidFill>
+                  <a:srgbClr val="333333"/>
+                </a:solidFill>
+                <a:effectLst/>
+                <a:latin typeface="Ubuntu"/>
+              </a:rPr>
+              <a:t>DataShare</a:t>
+            </a:r>
+            <a:r>
+              <a:rPr lang="en-GB" sz="2400" b="0" i="0" dirty="0">
+                <a:solidFill>
+                  <a:srgbClr val="333333"/>
+                </a:solidFill>
+                <a:effectLst/>
+                <a:latin typeface="Ubuntu"/>
+              </a:rPr>
+              <a:t> or </a:t>
+            </a:r>
+            <a:r>
+              <a:rPr lang="en-GB" sz="2400" b="0" i="0" dirty="0" err="1">
+                <a:solidFill>
+                  <a:srgbClr val="333333"/>
+                </a:solidFill>
+                <a:effectLst/>
+                <a:latin typeface="Ubuntu"/>
+              </a:rPr>
+              <a:t>Zenodo</a:t>
+            </a:r>
+            <a:r>
+              <a:rPr lang="en-GB" sz="2400" b="0" i="0" dirty="0">
+                <a:solidFill>
+                  <a:srgbClr val="333333"/>
+                </a:solidFill>
+                <a:effectLst/>
+                <a:latin typeface="Ubuntu"/>
+              </a:rPr>
+              <a:t>.</a:t>
+            </a:r>
+            <a:endParaRPr lang="en-GB" sz="2400" dirty="0"/>
+          </a:p>
+        </p:txBody>
+      </p:sp>
+      <p:sp>
+        <p:nvSpPr>
+          <p:cNvPr id="16" name="TextBox 15">
+            <a:extLst>
+              <a:ext uri="{FF2B5EF4-FFF2-40B4-BE49-F238E27FC236}">
+                <a16:creationId xmlns:a16="http://schemas.microsoft.com/office/drawing/2014/main" id="{F48D18B6-429B-4ACA-B9AC-8341B6F657F3}"/>
+              </a:ext>
+            </a:extLst>
+          </p:cNvPr>
+          <p:cNvSpPr txBox="1"/>
+          <p:nvPr/>
+        </p:nvSpPr>
+        <p:spPr>
+          <a:xfrm>
+            <a:off x="7523922" y="4444831"/>
+            <a:ext cx="6094324" cy="369332"/>
+          </a:xfrm>
+          <a:prstGeom prst="rect">
+            <a:avLst/>
+          </a:prstGeom>
+          <a:noFill/>
+        </p:spPr>
+        <p:txBody>
+          <a:bodyPr wrap="square">
+            <a:spAutoFit/>
+          </a:bodyPr>
+          <a:lstStyle/>
+          <a:p>
+            <a:r>
+              <a:rPr lang="en-GB" dirty="0">
+                <a:hlinkClick r:id="rId2"/>
+              </a:rPr>
+              <a:t>https://www.wiki.ed.ac.uk/x/XbRVHQ</a:t>
+            </a:r>
+            <a:r>
+              <a:rPr lang="en-GB" dirty="0"/>
+              <a:t> </a:t>
+            </a:r>
+          </a:p>
+        </p:txBody>
+      </p:sp>
+      <p:sp>
+        <p:nvSpPr>
+          <p:cNvPr id="8" name="TextBox 7">
+            <a:extLst>
+              <a:ext uri="{FF2B5EF4-FFF2-40B4-BE49-F238E27FC236}">
+                <a16:creationId xmlns:a16="http://schemas.microsoft.com/office/drawing/2014/main" id="{97160006-7E89-4AA4-86CC-F661B527EF12}"/>
+              </a:ext>
+            </a:extLst>
+          </p:cNvPr>
+          <p:cNvSpPr txBox="1"/>
+          <p:nvPr/>
+        </p:nvSpPr>
+        <p:spPr>
+          <a:xfrm>
+            <a:off x="1939332" y="4306332"/>
+            <a:ext cx="3975447" cy="646331"/>
+          </a:xfrm>
+          <a:prstGeom prst="rect">
+            <a:avLst/>
+          </a:prstGeom>
+          <a:noFill/>
+        </p:spPr>
+        <p:txBody>
+          <a:bodyPr wrap="none" rtlCol="0">
+            <a:spAutoFit/>
+          </a:bodyPr>
+          <a:lstStyle/>
+          <a:p>
+            <a:pPr algn="ctr"/>
+            <a:r>
+              <a:rPr lang="en-GB" dirty="0"/>
+              <a:t>An example readme file can be found at </a:t>
+            </a:r>
+          </a:p>
+          <a:p>
+            <a:pPr algn="ctr"/>
+            <a:r>
+              <a:rPr lang="en-GB" dirty="0" err="1"/>
+              <a:t>BioRDM’s</a:t>
+            </a:r>
+            <a:r>
+              <a:rPr lang="en-GB" dirty="0"/>
+              <a:t> Wiki Page for </a:t>
+            </a:r>
+            <a:r>
+              <a:rPr lang="en-GB" dirty="0" err="1"/>
+              <a:t>DataShare</a:t>
+            </a:r>
+            <a:endParaRPr lang="en-GB" dirty="0"/>
+          </a:p>
+        </p:txBody>
+      </p:sp>
+      <p:sp>
+        <p:nvSpPr>
+          <p:cNvPr id="9" name="Arrow: Right 8">
+            <a:extLst>
+              <a:ext uri="{FF2B5EF4-FFF2-40B4-BE49-F238E27FC236}">
+                <a16:creationId xmlns:a16="http://schemas.microsoft.com/office/drawing/2014/main" id="{3FA85775-6AD8-4E37-B1B9-6BAA1BAA3DA0}"/>
+              </a:ext>
+            </a:extLst>
+          </p:cNvPr>
+          <p:cNvSpPr/>
+          <p:nvPr/>
+        </p:nvSpPr>
+        <p:spPr>
+          <a:xfrm>
+            <a:off x="6277223" y="4318612"/>
+            <a:ext cx="884255" cy="621770"/>
+          </a:xfrm>
+          <a:prstGeom prst="rightArrow">
+            <a:avLst/>
+          </a:prstGeom>
+        </p:spPr>
+        <p:style>
+          <a:lnRef idx="2">
+            <a:schemeClr val="accent1">
+              <a:shade val="50000"/>
+            </a:schemeClr>
+          </a:lnRef>
+          <a:fillRef idx="1">
+            <a:schemeClr val="accent1"/>
+          </a:fillRef>
+          <a:effectRef idx="0">
+            <a:schemeClr val="accent1"/>
+          </a:effectRef>
+          <a:fontRef idx="minor">
+            <a:schemeClr val="lt1"/>
+          </a:fontRef>
+        </p:style>
+        <p:txBody>
+          <a:bodyPr rtlCol="0" anchor="ctr"/>
+          <a:lstStyle/>
+          <a:p>
+            <a:pPr algn="ctr"/>
+            <a:endParaRPr lang="en-GB"/>
+          </a:p>
+        </p:txBody>
+      </p:sp>
+    </p:spTree>
+    <p:extLst>
+      <p:ext uri="{BB962C8B-B14F-4D97-AF65-F5344CB8AC3E}">
+        <p14:creationId xmlns:p14="http://schemas.microsoft.com/office/powerpoint/2010/main" val="1507444769"/>
+      </p:ext>
+    </p:extLst>
+  </p:cSld>
+  <p:clrMapOvr>
+    <a:masterClrMapping/>
+  </p:clrMapOvr>
+</p:sld>
+</file>
+
+<file path=ppt/slides/slide27.xml><?xml version="1.0" encoding="utf-8"?>
+<p:sld xmlns:a="http://schemas.openxmlformats.org/drawingml/2006/main" xmlns:r="http://schemas.openxmlformats.org/officeDocument/2006/relationships" xmlns:p="http://schemas.openxmlformats.org/presentationml/2006/main">
+  <p:cSld>
+    <p:spTree>
+      <p:nvGrpSpPr>
+        <p:cNvPr id="1" name=""/>
+        <p:cNvGrpSpPr/>
+        <p:nvPr/>
+      </p:nvGrpSpPr>
+      <p:grpSpPr>
+        <a:xfrm>
+          <a:off x="0" y="0"/>
+          <a:ext cx="0" cy="0"/>
+          <a:chOff x="0" y="0"/>
+          <a:chExt cx="0" cy="0"/>
+        </a:xfrm>
+      </p:grpSpPr>
       <p:pic>
         <p:nvPicPr>
           <p:cNvPr id="4" name="Picture 2" descr="Ed_DaSH">
@@ -8320,7 +8591,7 @@
 </p:sld>
 </file>
 
-<file path=ppt/slides/slide27.xml><?xml version="1.0" encoding="utf-8"?>
+<file path=ppt/slides/slide28.xml><?xml version="1.0" encoding="utf-8"?>
 <p:sld xmlns:a="http://schemas.openxmlformats.org/drawingml/2006/main" xmlns:r="http://schemas.openxmlformats.org/officeDocument/2006/relationships" xmlns:p="http://schemas.openxmlformats.org/presentationml/2006/main">
   <p:cSld>
     <p:spTree>

--- a/instructors/13-Repositories_v2.0.pptx
+++ b/instructors/13-Repositories_v2.0.pptx
@@ -5,7 +5,7 @@
     <p:sldMasterId id="2147483648" r:id="rId1"/>
   </p:sldMasterIdLst>
   <p:notesMasterIdLst>
-    <p:notesMasterId r:id="rId30"/>
+    <p:notesMasterId r:id="rId29"/>
   </p:notesMasterIdLst>
   <p:sldIdLst>
     <p:sldId id="280" r:id="rId2"/>
@@ -21,21 +21,20 @@
     <p:sldId id="314" r:id="rId12"/>
     <p:sldId id="298" r:id="rId13"/>
     <p:sldId id="315" r:id="rId14"/>
-    <p:sldId id="297" r:id="rId15"/>
-    <p:sldId id="299" r:id="rId16"/>
-    <p:sldId id="301" r:id="rId17"/>
-    <p:sldId id="300" r:id="rId18"/>
-    <p:sldId id="316" r:id="rId19"/>
-    <p:sldId id="302" r:id="rId20"/>
-    <p:sldId id="303" r:id="rId21"/>
-    <p:sldId id="308" r:id="rId22"/>
-    <p:sldId id="317" r:id="rId23"/>
-    <p:sldId id="304" r:id="rId24"/>
-    <p:sldId id="307" r:id="rId25"/>
-    <p:sldId id="318" r:id="rId26"/>
-    <p:sldId id="319" r:id="rId27"/>
-    <p:sldId id="306" r:id="rId28"/>
-    <p:sldId id="296" r:id="rId29"/>
+    <p:sldId id="299" r:id="rId15"/>
+    <p:sldId id="301" r:id="rId16"/>
+    <p:sldId id="300" r:id="rId17"/>
+    <p:sldId id="316" r:id="rId18"/>
+    <p:sldId id="302" r:id="rId19"/>
+    <p:sldId id="303" r:id="rId20"/>
+    <p:sldId id="308" r:id="rId21"/>
+    <p:sldId id="317" r:id="rId22"/>
+    <p:sldId id="304" r:id="rId23"/>
+    <p:sldId id="307" r:id="rId24"/>
+    <p:sldId id="318" r:id="rId25"/>
+    <p:sldId id="319" r:id="rId26"/>
+    <p:sldId id="306" r:id="rId27"/>
+    <p:sldId id="296" r:id="rId28"/>
   </p:sldIdLst>
   <p:sldSz cx="12192000" cy="6858000"/>
   <p:notesSz cx="6858000" cy="9144000"/>
@@ -489,6 +488,150 @@
     </a:lvl9pPr>
   </p:notesStyle>
 </p:notesMaster>
+</file>
+
+<file path=ppt/notesSlides/notesSlide1.xml><?xml version="1.0" encoding="utf-8"?>
+<p:notes xmlns:a="http://schemas.openxmlformats.org/drawingml/2006/main" xmlns:r="http://schemas.openxmlformats.org/officeDocument/2006/relationships" xmlns:p="http://schemas.openxmlformats.org/presentationml/2006/main">
+  <p:cSld>
+    <p:spTree>
+      <p:nvGrpSpPr>
+        <p:cNvPr id="1" name=""/>
+        <p:cNvGrpSpPr/>
+        <p:nvPr/>
+      </p:nvGrpSpPr>
+      <p:grpSpPr>
+        <a:xfrm>
+          <a:off x="0" y="0"/>
+          <a:ext cx="0" cy="0"/>
+          <a:chOff x="0" y="0"/>
+          <a:chExt cx="0" cy="0"/>
+        </a:xfrm>
+      </p:grpSpPr>
+      <p:sp>
+        <p:nvSpPr>
+          <p:cNvPr id="2" name="Slide Image Placeholder 1"/>
+          <p:cNvSpPr>
+            <a:spLocks noGrp="1" noRot="1" noChangeAspect="1"/>
+          </p:cNvSpPr>
+          <p:nvPr>
+            <p:ph type="sldImg"/>
+          </p:nvPr>
+        </p:nvSpPr>
+        <p:spPr/>
+      </p:sp>
+      <p:sp>
+        <p:nvSpPr>
+          <p:cNvPr id="3" name="Notes Placeholder 2"/>
+          <p:cNvSpPr>
+            <a:spLocks noGrp="1"/>
+          </p:cNvSpPr>
+          <p:nvPr>
+            <p:ph type="body" idx="1"/>
+          </p:nvPr>
+        </p:nvSpPr>
+        <p:spPr/>
+        <p:txBody>
+          <a:bodyPr/>
+          <a:lstStyle/>
+          <a:p>
+            <a:r>
+              <a:rPr lang="en-GB" dirty="0"/>
+              <a:t>Findable -&gt; </a:t>
+            </a:r>
+            <a:r>
+              <a:rPr lang="en-GB" b="0" i="0" dirty="0">
+                <a:solidFill>
+                  <a:srgbClr val="000000"/>
+                </a:solidFill>
+                <a:effectLst/>
+                <a:latin typeface="Open Sans" panose="020B0606030504020204" pitchFamily="34" charset="0"/>
+              </a:rPr>
+              <a:t>means that the data can be discovered by both humans and machines</a:t>
+            </a:r>
+            <a:endParaRPr lang="en-GB" dirty="0"/>
+          </a:p>
+          <a:p>
+            <a:r>
+              <a:rPr lang="en-GB" dirty="0"/>
+              <a:t>Accessible -&gt; </a:t>
+            </a:r>
+            <a:r>
+              <a:rPr lang="en-GB" b="0" i="0" dirty="0">
+                <a:solidFill>
+                  <a:srgbClr val="000000"/>
+                </a:solidFill>
+                <a:effectLst/>
+                <a:latin typeface="Open Sans" panose="020B0606030504020204" pitchFamily="34" charset="0"/>
+              </a:rPr>
+              <a:t>means that the data are archived in long-term storage and can be made available using standard technical procedures</a:t>
+            </a:r>
+            <a:endParaRPr lang="en-GB" dirty="0"/>
+          </a:p>
+          <a:p>
+            <a:r>
+              <a:rPr lang="en-GB" dirty="0"/>
+              <a:t>Interoperable -&gt; </a:t>
+            </a:r>
+            <a:r>
+              <a:rPr lang="en-GB" b="0" i="0" dirty="0">
+                <a:solidFill>
+                  <a:srgbClr val="000000"/>
+                </a:solidFill>
+                <a:effectLst/>
+                <a:latin typeface="Open Sans" panose="020B0606030504020204" pitchFamily="34" charset="0"/>
+              </a:rPr>
+              <a:t> data can be exchanged and used across different applications and systems</a:t>
+            </a:r>
+          </a:p>
+          <a:p>
+            <a:r>
+              <a:rPr lang="en-GB" b="0" i="0" dirty="0">
+                <a:solidFill>
+                  <a:srgbClr val="000000"/>
+                </a:solidFill>
+                <a:effectLst/>
+                <a:latin typeface="Open Sans" panose="020B0606030504020204" pitchFamily="34" charset="0"/>
+              </a:rPr>
+              <a:t>Reusable -&gt; means that the data are well documented and curated and provide rich information about the context of data creation</a:t>
+            </a:r>
+            <a:endParaRPr lang="en-GB" dirty="0"/>
+          </a:p>
+        </p:txBody>
+      </p:sp>
+      <p:sp>
+        <p:nvSpPr>
+          <p:cNvPr id="4" name="Slide Number Placeholder 3"/>
+          <p:cNvSpPr>
+            <a:spLocks noGrp="1"/>
+          </p:cNvSpPr>
+          <p:nvPr>
+            <p:ph type="sldNum" sz="quarter" idx="5"/>
+          </p:nvPr>
+        </p:nvSpPr>
+        <p:spPr/>
+        <p:txBody>
+          <a:bodyPr/>
+          <a:lstStyle/>
+          <a:p>
+            <a:fld id="{B361C124-7373-F149-A166-BB8240B9FE77}" type="slidenum">
+              <a:rPr lang="en-GB" smtClean="0"/>
+              <a:t>2</a:t>
+            </a:fld>
+            <a:endParaRPr lang="en-GB"/>
+          </a:p>
+        </p:txBody>
+      </p:sp>
+    </p:spTree>
+    <p:extLst>
+      <p:ext uri="{BB962C8B-B14F-4D97-AF65-F5344CB8AC3E}">
+        <p14:creationId xmlns:p14="http://schemas.microsoft.com/office/powerpoint/2010/main" val="2319824473"/>
+      </p:ext>
+    </p:extLst>
+  </p:cSld>
+  <p:clrMapOvr>
+    <a:masterClrMapping/>
+  </p:clrMapOvr>
+</p:notes>
 </file>
 
 <file path=ppt/slideLayouts/slideLayout1.xml><?xml version="1.0" encoding="utf-8"?>
@@ -4674,8 +4817,8 @@
         </p:nvSpPr>
         <p:spPr>
           <a:xfrm>
-            <a:off x="742384" y="2064189"/>
-            <a:ext cx="10981854" cy="2308324"/>
+            <a:off x="838200" y="1599228"/>
+            <a:ext cx="9573768" cy="5262979"/>
           </a:xfrm>
           <a:prstGeom prst="rect">
             <a:avLst/>
@@ -4693,7 +4836,15 @@
                   <a:srgbClr val="0070C0"/>
                 </a:solidFill>
               </a:rPr>
-              <a:t>General repositories</a:t>
+              <a:t>M</a:t>
+            </a:r>
+            <a:r>
+              <a:rPr lang="en-GB" sz="2400" dirty="0" err="1">
+                <a:solidFill>
+                  <a:srgbClr val="0070C0"/>
+                </a:solidFill>
+              </a:rPr>
+              <a:t>inimal</a:t>
             </a:r>
             <a:r>
               <a:rPr lang="en-GB" sz="2400" dirty="0">
@@ -4701,7 +4852,7 @@
                   <a:srgbClr val="0070C0"/>
                 </a:solidFill>
               </a:rPr>
-              <a:t> </a:t>
+              <a:t> data set to consist of the data required to replicate all study findings reported in the article, as well as related metadata and methods</a:t>
             </a:r>
             <a:r>
               <a:rPr lang="pl-PL" sz="2400" dirty="0">
@@ -4709,16 +4860,10 @@
                   <a:srgbClr val="0070C0"/>
                 </a:solidFill>
               </a:rPr>
-              <a:t>are</a:t>
-            </a:r>
-            <a:r>
-              <a:rPr lang="en-GB" sz="2400" dirty="0">
-                <a:solidFill>
-                  <a:srgbClr val="0070C0"/>
-                </a:solidFill>
-              </a:rPr>
-              <a:t> a good place to keep your data separate from a paper. </a:t>
-            </a:r>
+              <a:t>.</a:t>
+            </a:r>
+          </a:p>
+          <a:p>
             <a:endParaRPr lang="pl-PL" sz="2400" dirty="0">
               <a:solidFill>
                 <a:srgbClr val="0070C0"/>
@@ -4733,14 +4878,48 @@
             </a:endParaRPr>
           </a:p>
           <a:p>
+            <a:pPr marL="285750" indent="-285750">
+              <a:buFont typeface="Arial" panose="020B0604020202020204" pitchFamily="34" charset="0"/>
+              <a:buChar char="•"/>
+            </a:pPr>
             <a:r>
               <a:rPr lang="en-GB" sz="2400" dirty="0">
                 <a:solidFill>
                   <a:srgbClr val="0070C0"/>
                 </a:solidFill>
               </a:rPr>
-              <a:t>It gives access to all files, allowing you to cite the data as well (or instead of) the paper.</a:t>
-            </a:r>
+              <a:t>The values behind the means, standard deviations and other measures reported</a:t>
+            </a:r>
+          </a:p>
+          <a:p>
+            <a:pPr marL="285750" indent="-285750">
+              <a:buFont typeface="Arial" panose="020B0604020202020204" pitchFamily="34" charset="0"/>
+              <a:buChar char="•"/>
+            </a:pPr>
+            <a:r>
+              <a:rPr lang="en-GB" sz="2400" dirty="0">
+                <a:solidFill>
+                  <a:srgbClr val="0070C0"/>
+                </a:solidFill>
+              </a:rPr>
+              <a:t>The values used to build graphs</a:t>
+            </a:r>
+          </a:p>
+          <a:p>
+            <a:pPr marL="285750" indent="-285750">
+              <a:buFont typeface="Arial" panose="020B0604020202020204" pitchFamily="34" charset="0"/>
+              <a:buChar char="•"/>
+            </a:pPr>
+            <a:r>
+              <a:rPr lang="en-GB" sz="2400" dirty="0">
+                <a:solidFill>
+                  <a:srgbClr val="0070C0"/>
+                </a:solidFill>
+              </a:rPr>
+              <a:t>The points extracted from images for analysis.</a:t>
+            </a:r>
+          </a:p>
+          <a:p>
             <a:endParaRPr lang="pl-PL" sz="2400" dirty="0">
               <a:solidFill>
                 <a:srgbClr val="0070C0"/>
@@ -4748,6 +4927,32 @@
             </a:endParaRPr>
           </a:p>
           <a:p>
+            <a:r>
+              <a:rPr lang="pl-PL" sz="2400" dirty="0">
+                <a:solidFill>
+                  <a:srgbClr val="0070C0"/>
+                </a:solidFill>
+              </a:rPr>
+              <a:t>(no need for </a:t>
+            </a:r>
+            <a:r>
+              <a:rPr lang="en-GB" sz="2400" dirty="0">
+                <a:solidFill>
+                  <a:srgbClr val="0070C0"/>
+                </a:solidFill>
+              </a:rPr>
+              <a:t>raw data if the standard in the field is to share data that have been processed</a:t>
+            </a:r>
+            <a:r>
+              <a:rPr lang="pl-PL" sz="2400" dirty="0">
+                <a:solidFill>
+                  <a:srgbClr val="0070C0"/>
+                </a:solidFill>
+              </a:rPr>
+              <a:t>)</a:t>
+            </a:r>
+          </a:p>
+          <a:p>
             <a:endParaRPr lang="pl-PL" sz="2400" dirty="0">
               <a:solidFill>
                 <a:srgbClr val="0070C0"/>
@@ -4755,28 +4960,70 @@
             </a:endParaRPr>
           </a:p>
           <a:p>
-            <a:r>
-              <a:rPr lang="pl-PL" sz="2400" dirty="0">
-                <a:solidFill>
-                  <a:srgbClr val="0070C0"/>
-                </a:solidFill>
-              </a:rPr>
-              <a:t>But they are not great in data discovery and agreggation.</a:t>
-            </a:r>
-          </a:p>
-          <a:p>
-            <a:endParaRPr lang="en-GB" sz="2400" dirty="0">
+            <a:endParaRPr lang="pl-PL" sz="2400" dirty="0">
               <a:solidFill>
                 <a:srgbClr val="0070C0"/>
               </a:solidFill>
             </a:endParaRPr>
           </a:p>
+          <a:p>
+            <a:r>
+              <a:rPr lang="en-GB" sz="2400" dirty="0">
+                <a:solidFill>
+                  <a:srgbClr val="0070C0"/>
+                </a:solidFill>
+              </a:rPr>
+              <a:t>https://journals.plos.org/plosbiology/s/data-availability</a:t>
+            </a:r>
+          </a:p>
+        </p:txBody>
+      </p:sp>
+      <p:sp>
+        <p:nvSpPr>
+          <p:cNvPr id="5" name="Title 1">
+            <a:extLst>
+              <a:ext uri="{FF2B5EF4-FFF2-40B4-BE49-F238E27FC236}">
+                <a16:creationId xmlns:a16="http://schemas.microsoft.com/office/drawing/2014/main" id="{775BFE92-9990-4094-B7B2-01514614F16E}"/>
+              </a:ext>
+            </a:extLst>
+          </p:cNvPr>
+          <p:cNvSpPr>
+            <a:spLocks noGrp="1"/>
+          </p:cNvSpPr>
+          <p:nvPr>
+            <p:ph type="title"/>
+          </p:nvPr>
+        </p:nvSpPr>
+        <p:spPr>
+          <a:xfrm>
+            <a:off x="838200" y="365125"/>
+            <a:ext cx="10515600" cy="1325563"/>
+          </a:xfrm>
+        </p:spPr>
+        <p:txBody>
+          <a:bodyPr/>
+          <a:lstStyle/>
+          <a:p>
+            <a:r>
+              <a:rPr lang="pl-PL" dirty="0">
+                <a:solidFill>
+                  <a:srgbClr val="0070C0"/>
+                </a:solidFill>
+              </a:rPr>
+              <a:t>Minimal data set (after PLOS)</a:t>
+            </a:r>
+            <a:endParaRPr lang="en-GB" dirty="0">
+              <a:solidFill>
+                <a:srgbClr val="0070C0"/>
+              </a:solidFill>
+            </a:endParaRPr>
+          </a:p>
         </p:txBody>
       </p:sp>
     </p:spTree>
     <p:extLst>
       <p:ext uri="{BB962C8B-B14F-4D97-AF65-F5344CB8AC3E}">
-        <p14:creationId xmlns:p14="http://schemas.microsoft.com/office/powerpoint/2010/main" val="3769265816"/>
+        <p14:creationId xmlns:p14="http://schemas.microsoft.com/office/powerpoint/2010/main" val="757247184"/>
       </p:ext>
     </p:extLst>
   </p:cSld>
@@ -4803,6 +5050,53 @@
           <a:chExt cx="0" cy="0"/>
         </a:xfrm>
       </p:grpSpPr>
+      <p:pic>
+        <p:nvPicPr>
+          <p:cNvPr id="4" name="Picture 2" descr="Ed_DaSH">
+            <a:extLst>
+              <a:ext uri="{FF2B5EF4-FFF2-40B4-BE49-F238E27FC236}">
+                <a16:creationId xmlns:a16="http://schemas.microsoft.com/office/drawing/2014/main" id="{A783256F-E39E-4712-96B0-240BD611CFEB}"/>
+              </a:ext>
+            </a:extLst>
+          </p:cNvPr>
+          <p:cNvPicPr>
+            <a:picLocks noChangeAspect="1" noChangeArrowheads="1"/>
+          </p:cNvPicPr>
+          <p:nvPr/>
+        </p:nvPicPr>
+        <p:blipFill>
+          <a:blip r:embed="rId2" cstate="hqprint">
+            <a:extLst>
+              <a:ext uri="{28A0092B-C50C-407E-A947-70E740481C1C}">
+                <a14:useLocalDpi xmlns:a14="http://schemas.microsoft.com/office/drawing/2010/main" val="0"/>
+              </a:ext>
+            </a:extLst>
+          </a:blip>
+          <a:srcRect/>
+          <a:stretch>
+            <a:fillRect/>
+          </a:stretch>
+        </p:blipFill>
+        <p:spPr bwMode="auto">
+          <a:xfrm>
+            <a:off x="10820670" y="5458691"/>
+            <a:ext cx="1289214" cy="1325418"/>
+          </a:xfrm>
+          <a:prstGeom prst="rect">
+            <a:avLst/>
+          </a:prstGeom>
+          <a:noFill/>
+          <a:extLst>
+            <a:ext uri="{909E8E84-426E-40DD-AFC4-6F175D3DCCD1}">
+              <a14:hiddenFill xmlns:a14="http://schemas.microsoft.com/office/drawing/2010/main">
+                <a:solidFill>
+                  <a:srgbClr val="FFFFFF"/>
+                </a:solidFill>
+              </a14:hiddenFill>
+            </a:ext>
+          </a:extLst>
+        </p:spPr>
+      </p:pic>
       <p:sp>
         <p:nvSpPr>
           <p:cNvPr id="2" name="Rectangle 1"/>
@@ -4811,8 +5105,8 @@
         </p:nvSpPr>
         <p:spPr>
           <a:xfrm>
-            <a:off x="838200" y="1599228"/>
-            <a:ext cx="9573768" cy="5262979"/>
+            <a:off x="742384" y="2064189"/>
+            <a:ext cx="10981854" cy="2677656"/>
           </a:xfrm>
           <a:prstGeom prst="rect">
             <a:avLst/>
@@ -4824,40 +5118,18 @@
           </a:bodyPr>
           <a:lstStyle/>
           <a:p>
-            <a:r>
-              <a:rPr lang="pl-PL" sz="2400" dirty="0">
-                <a:solidFill>
-                  <a:srgbClr val="0070C0"/>
-                </a:solidFill>
-              </a:rPr>
-              <a:t>M</a:t>
-            </a:r>
-            <a:r>
-              <a:rPr lang="en-GB" sz="2400" dirty="0" err="1">
-                <a:solidFill>
-                  <a:srgbClr val="0070C0"/>
-                </a:solidFill>
-              </a:rPr>
-              <a:t>inimal</a:t>
-            </a:r>
+            <a:pPr marL="285750" indent="-285750">
+              <a:buFont typeface="Arial" panose="020B0604020202020204" pitchFamily="34" charset="0"/>
+              <a:buChar char="•"/>
+            </a:pPr>
             <a:r>
               <a:rPr lang="en-GB" sz="2400" dirty="0">
                 <a:solidFill>
                   <a:srgbClr val="0070C0"/>
                 </a:solidFill>
               </a:rPr>
-              <a:t> data set to consist of the data required to replicate all study findings reported in the article, as well as related metadata and methods</a:t>
-            </a:r>
-            <a:r>
-              <a:rPr lang="pl-PL" sz="2400" dirty="0">
-                <a:solidFill>
-                  <a:srgbClr val="0070C0"/>
-                </a:solidFill>
-              </a:rPr>
-              <a:t>.</a:t>
-            </a:r>
-          </a:p>
-          <a:p>
+              <a:t>Higher exposure</a:t>
+            </a:r>
             <a:endParaRPr lang="pl-PL" sz="2400" dirty="0">
               <a:solidFill>
                 <a:srgbClr val="0070C0"/>
@@ -4865,110 +5137,101 @@
             </a:endParaRPr>
           </a:p>
           <a:p>
+            <a:pPr marL="285750" indent="-285750">
+              <a:buFont typeface="Arial" panose="020B0604020202020204" pitchFamily="34" charset="0"/>
+              <a:buChar char="•"/>
+            </a:pPr>
+            <a:r>
+              <a:rPr lang="pl-PL" sz="2400" dirty="0">
+                <a:solidFill>
+                  <a:srgbClr val="0070C0"/>
+                </a:solidFill>
+              </a:rPr>
+              <a:t>Data specific features (e.g. Visulization)</a:t>
+            </a:r>
+          </a:p>
+          <a:p>
+            <a:pPr marL="285750" indent="-285750">
+              <a:buFont typeface="Arial" panose="020B0604020202020204" pitchFamily="34" charset="0"/>
+              <a:buChar char="•"/>
+            </a:pPr>
+            <a:r>
+              <a:rPr lang="pl-PL" sz="2400" dirty="0">
+                <a:solidFill>
+                  <a:srgbClr val="0070C0"/>
+                </a:solidFill>
+              </a:rPr>
+              <a:t>Enforced minimal metadata</a:t>
+            </a:r>
+          </a:p>
+          <a:p>
+            <a:pPr marL="285750" indent="-285750">
+              <a:buFont typeface="Arial" panose="020B0604020202020204" pitchFamily="34" charset="0"/>
+              <a:buChar char="•"/>
+            </a:pPr>
+            <a:r>
+              <a:rPr lang="pl-PL" sz="2400" dirty="0">
+                <a:solidFill>
+                  <a:srgbClr val="0070C0"/>
+                </a:solidFill>
+              </a:rPr>
+              <a:t>API for data retrival / agregation /searching</a:t>
+            </a:r>
+          </a:p>
+          <a:p>
+            <a:pPr marL="285750" indent="-285750">
+              <a:buFont typeface="Arial" panose="020B0604020202020204" pitchFamily="34" charset="0"/>
+              <a:buChar char="•"/>
+            </a:pPr>
+            <a:r>
+              <a:rPr lang="pl-PL" sz="2400" dirty="0">
+                <a:solidFill>
+                  <a:srgbClr val="0070C0"/>
+                </a:solidFill>
+              </a:rPr>
+              <a:t>Curated data</a:t>
+            </a:r>
+          </a:p>
+          <a:p>
+            <a:pPr marL="285750" indent="-285750">
+              <a:buFont typeface="Arial" panose="020B0604020202020204" pitchFamily="34" charset="0"/>
+              <a:buChar char="•"/>
+            </a:pPr>
+            <a:r>
+              <a:rPr lang="pl-PL" sz="2400" dirty="0">
+                <a:solidFill>
+                  <a:srgbClr val="0070C0"/>
+                </a:solidFill>
+              </a:rPr>
+              <a:t>Better searching</a:t>
+            </a:r>
+          </a:p>
+          <a:p>
+            <a:pPr marL="285750" indent="-285750">
+              <a:buFont typeface="Arial" panose="020B0604020202020204" pitchFamily="34" charset="0"/>
+              <a:buChar char="•"/>
+            </a:pPr>
+            <a:r>
+              <a:rPr lang="pl-PL" sz="2400" dirty="0">
+                <a:solidFill>
+                  <a:srgbClr val="0070C0"/>
+                </a:solidFill>
+              </a:rPr>
+              <a:t>Interlinking between data </a:t>
+            </a:r>
+            <a:r>
+              <a:rPr lang="pl-PL" sz="2400" dirty="0" err="1">
+                <a:solidFill>
+                  <a:srgbClr val="0070C0"/>
+                </a:solidFill>
+              </a:rPr>
+              <a:t>types</a:t>
+            </a:r>
             <a:endParaRPr lang="pl-PL" sz="2400" dirty="0">
               <a:solidFill>
                 <a:srgbClr val="0070C0"/>
               </a:solidFill>
             </a:endParaRPr>
-          </a:p>
-          <a:p>
-            <a:pPr marL="285750" indent="-285750">
-              <a:buFont typeface="Arial" panose="020B0604020202020204" pitchFamily="34" charset="0"/>
-              <a:buChar char="•"/>
-            </a:pPr>
-            <a:r>
-              <a:rPr lang="en-GB" sz="2400" dirty="0">
-                <a:solidFill>
-                  <a:srgbClr val="0070C0"/>
-                </a:solidFill>
-              </a:rPr>
-              <a:t>The values behind the means, standard deviations and other measures reported</a:t>
-            </a:r>
-          </a:p>
-          <a:p>
-            <a:pPr marL="285750" indent="-285750">
-              <a:buFont typeface="Arial" panose="020B0604020202020204" pitchFamily="34" charset="0"/>
-              <a:buChar char="•"/>
-            </a:pPr>
-            <a:r>
-              <a:rPr lang="en-GB" sz="2400" dirty="0">
-                <a:solidFill>
-                  <a:srgbClr val="0070C0"/>
-                </a:solidFill>
-              </a:rPr>
-              <a:t>The values used to build graphs</a:t>
-            </a:r>
-          </a:p>
-          <a:p>
-            <a:pPr marL="285750" indent="-285750">
-              <a:buFont typeface="Arial" panose="020B0604020202020204" pitchFamily="34" charset="0"/>
-              <a:buChar char="•"/>
-            </a:pPr>
-            <a:r>
-              <a:rPr lang="en-GB" sz="2400" dirty="0">
-                <a:solidFill>
-                  <a:srgbClr val="0070C0"/>
-                </a:solidFill>
-              </a:rPr>
-              <a:t>The points extracted from images for analysis.</a:t>
-            </a:r>
-          </a:p>
-          <a:p>
-            <a:endParaRPr lang="pl-PL" sz="2400" dirty="0">
-              <a:solidFill>
-                <a:srgbClr val="0070C0"/>
-              </a:solidFill>
-            </a:endParaRPr>
-          </a:p>
-          <a:p>
-            <a:r>
-              <a:rPr lang="pl-PL" sz="2400" dirty="0">
-                <a:solidFill>
-                  <a:srgbClr val="0070C0"/>
-                </a:solidFill>
-              </a:rPr>
-              <a:t>(no need for </a:t>
-            </a:r>
-            <a:r>
-              <a:rPr lang="en-GB" sz="2400" dirty="0">
-                <a:solidFill>
-                  <a:srgbClr val="0070C0"/>
-                </a:solidFill>
-              </a:rPr>
-              <a:t>raw data if the standard in the field is to share data that have been processed</a:t>
-            </a:r>
-            <a:r>
-              <a:rPr lang="pl-PL" sz="2400" dirty="0">
-                <a:solidFill>
-                  <a:srgbClr val="0070C0"/>
-                </a:solidFill>
-              </a:rPr>
-              <a:t>)</a:t>
-            </a:r>
-          </a:p>
-          <a:p>
-            <a:endParaRPr lang="pl-PL" sz="2400" dirty="0">
-              <a:solidFill>
-                <a:srgbClr val="0070C0"/>
-              </a:solidFill>
-            </a:endParaRPr>
-          </a:p>
-          <a:p>
-            <a:endParaRPr lang="pl-PL" sz="2400" dirty="0">
-              <a:solidFill>
-                <a:srgbClr val="0070C0"/>
-              </a:solidFill>
-            </a:endParaRPr>
-          </a:p>
-          <a:p>
-            <a:r>
-              <a:rPr lang="en-GB" sz="2400" dirty="0">
-                <a:solidFill>
-                  <a:srgbClr val="0070C0"/>
-                </a:solidFill>
-              </a:rPr>
-              <a:t>https://journals.plos.org/plosbiology/s/data-availability</a:t>
-            </a:r>
           </a:p>
         </p:txBody>
       </p:sp>
@@ -5004,7 +5267,7 @@
                   <a:srgbClr val="0070C0"/>
                 </a:solidFill>
               </a:rPr>
-              <a:t>Minimal data set (after PLOS)</a:t>
+              <a:t>Domain specific repositories</a:t>
             </a:r>
             <a:endParaRPr lang="en-GB" dirty="0">
               <a:solidFill>
@@ -5017,7 +5280,7 @@
     </p:spTree>
     <p:extLst>
       <p:ext uri="{BB962C8B-B14F-4D97-AF65-F5344CB8AC3E}">
-        <p14:creationId xmlns:p14="http://schemas.microsoft.com/office/powerpoint/2010/main" val="757247184"/>
+        <p14:creationId xmlns:p14="http://schemas.microsoft.com/office/powerpoint/2010/main" val="1646562172"/>
       </p:ext>
     </p:extLst>
   </p:cSld>
@@ -5093,144 +5356,6 @@
       </p:pic>
       <p:sp>
         <p:nvSpPr>
-          <p:cNvPr id="2" name="Rectangle 1"/>
-          <p:cNvSpPr/>
-          <p:nvPr/>
-        </p:nvSpPr>
-        <p:spPr>
-          <a:xfrm>
-            <a:off x="742384" y="2064189"/>
-            <a:ext cx="10981854" cy="2677656"/>
-          </a:xfrm>
-          <a:prstGeom prst="rect">
-            <a:avLst/>
-          </a:prstGeom>
-        </p:spPr>
-        <p:txBody>
-          <a:bodyPr wrap="square">
-            <a:spAutoFit/>
-          </a:bodyPr>
-          <a:lstStyle/>
-          <a:p>
-            <a:pPr marL="285750" indent="-285750">
-              <a:buFont typeface="Arial" panose="020B0604020202020204" pitchFamily="34" charset="0"/>
-              <a:buChar char="•"/>
-            </a:pPr>
-            <a:r>
-              <a:rPr lang="en-GB" sz="2400" dirty="0">
-                <a:solidFill>
-                  <a:srgbClr val="0070C0"/>
-                </a:solidFill>
-              </a:rPr>
-              <a:t>Higher exposure</a:t>
-            </a:r>
-            <a:endParaRPr lang="pl-PL" sz="2400" dirty="0">
-              <a:solidFill>
-                <a:srgbClr val="0070C0"/>
-              </a:solidFill>
-            </a:endParaRPr>
-          </a:p>
-          <a:p>
-            <a:pPr marL="285750" indent="-285750">
-              <a:buFont typeface="Arial" panose="020B0604020202020204" pitchFamily="34" charset="0"/>
-              <a:buChar char="•"/>
-            </a:pPr>
-            <a:r>
-              <a:rPr lang="pl-PL" sz="2400" dirty="0">
-                <a:solidFill>
-                  <a:srgbClr val="0070C0"/>
-                </a:solidFill>
-              </a:rPr>
-              <a:t>Data specific features (e.g. Visulization)</a:t>
-            </a:r>
-          </a:p>
-          <a:p>
-            <a:pPr marL="285750" indent="-285750">
-              <a:buFont typeface="Arial" panose="020B0604020202020204" pitchFamily="34" charset="0"/>
-              <a:buChar char="•"/>
-            </a:pPr>
-            <a:r>
-              <a:rPr lang="pl-PL" sz="2400" dirty="0">
-                <a:solidFill>
-                  <a:srgbClr val="0070C0"/>
-                </a:solidFill>
-              </a:rPr>
-              <a:t>Enforced minimal metadata</a:t>
-            </a:r>
-          </a:p>
-          <a:p>
-            <a:pPr marL="285750" indent="-285750">
-              <a:buFont typeface="Arial" panose="020B0604020202020204" pitchFamily="34" charset="0"/>
-              <a:buChar char="•"/>
-            </a:pPr>
-            <a:r>
-              <a:rPr lang="pl-PL" sz="2400" dirty="0">
-                <a:solidFill>
-                  <a:srgbClr val="0070C0"/>
-                </a:solidFill>
-              </a:rPr>
-              <a:t>API for data retrival / agregation /searching</a:t>
-            </a:r>
-          </a:p>
-          <a:p>
-            <a:pPr marL="285750" indent="-285750">
-              <a:buFont typeface="Arial" panose="020B0604020202020204" pitchFamily="34" charset="0"/>
-              <a:buChar char="•"/>
-            </a:pPr>
-            <a:r>
-              <a:rPr lang="pl-PL" sz="2400" dirty="0">
-                <a:solidFill>
-                  <a:srgbClr val="0070C0"/>
-                </a:solidFill>
-              </a:rPr>
-              <a:t>Curated data</a:t>
-            </a:r>
-          </a:p>
-          <a:p>
-            <a:pPr marL="285750" indent="-285750">
-              <a:buFont typeface="Arial" panose="020B0604020202020204" pitchFamily="34" charset="0"/>
-              <a:buChar char="•"/>
-            </a:pPr>
-            <a:r>
-              <a:rPr lang="pl-PL" sz="2400" dirty="0">
-                <a:solidFill>
-                  <a:srgbClr val="0070C0"/>
-                </a:solidFill>
-              </a:rPr>
-              <a:t>Better searching</a:t>
-            </a:r>
-          </a:p>
-          <a:p>
-            <a:pPr marL="285750" indent="-285750">
-              <a:buFont typeface="Arial" panose="020B0604020202020204" pitchFamily="34" charset="0"/>
-              <a:buChar char="•"/>
-            </a:pPr>
-            <a:r>
-              <a:rPr lang="pl-PL" sz="2400" dirty="0">
-                <a:solidFill>
-                  <a:srgbClr val="0070C0"/>
-                </a:solidFill>
-              </a:rPr>
-              <a:t>Interlinking between data </a:t>
-            </a:r>
-            <a:r>
-              <a:rPr lang="pl-PL" sz="2400" dirty="0" err="1">
-                <a:solidFill>
-                  <a:srgbClr val="0070C0"/>
-                </a:solidFill>
-              </a:rPr>
-              <a:t>types</a:t>
-            </a:r>
-            <a:endParaRPr lang="pl-PL" sz="2400" dirty="0">
-              <a:solidFill>
-                <a:srgbClr val="0070C0"/>
-              </a:solidFill>
-            </a:endParaRPr>
-          </a:p>
-        </p:txBody>
-      </p:sp>
-      <p:sp>
-        <p:nvSpPr>
           <p:cNvPr id="5" name="Title 1">
             <a:extLst>
               <a:ext uri="{FF2B5EF4-FFF2-40B4-BE49-F238E27FC236}">
@@ -5271,10 +5396,67 @@
           </a:p>
         </p:txBody>
       </p:sp>
+      <p:sp>
+        <p:nvSpPr>
+          <p:cNvPr id="6" name="Rectangle 5"/>
+          <p:cNvSpPr/>
+          <p:nvPr/>
+        </p:nvSpPr>
+        <p:spPr>
+          <a:xfrm>
+            <a:off x="605073" y="1977256"/>
+            <a:ext cx="10981854" cy="1323439"/>
+          </a:xfrm>
+          <a:prstGeom prst="rect">
+            <a:avLst/>
+          </a:prstGeom>
+        </p:spPr>
+        <p:txBody>
+          <a:bodyPr wrap="square">
+            <a:spAutoFit/>
+          </a:bodyPr>
+          <a:lstStyle/>
+          <a:p>
+            <a:pPr algn="ctr"/>
+            <a:r>
+              <a:rPr lang="pl-PL" sz="4000" dirty="0">
+                <a:solidFill>
+                  <a:srgbClr val="0070C0"/>
+                </a:solidFill>
+              </a:rPr>
+              <a:t>Exercise</a:t>
+            </a:r>
+            <a:r>
+              <a:rPr lang="en-GB" sz="4000" dirty="0">
+                <a:solidFill>
+                  <a:srgbClr val="0070C0"/>
+                </a:solidFill>
+              </a:rPr>
+              <a:t> 3</a:t>
+            </a:r>
+            <a:endParaRPr lang="pl-PL" sz="4000" dirty="0">
+              <a:solidFill>
+                <a:srgbClr val="0070C0"/>
+              </a:solidFill>
+            </a:endParaRPr>
+          </a:p>
+          <a:p>
+            <a:pPr marL="285750" indent="-285750" algn="ctr">
+              <a:buFont typeface="Arial" panose="020B0604020202020204" pitchFamily="34" charset="0"/>
+              <a:buChar char="•"/>
+            </a:pPr>
+            <a:endParaRPr lang="en-GB" sz="4000" dirty="0">
+              <a:solidFill>
+                <a:srgbClr val="0070C0"/>
+              </a:solidFill>
+            </a:endParaRPr>
+          </a:p>
+        </p:txBody>
+      </p:sp>
     </p:spTree>
     <p:extLst>
       <p:ext uri="{BB962C8B-B14F-4D97-AF65-F5344CB8AC3E}">
-        <p14:creationId xmlns:p14="http://schemas.microsoft.com/office/powerpoint/2010/main" val="1646562172"/>
+        <p14:creationId xmlns:p14="http://schemas.microsoft.com/office/powerpoint/2010/main" val="4258755406"/>
       </p:ext>
     </p:extLst>
   </p:cSld>
@@ -5301,156 +5483,176 @@
           <a:chExt cx="0" cy="0"/>
         </a:xfrm>
       </p:grpSpPr>
-      <p:pic>
-        <p:nvPicPr>
-          <p:cNvPr id="4" name="Picture 2" descr="Ed_DaSH">
-            <a:extLst>
-              <a:ext uri="{FF2B5EF4-FFF2-40B4-BE49-F238E27FC236}">
-                <a16:creationId xmlns:a16="http://schemas.microsoft.com/office/drawing/2014/main" id="{A783256F-E39E-4712-96B0-240BD611CFEB}"/>
-              </a:ext>
-            </a:extLst>
-          </p:cNvPr>
-          <p:cNvPicPr>
-            <a:picLocks noChangeAspect="1" noChangeArrowheads="1"/>
-          </p:cNvPicPr>
+      <p:sp>
+        <p:nvSpPr>
+          <p:cNvPr id="4" name="Title 1">
+            <a:extLst>
+              <a:ext uri="{FF2B5EF4-FFF2-40B4-BE49-F238E27FC236}">
+                <a16:creationId xmlns:a16="http://schemas.microsoft.com/office/drawing/2014/main" id="{A11E7DE7-A0AD-425E-8044-DF65BF838ED7}"/>
+              </a:ext>
+            </a:extLst>
+          </p:cNvPr>
+          <p:cNvSpPr txBox="1">
+            <a:spLocks/>
+          </p:cNvSpPr>
           <p:nvPr/>
-        </p:nvPicPr>
-        <p:blipFill>
-          <a:blip r:embed="rId2" cstate="hqprint">
-            <a:extLst>
-              <a:ext uri="{28A0092B-C50C-407E-A947-70E740481C1C}">
-                <a14:useLocalDpi xmlns:a14="http://schemas.microsoft.com/office/drawing/2010/main" val="0"/>
-              </a:ext>
-            </a:extLst>
-          </a:blip>
-          <a:srcRect/>
-          <a:stretch>
-            <a:fillRect/>
-          </a:stretch>
-        </p:blipFill>
-        <p:spPr bwMode="auto">
-          <a:xfrm>
-            <a:off x="10820670" y="5458691"/>
-            <a:ext cx="1289214" cy="1325418"/>
-          </a:xfrm>
-          <a:prstGeom prst="rect">
-            <a:avLst/>
-          </a:prstGeom>
-          <a:noFill/>
-          <a:extLst>
-            <a:ext uri="{909E8E84-426E-40DD-AFC4-6F175D3DCCD1}">
-              <a14:hiddenFill xmlns:a14="http://schemas.microsoft.com/office/drawing/2010/main">
-                <a:solidFill>
-                  <a:srgbClr val="FFFFFF"/>
-                </a:solidFill>
-              </a14:hiddenFill>
-            </a:ext>
-          </a:extLst>
-        </p:spPr>
-      </p:pic>
-      <p:sp>
-        <p:nvSpPr>
-          <p:cNvPr id="5" name="Title 1">
-            <a:extLst>
-              <a:ext uri="{FF2B5EF4-FFF2-40B4-BE49-F238E27FC236}">
-                <a16:creationId xmlns:a16="http://schemas.microsoft.com/office/drawing/2014/main" id="{775BFE92-9990-4094-B7B2-01514614F16E}"/>
-              </a:ext>
-            </a:extLst>
-          </p:cNvPr>
-          <p:cNvSpPr>
-            <a:spLocks noGrp="1"/>
-          </p:cNvSpPr>
-          <p:nvPr>
-            <p:ph type="title"/>
-          </p:nvPr>
         </p:nvSpPr>
         <p:spPr>
           <a:xfrm>
-            <a:off x="838200" y="365125"/>
+            <a:off x="990600" y="517525"/>
             <a:ext cx="10515600" cy="1325563"/>
-          </a:xfrm>
-        </p:spPr>
-        <p:txBody>
-          <a:bodyPr/>
-          <a:lstStyle/>
-          <a:p>
-            <a:r>
-              <a:rPr lang="pl-PL" dirty="0">
-                <a:solidFill>
-                  <a:srgbClr val="0070C0"/>
-                </a:solidFill>
-              </a:rPr>
-              <a:t>Domain specific repositories</a:t>
-            </a:r>
-            <a:endParaRPr lang="en-GB" dirty="0">
-              <a:solidFill>
-                <a:srgbClr val="0070C0"/>
-              </a:solidFill>
-            </a:endParaRPr>
-          </a:p>
-        </p:txBody>
-      </p:sp>
-      <p:sp>
-        <p:nvSpPr>
-          <p:cNvPr id="6" name="Rectangle 5"/>
-          <p:cNvSpPr/>
-          <p:nvPr/>
-        </p:nvSpPr>
-        <p:spPr>
-          <a:xfrm>
-            <a:off x="605073" y="1977256"/>
-            <a:ext cx="10981854" cy="1323439"/>
           </a:xfrm>
           <a:prstGeom prst="rect">
             <a:avLst/>
           </a:prstGeom>
         </p:spPr>
         <p:txBody>
+          <a:bodyPr vert="horz" lIns="91440" tIns="45720" rIns="91440" bIns="45720" rtlCol="0" anchor="ctr">
+            <a:normAutofit/>
+          </a:bodyPr>
+          <a:lstStyle>
+            <a:lvl1pPr algn="l" defTabSz="914400" rtl="0" eaLnBrk="1" latinLnBrk="0" hangingPunct="1">
+              <a:lnSpc>
+                <a:spcPct val="90000"/>
+              </a:lnSpc>
+              <a:spcBef>
+                <a:spcPct val="0"/>
+              </a:spcBef>
+              <a:buNone/>
+              <a:defRPr sz="4400" kern="1200">
+                <a:solidFill>
+                  <a:srgbClr val="0070C0"/>
+                </a:solidFill>
+                <a:latin typeface="+mj-lt"/>
+                <a:ea typeface="+mj-ea"/>
+                <a:cs typeface="+mj-cs"/>
+              </a:defRPr>
+            </a:lvl1pPr>
+          </a:lstStyle>
+          <a:p>
+            <a:r>
+              <a:rPr lang="pl-PL" dirty="0"/>
+              <a:t>Dataset discovery</a:t>
+            </a:r>
+            <a:r>
+              <a:rPr lang="en-GB" dirty="0"/>
+              <a:t> - Solution</a:t>
+            </a:r>
+          </a:p>
+        </p:txBody>
+      </p:sp>
+      <p:sp>
+        <p:nvSpPr>
+          <p:cNvPr id="5" name="TextBox 4">
+            <a:extLst>
+              <a:ext uri="{FF2B5EF4-FFF2-40B4-BE49-F238E27FC236}">
+                <a16:creationId xmlns:a16="http://schemas.microsoft.com/office/drawing/2014/main" id="{1C55261F-33BF-4ECB-A99F-446565AB2E20}"/>
+              </a:ext>
+            </a:extLst>
+          </p:cNvPr>
+          <p:cNvSpPr txBox="1"/>
+          <p:nvPr/>
+        </p:nvSpPr>
+        <p:spPr>
+          <a:xfrm>
+            <a:off x="1168958" y="2209850"/>
+            <a:ext cx="10158884" cy="2805063"/>
+          </a:xfrm>
+          <a:prstGeom prst="rect">
+            <a:avLst/>
+          </a:prstGeom>
+          <a:solidFill>
+            <a:schemeClr val="accent1">
+              <a:lumMod val="20000"/>
+              <a:lumOff val="80000"/>
+            </a:schemeClr>
+          </a:solidFill>
+        </p:spPr>
+        <p:txBody>
           <a:bodyPr wrap="square">
             <a:spAutoFit/>
           </a:bodyPr>
           <a:lstStyle/>
           <a:p>
-            <a:pPr algn="ctr"/>
-            <a:r>
-              <a:rPr lang="pl-PL" sz="4000" dirty="0">
-                <a:solidFill>
-                  <a:srgbClr val="0070C0"/>
-                </a:solidFill>
-              </a:rPr>
-              <a:t>Exercise</a:t>
-            </a:r>
-            <a:r>
-              <a:rPr lang="en-GB" sz="4000" dirty="0">
-                <a:solidFill>
-                  <a:srgbClr val="0070C0"/>
-                </a:solidFill>
-              </a:rPr>
-              <a:t> 3</a:t>
-            </a:r>
-            <a:endParaRPr lang="pl-PL" sz="4000" dirty="0">
-              <a:solidFill>
-                <a:srgbClr val="0070C0"/>
-              </a:solidFill>
-            </a:endParaRPr>
-          </a:p>
-          <a:p>
-            <a:pPr marL="285750" indent="-285750" algn="ctr">
+            <a:pPr algn="l">
+              <a:lnSpc>
+                <a:spcPct val="150000"/>
+              </a:lnSpc>
+            </a:pPr>
+            <a:r>
+              <a:rPr lang="en-GB" sz="2400" b="1" i="0" dirty="0">
+                <a:solidFill>
+                  <a:srgbClr val="333333"/>
+                </a:solidFill>
+                <a:effectLst/>
+                <a:latin typeface="Ubuntu"/>
+              </a:rPr>
+              <a:t>Some advantages are:</a:t>
+            </a:r>
+          </a:p>
+          <a:p>
+            <a:pPr algn="l">
+              <a:lnSpc>
+                <a:spcPct val="150000"/>
+              </a:lnSpc>
               <a:buFont typeface="Arial" panose="020B0604020202020204" pitchFamily="34" charset="0"/>
               <a:buChar char="•"/>
             </a:pPr>
-            <a:endParaRPr lang="en-GB" sz="4000" dirty="0">
-              <a:solidFill>
-                <a:srgbClr val="0070C0"/>
-              </a:solidFill>
-            </a:endParaRPr>
+            <a:r>
+              <a:rPr lang="en-GB" sz="2400" b="0" i="0" dirty="0">
+                <a:solidFill>
+                  <a:srgbClr val="333333"/>
+                </a:solidFill>
+                <a:effectLst/>
+                <a:latin typeface="Ubuntu"/>
+              </a:rPr>
+              <a:t>The repository is more relevant to your discipline than a generalist one.</a:t>
+            </a:r>
+          </a:p>
+          <a:p>
+            <a:pPr algn="l">
+              <a:lnSpc>
+                <a:spcPct val="150000"/>
+              </a:lnSpc>
+              <a:buFont typeface="Arial" panose="020B0604020202020204" pitchFamily="34" charset="0"/>
+              <a:buChar char="•"/>
+            </a:pPr>
+            <a:r>
+              <a:rPr lang="en-GB" sz="2400" b="0" i="0" dirty="0">
+                <a:solidFill>
+                  <a:srgbClr val="333333"/>
+                </a:solidFill>
+                <a:effectLst/>
+                <a:latin typeface="Ubuntu"/>
+              </a:rPr>
+              <a:t>Higher exposure (people looking for those specific types of data will usually first look at the specific repository).</a:t>
+            </a:r>
+          </a:p>
+          <a:p>
+            <a:pPr algn="l">
+              <a:lnSpc>
+                <a:spcPct val="150000"/>
+              </a:lnSpc>
+              <a:buFont typeface="Arial" panose="020B0604020202020204" pitchFamily="34" charset="0"/>
+              <a:buChar char="•"/>
+            </a:pPr>
+            <a:r>
+              <a:rPr lang="en-GB" sz="2400" b="0" i="0" dirty="0">
+                <a:solidFill>
+                  <a:srgbClr val="333333"/>
+                </a:solidFill>
+                <a:effectLst/>
+                <a:latin typeface="Ubuntu"/>
+              </a:rPr>
+              <a:t>Higher number of citations (see above).</a:t>
+            </a:r>
           </a:p>
         </p:txBody>
       </p:sp>
     </p:spTree>
     <p:extLst>
       <p:ext uri="{BB962C8B-B14F-4D97-AF65-F5344CB8AC3E}">
-        <p14:creationId xmlns:p14="http://schemas.microsoft.com/office/powerpoint/2010/main" val="4258755406"/>
+        <p14:creationId xmlns:p14="http://schemas.microsoft.com/office/powerpoint/2010/main" val="1656222730"/>
       </p:ext>
     </p:extLst>
   </p:cSld>
@@ -5479,174 +5681,366 @@
       </p:grpSpPr>
       <p:sp>
         <p:nvSpPr>
-          <p:cNvPr id="4" name="Title 1">
-            <a:extLst>
-              <a:ext uri="{FF2B5EF4-FFF2-40B4-BE49-F238E27FC236}">
-                <a16:creationId xmlns:a16="http://schemas.microsoft.com/office/drawing/2014/main" id="{A11E7DE7-A0AD-425E-8044-DF65BF838ED7}"/>
-              </a:ext>
-            </a:extLst>
-          </p:cNvPr>
-          <p:cNvSpPr txBox="1">
-            <a:spLocks/>
-          </p:cNvSpPr>
+          <p:cNvPr id="2" name="Rectangle 1"/>
+          <p:cNvSpPr/>
           <p:nvPr/>
         </p:nvSpPr>
         <p:spPr>
           <a:xfrm>
-            <a:off x="990600" y="517525"/>
-            <a:ext cx="10515600" cy="1325563"/>
+            <a:off x="838200" y="1483424"/>
+            <a:ext cx="10981854" cy="4708981"/>
           </a:xfrm>
           <a:prstGeom prst="rect">
             <a:avLst/>
           </a:prstGeom>
         </p:spPr>
         <p:txBody>
-          <a:bodyPr vert="horz" lIns="91440" tIns="45720" rIns="91440" bIns="45720" rtlCol="0" anchor="ctr">
-            <a:normAutofit/>
-          </a:bodyPr>
-          <a:lstStyle>
-            <a:lvl1pPr algn="l" defTabSz="914400" rtl="0" eaLnBrk="1" latinLnBrk="0" hangingPunct="1">
-              <a:lnSpc>
-                <a:spcPct val="90000"/>
-              </a:lnSpc>
-              <a:spcBef>
-                <a:spcPct val="0"/>
-              </a:spcBef>
-              <a:buNone/>
-              <a:defRPr sz="4400" kern="1200">
-                <a:solidFill>
-                  <a:srgbClr val="0070C0"/>
-                </a:solidFill>
-                <a:latin typeface="+mj-lt"/>
-                <a:ea typeface="+mj-ea"/>
-                <a:cs typeface="+mj-cs"/>
-              </a:defRPr>
-            </a:lvl1pPr>
-          </a:lstStyle>
-          <a:p>
-            <a:r>
-              <a:rPr lang="pl-PL" dirty="0"/>
-              <a:t>Dataset discovery</a:t>
-            </a:r>
-            <a:r>
-              <a:rPr lang="en-GB" dirty="0"/>
-              <a:t> - Solution</a:t>
-            </a:r>
-          </a:p>
-        </p:txBody>
-      </p:sp>
-      <p:sp>
-        <p:nvSpPr>
-          <p:cNvPr id="5" name="TextBox 4">
-            <a:extLst>
-              <a:ext uri="{FF2B5EF4-FFF2-40B4-BE49-F238E27FC236}">
-                <a16:creationId xmlns:a16="http://schemas.microsoft.com/office/drawing/2014/main" id="{1C55261F-33BF-4ECB-A99F-446565AB2E20}"/>
-              </a:ext>
-            </a:extLst>
-          </p:cNvPr>
-          <p:cNvSpPr txBox="1"/>
-          <p:nvPr/>
-        </p:nvSpPr>
-        <p:spPr>
-          <a:xfrm>
-            <a:off x="1168958" y="2209850"/>
-            <a:ext cx="10158884" cy="2805063"/>
-          </a:xfrm>
-          <a:prstGeom prst="rect">
-            <a:avLst/>
-          </a:prstGeom>
-          <a:solidFill>
-            <a:schemeClr val="accent1">
-              <a:lumMod val="20000"/>
-              <a:lumOff val="80000"/>
-            </a:schemeClr>
-          </a:solidFill>
-        </p:spPr>
-        <p:txBody>
           <a:bodyPr wrap="square">
             <a:spAutoFit/>
           </a:bodyPr>
           <a:lstStyle/>
           <a:p>
-            <a:pPr algn="l">
-              <a:lnSpc>
-                <a:spcPct val="150000"/>
-              </a:lnSpc>
-            </a:pPr>
-            <a:r>
-              <a:rPr lang="en-GB" sz="2400" b="1" i="0" dirty="0">
-                <a:solidFill>
-                  <a:srgbClr val="333333"/>
-                </a:solidFill>
-                <a:effectLst/>
-                <a:latin typeface="Ubuntu"/>
-              </a:rPr>
-              <a:t>Some advantages are:</a:t>
-            </a:r>
-          </a:p>
-          <a:p>
-            <a:pPr algn="l">
-              <a:lnSpc>
-                <a:spcPct val="150000"/>
-              </a:lnSpc>
+            <a:pPr marL="285750" indent="-285750">
               <a:buFont typeface="Arial" panose="020B0604020202020204" pitchFamily="34" charset="0"/>
               <a:buChar char="•"/>
             </a:pPr>
             <a:r>
-              <a:rPr lang="en-GB" sz="2400" b="0" i="0" dirty="0">
-                <a:solidFill>
-                  <a:srgbClr val="333333"/>
-                </a:solidFill>
-                <a:effectLst/>
-                <a:latin typeface="Ubuntu"/>
-              </a:rPr>
-              <a:t>The repository is more relevant to your discipline than a generalist one.</a:t>
-            </a:r>
-          </a:p>
-          <a:p>
-            <a:pPr algn="l">
-              <a:lnSpc>
-                <a:spcPct val="150000"/>
-              </a:lnSpc>
+              <a:rPr lang="en-GB" sz="2000" dirty="0">
+                <a:solidFill>
+                  <a:srgbClr val="0070C0"/>
+                </a:solidFill>
+              </a:rPr>
+              <a:t>[BioMed Central / Springer Nature] - (https://www.springernature.com/gp/authors/research-data-policy/recommended-repositories)</a:t>
+            </a:r>
+          </a:p>
+          <a:p>
+            <a:pPr marL="285750" indent="-285750">
               <a:buFont typeface="Arial" panose="020B0604020202020204" pitchFamily="34" charset="0"/>
               <a:buChar char="•"/>
             </a:pPr>
             <a:r>
-              <a:rPr lang="en-GB" sz="2400" b="0" i="0" dirty="0">
-                <a:solidFill>
-                  <a:srgbClr val="333333"/>
-                </a:solidFill>
-                <a:effectLst/>
-                <a:latin typeface="Ubuntu"/>
-              </a:rPr>
-              <a:t>Higher exposure (people looking for those specific types of data will usually first look at the specific repository).</a:t>
-            </a:r>
-          </a:p>
-          <a:p>
-            <a:pPr algn="l">
-              <a:lnSpc>
-                <a:spcPct val="150000"/>
-              </a:lnSpc>
+              <a:rPr lang="en-GB" sz="2000" dirty="0">
+                <a:solidFill>
+                  <a:srgbClr val="0070C0"/>
+                </a:solidFill>
+              </a:rPr>
+              <a:t>[</a:t>
+            </a:r>
+            <a:r>
+              <a:rPr lang="en-GB" sz="2000" dirty="0" err="1">
+                <a:solidFill>
+                  <a:srgbClr val="0070C0"/>
+                </a:solidFill>
+              </a:rPr>
+              <a:t>eLife</a:t>
+            </a:r>
+            <a:r>
+              <a:rPr lang="en-GB" sz="2000" dirty="0">
+                <a:solidFill>
+                  <a:srgbClr val="0070C0"/>
+                </a:solidFill>
+              </a:rPr>
+              <a:t>] - (https://submit.elifesciences.org/html/elife_author_instructions.html#policies)</a:t>
+            </a:r>
+          </a:p>
+          <a:p>
+            <a:pPr marL="285750" indent="-285750">
               <a:buFont typeface="Arial" panose="020B0604020202020204" pitchFamily="34" charset="0"/>
               <a:buChar char="•"/>
             </a:pPr>
             <a:r>
-              <a:rPr lang="en-GB" sz="2400" b="0" i="0" dirty="0">
-                <a:solidFill>
-                  <a:srgbClr val="333333"/>
-                </a:solidFill>
-                <a:effectLst/>
-                <a:latin typeface="Ubuntu"/>
-              </a:rPr>
-              <a:t>Higher number of citations (see above).</a:t>
-            </a:r>
+              <a:rPr lang="en-GB" sz="2000" dirty="0">
+                <a:solidFill>
+                  <a:srgbClr val="0070C0"/>
+                </a:solidFill>
+              </a:rPr>
+              <a:t>[Elsevier] - (https://www.elsevier.com/about/policies/research-data)</a:t>
+            </a:r>
+          </a:p>
+          <a:p>
+            <a:pPr marL="285750" indent="-285750">
+              <a:buFont typeface="Arial" panose="020B0604020202020204" pitchFamily="34" charset="0"/>
+              <a:buChar char="•"/>
+            </a:pPr>
+            <a:r>
+              <a:rPr lang="en-GB" sz="2000" dirty="0">
+                <a:solidFill>
+                  <a:srgbClr val="0070C0"/>
+                </a:solidFill>
+              </a:rPr>
+              <a:t>[EMBO Press] - (https://www.embopress.org/page/journal/14602075/authorguide#datadeposition)</a:t>
+            </a:r>
+          </a:p>
+          <a:p>
+            <a:pPr marL="285750" indent="-285750">
+              <a:buFont typeface="Arial" panose="020B0604020202020204" pitchFamily="34" charset="0"/>
+              <a:buChar char="•"/>
+            </a:pPr>
+            <a:r>
+              <a:rPr lang="en-GB" sz="2000" dirty="0">
+                <a:solidFill>
+                  <a:srgbClr val="0070C0"/>
+                </a:solidFill>
+              </a:rPr>
+              <a:t>[F1000 Research] - (https://f1000research.com/for-authors/data-guidelines)</a:t>
+            </a:r>
+          </a:p>
+          <a:p>
+            <a:pPr marL="285750" indent="-285750">
+              <a:buFont typeface="Arial" panose="020B0604020202020204" pitchFamily="34" charset="0"/>
+              <a:buChar char="•"/>
+            </a:pPr>
+            <a:r>
+              <a:rPr lang="en-GB" sz="2000" dirty="0">
+                <a:solidFill>
+                  <a:srgbClr val="0070C0"/>
+                </a:solidFill>
+              </a:rPr>
+              <a:t>[</a:t>
+            </a:r>
+            <a:r>
+              <a:rPr lang="en-GB" sz="2000" dirty="0" err="1">
+                <a:solidFill>
+                  <a:srgbClr val="0070C0"/>
+                </a:solidFill>
+              </a:rPr>
+              <a:t>GIGAscience</a:t>
+            </a:r>
+            <a:r>
+              <a:rPr lang="en-GB" sz="2000" dirty="0">
+                <a:solidFill>
+                  <a:srgbClr val="0070C0"/>
+                </a:solidFill>
+              </a:rPr>
+              <a:t> - OUP] - (https://academic.oup.com/gigascience/pages/instructions_to_authors)</a:t>
+            </a:r>
+          </a:p>
+          <a:p>
+            <a:pPr marL="285750" indent="-285750">
+              <a:buFont typeface="Arial" panose="020B0604020202020204" pitchFamily="34" charset="0"/>
+              <a:buChar char="•"/>
+            </a:pPr>
+            <a:r>
+              <a:rPr lang="en-GB" sz="2000" dirty="0">
+                <a:solidFill>
+                  <a:srgbClr val="0070C0"/>
+                </a:solidFill>
+              </a:rPr>
+              <a:t>[</a:t>
+            </a:r>
+            <a:r>
+              <a:rPr lang="en-GB" sz="2000" dirty="0" err="1">
+                <a:solidFill>
+                  <a:srgbClr val="0070C0"/>
+                </a:solidFill>
+              </a:rPr>
+              <a:t>PLoS</a:t>
+            </a:r>
+            <a:r>
+              <a:rPr lang="en-GB" sz="2000" dirty="0">
+                <a:solidFill>
+                  <a:srgbClr val="0070C0"/>
+                </a:solidFill>
+              </a:rPr>
+              <a:t>] - (https://journals.plos.org/plosbiology/s/recommended-repositories)</a:t>
+            </a:r>
+          </a:p>
+          <a:p>
+            <a:pPr marL="285750" indent="-285750">
+              <a:buFont typeface="Arial" panose="020B0604020202020204" pitchFamily="34" charset="0"/>
+              <a:buChar char="•"/>
+            </a:pPr>
+            <a:r>
+              <a:rPr lang="en-GB" sz="2000" dirty="0">
+                <a:solidFill>
+                  <a:srgbClr val="0070C0"/>
+                </a:solidFill>
+              </a:rPr>
+              <a:t>[Scientific Data - Nature] - (https://www.nature.com/sdata/policies/repositories)</a:t>
+            </a:r>
+          </a:p>
+          <a:p>
+            <a:pPr marL="285750" indent="-285750">
+              <a:buFont typeface="Arial" panose="020B0604020202020204" pitchFamily="34" charset="0"/>
+              <a:buChar char="•"/>
+            </a:pPr>
+            <a:r>
+              <a:rPr lang="en-GB" sz="2000" dirty="0">
+                <a:solidFill>
+                  <a:srgbClr val="0070C0"/>
+                </a:solidFill>
+              </a:rPr>
+              <a:t>[Taylor and Francis] - (https://authorservices.taylorandfrancis.com/data-sharing-policies/repositories/)</a:t>
+            </a:r>
+          </a:p>
+          <a:p>
+            <a:pPr marL="285750" indent="-285750">
+              <a:buFont typeface="Arial" panose="020B0604020202020204" pitchFamily="34" charset="0"/>
+              <a:buChar char="•"/>
+            </a:pPr>
+            <a:r>
+              <a:rPr lang="en-GB" sz="2000" dirty="0">
+                <a:solidFill>
+                  <a:srgbClr val="0070C0"/>
+                </a:solidFill>
+              </a:rPr>
+              <a:t>[BBSRC] - (https://bbsrc.ukri.org/research/resources/)</a:t>
+            </a:r>
+          </a:p>
+          <a:p>
+            <a:pPr marL="285750" indent="-285750">
+              <a:buFont typeface="Arial" panose="020B0604020202020204" pitchFamily="34" charset="0"/>
+              <a:buChar char="•"/>
+            </a:pPr>
+            <a:r>
+              <a:rPr lang="en-GB" sz="2000" dirty="0">
+                <a:solidFill>
+                  <a:srgbClr val="0070C0"/>
+                </a:solidFill>
+              </a:rPr>
+              <a:t>[NERC] - (https://nerc.ukri.org/research/sites/environmental-data-service-eds/policy/)</a:t>
+            </a:r>
+          </a:p>
+          <a:p>
+            <a:pPr marL="285750" indent="-285750">
+              <a:buFont typeface="Arial" panose="020B0604020202020204" pitchFamily="34" charset="0"/>
+              <a:buChar char="•"/>
+            </a:pPr>
+            <a:r>
+              <a:rPr lang="en-GB" sz="2000" dirty="0">
+                <a:solidFill>
+                  <a:srgbClr val="0070C0"/>
+                </a:solidFill>
+              </a:rPr>
+              <a:t>[Royal Society] - (https://royalsociety.org/journals/ethics-policies/data-sharing-mining/)</a:t>
+            </a:r>
+          </a:p>
+          <a:p>
+            <a:pPr marL="285750" indent="-285750">
+              <a:buFont typeface="Arial" panose="020B0604020202020204" pitchFamily="34" charset="0"/>
+              <a:buChar char="•"/>
+            </a:pPr>
+            <a:r>
+              <a:rPr lang="en-GB" sz="2000" dirty="0">
+                <a:solidFill>
+                  <a:srgbClr val="0070C0"/>
+                </a:solidFill>
+              </a:rPr>
+              <a:t>[</a:t>
+            </a:r>
+            <a:r>
+              <a:rPr lang="en-GB" sz="2000" dirty="0" err="1">
+                <a:solidFill>
+                  <a:srgbClr val="0070C0"/>
+                </a:solidFill>
+              </a:rPr>
+              <a:t>Wellcome</a:t>
+            </a:r>
+            <a:r>
+              <a:rPr lang="en-GB" sz="2000" dirty="0">
+                <a:solidFill>
+                  <a:srgbClr val="0070C0"/>
+                </a:solidFill>
+              </a:rPr>
+              <a:t> Open Research] - (https://wellcomeopenresearch.org/for-authors/data-guidelines) </a:t>
+            </a:r>
+          </a:p>
+        </p:txBody>
+      </p:sp>
+      <p:sp>
+        <p:nvSpPr>
+          <p:cNvPr id="5" name="Title 1">
+            <a:extLst>
+              <a:ext uri="{FF2B5EF4-FFF2-40B4-BE49-F238E27FC236}">
+                <a16:creationId xmlns:a16="http://schemas.microsoft.com/office/drawing/2014/main" id="{775BFE92-9990-4094-B7B2-01514614F16E}"/>
+              </a:ext>
+            </a:extLst>
+          </p:cNvPr>
+          <p:cNvSpPr>
+            <a:spLocks noGrp="1"/>
+          </p:cNvSpPr>
+          <p:nvPr>
+            <p:ph type="title"/>
+          </p:nvPr>
+        </p:nvSpPr>
+        <p:spPr>
+          <a:xfrm>
+            <a:off x="838200" y="365125"/>
+            <a:ext cx="10515600" cy="1325563"/>
+          </a:xfrm>
+        </p:spPr>
+        <p:txBody>
+          <a:bodyPr/>
+          <a:lstStyle/>
+          <a:p>
+            <a:r>
+              <a:rPr lang="pl-PL" dirty="0" err="1">
+                <a:solidFill>
+                  <a:srgbClr val="0070C0"/>
+                </a:solidFill>
+              </a:rPr>
+              <a:t>Finding</a:t>
+            </a:r>
+            <a:r>
+              <a:rPr lang="pl-PL" dirty="0">
+                <a:solidFill>
+                  <a:srgbClr val="0070C0"/>
+                </a:solidFill>
+              </a:rPr>
+              <a:t> </a:t>
+            </a:r>
+            <a:r>
+              <a:rPr lang="pl-PL" dirty="0" err="1">
+                <a:solidFill>
+                  <a:srgbClr val="0070C0"/>
+                </a:solidFill>
+              </a:rPr>
+              <a:t>repositories</a:t>
+            </a:r>
+            <a:r>
+              <a:rPr lang="pl-PL" dirty="0">
+                <a:solidFill>
+                  <a:srgbClr val="0070C0"/>
+                </a:solidFill>
+              </a:rPr>
+              <a:t> – </a:t>
+            </a:r>
+            <a:r>
+              <a:rPr lang="pl-PL" dirty="0" err="1">
+                <a:solidFill>
+                  <a:srgbClr val="0070C0"/>
+                </a:solidFill>
+              </a:rPr>
+              <a:t>use</a:t>
+            </a:r>
+            <a:r>
+              <a:rPr lang="pl-PL" dirty="0">
+                <a:solidFill>
+                  <a:srgbClr val="0070C0"/>
+                </a:solidFill>
+              </a:rPr>
+              <a:t> </a:t>
+            </a:r>
+            <a:r>
+              <a:rPr lang="pl-PL" dirty="0" err="1">
+                <a:solidFill>
+                  <a:srgbClr val="0070C0"/>
+                </a:solidFill>
+              </a:rPr>
+              <a:t>recommendations</a:t>
+            </a:r>
+            <a:endParaRPr lang="en-GB" dirty="0">
+              <a:solidFill>
+                <a:srgbClr val="0070C0"/>
+              </a:solidFill>
+            </a:endParaRPr>
           </a:p>
         </p:txBody>
       </p:sp>
     </p:spTree>
     <p:extLst>
       <p:ext uri="{BB962C8B-B14F-4D97-AF65-F5344CB8AC3E}">
-        <p14:creationId xmlns:p14="http://schemas.microsoft.com/office/powerpoint/2010/main" val="1656222730"/>
+        <p14:creationId xmlns:p14="http://schemas.microsoft.com/office/powerpoint/2010/main" val="2392727602"/>
       </p:ext>
     </p:extLst>
   </p:cSld>
@@ -5681,8 +6075,8 @@
         </p:nvSpPr>
         <p:spPr>
           <a:xfrm>
-            <a:off x="838200" y="1483424"/>
-            <a:ext cx="10981854" cy="4708981"/>
+            <a:off x="742384" y="2064189"/>
+            <a:ext cx="10981854" cy="3416320"/>
           </a:xfrm>
           <a:prstGeom prst="rect">
             <a:avLst/>
@@ -5694,250 +6088,115 @@
           </a:bodyPr>
           <a:lstStyle/>
           <a:p>
-            <a:pPr marL="285750" indent="-285750">
+            <a:r>
+              <a:rPr lang="pl-PL" sz="2400" dirty="0" err="1">
+                <a:solidFill>
+                  <a:srgbClr val="0070C0"/>
+                </a:solidFill>
+              </a:rPr>
+              <a:t>FAIRSharing.org</a:t>
+            </a:r>
+            <a:r>
+              <a:rPr lang="pl-PL" sz="2400" dirty="0">
+                <a:solidFill>
+                  <a:srgbClr val="0070C0"/>
+                </a:solidFill>
+              </a:rPr>
+              <a:t> – search engine</a:t>
+            </a:r>
+          </a:p>
+          <a:p>
+            <a:endParaRPr lang="pl-PL" sz="2400" dirty="0">
+              <a:solidFill>
+                <a:srgbClr val="0070C0"/>
+              </a:solidFill>
+            </a:endParaRPr>
+          </a:p>
+          <a:p>
+            <a:endParaRPr lang="pl-PL" sz="2400" dirty="0">
+              <a:solidFill>
+                <a:srgbClr val="0070C0"/>
+              </a:solidFill>
+            </a:endParaRPr>
+          </a:p>
+          <a:p>
+            <a:pPr marL="342900" indent="-342900">
               <a:buFont typeface="Arial" panose="020B0604020202020204" pitchFamily="34" charset="0"/>
               <a:buChar char="•"/>
             </a:pPr>
             <a:r>
-              <a:rPr lang="en-GB" sz="2000" dirty="0">
-                <a:solidFill>
-                  <a:srgbClr val="0070C0"/>
-                </a:solidFill>
-              </a:rPr>
-              <a:t>[BioMed Central / Springer Nature] - (https://www.springernature.com/gp/authors/research-data-policy/recommended-repositories)</a:t>
-            </a:r>
-          </a:p>
-          <a:p>
-            <a:pPr marL="285750" indent="-285750">
+              <a:rPr lang="pl-PL" sz="2400" dirty="0">
+                <a:solidFill>
+                  <a:srgbClr val="0070C0"/>
+                </a:solidFill>
+              </a:rPr>
+              <a:t>Repositories</a:t>
+            </a:r>
+          </a:p>
+          <a:p>
+            <a:pPr marL="342900" indent="-342900">
               <a:buFont typeface="Arial" panose="020B0604020202020204" pitchFamily="34" charset="0"/>
               <a:buChar char="•"/>
             </a:pPr>
             <a:r>
-              <a:rPr lang="en-GB" sz="2000" dirty="0">
-                <a:solidFill>
-                  <a:srgbClr val="0070C0"/>
-                </a:solidFill>
-              </a:rPr>
-              <a:t>[</a:t>
-            </a:r>
-            <a:r>
-              <a:rPr lang="en-GB" sz="2000" dirty="0" err="1">
-                <a:solidFill>
-                  <a:srgbClr val="0070C0"/>
-                </a:solidFill>
-              </a:rPr>
-              <a:t>eLife</a:t>
-            </a:r>
-            <a:r>
-              <a:rPr lang="en-GB" sz="2000" dirty="0">
-                <a:solidFill>
-                  <a:srgbClr val="0070C0"/>
-                </a:solidFill>
-              </a:rPr>
-              <a:t>] - (https://submit.elifesciences.org/html/elife_author_instructions.html#policies)</a:t>
-            </a:r>
-          </a:p>
-          <a:p>
-            <a:pPr marL="285750" indent="-285750">
+              <a:rPr lang="pl-PL" sz="2400" dirty="0">
+                <a:solidFill>
+                  <a:srgbClr val="0070C0"/>
+                </a:solidFill>
+              </a:rPr>
+              <a:t>Data standards</a:t>
+            </a:r>
+          </a:p>
+          <a:p>
+            <a:pPr marL="342900" indent="-342900">
               <a:buFont typeface="Arial" panose="020B0604020202020204" pitchFamily="34" charset="0"/>
               <a:buChar char="•"/>
             </a:pPr>
             <a:r>
-              <a:rPr lang="en-GB" sz="2000" dirty="0">
-                <a:solidFill>
-                  <a:srgbClr val="0070C0"/>
-                </a:solidFill>
-              </a:rPr>
-              <a:t>[Elsevier] - (https://www.elsevier.com/about/policies/research-data)</a:t>
+              <a:rPr lang="pl-PL" sz="2400" dirty="0">
+                <a:solidFill>
+                  <a:srgbClr val="0070C0"/>
+                </a:solidFill>
+              </a:rPr>
+              <a:t>Policies</a:t>
             </a:r>
           </a:p>
           <a:p>
             <a:pPr marL="285750" indent="-285750">
-              <a:buFont typeface="Arial" panose="020B0604020202020204" pitchFamily="34" charset="0"/>
-              <a:buChar char="•"/>
+              <a:buFontTx/>
+              <a:buChar char="-"/>
             </a:pPr>
-            <a:r>
-              <a:rPr lang="en-GB" sz="2000" dirty="0">
-                <a:solidFill>
-                  <a:srgbClr val="0070C0"/>
-                </a:solidFill>
-              </a:rPr>
-              <a:t>[EMBO Press] - (https://www.embopress.org/page/journal/14602075/authorguide#datadeposition)</a:t>
-            </a:r>
+            <a:endParaRPr lang="pl-PL" sz="2400" dirty="0">
+              <a:solidFill>
+                <a:srgbClr val="0070C0"/>
+              </a:solidFill>
+            </a:endParaRPr>
           </a:p>
           <a:p>
             <a:pPr marL="285750" indent="-285750">
-              <a:buFont typeface="Arial" panose="020B0604020202020204" pitchFamily="34" charset="0"/>
-              <a:buChar char="•"/>
+              <a:buFontTx/>
+              <a:buChar char="-"/>
             </a:pPr>
-            <a:r>
-              <a:rPr lang="en-GB" sz="2000" dirty="0">
-                <a:solidFill>
-                  <a:srgbClr val="0070C0"/>
-                </a:solidFill>
-              </a:rPr>
-              <a:t>[F1000 Research] - (https://f1000research.com/for-authors/data-guidelines)</a:t>
-            </a:r>
-          </a:p>
-          <a:p>
-            <a:pPr marL="285750" indent="-285750">
-              <a:buFont typeface="Arial" panose="020B0604020202020204" pitchFamily="34" charset="0"/>
-              <a:buChar char="•"/>
-            </a:pPr>
-            <a:r>
-              <a:rPr lang="en-GB" sz="2000" dirty="0">
-                <a:solidFill>
-                  <a:srgbClr val="0070C0"/>
-                </a:solidFill>
-              </a:rPr>
-              <a:t>[</a:t>
-            </a:r>
-            <a:r>
-              <a:rPr lang="en-GB" sz="2000" dirty="0" err="1">
-                <a:solidFill>
-                  <a:srgbClr val="0070C0"/>
-                </a:solidFill>
-              </a:rPr>
-              <a:t>GIGAscience</a:t>
-            </a:r>
-            <a:r>
-              <a:rPr lang="en-GB" sz="2000" dirty="0">
-                <a:solidFill>
-                  <a:srgbClr val="0070C0"/>
-                </a:solidFill>
-              </a:rPr>
-              <a:t> - OUP] - (https://academic.oup.com/gigascience/pages/instructions_to_authors)</a:t>
-            </a:r>
-          </a:p>
-          <a:p>
-            <a:pPr marL="285750" indent="-285750">
-              <a:buFont typeface="Arial" panose="020B0604020202020204" pitchFamily="34" charset="0"/>
-              <a:buChar char="•"/>
-            </a:pPr>
-            <a:r>
-              <a:rPr lang="en-GB" sz="2000" dirty="0">
-                <a:solidFill>
-                  <a:srgbClr val="0070C0"/>
-                </a:solidFill>
-              </a:rPr>
-              <a:t>[</a:t>
-            </a:r>
-            <a:r>
-              <a:rPr lang="en-GB" sz="2000" dirty="0" err="1">
-                <a:solidFill>
-                  <a:srgbClr val="0070C0"/>
-                </a:solidFill>
-              </a:rPr>
-              <a:t>PLoS</a:t>
-            </a:r>
-            <a:r>
-              <a:rPr lang="en-GB" sz="2000" dirty="0">
-                <a:solidFill>
-                  <a:srgbClr val="0070C0"/>
-                </a:solidFill>
-              </a:rPr>
-              <a:t>] - (https://journals.plos.org/plosbiology/s/recommended-repositories)</a:t>
-            </a:r>
-          </a:p>
-          <a:p>
-            <a:pPr marL="285750" indent="-285750">
-              <a:buFont typeface="Arial" panose="020B0604020202020204" pitchFamily="34" charset="0"/>
-              <a:buChar char="•"/>
-            </a:pPr>
-            <a:r>
-              <a:rPr lang="en-GB" sz="2000" dirty="0">
-                <a:solidFill>
-                  <a:srgbClr val="0070C0"/>
-                </a:solidFill>
-              </a:rPr>
-              <a:t>[Scientific Data - Nature] - (https://www.nature.com/sdata/policies/repositories)</a:t>
-            </a:r>
-          </a:p>
-          <a:p>
-            <a:pPr marL="285750" indent="-285750">
-              <a:buFont typeface="Arial" panose="020B0604020202020204" pitchFamily="34" charset="0"/>
-              <a:buChar char="•"/>
-            </a:pPr>
-            <a:r>
-              <a:rPr lang="en-GB" sz="2000" dirty="0">
-                <a:solidFill>
-                  <a:srgbClr val="0070C0"/>
-                </a:solidFill>
-              </a:rPr>
-              <a:t>[Taylor and Francis] - (https://authorservices.taylorandfrancis.com/data-sharing-policies/repositories/)</a:t>
-            </a:r>
-          </a:p>
-          <a:p>
-            <a:pPr marL="285750" indent="-285750">
-              <a:buFont typeface="Arial" panose="020B0604020202020204" pitchFamily="34" charset="0"/>
-              <a:buChar char="•"/>
-            </a:pPr>
-            <a:r>
-              <a:rPr lang="en-GB" sz="2000" dirty="0">
-                <a:solidFill>
-                  <a:srgbClr val="0070C0"/>
-                </a:solidFill>
-              </a:rPr>
-              <a:t>[BBSRC] - (https://bbsrc.ukri.org/research/resources/)</a:t>
-            </a:r>
-          </a:p>
-          <a:p>
-            <a:pPr marL="285750" indent="-285750">
-              <a:buFont typeface="Arial" panose="020B0604020202020204" pitchFamily="34" charset="0"/>
-              <a:buChar char="•"/>
-            </a:pPr>
-            <a:r>
-              <a:rPr lang="en-GB" sz="2000" dirty="0">
-                <a:solidFill>
-                  <a:srgbClr val="0070C0"/>
-                </a:solidFill>
-              </a:rPr>
-              <a:t>[NERC] - (https://nerc.ukri.org/research/sites/environmental-data-service-eds/policy/)</a:t>
-            </a:r>
-          </a:p>
-          <a:p>
-            <a:pPr marL="285750" indent="-285750">
-              <a:buFont typeface="Arial" panose="020B0604020202020204" pitchFamily="34" charset="0"/>
-              <a:buChar char="•"/>
-            </a:pPr>
-            <a:r>
-              <a:rPr lang="en-GB" sz="2000" dirty="0">
-                <a:solidFill>
-                  <a:srgbClr val="0070C0"/>
-                </a:solidFill>
-              </a:rPr>
-              <a:t>[Royal Society] - (https://royalsociety.org/journals/ethics-policies/data-sharing-mining/)</a:t>
-            </a:r>
-          </a:p>
-          <a:p>
-            <a:pPr marL="285750" indent="-285750">
-              <a:buFont typeface="Arial" panose="020B0604020202020204" pitchFamily="34" charset="0"/>
-              <a:buChar char="•"/>
-            </a:pPr>
-            <a:r>
-              <a:rPr lang="en-GB" sz="2000" dirty="0">
-                <a:solidFill>
-                  <a:srgbClr val="0070C0"/>
-                </a:solidFill>
-              </a:rPr>
-              <a:t>[</a:t>
-            </a:r>
-            <a:r>
-              <a:rPr lang="en-GB" sz="2000" dirty="0" err="1">
-                <a:solidFill>
-                  <a:srgbClr val="0070C0"/>
-                </a:solidFill>
-              </a:rPr>
-              <a:t>Wellcome</a:t>
-            </a:r>
-            <a:r>
-              <a:rPr lang="en-GB" sz="2000" dirty="0">
-                <a:solidFill>
-                  <a:srgbClr val="0070C0"/>
-                </a:solidFill>
-              </a:rPr>
-              <a:t> Open Research] - (https://wellcomeopenresearch.org/for-authors/data-guidelines) </a:t>
-            </a:r>
+            <a:endParaRPr lang="pl-PL" sz="2400" dirty="0">
+              <a:solidFill>
+                <a:srgbClr val="0070C0"/>
+              </a:solidFill>
+            </a:endParaRPr>
+          </a:p>
+          <a:p>
+            <a:r>
+              <a:rPr lang="pl-PL" sz="2400" dirty="0">
+                <a:solidFill>
+                  <a:srgbClr val="0070C0"/>
+                </a:solidFill>
+              </a:rPr>
+              <a:t>(too) many options for each type</a:t>
+            </a:r>
+            <a:endParaRPr lang="en-GB" sz="2400" dirty="0" err="1">
+              <a:solidFill>
+                <a:srgbClr val="0070C0"/>
+              </a:solidFill>
+            </a:endParaRPr>
           </a:p>
         </p:txBody>
       </p:sp>
@@ -5991,38 +6250,6 @@
               </a:rPr>
               <a:t>repositories</a:t>
             </a:r>
-            <a:r>
-              <a:rPr lang="pl-PL" dirty="0">
-                <a:solidFill>
-                  <a:srgbClr val="0070C0"/>
-                </a:solidFill>
-              </a:rPr>
-              <a:t> – </a:t>
-            </a:r>
-            <a:r>
-              <a:rPr lang="pl-PL" dirty="0" err="1">
-                <a:solidFill>
-                  <a:srgbClr val="0070C0"/>
-                </a:solidFill>
-              </a:rPr>
-              <a:t>use</a:t>
-            </a:r>
-            <a:r>
-              <a:rPr lang="pl-PL" dirty="0">
-                <a:solidFill>
-                  <a:srgbClr val="0070C0"/>
-                </a:solidFill>
-              </a:rPr>
-              <a:t> </a:t>
-            </a:r>
-            <a:r>
-              <a:rPr lang="pl-PL" dirty="0" err="1">
-                <a:solidFill>
-                  <a:srgbClr val="0070C0"/>
-                </a:solidFill>
-              </a:rPr>
-              <a:t>recommendations</a:t>
-            </a:r>
             <a:endParaRPr lang="en-GB" dirty="0">
               <a:solidFill>
                 <a:srgbClr val="0070C0"/>
@@ -6034,7 +6261,7 @@
     </p:spTree>
     <p:extLst>
       <p:ext uri="{BB962C8B-B14F-4D97-AF65-F5344CB8AC3E}">
-        <p14:creationId xmlns:p14="http://schemas.microsoft.com/office/powerpoint/2010/main" val="2392727602"/>
+        <p14:creationId xmlns:p14="http://schemas.microsoft.com/office/powerpoint/2010/main" val="1889911849"/>
       </p:ext>
     </p:extLst>
   </p:cSld>
@@ -6076,7 +6303,7 @@
           <p:nvPr/>
         </p:nvPicPr>
         <p:blipFill>
-          <a:blip r:embed="rId2">
+          <a:blip r:embed="rId3">
             <a:extLst>
               <a:ext uri="{28A0092B-C50C-407E-A947-70E740481C1C}">
                 <a14:useLocalDpi xmlns:a14="http://schemas.microsoft.com/office/drawing/2010/main" val="0"/>
@@ -6140,139 +6367,6 @@
       </p:grpSpPr>
       <p:sp>
         <p:nvSpPr>
-          <p:cNvPr id="2" name="Rectangle 1"/>
-          <p:cNvSpPr/>
-          <p:nvPr/>
-        </p:nvSpPr>
-        <p:spPr>
-          <a:xfrm>
-            <a:off x="742384" y="2064189"/>
-            <a:ext cx="10981854" cy="3416320"/>
-          </a:xfrm>
-          <a:prstGeom prst="rect">
-            <a:avLst/>
-          </a:prstGeom>
-        </p:spPr>
-        <p:txBody>
-          <a:bodyPr wrap="square">
-            <a:spAutoFit/>
-          </a:bodyPr>
-          <a:lstStyle/>
-          <a:p>
-            <a:r>
-              <a:rPr lang="pl-PL" sz="2400" dirty="0" err="1">
-                <a:solidFill>
-                  <a:srgbClr val="0070C0"/>
-                </a:solidFill>
-              </a:rPr>
-              <a:t>FAIRSharing.org</a:t>
-            </a:r>
-            <a:r>
-              <a:rPr lang="pl-PL" sz="2400" dirty="0">
-                <a:solidFill>
-                  <a:srgbClr val="0070C0"/>
-                </a:solidFill>
-              </a:rPr>
-              <a:t> – search engine</a:t>
-            </a:r>
-          </a:p>
-          <a:p>
-            <a:endParaRPr lang="pl-PL" sz="2400" dirty="0">
-              <a:solidFill>
-                <a:srgbClr val="0070C0"/>
-              </a:solidFill>
-            </a:endParaRPr>
-          </a:p>
-          <a:p>
-            <a:endParaRPr lang="pl-PL" sz="2400" dirty="0">
-              <a:solidFill>
-                <a:srgbClr val="0070C0"/>
-              </a:solidFill>
-            </a:endParaRPr>
-          </a:p>
-          <a:p>
-            <a:pPr marL="342900" indent="-342900">
-              <a:buFont typeface="Arial" panose="020B0604020202020204" pitchFamily="34" charset="0"/>
-              <a:buChar char="•"/>
-            </a:pPr>
-            <a:r>
-              <a:rPr lang="pl-PL" sz="2400" dirty="0">
-                <a:solidFill>
-                  <a:srgbClr val="0070C0"/>
-                </a:solidFill>
-              </a:rPr>
-              <a:t>Repositories</a:t>
-            </a:r>
-          </a:p>
-          <a:p>
-            <a:pPr marL="342900" indent="-342900">
-              <a:buFont typeface="Arial" panose="020B0604020202020204" pitchFamily="34" charset="0"/>
-              <a:buChar char="•"/>
-            </a:pPr>
-            <a:r>
-              <a:rPr lang="pl-PL" sz="2400" dirty="0">
-                <a:solidFill>
-                  <a:srgbClr val="0070C0"/>
-                </a:solidFill>
-              </a:rPr>
-              <a:t>Data standards</a:t>
-            </a:r>
-          </a:p>
-          <a:p>
-            <a:pPr marL="342900" indent="-342900">
-              <a:buFont typeface="Arial" panose="020B0604020202020204" pitchFamily="34" charset="0"/>
-              <a:buChar char="•"/>
-            </a:pPr>
-            <a:r>
-              <a:rPr lang="pl-PL" sz="2400" dirty="0">
-                <a:solidFill>
-                  <a:srgbClr val="0070C0"/>
-                </a:solidFill>
-              </a:rPr>
-              <a:t>Policies</a:t>
-            </a:r>
-          </a:p>
-          <a:p>
-            <a:pPr marL="285750" indent="-285750">
-              <a:buFontTx/>
-              <a:buChar char="-"/>
-            </a:pPr>
-            <a:endParaRPr lang="pl-PL" sz="2400" dirty="0">
-              <a:solidFill>
-                <a:srgbClr val="0070C0"/>
-              </a:solidFill>
-            </a:endParaRPr>
-          </a:p>
-          <a:p>
-            <a:pPr marL="285750" indent="-285750">
-              <a:buFontTx/>
-              <a:buChar char="-"/>
-            </a:pPr>
-            <a:endParaRPr lang="pl-PL" sz="2400" dirty="0">
-              <a:solidFill>
-                <a:srgbClr val="0070C0"/>
-              </a:solidFill>
-            </a:endParaRPr>
-          </a:p>
-          <a:p>
-            <a:r>
-              <a:rPr lang="pl-PL" sz="2400" dirty="0">
-                <a:solidFill>
-                  <a:srgbClr val="0070C0"/>
-                </a:solidFill>
-              </a:rPr>
-              <a:t>(too) many options for each type</a:t>
-            </a:r>
-            <a:endParaRPr lang="en-GB" sz="2400" dirty="0" err="1">
-              <a:solidFill>
-                <a:srgbClr val="0070C0"/>
-              </a:solidFill>
-            </a:endParaRPr>
-          </a:p>
-        </p:txBody>
-      </p:sp>
-      <p:sp>
-        <p:nvSpPr>
           <p:cNvPr id="5" name="Title 1">
             <a:extLst>
               <a:ext uri="{FF2B5EF4-FFF2-40B4-BE49-F238E27FC236}">
@@ -6298,28 +6392,12 @@
           <a:lstStyle/>
           <a:p>
             <a:r>
-              <a:rPr lang="pl-PL" dirty="0" err="1">
-                <a:solidFill>
-                  <a:srgbClr val="0070C0"/>
-                </a:solidFill>
-              </a:rPr>
-              <a:t>Finding</a:t>
-            </a:r>
-            <a:r>
               <a:rPr lang="pl-PL" dirty="0">
                 <a:solidFill>
                   <a:srgbClr val="0070C0"/>
                 </a:solidFill>
               </a:rPr>
-              <a:t> </a:t>
-            </a:r>
-            <a:r>
-              <a:rPr lang="pl-PL" dirty="0" err="1">
-                <a:solidFill>
-                  <a:srgbClr val="0070C0"/>
-                </a:solidFill>
-              </a:rPr>
-              <a:t>repositories</a:t>
+              <a:t>Finding repository</a:t>
             </a:r>
             <a:endParaRPr lang="en-GB" dirty="0">
               <a:solidFill>
@@ -6329,10 +6407,73 @@
           </a:p>
         </p:txBody>
       </p:sp>
+      <p:sp>
+        <p:nvSpPr>
+          <p:cNvPr id="6" name="Rectangle 5">
+            <a:extLst>
+              <a:ext uri="{FF2B5EF4-FFF2-40B4-BE49-F238E27FC236}">
+                <a16:creationId xmlns:a16="http://schemas.microsoft.com/office/drawing/2014/main" id="{22F34A1D-F400-3A41-84C5-6FDD05616677}"/>
+              </a:ext>
+            </a:extLst>
+          </p:cNvPr>
+          <p:cNvSpPr/>
+          <p:nvPr/>
+        </p:nvSpPr>
+        <p:spPr>
+          <a:xfrm>
+            <a:off x="693616" y="2951946"/>
+            <a:ext cx="10981854" cy="1323439"/>
+          </a:xfrm>
+          <a:prstGeom prst="rect">
+            <a:avLst/>
+          </a:prstGeom>
+        </p:spPr>
+        <p:txBody>
+          <a:bodyPr wrap="square">
+            <a:spAutoFit/>
+          </a:bodyPr>
+          <a:lstStyle/>
+          <a:p>
+            <a:pPr algn="ctr"/>
+            <a:r>
+              <a:rPr lang="pl-PL" sz="4000" dirty="0">
+                <a:solidFill>
+                  <a:srgbClr val="0070C0"/>
+                </a:solidFill>
+              </a:rPr>
+              <a:t>Exercise</a:t>
+            </a:r>
+            <a:r>
+              <a:rPr lang="en-GB" sz="4000" dirty="0">
+                <a:solidFill>
+                  <a:srgbClr val="0070C0"/>
+                </a:solidFill>
+              </a:rPr>
+              <a:t> 4</a:t>
+            </a:r>
+            <a:endParaRPr lang="pl-PL" sz="4000" dirty="0">
+              <a:solidFill>
+                <a:srgbClr val="0070C0"/>
+              </a:solidFill>
+            </a:endParaRPr>
+          </a:p>
+          <a:p>
+            <a:pPr marL="285750" indent="-285750" algn="ctr">
+              <a:buFont typeface="Arial" panose="020B0604020202020204" pitchFamily="34" charset="0"/>
+              <a:buChar char="•"/>
+            </a:pPr>
+            <a:endParaRPr lang="en-GB" sz="4000" dirty="0">
+              <a:solidFill>
+                <a:srgbClr val="0070C0"/>
+              </a:solidFill>
+            </a:endParaRPr>
+          </a:p>
+        </p:txBody>
+      </p:sp>
     </p:spTree>
     <p:extLst>
       <p:ext uri="{BB962C8B-B14F-4D97-AF65-F5344CB8AC3E}">
-        <p14:creationId xmlns:p14="http://schemas.microsoft.com/office/powerpoint/2010/main" val="1889911849"/>
+        <p14:creationId xmlns:p14="http://schemas.microsoft.com/office/powerpoint/2010/main" val="213822311"/>
       </p:ext>
     </p:extLst>
   </p:cSld>
@@ -6393,34 +6534,38 @@
               </a:rPr>
               <a:t>Finding repository</a:t>
             </a:r>
-            <a:endParaRPr lang="en-GB" dirty="0">
-              <a:solidFill>
-                <a:srgbClr val="0070C0"/>
-              </a:solidFill>
-            </a:endParaRPr>
-          </a:p>
-        </p:txBody>
-      </p:sp>
-      <p:sp>
-        <p:nvSpPr>
-          <p:cNvPr id="6" name="Rectangle 5">
-            <a:extLst>
-              <a:ext uri="{FF2B5EF4-FFF2-40B4-BE49-F238E27FC236}">
-                <a16:creationId xmlns:a16="http://schemas.microsoft.com/office/drawing/2014/main" id="{22F34A1D-F400-3A41-84C5-6FDD05616677}"/>
-              </a:ext>
-            </a:extLst>
-          </p:cNvPr>
-          <p:cNvSpPr/>
+            <a:r>
+              <a:rPr lang="en-GB" dirty="0">
+                <a:solidFill>
+                  <a:srgbClr val="0070C0"/>
+                </a:solidFill>
+              </a:rPr>
+              <a:t> - Solution</a:t>
+            </a:r>
+          </a:p>
+        </p:txBody>
+      </p:sp>
+      <p:sp>
+        <p:nvSpPr>
+          <p:cNvPr id="7" name="TextBox 6">
+            <a:extLst>
+              <a:ext uri="{FF2B5EF4-FFF2-40B4-BE49-F238E27FC236}">
+                <a16:creationId xmlns:a16="http://schemas.microsoft.com/office/drawing/2014/main" id="{20AB0459-2566-4B4F-B318-FA9C6A08F0E4}"/>
+              </a:ext>
+            </a:extLst>
+          </p:cNvPr>
+          <p:cNvSpPr txBox="1"/>
           <p:nvPr/>
         </p:nvSpPr>
         <p:spPr>
           <a:xfrm>
-            <a:off x="693616" y="2951946"/>
-            <a:ext cx="10981854" cy="1323439"/>
+            <a:off x="1831311" y="2021691"/>
+            <a:ext cx="7754815" cy="2814617"/>
           </a:xfrm>
           <a:prstGeom prst="rect">
             <a:avLst/>
           </a:prstGeom>
+          <a:noFill/>
         </p:spPr>
         <p:txBody>
           <a:bodyPr wrap="square">
@@ -6428,46 +6573,120 @@
           </a:bodyPr>
           <a:lstStyle/>
           <a:p>
-            <a:pPr algn="ctr"/>
-            <a:r>
-              <a:rPr lang="pl-PL" sz="4000" dirty="0">
-                <a:solidFill>
-                  <a:srgbClr val="0070C0"/>
-                </a:solidFill>
-              </a:rPr>
-              <a:t>Exercise</a:t>
-            </a:r>
-            <a:r>
-              <a:rPr lang="en-GB" sz="4000" dirty="0">
-                <a:solidFill>
-                  <a:srgbClr val="0070C0"/>
-                </a:solidFill>
-              </a:rPr>
-              <a:t> 4</a:t>
-            </a:r>
-            <a:endParaRPr lang="pl-PL" sz="4000" dirty="0">
+            <a:pPr>
+              <a:lnSpc>
+                <a:spcPct val="150000"/>
+              </a:lnSpc>
+            </a:pPr>
+            <a:r>
+              <a:rPr lang="en-GB" sz="2000" b="1" i="0" dirty="0">
+                <a:solidFill>
+                  <a:srgbClr val="333333"/>
+                </a:solidFill>
+                <a:effectLst/>
+                <a:latin typeface="Ubuntu"/>
+              </a:rPr>
+              <a:t>Find a repo for genomics data:</a:t>
+            </a:r>
+          </a:p>
+          <a:p>
+            <a:pPr>
+              <a:lnSpc>
+                <a:spcPct val="150000"/>
+              </a:lnSpc>
+            </a:pPr>
+            <a:r>
+              <a:rPr lang="en-GB" sz="2000" b="0" i="0" dirty="0">
+                <a:solidFill>
+                  <a:srgbClr val="333333"/>
+                </a:solidFill>
+                <a:effectLst/>
+                <a:latin typeface="Ubuntu"/>
+              </a:rPr>
+              <a:t>GEO/SRA and ENA/</a:t>
+            </a:r>
+            <a:r>
+              <a:rPr lang="en-GB" sz="2000" b="0" i="0" dirty="0" err="1">
+                <a:solidFill>
+                  <a:srgbClr val="333333"/>
+                </a:solidFill>
+                <a:effectLst/>
+                <a:latin typeface="Ubuntu"/>
+              </a:rPr>
+              <a:t>ArrayExpress</a:t>
+            </a:r>
+            <a:r>
+              <a:rPr lang="en-GB" sz="2000" b="0" i="0" dirty="0">
+                <a:solidFill>
+                  <a:srgbClr val="333333"/>
+                </a:solidFill>
+                <a:effectLst/>
+                <a:latin typeface="Ubuntu"/>
+              </a:rPr>
+              <a:t> are good examples. Interestingly these repositories do not issue a DOI.</a:t>
+            </a:r>
+          </a:p>
+          <a:p>
+            <a:pPr marL="342900" indent="-342900">
+              <a:lnSpc>
+                <a:spcPct val="150000"/>
+              </a:lnSpc>
+              <a:buAutoNum type="alphaLcParenR"/>
+            </a:pPr>
+            <a:endParaRPr lang="en-GB" sz="2000" dirty="0">
               <a:solidFill>
-                <a:srgbClr val="0070C0"/>
+                <a:srgbClr val="333333"/>
               </a:solidFill>
+              <a:latin typeface="Ubuntu"/>
             </a:endParaRPr>
           </a:p>
           <a:p>
-            <a:pPr marL="285750" indent="-285750" algn="ctr">
-              <a:buFont typeface="Arial" panose="020B0604020202020204" pitchFamily="34" charset="0"/>
-              <a:buChar char="•"/>
+            <a:pPr>
+              <a:lnSpc>
+                <a:spcPct val="150000"/>
+              </a:lnSpc>
             </a:pPr>
-            <a:endParaRPr lang="en-GB" sz="4000" dirty="0">
+            <a:r>
+              <a:rPr lang="en-GB" sz="2000" b="1" i="0" dirty="0">
+                <a:solidFill>
+                  <a:srgbClr val="333333"/>
+                </a:solidFill>
+                <a:effectLst/>
+                <a:latin typeface="Ubuntu"/>
+              </a:rPr>
+              <a:t>Find a repo for microscopy data:</a:t>
+            </a:r>
+            <a:endParaRPr lang="en-GB" sz="2000" b="1" dirty="0">
               <a:solidFill>
-                <a:srgbClr val="0070C0"/>
+                <a:srgbClr val="333333"/>
               </a:solidFill>
+              <a:latin typeface="Ubuntu"/>
             </a:endParaRPr>
+          </a:p>
+          <a:p>
+            <a:pPr>
+              <a:lnSpc>
+                <a:spcPct val="150000"/>
+              </a:lnSpc>
+            </a:pPr>
+            <a:r>
+              <a:rPr lang="en-GB" sz="2000" b="0" i="0" dirty="0">
+                <a:solidFill>
+                  <a:srgbClr val="333333"/>
+                </a:solidFill>
+                <a:effectLst/>
+                <a:latin typeface="Ubuntu"/>
+              </a:rPr>
+              <a:t>IDR is good examples.</a:t>
+            </a:r>
+            <a:endParaRPr lang="en-GB" sz="2000" dirty="0"/>
           </a:p>
         </p:txBody>
       </p:sp>
     </p:spTree>
     <p:extLst>
       <p:ext uri="{BB962C8B-B14F-4D97-AF65-F5344CB8AC3E}">
-        <p14:creationId xmlns:p14="http://schemas.microsoft.com/office/powerpoint/2010/main" val="213822311"/>
+        <p14:creationId xmlns:p14="http://schemas.microsoft.com/office/powerpoint/2010/main" val="489845771"/>
       </p:ext>
     </p:extLst>
   </p:cSld>
@@ -6496,6 +6715,480 @@
       </p:grpSpPr>
       <p:sp>
         <p:nvSpPr>
+          <p:cNvPr id="2" name="Rectangle 1"/>
+          <p:cNvSpPr/>
+          <p:nvPr/>
+        </p:nvSpPr>
+        <p:spPr>
+          <a:xfrm>
+            <a:off x="742384" y="1451031"/>
+            <a:ext cx="10981854" cy="5016758"/>
+          </a:xfrm>
+          <a:prstGeom prst="rect">
+            <a:avLst/>
+          </a:prstGeom>
+        </p:spPr>
+        <p:txBody>
+          <a:bodyPr wrap="square">
+            <a:spAutoFit/>
+          </a:bodyPr>
+          <a:lstStyle/>
+          <a:p>
+            <a:r>
+              <a:rPr lang="pl-PL" sz="2000" b="1" dirty="0">
+                <a:solidFill>
+                  <a:srgbClr val="0070C0"/>
+                </a:solidFill>
+              </a:rPr>
+              <a:t>1. </a:t>
+            </a:r>
+            <a:r>
+              <a:rPr lang="pl-PL" sz="2000" b="1" dirty="0" err="1">
+                <a:solidFill>
+                  <a:srgbClr val="0070C0"/>
+                </a:solidFill>
+              </a:rPr>
+              <a:t>Who</a:t>
+            </a:r>
+            <a:r>
+              <a:rPr lang="pl-PL" sz="2000" b="1" dirty="0">
+                <a:solidFill>
+                  <a:srgbClr val="0070C0"/>
+                </a:solidFill>
+              </a:rPr>
+              <a:t> is behind it? What is its funding?</a:t>
+            </a:r>
+          </a:p>
+          <a:p>
+            <a:endParaRPr lang="pl-PL" sz="2000" dirty="0">
+              <a:solidFill>
+                <a:srgbClr val="0070C0"/>
+              </a:solidFill>
+            </a:endParaRPr>
+          </a:p>
+          <a:p>
+            <a:r>
+              <a:rPr lang="pl-PL" sz="2000" b="1" dirty="0">
+                <a:solidFill>
+                  <a:srgbClr val="0070C0"/>
+                </a:solidFill>
+              </a:rPr>
+              <a:t>2. Q</a:t>
+            </a:r>
+            <a:r>
+              <a:rPr lang="en-GB" sz="2000" b="1" dirty="0" err="1">
+                <a:solidFill>
+                  <a:srgbClr val="0070C0"/>
+                </a:solidFill>
+              </a:rPr>
+              <a:t>uality</a:t>
+            </a:r>
+            <a:r>
+              <a:rPr lang="en-GB" sz="2000" b="1" dirty="0">
+                <a:solidFill>
+                  <a:srgbClr val="0070C0"/>
+                </a:solidFill>
+              </a:rPr>
+              <a:t> of interaction</a:t>
+            </a:r>
+            <a:r>
+              <a:rPr lang="pl-PL" sz="2000" b="1" dirty="0">
+                <a:solidFill>
+                  <a:srgbClr val="0070C0"/>
+                </a:solidFill>
+              </a:rPr>
+              <a:t>/interface</a:t>
+            </a:r>
+            <a:r>
+              <a:rPr lang="en-GB" sz="2000" b="1" dirty="0">
+                <a:solidFill>
+                  <a:srgbClr val="0070C0"/>
+                </a:solidFill>
+              </a:rPr>
+              <a:t>: </a:t>
+            </a:r>
+            <a:br>
+              <a:rPr lang="pl-PL" sz="2000" dirty="0">
+                <a:solidFill>
+                  <a:srgbClr val="0070C0"/>
+                </a:solidFill>
+              </a:rPr>
+            </a:br>
+            <a:r>
+              <a:rPr lang="pl-PL" sz="2000" dirty="0">
+                <a:solidFill>
+                  <a:srgbClr val="0070C0"/>
+                </a:solidFill>
+              </a:rPr>
+              <a:t>	</a:t>
+            </a:r>
+            <a:r>
+              <a:rPr lang="en-GB" sz="2000" dirty="0">
+                <a:solidFill>
+                  <a:srgbClr val="0070C0"/>
+                </a:solidFill>
+              </a:rPr>
+              <a:t>is the interaction for purposes of data deposit or reuse efficient, </a:t>
+            </a:r>
+          </a:p>
+          <a:p>
+            <a:r>
+              <a:rPr lang="en-GB" sz="2000" dirty="0">
+                <a:solidFill>
+                  <a:srgbClr val="0070C0"/>
+                </a:solidFill>
+              </a:rPr>
+              <a:t>	effective and satisfactory for you?</a:t>
+            </a:r>
+          </a:p>
+          <a:p>
+            <a:endParaRPr lang="pl-PL" sz="2000" dirty="0">
+              <a:solidFill>
+                <a:srgbClr val="0070C0"/>
+              </a:solidFill>
+            </a:endParaRPr>
+          </a:p>
+          <a:p>
+            <a:r>
+              <a:rPr lang="pl-PL" sz="2000" b="1" dirty="0">
+                <a:solidFill>
+                  <a:srgbClr val="0070C0"/>
+                </a:solidFill>
+              </a:rPr>
+              <a:t>3. T</a:t>
+            </a:r>
+            <a:r>
+              <a:rPr lang="en-GB" sz="2000" b="1" dirty="0" err="1">
+                <a:solidFill>
+                  <a:srgbClr val="0070C0"/>
+                </a:solidFill>
+              </a:rPr>
+              <a:t>ake</a:t>
+            </a:r>
+            <a:r>
+              <a:rPr lang="en-GB" sz="2000" b="1" dirty="0">
+                <a:solidFill>
+                  <a:srgbClr val="0070C0"/>
+                </a:solidFill>
+              </a:rPr>
+              <a:t>-up and impact: </a:t>
+            </a:r>
+            <a:endParaRPr lang="pl-PL" sz="2000" b="1" dirty="0">
+              <a:solidFill>
+                <a:srgbClr val="0070C0"/>
+              </a:solidFill>
+            </a:endParaRPr>
+          </a:p>
+          <a:p>
+            <a:r>
+              <a:rPr lang="pl-PL" sz="2000" dirty="0">
+                <a:solidFill>
+                  <a:srgbClr val="0070C0"/>
+                </a:solidFill>
+              </a:rPr>
+              <a:t>	</a:t>
+            </a:r>
+            <a:r>
+              <a:rPr lang="en-GB" sz="2000" dirty="0">
+                <a:solidFill>
+                  <a:srgbClr val="0070C0"/>
+                </a:solidFill>
+              </a:rPr>
+              <a:t>what can I put in it? </a:t>
+            </a:r>
+            <a:br>
+              <a:rPr lang="pl-PL" sz="2000" dirty="0">
+                <a:solidFill>
+                  <a:srgbClr val="0070C0"/>
+                </a:solidFill>
+              </a:rPr>
+            </a:br>
+            <a:r>
+              <a:rPr lang="pl-PL" sz="2000" dirty="0">
+                <a:solidFill>
+                  <a:srgbClr val="0070C0"/>
+                </a:solidFill>
+              </a:rPr>
+              <a:t>	i</a:t>
+            </a:r>
+            <a:r>
+              <a:rPr lang="en-GB" sz="2000" dirty="0">
+                <a:solidFill>
+                  <a:srgbClr val="0070C0"/>
+                </a:solidFill>
+              </a:rPr>
+              <a:t>s anyone else using it? </a:t>
+            </a:r>
+            <a:br>
+              <a:rPr lang="pl-PL" sz="2000" dirty="0">
+                <a:solidFill>
+                  <a:srgbClr val="0070C0"/>
+                </a:solidFill>
+              </a:rPr>
+            </a:br>
+            <a:r>
+              <a:rPr lang="pl-PL" sz="2000" dirty="0">
+                <a:solidFill>
+                  <a:srgbClr val="0070C0"/>
+                </a:solidFill>
+              </a:rPr>
+              <a:t>	w</a:t>
+            </a:r>
+            <a:r>
+              <a:rPr lang="en-GB" sz="2000" dirty="0">
+                <a:solidFill>
+                  <a:srgbClr val="0070C0"/>
+                </a:solidFill>
+              </a:rPr>
+              <a:t>ill others be able to find stuff deposited in it?</a:t>
+            </a:r>
+            <a:br>
+              <a:rPr lang="pl-PL" sz="2000" dirty="0">
+                <a:solidFill>
+                  <a:srgbClr val="0070C0"/>
+                </a:solidFill>
+              </a:rPr>
+            </a:br>
+            <a:r>
+              <a:rPr lang="pl-PL" sz="2000" dirty="0">
+                <a:solidFill>
+                  <a:srgbClr val="0070C0"/>
+                </a:solidFill>
+              </a:rPr>
+              <a:t>	is</a:t>
+            </a:r>
+            <a:r>
+              <a:rPr lang="en-GB" sz="2000" dirty="0">
+                <a:solidFill>
+                  <a:srgbClr val="0070C0"/>
+                </a:solidFill>
+              </a:rPr>
+              <a:t> the repository linked to other data repositories</a:t>
+            </a:r>
+            <a:r>
+              <a:rPr lang="pl-PL" sz="2000" dirty="0">
+                <a:solidFill>
+                  <a:srgbClr val="0070C0"/>
+                </a:solidFill>
+              </a:rPr>
+              <a:t>?</a:t>
+            </a:r>
+            <a:br>
+              <a:rPr lang="pl-PL" sz="2000" dirty="0">
+                <a:solidFill>
+                  <a:srgbClr val="0070C0"/>
+                </a:solidFill>
+              </a:rPr>
+            </a:br>
+            <a:r>
+              <a:rPr lang="pl-PL" sz="2000" dirty="0">
+                <a:solidFill>
+                  <a:srgbClr val="0070C0"/>
+                </a:solidFill>
+              </a:rPr>
+              <a:t>	c</a:t>
+            </a:r>
+            <a:r>
+              <a:rPr lang="en-GB" sz="2000" dirty="0">
+                <a:solidFill>
+                  <a:srgbClr val="0070C0"/>
+                </a:solidFill>
+              </a:rPr>
+              <a:t>an others cite the data?</a:t>
+            </a:r>
+            <a:endParaRPr lang="pl-PL" sz="2000" dirty="0">
+              <a:solidFill>
+                <a:srgbClr val="0070C0"/>
+              </a:solidFill>
+            </a:endParaRPr>
+          </a:p>
+          <a:p>
+            <a:endParaRPr lang="en-GB" sz="2000" dirty="0">
+              <a:solidFill>
+                <a:srgbClr val="0070C0"/>
+              </a:solidFill>
+            </a:endParaRPr>
+          </a:p>
+          <a:p>
+            <a:r>
+              <a:rPr lang="pl-PL" sz="2000" b="1" dirty="0">
+                <a:solidFill>
+                  <a:srgbClr val="0070C0"/>
+                </a:solidFill>
+              </a:rPr>
+              <a:t>4. P</a:t>
+            </a:r>
+            <a:r>
+              <a:rPr lang="en-GB" sz="2000" b="1" dirty="0" err="1">
+                <a:solidFill>
+                  <a:srgbClr val="0070C0"/>
+                </a:solidFill>
+              </a:rPr>
+              <a:t>olicy</a:t>
+            </a:r>
+            <a:r>
+              <a:rPr lang="en-GB" sz="2000" b="1" dirty="0">
+                <a:solidFill>
+                  <a:srgbClr val="0070C0"/>
+                </a:solidFill>
+              </a:rPr>
+              <a:t> and process: </a:t>
+            </a:r>
+            <a:br>
+              <a:rPr lang="pl-PL" sz="2000" dirty="0">
+                <a:solidFill>
+                  <a:srgbClr val="0070C0"/>
+                </a:solidFill>
+              </a:rPr>
+            </a:br>
+            <a:r>
+              <a:rPr lang="pl-PL" sz="2000" dirty="0">
+                <a:solidFill>
+                  <a:srgbClr val="0070C0"/>
+                </a:solidFill>
+              </a:rPr>
+              <a:t>	d</a:t>
+            </a:r>
+            <a:r>
+              <a:rPr lang="en-GB" sz="2000" dirty="0" err="1">
+                <a:solidFill>
+                  <a:srgbClr val="0070C0"/>
+                </a:solidFill>
+              </a:rPr>
+              <a:t>oes</a:t>
+            </a:r>
+            <a:r>
+              <a:rPr lang="en-GB" sz="2000" dirty="0">
+                <a:solidFill>
+                  <a:srgbClr val="0070C0"/>
+                </a:solidFill>
+              </a:rPr>
+              <a:t> it help meet</a:t>
+            </a:r>
+            <a:r>
+              <a:rPr lang="pl-PL" sz="2000" dirty="0">
+                <a:solidFill>
+                  <a:srgbClr val="0070C0"/>
+                </a:solidFill>
+              </a:rPr>
+              <a:t>ing</a:t>
+            </a:r>
+            <a:r>
+              <a:rPr lang="en-GB" sz="2000" dirty="0">
+                <a:solidFill>
+                  <a:srgbClr val="0070C0"/>
+                </a:solidFill>
+              </a:rPr>
+              <a:t> community standards</a:t>
+            </a:r>
+            <a:r>
+              <a:rPr lang="pl-PL" sz="2000" dirty="0">
+                <a:solidFill>
+                  <a:srgbClr val="0070C0"/>
+                </a:solidFill>
+              </a:rPr>
+              <a:t>,</a:t>
+            </a:r>
+            <a:r>
+              <a:rPr lang="en-GB" sz="2000" dirty="0">
+                <a:solidFill>
+                  <a:srgbClr val="0070C0"/>
+                </a:solidFill>
+              </a:rPr>
+              <a:t> good practice</a:t>
+            </a:r>
+            <a:r>
+              <a:rPr lang="pl-PL" sz="2000" dirty="0">
+                <a:solidFill>
+                  <a:srgbClr val="0070C0"/>
+                </a:solidFill>
+              </a:rPr>
+              <a:t>s</a:t>
+            </a:r>
+            <a:r>
+              <a:rPr lang="en-GB" sz="2000" dirty="0">
+                <a:solidFill>
+                  <a:srgbClr val="0070C0"/>
+                </a:solidFill>
+              </a:rPr>
+              <a:t> </a:t>
+            </a:r>
+            <a:r>
+              <a:rPr lang="pl-PL" sz="2000" dirty="0">
+                <a:solidFill>
+                  <a:srgbClr val="0070C0"/>
+                </a:solidFill>
+              </a:rPr>
+              <a:t>and</a:t>
+            </a:r>
+            <a:r>
+              <a:rPr lang="en-GB" sz="2000" dirty="0">
+                <a:solidFill>
+                  <a:srgbClr val="0070C0"/>
+                </a:solidFill>
+              </a:rPr>
+              <a:t> policies</a:t>
+            </a:r>
+            <a:r>
+              <a:rPr lang="pl-PL" sz="2000" dirty="0">
+                <a:solidFill>
+                  <a:srgbClr val="0070C0"/>
+                </a:solidFill>
+              </a:rPr>
+              <a:t>?</a:t>
+            </a:r>
+            <a:br>
+              <a:rPr lang="pl-PL" sz="2000" dirty="0">
+                <a:solidFill>
+                  <a:srgbClr val="0070C0"/>
+                </a:solidFill>
+              </a:rPr>
+            </a:br>
+            <a:r>
+              <a:rPr lang="pl-PL" sz="2000" dirty="0">
+                <a:solidFill>
+                  <a:srgbClr val="0070C0"/>
+                </a:solidFill>
+              </a:rPr>
+              <a:t>	is </a:t>
+            </a:r>
+            <a:r>
+              <a:rPr lang="pl-PL" sz="2000" dirty="0" err="1">
+                <a:solidFill>
+                  <a:srgbClr val="0070C0"/>
+                </a:solidFill>
+              </a:rPr>
+              <a:t>it</a:t>
+            </a:r>
+            <a:r>
+              <a:rPr lang="pl-PL" sz="2000" dirty="0">
+                <a:solidFill>
+                  <a:srgbClr val="0070C0"/>
+                </a:solidFill>
+              </a:rPr>
+              <a:t> </a:t>
+            </a:r>
+            <a:r>
+              <a:rPr lang="pl-PL" sz="2000" dirty="0" err="1">
+                <a:solidFill>
+                  <a:srgbClr val="0070C0"/>
+                </a:solidFill>
+              </a:rPr>
+              <a:t>curated</a:t>
+            </a:r>
+            <a:r>
+              <a:rPr lang="pl-PL" sz="2000" dirty="0">
+                <a:solidFill>
+                  <a:srgbClr val="0070C0"/>
+                </a:solidFill>
+              </a:rPr>
+              <a:t>?</a:t>
+            </a:r>
+          </a:p>
+        </p:txBody>
+      </p:sp>
+      <p:sp>
+        <p:nvSpPr>
           <p:cNvPr id="5" name="Title 1">
             <a:extLst>
               <a:ext uri="{FF2B5EF4-FFF2-40B4-BE49-F238E27FC236}">
@@ -6521,166 +7214,20 @@
           <a:lstStyle/>
           <a:p>
             <a:r>
-              <a:rPr lang="pl-PL" dirty="0">
-                <a:solidFill>
-                  <a:srgbClr val="0070C0"/>
-                </a:solidFill>
-              </a:rPr>
-              <a:t>Finding repository</a:t>
-            </a:r>
-            <a:r>
               <a:rPr lang="en-GB" dirty="0">
                 <a:solidFill>
                   <a:srgbClr val="0070C0"/>
                 </a:solidFill>
               </a:rPr>
-              <a:t> - Solution</a:t>
-            </a:r>
-          </a:p>
-        </p:txBody>
-      </p:sp>
-      <p:sp>
-        <p:nvSpPr>
-          <p:cNvPr id="7" name="TextBox 6">
-            <a:extLst>
-              <a:ext uri="{FF2B5EF4-FFF2-40B4-BE49-F238E27FC236}">
-                <a16:creationId xmlns:a16="http://schemas.microsoft.com/office/drawing/2014/main" id="{20AB0459-2566-4B4F-B318-FA9C6A08F0E4}"/>
-              </a:ext>
-            </a:extLst>
-          </p:cNvPr>
-          <p:cNvSpPr txBox="1"/>
-          <p:nvPr/>
-        </p:nvSpPr>
-        <p:spPr>
-          <a:xfrm>
-            <a:off x="1831311" y="2021691"/>
-            <a:ext cx="7754815" cy="2814617"/>
-          </a:xfrm>
-          <a:prstGeom prst="rect">
-            <a:avLst/>
-          </a:prstGeom>
-          <a:noFill/>
-        </p:spPr>
-        <p:txBody>
-          <a:bodyPr wrap="square">
-            <a:spAutoFit/>
-          </a:bodyPr>
-          <a:lstStyle/>
-          <a:p>
-            <a:pPr>
-              <a:lnSpc>
-                <a:spcPct val="150000"/>
-              </a:lnSpc>
-            </a:pPr>
-            <a:r>
-              <a:rPr lang="en-GB" sz="2000" b="1" i="0" dirty="0">
-                <a:solidFill>
-                  <a:srgbClr val="333333"/>
-                </a:solidFill>
-                <a:effectLst/>
-                <a:latin typeface="Ubuntu"/>
-              </a:rPr>
-              <a:t>Find a repo for genomics data:</a:t>
-            </a:r>
-          </a:p>
-          <a:p>
-            <a:pPr>
-              <a:lnSpc>
-                <a:spcPct val="150000"/>
-              </a:lnSpc>
-            </a:pPr>
-            <a:r>
-              <a:rPr lang="en-GB" sz="2000" b="0" i="0" dirty="0">
-                <a:solidFill>
-                  <a:srgbClr val="333333"/>
-                </a:solidFill>
-                <a:effectLst/>
-                <a:latin typeface="Ubuntu"/>
-              </a:rPr>
-              <a:t>GEO/SRA and ENA/</a:t>
-            </a:r>
-            <a:r>
-              <a:rPr lang="en-GB" sz="2000" b="0" i="0" dirty="0" err="1">
-                <a:solidFill>
-                  <a:srgbClr val="333333"/>
-                </a:solidFill>
-                <a:effectLst/>
-                <a:latin typeface="Ubuntu"/>
-              </a:rPr>
-              <a:t>ArrayExpress</a:t>
-            </a:r>
-            <a:r>
-              <a:rPr lang="en-GB" sz="2000" b="0" i="0" dirty="0">
-                <a:solidFill>
-                  <a:srgbClr val="333333"/>
-                </a:solidFill>
-                <a:effectLst/>
-                <a:latin typeface="Ubuntu"/>
-              </a:rPr>
-              <a:t> are good examples. Interestingly these repositories do not issue a DOI.</a:t>
-            </a:r>
-          </a:p>
-          <a:p>
-            <a:pPr marL="342900" indent="-342900">
-              <a:lnSpc>
-                <a:spcPct val="150000"/>
-              </a:lnSpc>
-              <a:buAutoNum type="alphaLcParenR"/>
-            </a:pPr>
-            <a:endParaRPr lang="en-GB" sz="2000" dirty="0">
-              <a:solidFill>
-                <a:srgbClr val="333333"/>
-              </a:solidFill>
-              <a:latin typeface="Ubuntu"/>
-            </a:endParaRPr>
-          </a:p>
-          <a:p>
-            <a:pPr>
-              <a:lnSpc>
-                <a:spcPct val="150000"/>
-              </a:lnSpc>
-            </a:pPr>
-            <a:r>
-              <a:rPr lang="en-GB" sz="2000" b="1" i="0" dirty="0">
-                <a:solidFill>
-                  <a:srgbClr val="333333"/>
-                </a:solidFill>
-                <a:effectLst/>
-                <a:latin typeface="Ubuntu"/>
-              </a:rPr>
-              <a:t>Find a repo for microscopy data:</a:t>
-            </a:r>
-            <a:endParaRPr lang="en-GB" sz="2000" b="1" dirty="0">
-              <a:solidFill>
-                <a:srgbClr val="333333"/>
-              </a:solidFill>
-              <a:latin typeface="Ubuntu"/>
-            </a:endParaRPr>
-          </a:p>
-          <a:p>
-            <a:pPr>
-              <a:lnSpc>
-                <a:spcPct val="150000"/>
-              </a:lnSpc>
-            </a:pPr>
-            <a:r>
-              <a:rPr lang="en-GB" sz="2000" b="0" i="0" dirty="0">
-                <a:solidFill>
-                  <a:srgbClr val="333333"/>
-                </a:solidFill>
-                <a:effectLst/>
-                <a:latin typeface="Ubuntu"/>
-              </a:rPr>
-              <a:t>IDR is good examples.</a:t>
-            </a:r>
-            <a:endParaRPr lang="en-GB" sz="2000" dirty="0"/>
+              <a:t>Evaluating a data repository</a:t>
+            </a:r>
           </a:p>
         </p:txBody>
       </p:sp>
     </p:spTree>
     <p:extLst>
       <p:ext uri="{BB962C8B-B14F-4D97-AF65-F5344CB8AC3E}">
-        <p14:creationId xmlns:p14="http://schemas.microsoft.com/office/powerpoint/2010/main" val="489845771"/>
+        <p14:creationId xmlns:p14="http://schemas.microsoft.com/office/powerpoint/2010/main" val="2410312540"/>
       </p:ext>
     </p:extLst>
   </p:cSld>
@@ -6715,8 +7262,8 @@
         </p:nvSpPr>
         <p:spPr>
           <a:xfrm>
-            <a:off x="742384" y="1451031"/>
-            <a:ext cx="10981854" cy="5016758"/>
+            <a:off x="730192" y="1690688"/>
+            <a:ext cx="10981854" cy="4467057"/>
           </a:xfrm>
           <a:prstGeom prst="rect">
             <a:avLst/>
@@ -6728,455 +7275,184 @@
           </a:bodyPr>
           <a:lstStyle/>
           <a:p>
-            <a:r>
-              <a:rPr lang="pl-PL" sz="2000" b="1" dirty="0">
-                <a:solidFill>
-                  <a:srgbClr val="0070C0"/>
-                </a:solidFill>
-              </a:rPr>
-              <a:t>1. </a:t>
-            </a:r>
-            <a:r>
-              <a:rPr lang="pl-PL" sz="2000" b="1" dirty="0" err="1">
-                <a:solidFill>
-                  <a:srgbClr val="0070C0"/>
-                </a:solidFill>
-              </a:rPr>
-              <a:t>Who</a:t>
-            </a:r>
-            <a:r>
-              <a:rPr lang="pl-PL" sz="2000" b="1" dirty="0">
-                <a:solidFill>
-                  <a:srgbClr val="0070C0"/>
-                </a:solidFill>
-              </a:rPr>
-              <a:t> is behind it? What is its funding?</a:t>
-            </a:r>
-          </a:p>
-          <a:p>
-            <a:endParaRPr lang="pl-PL" sz="2000" dirty="0">
+            <a:pPr marL="285750" indent="-285750">
+              <a:lnSpc>
+                <a:spcPct val="150000"/>
+              </a:lnSpc>
+              <a:buFont typeface="Arial" panose="020B0604020202020204" pitchFamily="34" charset="0"/>
+              <a:buChar char="•"/>
+            </a:pPr>
+            <a:r>
+              <a:rPr lang="en-GB" sz="2400" dirty="0">
+                <a:solidFill>
+                  <a:srgbClr val="0070C0"/>
+                </a:solidFill>
+              </a:rPr>
+              <a:t>Find suitable repository(</a:t>
+            </a:r>
+            <a:r>
+              <a:rPr lang="en-GB" sz="2400" dirty="0" err="1">
+                <a:solidFill>
+                  <a:srgbClr val="0070C0"/>
+                </a:solidFill>
+              </a:rPr>
+              <a:t>ies</a:t>
+            </a:r>
+            <a:r>
+              <a:rPr lang="en-GB" sz="2400" dirty="0">
+                <a:solidFill>
+                  <a:srgbClr val="0070C0"/>
+                </a:solidFill>
+              </a:rPr>
+              <a:t>) as soon as you get your data</a:t>
+            </a:r>
+          </a:p>
+          <a:p>
+            <a:pPr marL="285750" indent="-285750">
+              <a:lnSpc>
+                <a:spcPct val="150000"/>
+              </a:lnSpc>
+              <a:buFont typeface="Arial" panose="020B0604020202020204" pitchFamily="34" charset="0"/>
+              <a:buChar char="•"/>
+            </a:pPr>
+            <a:r>
+              <a:rPr lang="en-GB" sz="2400" dirty="0">
+                <a:solidFill>
+                  <a:srgbClr val="0070C0"/>
+                </a:solidFill>
+              </a:rPr>
+              <a:t>If repository permits embargo deposit data as soon as you get it (especially if analysed externally)</a:t>
+            </a:r>
+            <a:endParaRPr lang="pl-PL" sz="2400" dirty="0">
               <a:solidFill>
                 <a:srgbClr val="0070C0"/>
               </a:solidFill>
             </a:endParaRPr>
           </a:p>
           <a:p>
-            <a:r>
-              <a:rPr lang="pl-PL" sz="2000" b="1" dirty="0">
-                <a:solidFill>
-                  <a:srgbClr val="0070C0"/>
-                </a:solidFill>
-              </a:rPr>
-              <a:t>2. Q</a:t>
-            </a:r>
-            <a:r>
-              <a:rPr lang="en-GB" sz="2000" b="1" dirty="0" err="1">
-                <a:solidFill>
-                  <a:srgbClr val="0070C0"/>
-                </a:solidFill>
-              </a:rPr>
-              <a:t>uality</a:t>
-            </a:r>
-            <a:r>
-              <a:rPr lang="en-GB" sz="2000" b="1" dirty="0">
-                <a:solidFill>
-                  <a:srgbClr val="0070C0"/>
-                </a:solidFill>
-              </a:rPr>
-              <a:t> of interaction</a:t>
-            </a:r>
-            <a:r>
-              <a:rPr lang="pl-PL" sz="2000" b="1" dirty="0">
-                <a:solidFill>
-                  <a:srgbClr val="0070C0"/>
-                </a:solidFill>
-              </a:rPr>
-              <a:t>/interface</a:t>
-            </a:r>
-            <a:r>
-              <a:rPr lang="en-GB" sz="2000" b="1" dirty="0">
-                <a:solidFill>
-                  <a:srgbClr val="0070C0"/>
-                </a:solidFill>
-              </a:rPr>
-              <a:t>: </a:t>
-            </a:r>
-            <a:br>
-              <a:rPr lang="pl-PL" sz="2000" dirty="0">
-                <a:solidFill>
-                  <a:srgbClr val="0070C0"/>
-                </a:solidFill>
-              </a:rPr>
-            </a:br>
-            <a:r>
-              <a:rPr lang="pl-PL" sz="2000" dirty="0">
-                <a:solidFill>
-                  <a:srgbClr val="0070C0"/>
-                </a:solidFill>
-              </a:rPr>
-              <a:t>	</a:t>
-            </a:r>
-            <a:r>
-              <a:rPr lang="en-GB" sz="2000" dirty="0">
-                <a:solidFill>
-                  <a:srgbClr val="0070C0"/>
-                </a:solidFill>
-              </a:rPr>
-              <a:t>is the interaction for purposes of data deposit or reuse efficient, </a:t>
-            </a:r>
-          </a:p>
-          <a:p>
-            <a:r>
-              <a:rPr lang="en-GB" sz="2000" dirty="0">
-                <a:solidFill>
-                  <a:srgbClr val="0070C0"/>
-                </a:solidFill>
-              </a:rPr>
-              <a:t>	effective and satisfactory for you?</a:t>
-            </a:r>
-          </a:p>
-          <a:p>
-            <a:endParaRPr lang="pl-PL" sz="2000" dirty="0">
+            <a:pPr marL="285750" indent="-285750">
+              <a:lnSpc>
+                <a:spcPct val="150000"/>
+              </a:lnSpc>
+              <a:buFont typeface="Arial" panose="020B0604020202020204" pitchFamily="34" charset="0"/>
+              <a:buChar char="•"/>
+            </a:pPr>
+            <a:r>
+              <a:rPr lang="en-GB" sz="2400" dirty="0">
+                <a:solidFill>
+                  <a:srgbClr val="0070C0"/>
+                </a:solidFill>
+              </a:rPr>
+              <a:t>Deposit simultaneously to a very specialized repo and a „main stream” one</a:t>
+            </a:r>
+            <a:r>
+              <a:rPr lang="pl-PL" sz="2400" dirty="0">
+                <a:solidFill>
+                  <a:srgbClr val="0070C0"/>
+                </a:solidFill>
+              </a:rPr>
+              <a:t> (better </a:t>
+            </a:r>
+            <a:r>
+              <a:rPr lang="pl-PL" sz="2400" dirty="0" err="1">
+                <a:solidFill>
+                  <a:srgbClr val="0070C0"/>
+                </a:solidFill>
+              </a:rPr>
+              <a:t>discovery</a:t>
+            </a:r>
+            <a:r>
+              <a:rPr lang="pl-PL" sz="2400" dirty="0">
+                <a:solidFill>
+                  <a:srgbClr val="0070C0"/>
+                </a:solidFill>
+              </a:rPr>
+              <a:t>)</a:t>
+            </a:r>
+          </a:p>
+          <a:p>
+            <a:pPr marL="285750" indent="-285750">
+              <a:lnSpc>
+                <a:spcPct val="150000"/>
+              </a:lnSpc>
+              <a:buFont typeface="Arial" panose="020B0604020202020204" pitchFamily="34" charset="0"/>
+              <a:buChar char="•"/>
+            </a:pPr>
+            <a:r>
+              <a:rPr lang="en-GB" sz="2400" dirty="0">
+                <a:solidFill>
+                  <a:srgbClr val="0070C0"/>
+                </a:solidFill>
+              </a:rPr>
+              <a:t>Cross link your repositories’ records </a:t>
+            </a:r>
+            <a:endParaRPr lang="pl-PL" sz="2400" dirty="0">
               <a:solidFill>
                 <a:srgbClr val="0070C0"/>
               </a:solidFill>
             </a:endParaRPr>
           </a:p>
           <a:p>
-            <a:r>
-              <a:rPr lang="pl-PL" sz="2000" b="1" dirty="0">
-                <a:solidFill>
-                  <a:srgbClr val="0070C0"/>
-                </a:solidFill>
-              </a:rPr>
-              <a:t>3. T</a:t>
-            </a:r>
-            <a:r>
-              <a:rPr lang="en-GB" sz="2000" b="1" dirty="0" err="1">
-                <a:solidFill>
-                  <a:srgbClr val="0070C0"/>
-                </a:solidFill>
-              </a:rPr>
-              <a:t>ake</a:t>
-            </a:r>
-            <a:r>
-              <a:rPr lang="en-GB" sz="2000" b="1" dirty="0">
-                <a:solidFill>
-                  <a:srgbClr val="0070C0"/>
-                </a:solidFill>
-              </a:rPr>
-              <a:t>-up and impact: </a:t>
-            </a:r>
-            <a:endParaRPr lang="pl-PL" sz="2000" b="1" dirty="0">
+            <a:pPr marL="285750" indent="-285750">
+              <a:lnSpc>
+                <a:spcPct val="150000"/>
+              </a:lnSpc>
+              <a:buFont typeface="Arial" panose="020B0604020202020204" pitchFamily="34" charset="0"/>
+              <a:buChar char="•"/>
+            </a:pPr>
+            <a:r>
+              <a:rPr lang="en-GB" sz="2400" dirty="0">
+                <a:solidFill>
+                  <a:srgbClr val="0070C0"/>
+                </a:solidFill>
+              </a:rPr>
+              <a:t>Add data availability</a:t>
+            </a:r>
+            <a:r>
+              <a:rPr lang="pl-PL" sz="2400" dirty="0">
+                <a:solidFill>
+                  <a:srgbClr val="0070C0"/>
+                </a:solidFill>
+              </a:rPr>
+              <a:t> section to your papers and list all the public </a:t>
+            </a:r>
+            <a:r>
+              <a:rPr lang="pl-PL" sz="2400" dirty="0" err="1">
+                <a:solidFill>
+                  <a:srgbClr val="0070C0"/>
+                </a:solidFill>
+              </a:rPr>
+              <a:t>records</a:t>
+            </a:r>
+            <a:endParaRPr lang="pl-PL" sz="2400" dirty="0">
               <a:solidFill>
                 <a:srgbClr val="0070C0"/>
               </a:solidFill>
             </a:endParaRPr>
           </a:p>
           <a:p>
-            <a:r>
-              <a:rPr lang="pl-PL" sz="2000" dirty="0">
-                <a:solidFill>
-                  <a:srgbClr val="0070C0"/>
-                </a:solidFill>
-              </a:rPr>
-              <a:t>	</a:t>
-            </a:r>
-            <a:r>
-              <a:rPr lang="en-GB" sz="2000" dirty="0">
-                <a:solidFill>
-                  <a:srgbClr val="0070C0"/>
-                </a:solidFill>
-              </a:rPr>
-              <a:t>what can I put in it? </a:t>
-            </a:r>
-            <a:br>
-              <a:rPr lang="pl-PL" sz="2000" dirty="0">
-                <a:solidFill>
-                  <a:srgbClr val="0070C0"/>
-                </a:solidFill>
-              </a:rPr>
-            </a:br>
-            <a:r>
-              <a:rPr lang="pl-PL" sz="2000" dirty="0">
-                <a:solidFill>
-                  <a:srgbClr val="0070C0"/>
-                </a:solidFill>
-              </a:rPr>
-              <a:t>	i</a:t>
-            </a:r>
-            <a:r>
-              <a:rPr lang="en-GB" sz="2000" dirty="0">
-                <a:solidFill>
-                  <a:srgbClr val="0070C0"/>
-                </a:solidFill>
-              </a:rPr>
-              <a:t>s anyone else using it? </a:t>
-            </a:r>
-            <a:br>
-              <a:rPr lang="pl-PL" sz="2000" dirty="0">
-                <a:solidFill>
-                  <a:srgbClr val="0070C0"/>
-                </a:solidFill>
-              </a:rPr>
-            </a:br>
-            <a:r>
-              <a:rPr lang="pl-PL" sz="2000" dirty="0">
-                <a:solidFill>
-                  <a:srgbClr val="0070C0"/>
-                </a:solidFill>
-              </a:rPr>
-              <a:t>	w</a:t>
-            </a:r>
-            <a:r>
-              <a:rPr lang="en-GB" sz="2000" dirty="0">
-                <a:solidFill>
-                  <a:srgbClr val="0070C0"/>
-                </a:solidFill>
-              </a:rPr>
-              <a:t>ill others be able to find stuff deposited in it?</a:t>
-            </a:r>
-            <a:br>
-              <a:rPr lang="pl-PL" sz="2000" dirty="0">
-                <a:solidFill>
-                  <a:srgbClr val="0070C0"/>
-                </a:solidFill>
-              </a:rPr>
-            </a:br>
-            <a:r>
-              <a:rPr lang="pl-PL" sz="2000" dirty="0">
-                <a:solidFill>
-                  <a:srgbClr val="0070C0"/>
-                </a:solidFill>
-              </a:rPr>
-              <a:t>	is</a:t>
-            </a:r>
-            <a:r>
-              <a:rPr lang="en-GB" sz="2000" dirty="0">
-                <a:solidFill>
-                  <a:srgbClr val="0070C0"/>
-                </a:solidFill>
-              </a:rPr>
-              <a:t> the repository linked to other data repositories</a:t>
-            </a:r>
-            <a:r>
-              <a:rPr lang="pl-PL" sz="2000" dirty="0">
-                <a:solidFill>
-                  <a:srgbClr val="0070C0"/>
-                </a:solidFill>
-              </a:rPr>
-              <a:t>?</a:t>
-            </a:r>
-            <a:br>
-              <a:rPr lang="pl-PL" sz="2000" dirty="0">
-                <a:solidFill>
-                  <a:srgbClr val="0070C0"/>
-                </a:solidFill>
-              </a:rPr>
-            </a:br>
-            <a:r>
-              <a:rPr lang="pl-PL" sz="2000" dirty="0">
-                <a:solidFill>
-                  <a:srgbClr val="0070C0"/>
-                </a:solidFill>
-              </a:rPr>
-              <a:t>	c</a:t>
-            </a:r>
-            <a:r>
-              <a:rPr lang="en-GB" sz="2000" dirty="0">
-                <a:solidFill>
-                  <a:srgbClr val="0070C0"/>
-                </a:solidFill>
-              </a:rPr>
-              <a:t>an others cite the data?</a:t>
-            </a:r>
-            <a:endParaRPr lang="pl-PL" sz="2000" dirty="0">
-              <a:solidFill>
-                <a:srgbClr val="0070C0"/>
-              </a:solidFill>
-            </a:endParaRPr>
-          </a:p>
-          <a:p>
-            <a:endParaRPr lang="en-GB" sz="2000" dirty="0">
-              <a:solidFill>
-                <a:srgbClr val="0070C0"/>
-              </a:solidFill>
-            </a:endParaRPr>
-          </a:p>
-          <a:p>
-            <a:r>
-              <a:rPr lang="pl-PL" sz="2000" b="1" dirty="0">
-                <a:solidFill>
-                  <a:srgbClr val="0070C0"/>
-                </a:solidFill>
-              </a:rPr>
-              <a:t>4. P</a:t>
-            </a:r>
-            <a:r>
-              <a:rPr lang="en-GB" sz="2000" b="1" dirty="0" err="1">
-                <a:solidFill>
-                  <a:srgbClr val="0070C0"/>
-                </a:solidFill>
-              </a:rPr>
-              <a:t>olicy</a:t>
-            </a:r>
-            <a:r>
-              <a:rPr lang="en-GB" sz="2000" b="1" dirty="0">
-                <a:solidFill>
-                  <a:srgbClr val="0070C0"/>
-                </a:solidFill>
-              </a:rPr>
-              <a:t> and process: </a:t>
-            </a:r>
-            <a:br>
-              <a:rPr lang="pl-PL" sz="2000" dirty="0">
-                <a:solidFill>
-                  <a:srgbClr val="0070C0"/>
-                </a:solidFill>
-              </a:rPr>
-            </a:br>
-            <a:r>
-              <a:rPr lang="pl-PL" sz="2000" dirty="0">
-                <a:solidFill>
-                  <a:srgbClr val="0070C0"/>
-                </a:solidFill>
-              </a:rPr>
-              <a:t>	d</a:t>
-            </a:r>
-            <a:r>
-              <a:rPr lang="en-GB" sz="2000" dirty="0" err="1">
-                <a:solidFill>
-                  <a:srgbClr val="0070C0"/>
-                </a:solidFill>
-              </a:rPr>
-              <a:t>oes</a:t>
-            </a:r>
-            <a:r>
-              <a:rPr lang="en-GB" sz="2000" dirty="0">
-                <a:solidFill>
-                  <a:srgbClr val="0070C0"/>
-                </a:solidFill>
-              </a:rPr>
-              <a:t> it help meet</a:t>
-            </a:r>
-            <a:r>
-              <a:rPr lang="pl-PL" sz="2000" dirty="0">
-                <a:solidFill>
-                  <a:srgbClr val="0070C0"/>
-                </a:solidFill>
-              </a:rPr>
-              <a:t>ing</a:t>
-            </a:r>
-            <a:r>
-              <a:rPr lang="en-GB" sz="2000" dirty="0">
-                <a:solidFill>
-                  <a:srgbClr val="0070C0"/>
-                </a:solidFill>
-              </a:rPr>
-              <a:t> community standards</a:t>
-            </a:r>
-            <a:r>
-              <a:rPr lang="pl-PL" sz="2000" dirty="0">
-                <a:solidFill>
-                  <a:srgbClr val="0070C0"/>
-                </a:solidFill>
-              </a:rPr>
-              <a:t>,</a:t>
-            </a:r>
-            <a:r>
-              <a:rPr lang="en-GB" sz="2000" dirty="0">
-                <a:solidFill>
-                  <a:srgbClr val="0070C0"/>
-                </a:solidFill>
-              </a:rPr>
-              <a:t> good practice</a:t>
-            </a:r>
-            <a:r>
-              <a:rPr lang="pl-PL" sz="2000" dirty="0">
-                <a:solidFill>
-                  <a:srgbClr val="0070C0"/>
-                </a:solidFill>
-              </a:rPr>
-              <a:t>s</a:t>
-            </a:r>
-            <a:r>
-              <a:rPr lang="en-GB" sz="2000" dirty="0">
+            <a:pPr marL="285750" indent="-285750">
+              <a:lnSpc>
+                <a:spcPct val="150000"/>
+              </a:lnSpc>
+              <a:buFont typeface="Arial" panose="020B0604020202020204" pitchFamily="34" charset="0"/>
+              <a:buChar char="•"/>
+            </a:pPr>
+            <a:r>
+              <a:rPr lang="pl-PL" sz="2400" dirty="0">
+                <a:solidFill>
+                  <a:srgbClr val="0070C0"/>
+                </a:solidFill>
+              </a:rPr>
+              <a:t>List your data sets in ORCID</a:t>
+            </a:r>
+            <a:r>
+              <a:rPr lang="en-GB" sz="2400" dirty="0">
                 <a:solidFill>
                   <a:srgbClr val="0070C0"/>
                 </a:solidFill>
               </a:rPr>
               <a:t> </a:t>
-            </a:r>
-            <a:r>
-              <a:rPr lang="pl-PL" sz="2000" dirty="0">
-                <a:solidFill>
-                  <a:srgbClr val="0070C0"/>
-                </a:solidFill>
-              </a:rPr>
-              <a:t>and</a:t>
-            </a:r>
-            <a:r>
-              <a:rPr lang="en-GB" sz="2000" dirty="0">
-                <a:solidFill>
-                  <a:srgbClr val="0070C0"/>
-                </a:solidFill>
-              </a:rPr>
-              <a:t> policies</a:t>
-            </a:r>
-            <a:r>
-              <a:rPr lang="pl-PL" sz="2000" dirty="0">
-                <a:solidFill>
-                  <a:srgbClr val="0070C0"/>
-                </a:solidFill>
-              </a:rPr>
-              <a:t>?</a:t>
-            </a:r>
-            <a:br>
-              <a:rPr lang="pl-PL" sz="2000" dirty="0">
-                <a:solidFill>
-                  <a:srgbClr val="0070C0"/>
-                </a:solidFill>
-              </a:rPr>
-            </a:br>
-            <a:r>
-              <a:rPr lang="pl-PL" sz="2000" dirty="0">
-                <a:solidFill>
-                  <a:srgbClr val="0070C0"/>
-                </a:solidFill>
-              </a:rPr>
-              <a:t>	is </a:t>
-            </a:r>
-            <a:r>
-              <a:rPr lang="pl-PL" sz="2000" dirty="0" err="1">
-                <a:solidFill>
-                  <a:srgbClr val="0070C0"/>
-                </a:solidFill>
-              </a:rPr>
-              <a:t>it</a:t>
-            </a:r>
-            <a:r>
-              <a:rPr lang="pl-PL" sz="2000" dirty="0">
-                <a:solidFill>
-                  <a:srgbClr val="0070C0"/>
-                </a:solidFill>
-              </a:rPr>
-              <a:t> </a:t>
-            </a:r>
-            <a:r>
-              <a:rPr lang="pl-PL" sz="2000" dirty="0" err="1">
-                <a:solidFill>
-                  <a:srgbClr val="0070C0"/>
-                </a:solidFill>
-              </a:rPr>
-              <a:t>curated</a:t>
-            </a:r>
-            <a:r>
-              <a:rPr lang="pl-PL" sz="2000" dirty="0">
-                <a:solidFill>
-                  <a:srgbClr val="0070C0"/>
-                </a:solidFill>
-              </a:rPr>
-              <a:t>?</a:t>
             </a:r>
           </a:p>
         </p:txBody>
@@ -7208,20 +7484,25 @@
           <a:lstStyle/>
           <a:p>
             <a:r>
-              <a:rPr lang="en-GB" dirty="0">
-                <a:solidFill>
-                  <a:srgbClr val="0070C0"/>
-                </a:solidFill>
-              </a:rPr>
-              <a:t>Evaluating a data repository</a:t>
-            </a:r>
+              <a:rPr lang="pl-PL" dirty="0">
+                <a:solidFill>
+                  <a:srgbClr val="0070C0"/>
+                </a:solidFill>
+              </a:rPr>
+              <a:t>Repositories Summary</a:t>
+            </a:r>
+            <a:endParaRPr lang="en-GB" dirty="0">
+              <a:solidFill>
+                <a:srgbClr val="0070C0"/>
+              </a:solidFill>
+            </a:endParaRPr>
           </a:p>
         </p:txBody>
       </p:sp>
     </p:spTree>
     <p:extLst>
       <p:ext uri="{BB962C8B-B14F-4D97-AF65-F5344CB8AC3E}">
-        <p14:creationId xmlns:p14="http://schemas.microsoft.com/office/powerpoint/2010/main" val="2410312540"/>
+        <p14:creationId xmlns:p14="http://schemas.microsoft.com/office/powerpoint/2010/main" val="2464484896"/>
       </p:ext>
     </p:extLst>
   </p:cSld>
@@ -7250,213 +7531,10 @@
       </p:grpSpPr>
       <p:sp>
         <p:nvSpPr>
-          <p:cNvPr id="2" name="Rectangle 1"/>
-          <p:cNvSpPr/>
-          <p:nvPr/>
-        </p:nvSpPr>
-        <p:spPr>
-          <a:xfrm>
-            <a:off x="730192" y="1690688"/>
-            <a:ext cx="10981854" cy="4467057"/>
-          </a:xfrm>
-          <a:prstGeom prst="rect">
-            <a:avLst/>
-          </a:prstGeom>
-        </p:spPr>
-        <p:txBody>
-          <a:bodyPr wrap="square">
-            <a:spAutoFit/>
-          </a:bodyPr>
-          <a:lstStyle/>
-          <a:p>
-            <a:pPr marL="285750" indent="-285750">
-              <a:lnSpc>
-                <a:spcPct val="150000"/>
-              </a:lnSpc>
-              <a:buFont typeface="Arial" panose="020B0604020202020204" pitchFamily="34" charset="0"/>
-              <a:buChar char="•"/>
-            </a:pPr>
-            <a:r>
-              <a:rPr lang="en-GB" sz="2400" dirty="0">
-                <a:solidFill>
-                  <a:srgbClr val="0070C0"/>
-                </a:solidFill>
-              </a:rPr>
-              <a:t>Find suitable repository(</a:t>
-            </a:r>
-            <a:r>
-              <a:rPr lang="en-GB" sz="2400" dirty="0" err="1">
-                <a:solidFill>
-                  <a:srgbClr val="0070C0"/>
-                </a:solidFill>
-              </a:rPr>
-              <a:t>ies</a:t>
-            </a:r>
-            <a:r>
-              <a:rPr lang="en-GB" sz="2400" dirty="0">
-                <a:solidFill>
-                  <a:srgbClr val="0070C0"/>
-                </a:solidFill>
-              </a:rPr>
-              <a:t>) as soon as you get your data</a:t>
-            </a:r>
-          </a:p>
-          <a:p>
-            <a:pPr marL="285750" indent="-285750">
-              <a:lnSpc>
-                <a:spcPct val="150000"/>
-              </a:lnSpc>
-              <a:buFont typeface="Arial" panose="020B0604020202020204" pitchFamily="34" charset="0"/>
-              <a:buChar char="•"/>
-            </a:pPr>
-            <a:r>
-              <a:rPr lang="en-GB" sz="2400" dirty="0">
-                <a:solidFill>
-                  <a:srgbClr val="0070C0"/>
-                </a:solidFill>
-              </a:rPr>
-              <a:t>If repository permits embargo deposit data as soon as you get it (especially if analysed externally)</a:t>
-            </a:r>
-            <a:endParaRPr lang="pl-PL" sz="2400" dirty="0">
-              <a:solidFill>
-                <a:srgbClr val="0070C0"/>
-              </a:solidFill>
-            </a:endParaRPr>
-          </a:p>
-          <a:p>
-            <a:pPr marL="285750" indent="-285750">
-              <a:lnSpc>
-                <a:spcPct val="150000"/>
-              </a:lnSpc>
-              <a:buFont typeface="Arial" panose="020B0604020202020204" pitchFamily="34" charset="0"/>
-              <a:buChar char="•"/>
-            </a:pPr>
-            <a:r>
-              <a:rPr lang="en-GB" sz="2400" dirty="0">
-                <a:solidFill>
-                  <a:srgbClr val="0070C0"/>
-                </a:solidFill>
-              </a:rPr>
-              <a:t>Deposit simultaneously to a very specialized repo and a „main stream” one</a:t>
-            </a:r>
-            <a:r>
-              <a:rPr lang="pl-PL" sz="2400" dirty="0">
-                <a:solidFill>
-                  <a:srgbClr val="0070C0"/>
-                </a:solidFill>
-              </a:rPr>
-              <a:t> (better </a:t>
-            </a:r>
-            <a:r>
-              <a:rPr lang="pl-PL" sz="2400" dirty="0" err="1">
-                <a:solidFill>
-                  <a:srgbClr val="0070C0"/>
-                </a:solidFill>
-              </a:rPr>
-              <a:t>discovery</a:t>
-            </a:r>
-            <a:r>
-              <a:rPr lang="pl-PL" sz="2400" dirty="0">
-                <a:solidFill>
-                  <a:srgbClr val="0070C0"/>
-                </a:solidFill>
-              </a:rPr>
-              <a:t>)</a:t>
-            </a:r>
-          </a:p>
-          <a:p>
-            <a:pPr marL="285750" indent="-285750">
-              <a:lnSpc>
-                <a:spcPct val="150000"/>
-              </a:lnSpc>
-              <a:buFont typeface="Arial" panose="020B0604020202020204" pitchFamily="34" charset="0"/>
-              <a:buChar char="•"/>
-            </a:pPr>
-            <a:r>
-              <a:rPr lang="en-GB" sz="2400" dirty="0">
-                <a:solidFill>
-                  <a:srgbClr val="0070C0"/>
-                </a:solidFill>
-              </a:rPr>
-              <a:t>Cross link your repositories’ records </a:t>
-            </a:r>
-            <a:endParaRPr lang="pl-PL" sz="2400" dirty="0">
-              <a:solidFill>
-                <a:srgbClr val="0070C0"/>
-              </a:solidFill>
-            </a:endParaRPr>
-          </a:p>
-          <a:p>
-            <a:pPr marL="285750" indent="-285750">
-              <a:lnSpc>
-                <a:spcPct val="150000"/>
-              </a:lnSpc>
-              <a:buFont typeface="Arial" panose="020B0604020202020204" pitchFamily="34" charset="0"/>
-              <a:buChar char="•"/>
-            </a:pPr>
-            <a:r>
-              <a:rPr lang="en-GB" sz="2400" dirty="0">
-                <a:solidFill>
-                  <a:srgbClr val="0070C0"/>
-                </a:solidFill>
-              </a:rPr>
-              <a:t>Add data availability</a:t>
-            </a:r>
-            <a:r>
-              <a:rPr lang="pl-PL" sz="2400" dirty="0">
-                <a:solidFill>
-                  <a:srgbClr val="0070C0"/>
-                </a:solidFill>
-              </a:rPr>
-              <a:t> section to your papers and list all the public </a:t>
-            </a:r>
-            <a:r>
-              <a:rPr lang="pl-PL" sz="2400" dirty="0" err="1">
-                <a:solidFill>
-                  <a:srgbClr val="0070C0"/>
-                </a:solidFill>
-              </a:rPr>
-              <a:t>records</a:t>
-            </a:r>
-            <a:endParaRPr lang="pl-PL" sz="2400" dirty="0">
-              <a:solidFill>
-                <a:srgbClr val="0070C0"/>
-              </a:solidFill>
-            </a:endParaRPr>
-          </a:p>
-          <a:p>
-            <a:pPr marL="285750" indent="-285750">
-              <a:lnSpc>
-                <a:spcPct val="150000"/>
-              </a:lnSpc>
-              <a:buFont typeface="Arial" panose="020B0604020202020204" pitchFamily="34" charset="0"/>
-              <a:buChar char="•"/>
-            </a:pPr>
-            <a:r>
-              <a:rPr lang="pl-PL" sz="2400" dirty="0">
-                <a:solidFill>
-                  <a:srgbClr val="0070C0"/>
-                </a:solidFill>
-              </a:rPr>
-              <a:t>List your data sets in ORCID</a:t>
-            </a:r>
-            <a:r>
-              <a:rPr lang="en-GB" sz="2400" dirty="0">
-                <a:solidFill>
-                  <a:srgbClr val="0070C0"/>
-                </a:solidFill>
-              </a:rPr>
-              <a:t> </a:t>
-            </a:r>
-          </a:p>
-        </p:txBody>
-      </p:sp>
-      <p:sp>
-        <p:nvSpPr>
-          <p:cNvPr id="5" name="Title 1">
-            <a:extLst>
-              <a:ext uri="{FF2B5EF4-FFF2-40B4-BE49-F238E27FC236}">
-                <a16:creationId xmlns:a16="http://schemas.microsoft.com/office/drawing/2014/main" id="{775BFE92-9990-4094-B7B2-01514614F16E}"/>
+          <p:cNvPr id="2" name="Title 1">
+            <a:extLst>
+              <a:ext uri="{FF2B5EF4-FFF2-40B4-BE49-F238E27FC236}">
+                <a16:creationId xmlns:a16="http://schemas.microsoft.com/office/drawing/2014/main" id="{0644B4C3-AD1C-4994-814E-0100950A4C17}"/>
               </a:ext>
             </a:extLst>
           </p:cNvPr>
@@ -7469,7 +7547,7 @@
         </p:nvSpPr>
         <p:spPr>
           <a:xfrm>
-            <a:off x="838200" y="365125"/>
+            <a:off x="305637" y="180211"/>
             <a:ext cx="10515600" cy="1325563"/>
           </a:xfrm>
         </p:spPr>
@@ -7478,25 +7556,531 @@
           <a:lstStyle/>
           <a:p>
             <a:r>
-              <a:rPr lang="pl-PL" dirty="0">
-                <a:solidFill>
-                  <a:srgbClr val="0070C0"/>
-                </a:solidFill>
-              </a:rPr>
-              <a:t>Repositories Summary</a:t>
-            </a:r>
-            <a:endParaRPr lang="en-GB" dirty="0">
-              <a:solidFill>
-                <a:srgbClr val="0070C0"/>
-              </a:solidFill>
-            </a:endParaRPr>
+              <a:rPr lang="en-GB" dirty="0"/>
+              <a:t>What about </a:t>
+            </a:r>
+            <a:r>
+              <a:rPr lang="en-GB" dirty="0" err="1"/>
+              <a:t>Github</a:t>
+            </a:r>
+            <a:r>
+              <a:rPr lang="en-GB" dirty="0"/>
+              <a:t>? Can it be cited?</a:t>
+            </a:r>
+          </a:p>
+        </p:txBody>
+      </p:sp>
+      <p:sp>
+        <p:nvSpPr>
+          <p:cNvPr id="5" name="TextBox 4">
+            <a:extLst>
+              <a:ext uri="{FF2B5EF4-FFF2-40B4-BE49-F238E27FC236}">
+                <a16:creationId xmlns:a16="http://schemas.microsoft.com/office/drawing/2014/main" id="{1EF43E33-0E7B-4B21-9546-9C820EA0355B}"/>
+              </a:ext>
+            </a:extLst>
+          </p:cNvPr>
+          <p:cNvSpPr txBox="1"/>
+          <p:nvPr/>
+        </p:nvSpPr>
+        <p:spPr>
+          <a:xfrm>
+            <a:off x="3802463" y="1431152"/>
+            <a:ext cx="6296130" cy="1938992"/>
+          </a:xfrm>
+          <a:prstGeom prst="rect">
+            <a:avLst/>
+          </a:prstGeom>
+          <a:solidFill>
+            <a:schemeClr val="accent1">
+              <a:lumMod val="20000"/>
+              <a:lumOff val="80000"/>
+            </a:schemeClr>
+          </a:solidFill>
+        </p:spPr>
+        <p:txBody>
+          <a:bodyPr wrap="square">
+            <a:spAutoFit/>
+          </a:bodyPr>
+          <a:lstStyle/>
+          <a:p>
+            <a:pPr algn="just"/>
+            <a:r>
+              <a:rPr lang="en-GB" sz="2400" b="0" i="0" dirty="0">
+                <a:solidFill>
+                  <a:srgbClr val="333333"/>
+                </a:solidFill>
+                <a:effectLst/>
+                <a:latin typeface="Ubuntu"/>
+              </a:rPr>
+              <a:t>To make your code repositories easier to reference in academic literature, you can create persistent identifiers for them. Particularly, you can use the data archiving tool in </a:t>
+            </a:r>
+            <a:r>
+              <a:rPr lang="en-GB" sz="2400" b="0" i="0" dirty="0" err="1">
+                <a:solidFill>
+                  <a:srgbClr val="333333"/>
+                </a:solidFill>
+                <a:effectLst/>
+                <a:latin typeface="Ubuntu"/>
+              </a:rPr>
+              <a:t>Zenodo</a:t>
+            </a:r>
+            <a:r>
+              <a:rPr lang="en-GB" sz="2400" b="0" i="0" dirty="0">
+                <a:solidFill>
+                  <a:srgbClr val="333333"/>
+                </a:solidFill>
+                <a:effectLst/>
+                <a:latin typeface="Ubuntu"/>
+              </a:rPr>
+              <a:t> to archive a GitHub repository and issue a DOI for it.</a:t>
+            </a:r>
+            <a:endParaRPr lang="en-GB" sz="2400" dirty="0"/>
+          </a:p>
+        </p:txBody>
+      </p:sp>
+      <p:sp>
+        <p:nvSpPr>
+          <p:cNvPr id="6" name="TextBox 5">
+            <a:extLst>
+              <a:ext uri="{FF2B5EF4-FFF2-40B4-BE49-F238E27FC236}">
+                <a16:creationId xmlns:a16="http://schemas.microsoft.com/office/drawing/2014/main" id="{98A9A35A-D4DA-4FB2-979C-061380BA5A75}"/>
+              </a:ext>
+            </a:extLst>
+          </p:cNvPr>
+          <p:cNvSpPr txBox="1"/>
+          <p:nvPr/>
+        </p:nvSpPr>
+        <p:spPr>
+          <a:xfrm>
+            <a:off x="1896343" y="1862254"/>
+            <a:ext cx="1082156" cy="707886"/>
+          </a:xfrm>
+          <a:prstGeom prst="rect">
+            <a:avLst/>
+          </a:prstGeom>
+          <a:noFill/>
+        </p:spPr>
+        <p:txBody>
+          <a:bodyPr wrap="none" rtlCol="0">
+            <a:spAutoFit/>
+          </a:bodyPr>
+          <a:lstStyle/>
+          <a:p>
+            <a:r>
+              <a:rPr lang="en-GB" sz="4000" dirty="0">
+                <a:solidFill>
+                  <a:srgbClr val="0070C0"/>
+                </a:solidFill>
+              </a:rPr>
+              <a:t>YES!</a:t>
+            </a:r>
+          </a:p>
+        </p:txBody>
+      </p:sp>
+      <p:pic>
+        <p:nvPicPr>
+          <p:cNvPr id="1028" name="Picture 4" descr="What Exactly Is GitHub Anyway? | TechCrunch">
+            <a:extLst>
+              <a:ext uri="{FF2B5EF4-FFF2-40B4-BE49-F238E27FC236}">
+                <a16:creationId xmlns:a16="http://schemas.microsoft.com/office/drawing/2014/main" id="{0268865A-4811-4E7A-AB2F-DDC778793847}"/>
+              </a:ext>
+            </a:extLst>
+          </p:cNvPr>
+          <p:cNvPicPr>
+            <a:picLocks noChangeAspect="1" noChangeArrowheads="1"/>
+          </p:cNvPicPr>
+          <p:nvPr/>
+        </p:nvPicPr>
+        <p:blipFill>
+          <a:blip r:embed="rId2">
+            <a:extLst>
+              <a:ext uri="{28A0092B-C50C-407E-A947-70E740481C1C}">
+                <a14:useLocalDpi xmlns:a14="http://schemas.microsoft.com/office/drawing/2010/main" val="0"/>
+              </a:ext>
+            </a:extLst>
+          </a:blip>
+          <a:srcRect/>
+          <a:stretch>
+            <a:fillRect/>
+          </a:stretch>
+        </p:blipFill>
+        <p:spPr bwMode="auto">
+          <a:xfrm>
+            <a:off x="3561302" y="5487182"/>
+            <a:ext cx="1084382" cy="1084382"/>
+          </a:xfrm>
+          <a:prstGeom prst="rect">
+            <a:avLst/>
+          </a:prstGeom>
+          <a:noFill/>
+          <a:extLst>
+            <a:ext uri="{909E8E84-426E-40DD-AFC4-6F175D3DCCD1}">
+              <a14:hiddenFill xmlns:a14="http://schemas.microsoft.com/office/drawing/2010/main">
+                <a:solidFill>
+                  <a:srgbClr val="FFFFFF"/>
+                </a:solidFill>
+              </a14:hiddenFill>
+            </a:ext>
+          </a:extLst>
+        </p:spPr>
+      </p:pic>
+      <p:pic>
+        <p:nvPicPr>
+          <p:cNvPr id="1030" name="Picture 6" descr="zenodo-is-launched">
+            <a:extLst>
+              <a:ext uri="{FF2B5EF4-FFF2-40B4-BE49-F238E27FC236}">
+                <a16:creationId xmlns:a16="http://schemas.microsoft.com/office/drawing/2014/main" id="{06F62E6D-3784-4F16-9DD9-1AFE853583C0}"/>
+              </a:ext>
+            </a:extLst>
+          </p:cNvPr>
+          <p:cNvPicPr>
+            <a:picLocks noChangeAspect="1" noChangeArrowheads="1"/>
+          </p:cNvPicPr>
+          <p:nvPr/>
+        </p:nvPicPr>
+        <p:blipFill>
+          <a:blip r:embed="rId3">
+            <a:extLst>
+              <a:ext uri="{28A0092B-C50C-407E-A947-70E740481C1C}">
+                <a14:useLocalDpi xmlns:a14="http://schemas.microsoft.com/office/drawing/2010/main" val="0"/>
+              </a:ext>
+            </a:extLst>
+          </a:blip>
+          <a:srcRect/>
+          <a:stretch>
+            <a:fillRect/>
+          </a:stretch>
+        </p:blipFill>
+        <p:spPr bwMode="auto">
+          <a:xfrm>
+            <a:off x="4852674" y="4634695"/>
+            <a:ext cx="3571875" cy="1704975"/>
+          </a:xfrm>
+          <a:prstGeom prst="rect">
+            <a:avLst/>
+          </a:prstGeom>
+          <a:noFill/>
+          <a:extLst>
+            <a:ext uri="{909E8E84-426E-40DD-AFC4-6F175D3DCCD1}">
+              <a14:hiddenFill xmlns:a14="http://schemas.microsoft.com/office/drawing/2010/main">
+                <a:solidFill>
+                  <a:srgbClr val="FFFFFF"/>
+                </a:solidFill>
+              </a14:hiddenFill>
+            </a:ext>
+          </a:extLst>
+        </p:spPr>
+      </p:pic>
+      <p:pic>
+        <p:nvPicPr>
+          <p:cNvPr id="10" name="Picture 4" descr="What Exactly Is GitHub Anyway? | TechCrunch">
+            <a:extLst>
+              <a:ext uri="{FF2B5EF4-FFF2-40B4-BE49-F238E27FC236}">
+                <a16:creationId xmlns:a16="http://schemas.microsoft.com/office/drawing/2014/main" id="{496F2BA2-FD40-4CF9-94E1-A384457ACA16}"/>
+              </a:ext>
+            </a:extLst>
+          </p:cNvPr>
+          <p:cNvPicPr>
+            <a:picLocks noChangeAspect="1" noChangeArrowheads="1"/>
+          </p:cNvPicPr>
+          <p:nvPr/>
+        </p:nvPicPr>
+        <p:blipFill>
+          <a:blip r:embed="rId2">
+            <a:extLst>
+              <a:ext uri="{28A0092B-C50C-407E-A947-70E740481C1C}">
+                <a14:useLocalDpi xmlns:a14="http://schemas.microsoft.com/office/drawing/2010/main" val="0"/>
+              </a:ext>
+            </a:extLst>
+          </a:blip>
+          <a:srcRect/>
+          <a:stretch>
+            <a:fillRect/>
+          </a:stretch>
+        </p:blipFill>
+        <p:spPr bwMode="auto">
+          <a:xfrm>
+            <a:off x="4310483" y="3971218"/>
+            <a:ext cx="1084382" cy="1084382"/>
+          </a:xfrm>
+          <a:prstGeom prst="rect">
+            <a:avLst/>
+          </a:prstGeom>
+          <a:noFill/>
+          <a:extLst>
+            <a:ext uri="{909E8E84-426E-40DD-AFC4-6F175D3DCCD1}">
+              <a14:hiddenFill xmlns:a14="http://schemas.microsoft.com/office/drawing/2010/main">
+                <a:solidFill>
+                  <a:srgbClr val="FFFFFF"/>
+                </a:solidFill>
+              </a14:hiddenFill>
+            </a:ext>
+          </a:extLst>
+        </p:spPr>
+      </p:pic>
+      <p:pic>
+        <p:nvPicPr>
+          <p:cNvPr id="11" name="Picture 4" descr="What Exactly Is GitHub Anyway? | TechCrunch">
+            <a:extLst>
+              <a:ext uri="{FF2B5EF4-FFF2-40B4-BE49-F238E27FC236}">
+                <a16:creationId xmlns:a16="http://schemas.microsoft.com/office/drawing/2014/main" id="{E02671B7-7972-43B1-8257-CE7A202A329B}"/>
+              </a:ext>
+            </a:extLst>
+          </p:cNvPr>
+          <p:cNvPicPr>
+            <a:picLocks noChangeAspect="1" noChangeArrowheads="1"/>
+          </p:cNvPicPr>
+          <p:nvPr/>
+        </p:nvPicPr>
+        <p:blipFill>
+          <a:blip r:embed="rId2">
+            <a:extLst>
+              <a:ext uri="{28A0092B-C50C-407E-A947-70E740481C1C}">
+                <a14:useLocalDpi xmlns:a14="http://schemas.microsoft.com/office/drawing/2010/main" val="0"/>
+              </a:ext>
+            </a:extLst>
+          </a:blip>
+          <a:srcRect/>
+          <a:stretch>
+            <a:fillRect/>
+          </a:stretch>
+        </p:blipFill>
+        <p:spPr bwMode="auto">
+          <a:xfrm>
+            <a:off x="5937056" y="3559433"/>
+            <a:ext cx="1084382" cy="1084382"/>
+          </a:xfrm>
+          <a:prstGeom prst="rect">
+            <a:avLst/>
+          </a:prstGeom>
+          <a:noFill/>
+          <a:extLst>
+            <a:ext uri="{909E8E84-426E-40DD-AFC4-6F175D3DCCD1}">
+              <a14:hiddenFill xmlns:a14="http://schemas.microsoft.com/office/drawing/2010/main">
+                <a:solidFill>
+                  <a:srgbClr val="FFFFFF"/>
+                </a:solidFill>
+              </a14:hiddenFill>
+            </a:ext>
+          </a:extLst>
+        </p:spPr>
+      </p:pic>
+      <p:pic>
+        <p:nvPicPr>
+          <p:cNvPr id="12" name="Picture 4" descr="What Exactly Is GitHub Anyway? | TechCrunch">
+            <a:extLst>
+              <a:ext uri="{FF2B5EF4-FFF2-40B4-BE49-F238E27FC236}">
+                <a16:creationId xmlns:a16="http://schemas.microsoft.com/office/drawing/2014/main" id="{C30661E2-0F2E-4230-8E51-ACBF66279A61}"/>
+              </a:ext>
+            </a:extLst>
+          </p:cNvPr>
+          <p:cNvPicPr>
+            <a:picLocks noChangeAspect="1" noChangeArrowheads="1"/>
+          </p:cNvPicPr>
+          <p:nvPr/>
+        </p:nvPicPr>
+        <p:blipFill>
+          <a:blip r:embed="rId2">
+            <a:extLst>
+              <a:ext uri="{28A0092B-C50C-407E-A947-70E740481C1C}">
+                <a14:useLocalDpi xmlns:a14="http://schemas.microsoft.com/office/drawing/2010/main" val="0"/>
+              </a:ext>
+            </a:extLst>
+          </a:blip>
+          <a:srcRect/>
+          <a:stretch>
+            <a:fillRect/>
+          </a:stretch>
+        </p:blipFill>
+        <p:spPr bwMode="auto">
+          <a:xfrm>
+            <a:off x="8041722" y="3921735"/>
+            <a:ext cx="1084382" cy="1084382"/>
+          </a:xfrm>
+          <a:prstGeom prst="rect">
+            <a:avLst/>
+          </a:prstGeom>
+          <a:noFill/>
+          <a:extLst>
+            <a:ext uri="{909E8E84-426E-40DD-AFC4-6F175D3DCCD1}">
+              <a14:hiddenFill xmlns:a14="http://schemas.microsoft.com/office/drawing/2010/main">
+                <a:solidFill>
+                  <a:srgbClr val="FFFFFF"/>
+                </a:solidFill>
+              </a14:hiddenFill>
+            </a:ext>
+          </a:extLst>
+        </p:spPr>
+      </p:pic>
+      <p:pic>
+        <p:nvPicPr>
+          <p:cNvPr id="13" name="Picture 4" descr="What Exactly Is GitHub Anyway? | TechCrunch">
+            <a:extLst>
+              <a:ext uri="{FF2B5EF4-FFF2-40B4-BE49-F238E27FC236}">
+                <a16:creationId xmlns:a16="http://schemas.microsoft.com/office/drawing/2014/main" id="{9BAB43FF-0190-40F9-BD07-2BF85AE5053E}"/>
+              </a:ext>
+            </a:extLst>
+          </p:cNvPr>
+          <p:cNvPicPr>
+            <a:picLocks noChangeAspect="1" noChangeArrowheads="1"/>
+          </p:cNvPicPr>
+          <p:nvPr/>
+        </p:nvPicPr>
+        <p:blipFill>
+          <a:blip r:embed="rId2">
+            <a:extLst>
+              <a:ext uri="{28A0092B-C50C-407E-A947-70E740481C1C}">
+                <a14:useLocalDpi xmlns:a14="http://schemas.microsoft.com/office/drawing/2010/main" val="0"/>
+              </a:ext>
+            </a:extLst>
+          </a:blip>
+          <a:srcRect/>
+          <a:stretch>
+            <a:fillRect/>
+          </a:stretch>
+        </p:blipFill>
+        <p:spPr bwMode="auto">
+          <a:xfrm>
+            <a:off x="8089348" y="5487182"/>
+            <a:ext cx="1084382" cy="1084382"/>
+          </a:xfrm>
+          <a:prstGeom prst="rect">
+            <a:avLst/>
+          </a:prstGeom>
+          <a:noFill/>
+          <a:extLst>
+            <a:ext uri="{909E8E84-426E-40DD-AFC4-6F175D3DCCD1}">
+              <a14:hiddenFill xmlns:a14="http://schemas.microsoft.com/office/drawing/2010/main">
+                <a:solidFill>
+                  <a:srgbClr val="FFFFFF"/>
+                </a:solidFill>
+              </a14:hiddenFill>
+            </a:ext>
+          </a:extLst>
+        </p:spPr>
+      </p:pic>
+      <p:pic>
+        <p:nvPicPr>
+          <p:cNvPr id="14" name="Picture 4" descr="What Exactly Is GitHub Anyway? | TechCrunch">
+            <a:extLst>
+              <a:ext uri="{FF2B5EF4-FFF2-40B4-BE49-F238E27FC236}">
+                <a16:creationId xmlns:a16="http://schemas.microsoft.com/office/drawing/2014/main" id="{5047CE5C-BA72-42AC-92A2-7A13E0D35128}"/>
+              </a:ext>
+            </a:extLst>
+          </p:cNvPr>
+          <p:cNvPicPr>
+            <a:picLocks noChangeAspect="1" noChangeArrowheads="1"/>
+          </p:cNvPicPr>
+          <p:nvPr/>
+        </p:nvPicPr>
+        <p:blipFill>
+          <a:blip r:embed="rId2">
+            <a:extLst>
+              <a:ext uri="{28A0092B-C50C-407E-A947-70E740481C1C}">
+                <a14:useLocalDpi xmlns:a14="http://schemas.microsoft.com/office/drawing/2010/main" val="0"/>
+              </a:ext>
+            </a:extLst>
+          </a:blip>
+          <a:srcRect/>
+          <a:stretch>
+            <a:fillRect/>
+          </a:stretch>
+        </p:blipFill>
+        <p:spPr bwMode="auto">
+          <a:xfrm>
+            <a:off x="6619664" y="5797479"/>
+            <a:ext cx="1084382" cy="1084382"/>
+          </a:xfrm>
+          <a:prstGeom prst="rect">
+            <a:avLst/>
+          </a:prstGeom>
+          <a:noFill/>
+          <a:extLst>
+            <a:ext uri="{909E8E84-426E-40DD-AFC4-6F175D3DCCD1}">
+              <a14:hiddenFill xmlns:a14="http://schemas.microsoft.com/office/drawing/2010/main">
+                <a:solidFill>
+                  <a:srgbClr val="FFFFFF"/>
+                </a:solidFill>
+              </a14:hiddenFill>
+            </a:ext>
+          </a:extLst>
+        </p:spPr>
+      </p:pic>
+      <p:sp>
+        <p:nvSpPr>
+          <p:cNvPr id="7" name="TextBox 6">
+            <a:extLst>
+              <a:ext uri="{FF2B5EF4-FFF2-40B4-BE49-F238E27FC236}">
+                <a16:creationId xmlns:a16="http://schemas.microsoft.com/office/drawing/2014/main" id="{0A61927E-39C9-4171-9DD7-41B4704B8A30}"/>
+              </a:ext>
+            </a:extLst>
+          </p:cNvPr>
+          <p:cNvSpPr txBox="1"/>
+          <p:nvPr/>
+        </p:nvSpPr>
+        <p:spPr>
+          <a:xfrm>
+            <a:off x="100019" y="6169709"/>
+            <a:ext cx="2892715" cy="646331"/>
+          </a:xfrm>
+          <a:prstGeom prst="rect">
+            <a:avLst/>
+          </a:prstGeom>
+          <a:noFill/>
+        </p:spPr>
+        <p:txBody>
+          <a:bodyPr wrap="none" rtlCol="0">
+            <a:spAutoFit/>
+          </a:bodyPr>
+          <a:lstStyle/>
+          <a:p>
+            <a:r>
+              <a:rPr lang="en-GB" sz="1200" dirty="0"/>
+              <a:t>Image credits:</a:t>
+            </a:r>
+          </a:p>
+          <a:p>
+            <a:pPr marL="285750" indent="-285750">
+              <a:buFont typeface="Arial" panose="020B0604020202020204" pitchFamily="34" charset="0"/>
+              <a:buChar char="•"/>
+            </a:pPr>
+            <a:r>
+              <a:rPr lang="en-GB" sz="1200" dirty="0" err="1"/>
+              <a:t>Zenodo</a:t>
+            </a:r>
+            <a:r>
+              <a:rPr lang="en-GB" sz="1200" dirty="0"/>
+              <a:t> logo: Openaire.eu</a:t>
+            </a:r>
+          </a:p>
+          <a:p>
+            <a:pPr marL="285750" indent="-285750">
+              <a:buFont typeface="Arial" panose="020B0604020202020204" pitchFamily="34" charset="0"/>
+              <a:buChar char="•"/>
+            </a:pPr>
+            <a:r>
+              <a:rPr lang="en-GB" sz="1200" dirty="0" err="1"/>
+              <a:t>Github</a:t>
+            </a:r>
+            <a:r>
+              <a:rPr lang="en-GB" sz="1200" dirty="0"/>
+              <a:t> logo: </a:t>
+            </a:r>
+            <a:r>
+              <a:rPr lang="en-GB" sz="1200" dirty="0" err="1"/>
+              <a:t>Klint</a:t>
+            </a:r>
+            <a:r>
+              <a:rPr lang="en-GB" sz="1200" dirty="0"/>
+              <a:t> Finley (TechCrunch+)</a:t>
+            </a:r>
           </a:p>
         </p:txBody>
       </p:sp>
     </p:spTree>
     <p:extLst>
       <p:ext uri="{BB962C8B-B14F-4D97-AF65-F5344CB8AC3E}">
-        <p14:creationId xmlns:p14="http://schemas.microsoft.com/office/powerpoint/2010/main" val="2464484896"/>
+        <p14:creationId xmlns:p14="http://schemas.microsoft.com/office/powerpoint/2010/main" val="4074167485"/>
       </p:ext>
     </p:extLst>
   </p:cSld>
@@ -7551,15 +8135,7 @@
           <a:p>
             <a:r>
               <a:rPr lang="en-GB" dirty="0"/>
-              <a:t>What about </a:t>
-            </a:r>
-            <a:r>
-              <a:rPr lang="en-GB" dirty="0" err="1"/>
-              <a:t>Github</a:t>
-            </a:r>
-            <a:r>
-              <a:rPr lang="en-GB" dirty="0"/>
-              <a:t>? Can it be cited?</a:t>
+              <a:t>What about the ReadMe file?</a:t>
             </a:r>
           </a:p>
         </p:txBody>
@@ -7578,8 +8154,8 @@
         </p:nvSpPr>
         <p:spPr>
           <a:xfrm>
-            <a:off x="3802463" y="1431152"/>
-            <a:ext cx="6296130" cy="1938992"/>
+            <a:off x="2766714" y="2228671"/>
+            <a:ext cx="6296130" cy="1200329"/>
           </a:xfrm>
           <a:prstGeom prst="rect">
             <a:avLst/>
@@ -7597,7 +8173,7 @@
           </a:bodyPr>
           <a:lstStyle/>
           <a:p>
-            <a:pPr algn="just"/>
+            <a:pPr algn="ctr"/>
             <a:r>
               <a:rPr lang="en-GB" sz="2400" b="0" i="0" dirty="0">
                 <a:solidFill>
@@ -7606,7 +8182,7 @@
                 <a:effectLst/>
                 <a:latin typeface="Ubuntu"/>
               </a:rPr>
-              <a:t>To make your code repositories easier to reference in academic literature, you can create persistent identifiers for them. Particularly, you can use the data archiving tool in </a:t>
+              <a:t>Always include a ReadMe file when you deposit in “General” research data public repositories, such as </a:t>
             </a:r>
             <a:r>
               <a:rPr lang="en-GB" sz="2400" b="0" i="0" dirty="0" err="1">
@@ -7616,7 +8192,7 @@
                 <a:effectLst/>
                 <a:latin typeface="Ubuntu"/>
               </a:rPr>
-              <a:t>Zenodo</a:t>
+              <a:t>DataShare</a:t>
             </a:r>
             <a:r>
               <a:rPr lang="en-GB" sz="2400" b="0" i="0" dirty="0">
@@ -7626,7 +8202,27 @@
                 <a:effectLst/>
                 <a:latin typeface="Ubuntu"/>
               </a:rPr>
-              <a:t> to archive a GitHub repository and issue a DOI for it.</a:t>
+              <a:t> or </a:t>
+            </a:r>
+            <a:r>
+              <a:rPr lang="en-GB" sz="2400" b="0" i="0" dirty="0" err="1">
+                <a:solidFill>
+                  <a:srgbClr val="333333"/>
+                </a:solidFill>
+                <a:effectLst/>
+                <a:latin typeface="Ubuntu"/>
+              </a:rPr>
+              <a:t>Zenodo</a:t>
+            </a:r>
+            <a:r>
+              <a:rPr lang="en-GB" sz="2400" b="0" i="0" dirty="0">
+                <a:solidFill>
+                  <a:srgbClr val="333333"/>
+                </a:solidFill>
+                <a:effectLst/>
+                <a:latin typeface="Ubuntu"/>
+              </a:rPr>
+              <a:t>.</a:t>
             </a:r>
             <a:endParaRPr lang="en-GB" sz="2400" dirty="0"/>
           </a:p>
@@ -7634,10 +8230,10 @@
       </p:sp>
       <p:sp>
         <p:nvSpPr>
-          <p:cNvPr id="6" name="TextBox 5">
-            <a:extLst>
-              <a:ext uri="{FF2B5EF4-FFF2-40B4-BE49-F238E27FC236}">
-                <a16:creationId xmlns:a16="http://schemas.microsoft.com/office/drawing/2014/main" id="{98A9A35A-D4DA-4FB2-979C-061380BA5A75}"/>
+          <p:cNvPr id="16" name="TextBox 15">
+            <a:extLst>
+              <a:ext uri="{FF2B5EF4-FFF2-40B4-BE49-F238E27FC236}">
+                <a16:creationId xmlns:a16="http://schemas.microsoft.com/office/drawing/2014/main" id="{F48D18B6-429B-4ACA-B9AC-8341B6F657F3}"/>
               </a:ext>
             </a:extLst>
           </p:cNvPr>
@@ -7646,8 +8242,8 @@
         </p:nvSpPr>
         <p:spPr>
           <a:xfrm>
-            <a:off x="1896343" y="1862254"/>
-            <a:ext cx="1082156" cy="707886"/>
+            <a:off x="7523922" y="4444831"/>
+            <a:ext cx="6094324" cy="369332"/>
           </a:xfrm>
           <a:prstGeom prst="rect">
             <a:avLst/>
@@ -7655,357 +8251,30 @@
           <a:noFill/>
         </p:spPr>
         <p:txBody>
-          <a:bodyPr wrap="none" rtlCol="0">
+          <a:bodyPr wrap="square">
             <a:spAutoFit/>
           </a:bodyPr>
           <a:lstStyle/>
           <a:p>
             <a:r>
-              <a:rPr lang="en-GB" sz="4000" dirty="0">
-                <a:solidFill>
-                  <a:srgbClr val="0070C0"/>
-                </a:solidFill>
-              </a:rPr>
-              <a:t>YES!</a:t>
-            </a:r>
-          </a:p>
-        </p:txBody>
-      </p:sp>
-      <p:pic>
-        <p:nvPicPr>
-          <p:cNvPr id="1028" name="Picture 4" descr="What Exactly Is GitHub Anyway? | TechCrunch">
-            <a:extLst>
-              <a:ext uri="{FF2B5EF4-FFF2-40B4-BE49-F238E27FC236}">
-                <a16:creationId xmlns:a16="http://schemas.microsoft.com/office/drawing/2014/main" id="{0268865A-4811-4E7A-AB2F-DDC778793847}"/>
-              </a:ext>
-            </a:extLst>
-          </p:cNvPr>
-          <p:cNvPicPr>
-            <a:picLocks noChangeAspect="1" noChangeArrowheads="1"/>
-          </p:cNvPicPr>
-          <p:nvPr/>
-        </p:nvPicPr>
-        <p:blipFill>
-          <a:blip r:embed="rId2">
-            <a:extLst>
-              <a:ext uri="{28A0092B-C50C-407E-A947-70E740481C1C}">
-                <a14:useLocalDpi xmlns:a14="http://schemas.microsoft.com/office/drawing/2010/main" val="0"/>
-              </a:ext>
-            </a:extLst>
-          </a:blip>
-          <a:srcRect/>
-          <a:stretch>
-            <a:fillRect/>
-          </a:stretch>
-        </p:blipFill>
-        <p:spPr bwMode="auto">
-          <a:xfrm>
-            <a:off x="3561302" y="5487182"/>
-            <a:ext cx="1084382" cy="1084382"/>
-          </a:xfrm>
-          <a:prstGeom prst="rect">
-            <a:avLst/>
-          </a:prstGeom>
-          <a:noFill/>
-          <a:extLst>
-            <a:ext uri="{909E8E84-426E-40DD-AFC4-6F175D3DCCD1}">
-              <a14:hiddenFill xmlns:a14="http://schemas.microsoft.com/office/drawing/2010/main">
-                <a:solidFill>
-                  <a:srgbClr val="FFFFFF"/>
-                </a:solidFill>
-              </a14:hiddenFill>
-            </a:ext>
-          </a:extLst>
-        </p:spPr>
-      </p:pic>
-      <p:pic>
-        <p:nvPicPr>
-          <p:cNvPr id="1030" name="Picture 6" descr="zenodo-is-launched">
-            <a:extLst>
-              <a:ext uri="{FF2B5EF4-FFF2-40B4-BE49-F238E27FC236}">
-                <a16:creationId xmlns:a16="http://schemas.microsoft.com/office/drawing/2014/main" id="{06F62E6D-3784-4F16-9DD9-1AFE853583C0}"/>
-              </a:ext>
-            </a:extLst>
-          </p:cNvPr>
-          <p:cNvPicPr>
-            <a:picLocks noChangeAspect="1" noChangeArrowheads="1"/>
-          </p:cNvPicPr>
-          <p:nvPr/>
-        </p:nvPicPr>
-        <p:blipFill>
-          <a:blip r:embed="rId3">
-            <a:extLst>
-              <a:ext uri="{28A0092B-C50C-407E-A947-70E740481C1C}">
-                <a14:useLocalDpi xmlns:a14="http://schemas.microsoft.com/office/drawing/2010/main" val="0"/>
-              </a:ext>
-            </a:extLst>
-          </a:blip>
-          <a:srcRect/>
-          <a:stretch>
-            <a:fillRect/>
-          </a:stretch>
-        </p:blipFill>
-        <p:spPr bwMode="auto">
-          <a:xfrm>
-            <a:off x="4852674" y="4634695"/>
-            <a:ext cx="3571875" cy="1704975"/>
-          </a:xfrm>
-          <a:prstGeom prst="rect">
-            <a:avLst/>
-          </a:prstGeom>
-          <a:noFill/>
-          <a:extLst>
-            <a:ext uri="{909E8E84-426E-40DD-AFC4-6F175D3DCCD1}">
-              <a14:hiddenFill xmlns:a14="http://schemas.microsoft.com/office/drawing/2010/main">
-                <a:solidFill>
-                  <a:srgbClr val="FFFFFF"/>
-                </a:solidFill>
-              </a14:hiddenFill>
-            </a:ext>
-          </a:extLst>
-        </p:spPr>
-      </p:pic>
-      <p:pic>
-        <p:nvPicPr>
-          <p:cNvPr id="10" name="Picture 4" descr="What Exactly Is GitHub Anyway? | TechCrunch">
-            <a:extLst>
-              <a:ext uri="{FF2B5EF4-FFF2-40B4-BE49-F238E27FC236}">
-                <a16:creationId xmlns:a16="http://schemas.microsoft.com/office/drawing/2014/main" id="{496F2BA2-FD40-4CF9-94E1-A384457ACA16}"/>
-              </a:ext>
-            </a:extLst>
-          </p:cNvPr>
-          <p:cNvPicPr>
-            <a:picLocks noChangeAspect="1" noChangeArrowheads="1"/>
-          </p:cNvPicPr>
-          <p:nvPr/>
-        </p:nvPicPr>
-        <p:blipFill>
-          <a:blip r:embed="rId2">
-            <a:extLst>
-              <a:ext uri="{28A0092B-C50C-407E-A947-70E740481C1C}">
-                <a14:useLocalDpi xmlns:a14="http://schemas.microsoft.com/office/drawing/2010/main" val="0"/>
-              </a:ext>
-            </a:extLst>
-          </a:blip>
-          <a:srcRect/>
-          <a:stretch>
-            <a:fillRect/>
-          </a:stretch>
-        </p:blipFill>
-        <p:spPr bwMode="auto">
-          <a:xfrm>
-            <a:off x="4310483" y="3971218"/>
-            <a:ext cx="1084382" cy="1084382"/>
-          </a:xfrm>
-          <a:prstGeom prst="rect">
-            <a:avLst/>
-          </a:prstGeom>
-          <a:noFill/>
-          <a:extLst>
-            <a:ext uri="{909E8E84-426E-40DD-AFC4-6F175D3DCCD1}">
-              <a14:hiddenFill xmlns:a14="http://schemas.microsoft.com/office/drawing/2010/main">
-                <a:solidFill>
-                  <a:srgbClr val="FFFFFF"/>
-                </a:solidFill>
-              </a14:hiddenFill>
-            </a:ext>
-          </a:extLst>
-        </p:spPr>
-      </p:pic>
-      <p:pic>
-        <p:nvPicPr>
-          <p:cNvPr id="11" name="Picture 4" descr="What Exactly Is GitHub Anyway? | TechCrunch">
-            <a:extLst>
-              <a:ext uri="{FF2B5EF4-FFF2-40B4-BE49-F238E27FC236}">
-                <a16:creationId xmlns:a16="http://schemas.microsoft.com/office/drawing/2014/main" id="{E02671B7-7972-43B1-8257-CE7A202A329B}"/>
-              </a:ext>
-            </a:extLst>
-          </p:cNvPr>
-          <p:cNvPicPr>
-            <a:picLocks noChangeAspect="1" noChangeArrowheads="1"/>
-          </p:cNvPicPr>
-          <p:nvPr/>
-        </p:nvPicPr>
-        <p:blipFill>
-          <a:blip r:embed="rId2">
-            <a:extLst>
-              <a:ext uri="{28A0092B-C50C-407E-A947-70E740481C1C}">
-                <a14:useLocalDpi xmlns:a14="http://schemas.microsoft.com/office/drawing/2010/main" val="0"/>
-              </a:ext>
-            </a:extLst>
-          </a:blip>
-          <a:srcRect/>
-          <a:stretch>
-            <a:fillRect/>
-          </a:stretch>
-        </p:blipFill>
-        <p:spPr bwMode="auto">
-          <a:xfrm>
-            <a:off x="5937056" y="3559433"/>
-            <a:ext cx="1084382" cy="1084382"/>
-          </a:xfrm>
-          <a:prstGeom prst="rect">
-            <a:avLst/>
-          </a:prstGeom>
-          <a:noFill/>
-          <a:extLst>
-            <a:ext uri="{909E8E84-426E-40DD-AFC4-6F175D3DCCD1}">
-              <a14:hiddenFill xmlns:a14="http://schemas.microsoft.com/office/drawing/2010/main">
-                <a:solidFill>
-                  <a:srgbClr val="FFFFFF"/>
-                </a:solidFill>
-              </a14:hiddenFill>
-            </a:ext>
-          </a:extLst>
-        </p:spPr>
-      </p:pic>
-      <p:pic>
-        <p:nvPicPr>
-          <p:cNvPr id="12" name="Picture 4" descr="What Exactly Is GitHub Anyway? | TechCrunch">
-            <a:extLst>
-              <a:ext uri="{FF2B5EF4-FFF2-40B4-BE49-F238E27FC236}">
-                <a16:creationId xmlns:a16="http://schemas.microsoft.com/office/drawing/2014/main" id="{C30661E2-0F2E-4230-8E51-ACBF66279A61}"/>
-              </a:ext>
-            </a:extLst>
-          </p:cNvPr>
-          <p:cNvPicPr>
-            <a:picLocks noChangeAspect="1" noChangeArrowheads="1"/>
-          </p:cNvPicPr>
-          <p:nvPr/>
-        </p:nvPicPr>
-        <p:blipFill>
-          <a:blip r:embed="rId2">
-            <a:extLst>
-              <a:ext uri="{28A0092B-C50C-407E-A947-70E740481C1C}">
-                <a14:useLocalDpi xmlns:a14="http://schemas.microsoft.com/office/drawing/2010/main" val="0"/>
-              </a:ext>
-            </a:extLst>
-          </a:blip>
-          <a:srcRect/>
-          <a:stretch>
-            <a:fillRect/>
-          </a:stretch>
-        </p:blipFill>
-        <p:spPr bwMode="auto">
-          <a:xfrm>
-            <a:off x="8041722" y="3921735"/>
-            <a:ext cx="1084382" cy="1084382"/>
-          </a:xfrm>
-          <a:prstGeom prst="rect">
-            <a:avLst/>
-          </a:prstGeom>
-          <a:noFill/>
-          <a:extLst>
-            <a:ext uri="{909E8E84-426E-40DD-AFC4-6F175D3DCCD1}">
-              <a14:hiddenFill xmlns:a14="http://schemas.microsoft.com/office/drawing/2010/main">
-                <a:solidFill>
-                  <a:srgbClr val="FFFFFF"/>
-                </a:solidFill>
-              </a14:hiddenFill>
-            </a:ext>
-          </a:extLst>
-        </p:spPr>
-      </p:pic>
-      <p:pic>
-        <p:nvPicPr>
-          <p:cNvPr id="13" name="Picture 4" descr="What Exactly Is GitHub Anyway? | TechCrunch">
-            <a:extLst>
-              <a:ext uri="{FF2B5EF4-FFF2-40B4-BE49-F238E27FC236}">
-                <a16:creationId xmlns:a16="http://schemas.microsoft.com/office/drawing/2014/main" id="{9BAB43FF-0190-40F9-BD07-2BF85AE5053E}"/>
-              </a:ext>
-            </a:extLst>
-          </p:cNvPr>
-          <p:cNvPicPr>
-            <a:picLocks noChangeAspect="1" noChangeArrowheads="1"/>
-          </p:cNvPicPr>
-          <p:nvPr/>
-        </p:nvPicPr>
-        <p:blipFill>
-          <a:blip r:embed="rId2">
-            <a:extLst>
-              <a:ext uri="{28A0092B-C50C-407E-A947-70E740481C1C}">
-                <a14:useLocalDpi xmlns:a14="http://schemas.microsoft.com/office/drawing/2010/main" val="0"/>
-              </a:ext>
-            </a:extLst>
-          </a:blip>
-          <a:srcRect/>
-          <a:stretch>
-            <a:fillRect/>
-          </a:stretch>
-        </p:blipFill>
-        <p:spPr bwMode="auto">
-          <a:xfrm>
-            <a:off x="8089348" y="5487182"/>
-            <a:ext cx="1084382" cy="1084382"/>
-          </a:xfrm>
-          <a:prstGeom prst="rect">
-            <a:avLst/>
-          </a:prstGeom>
-          <a:noFill/>
-          <a:extLst>
-            <a:ext uri="{909E8E84-426E-40DD-AFC4-6F175D3DCCD1}">
-              <a14:hiddenFill xmlns:a14="http://schemas.microsoft.com/office/drawing/2010/main">
-                <a:solidFill>
-                  <a:srgbClr val="FFFFFF"/>
-                </a:solidFill>
-              </a14:hiddenFill>
-            </a:ext>
-          </a:extLst>
-        </p:spPr>
-      </p:pic>
-      <p:pic>
-        <p:nvPicPr>
-          <p:cNvPr id="14" name="Picture 4" descr="What Exactly Is GitHub Anyway? | TechCrunch">
-            <a:extLst>
-              <a:ext uri="{FF2B5EF4-FFF2-40B4-BE49-F238E27FC236}">
-                <a16:creationId xmlns:a16="http://schemas.microsoft.com/office/drawing/2014/main" id="{5047CE5C-BA72-42AC-92A2-7A13E0D35128}"/>
-              </a:ext>
-            </a:extLst>
-          </p:cNvPr>
-          <p:cNvPicPr>
-            <a:picLocks noChangeAspect="1" noChangeArrowheads="1"/>
-          </p:cNvPicPr>
-          <p:nvPr/>
-        </p:nvPicPr>
-        <p:blipFill>
-          <a:blip r:embed="rId2">
-            <a:extLst>
-              <a:ext uri="{28A0092B-C50C-407E-A947-70E740481C1C}">
-                <a14:useLocalDpi xmlns:a14="http://schemas.microsoft.com/office/drawing/2010/main" val="0"/>
-              </a:ext>
-            </a:extLst>
-          </a:blip>
-          <a:srcRect/>
-          <a:stretch>
-            <a:fillRect/>
-          </a:stretch>
-        </p:blipFill>
-        <p:spPr bwMode="auto">
-          <a:xfrm>
-            <a:off x="6619664" y="5797479"/>
-            <a:ext cx="1084382" cy="1084382"/>
-          </a:xfrm>
-          <a:prstGeom prst="rect">
-            <a:avLst/>
-          </a:prstGeom>
-          <a:noFill/>
-          <a:extLst>
-            <a:ext uri="{909E8E84-426E-40DD-AFC4-6F175D3DCCD1}">
-              <a14:hiddenFill xmlns:a14="http://schemas.microsoft.com/office/drawing/2010/main">
-                <a:solidFill>
-                  <a:srgbClr val="FFFFFF"/>
-                </a:solidFill>
-              </a14:hiddenFill>
-            </a:ext>
-          </a:extLst>
-        </p:spPr>
-      </p:pic>
-      <p:sp>
-        <p:nvSpPr>
-          <p:cNvPr id="7" name="TextBox 6">
-            <a:extLst>
-              <a:ext uri="{FF2B5EF4-FFF2-40B4-BE49-F238E27FC236}">
-                <a16:creationId xmlns:a16="http://schemas.microsoft.com/office/drawing/2014/main" id="{0A61927E-39C9-4171-9DD7-41B4704B8A30}"/>
+              <a:rPr lang="en-GB" dirty="0">
+                <a:hlinkClick r:id="rId2"/>
+              </a:rPr>
+              <a:t>https://www.wiki.ed.ac.uk/x/XbRVHQ</a:t>
+            </a:r>
+            <a:r>
+              <a:rPr lang="en-GB" dirty="0"/>
+              <a:t> </a:t>
+            </a:r>
+          </a:p>
+        </p:txBody>
+      </p:sp>
+      <p:sp>
+        <p:nvSpPr>
+          <p:cNvPr id="8" name="TextBox 7">
+            <a:extLst>
+              <a:ext uri="{FF2B5EF4-FFF2-40B4-BE49-F238E27FC236}">
+                <a16:creationId xmlns:a16="http://schemas.microsoft.com/office/drawing/2014/main" id="{97160006-7E89-4AA4-86CC-F661B527EF12}"/>
               </a:ext>
             </a:extLst>
           </p:cNvPr>
@@ -8014,8 +8283,8 @@
         </p:nvSpPr>
         <p:spPr>
           <a:xfrm>
-            <a:off x="100019" y="6169709"/>
-            <a:ext cx="2892715" cy="646331"/>
+            <a:off x="1939332" y="4306332"/>
+            <a:ext cx="3975447" cy="646331"/>
           </a:xfrm>
           <a:prstGeom prst="rect">
             <a:avLst/>
@@ -8028,53 +8297,80 @@
           </a:bodyPr>
           <a:lstStyle/>
           <a:p>
-            <a:r>
-              <a:rPr lang="en-GB" sz="1200" dirty="0"/>
-              <a:t>Image credits:</a:t>
-            </a:r>
-          </a:p>
-          <a:p>
-            <a:pPr marL="285750" indent="-285750">
-              <a:buFont typeface="Arial" panose="020B0604020202020204" pitchFamily="34" charset="0"/>
-              <a:buChar char="•"/>
-            </a:pPr>
-            <a:r>
-              <a:rPr lang="en-GB" sz="1200" dirty="0" err="1"/>
-              <a:t>Zenodo</a:t>
-            </a:r>
-            <a:r>
-              <a:rPr lang="en-GB" sz="1200" dirty="0"/>
-              <a:t> logo: Openaire.eu</a:t>
-            </a:r>
-          </a:p>
-          <a:p>
-            <a:pPr marL="285750" indent="-285750">
-              <a:buFont typeface="Arial" panose="020B0604020202020204" pitchFamily="34" charset="0"/>
-              <a:buChar char="•"/>
-            </a:pPr>
-            <a:r>
-              <a:rPr lang="en-GB" sz="1200" dirty="0" err="1"/>
-              <a:t>Github</a:t>
-            </a:r>
-            <a:r>
-              <a:rPr lang="en-GB" sz="1200" dirty="0"/>
-              <a:t> logo: </a:t>
-            </a:r>
-            <a:r>
-              <a:rPr lang="en-GB" sz="1200" dirty="0" err="1"/>
-              <a:t>Klint</a:t>
-            </a:r>
-            <a:r>
-              <a:rPr lang="en-GB" sz="1200" dirty="0"/>
-              <a:t> Finley (TechCrunch+)</a:t>
-            </a:r>
+            <a:pPr algn="ctr"/>
+            <a:r>
+              <a:rPr lang="en-GB" dirty="0"/>
+              <a:t>An example readme file can be found at </a:t>
+            </a:r>
+          </a:p>
+          <a:p>
+            <a:pPr algn="ctr"/>
+            <a:r>
+              <a:rPr lang="en-GB" dirty="0" err="1"/>
+              <a:t>BioRDM’s</a:t>
+            </a:r>
+            <a:r>
+              <a:rPr lang="en-GB" dirty="0"/>
+              <a:t> Wiki Page for </a:t>
+            </a:r>
+            <a:r>
+              <a:rPr lang="en-GB" dirty="0" err="1"/>
+              <a:t>DataShare</a:t>
+            </a:r>
+            <a:endParaRPr lang="en-GB" dirty="0"/>
+          </a:p>
+        </p:txBody>
+      </p:sp>
+      <p:sp>
+        <p:nvSpPr>
+          <p:cNvPr id="9" name="Arrow: Right 8">
+            <a:extLst>
+              <a:ext uri="{FF2B5EF4-FFF2-40B4-BE49-F238E27FC236}">
+                <a16:creationId xmlns:a16="http://schemas.microsoft.com/office/drawing/2014/main" id="{3FA85775-6AD8-4E37-B1B9-6BAA1BAA3DA0}"/>
+              </a:ext>
+            </a:extLst>
+          </p:cNvPr>
+          <p:cNvSpPr/>
+          <p:nvPr/>
+        </p:nvSpPr>
+        <p:spPr>
+          <a:xfrm>
+            <a:off x="6277223" y="4318612"/>
+            <a:ext cx="884255" cy="621770"/>
+          </a:xfrm>
+          <a:prstGeom prst="rightArrow">
+            <a:avLst/>
+          </a:prstGeom>
+        </p:spPr>
+        <p:style>
+          <a:lnRef idx="2">
+            <a:schemeClr val="accent1">
+              <a:shade val="50000"/>
+            </a:schemeClr>
+          </a:lnRef>
+          <a:fillRef idx="1">
+            <a:schemeClr val="accent1"/>
+          </a:fillRef>
+          <a:effectRef idx="0">
+            <a:schemeClr val="accent1"/>
+          </a:effectRef>
+          <a:fontRef idx="minor">
+            <a:schemeClr val="lt1"/>
+          </a:fontRef>
+        </p:style>
+        <p:txBody>
+          <a:bodyPr rtlCol="0" anchor="ctr"/>
+          <a:lstStyle/>
+          <a:p>
+            <a:pPr algn="ctr"/>
+            <a:endParaRPr lang="en-GB"/>
           </a:p>
         </p:txBody>
       </p:sp>
     </p:spTree>
     <p:extLst>
       <p:ext uri="{BB962C8B-B14F-4D97-AF65-F5344CB8AC3E}">
-        <p14:creationId xmlns:p14="http://schemas.microsoft.com/office/powerpoint/2010/main" val="4074167485"/>
+        <p14:creationId xmlns:p14="http://schemas.microsoft.com/office/powerpoint/2010/main" val="1507444769"/>
       </p:ext>
     </p:extLst>
   </p:cSld>
@@ -8101,296 +8397,6 @@
           <a:chExt cx="0" cy="0"/>
         </a:xfrm>
       </p:grpSpPr>
-      <p:sp>
-        <p:nvSpPr>
-          <p:cNvPr id="2" name="Title 1">
-            <a:extLst>
-              <a:ext uri="{FF2B5EF4-FFF2-40B4-BE49-F238E27FC236}">
-                <a16:creationId xmlns:a16="http://schemas.microsoft.com/office/drawing/2014/main" id="{0644B4C3-AD1C-4994-814E-0100950A4C17}"/>
-              </a:ext>
-            </a:extLst>
-          </p:cNvPr>
-          <p:cNvSpPr>
-            <a:spLocks noGrp="1"/>
-          </p:cNvSpPr>
-          <p:nvPr>
-            <p:ph type="title"/>
-          </p:nvPr>
-        </p:nvSpPr>
-        <p:spPr>
-          <a:xfrm>
-            <a:off x="305637" y="180211"/>
-            <a:ext cx="10515600" cy="1325563"/>
-          </a:xfrm>
-        </p:spPr>
-        <p:txBody>
-          <a:bodyPr/>
-          <a:lstStyle/>
-          <a:p>
-            <a:r>
-              <a:rPr lang="en-GB" dirty="0"/>
-              <a:t>What about the ReadMe file?</a:t>
-            </a:r>
-          </a:p>
-        </p:txBody>
-      </p:sp>
-      <p:sp>
-        <p:nvSpPr>
-          <p:cNvPr id="5" name="TextBox 4">
-            <a:extLst>
-              <a:ext uri="{FF2B5EF4-FFF2-40B4-BE49-F238E27FC236}">
-                <a16:creationId xmlns:a16="http://schemas.microsoft.com/office/drawing/2014/main" id="{1EF43E33-0E7B-4B21-9546-9C820EA0355B}"/>
-              </a:ext>
-            </a:extLst>
-          </p:cNvPr>
-          <p:cNvSpPr txBox="1"/>
-          <p:nvPr/>
-        </p:nvSpPr>
-        <p:spPr>
-          <a:xfrm>
-            <a:off x="2766714" y="2228671"/>
-            <a:ext cx="6296130" cy="1200329"/>
-          </a:xfrm>
-          <a:prstGeom prst="rect">
-            <a:avLst/>
-          </a:prstGeom>
-          <a:solidFill>
-            <a:schemeClr val="accent1">
-              <a:lumMod val="20000"/>
-              <a:lumOff val="80000"/>
-            </a:schemeClr>
-          </a:solidFill>
-        </p:spPr>
-        <p:txBody>
-          <a:bodyPr wrap="square">
-            <a:spAutoFit/>
-          </a:bodyPr>
-          <a:lstStyle/>
-          <a:p>
-            <a:pPr algn="ctr"/>
-            <a:r>
-              <a:rPr lang="en-GB" sz="2400" b="0" i="0" dirty="0">
-                <a:solidFill>
-                  <a:srgbClr val="333333"/>
-                </a:solidFill>
-                <a:effectLst/>
-                <a:latin typeface="Ubuntu"/>
-              </a:rPr>
-              <a:t>Always include a ReadMe file when you deposit in “General” research data public repositories, such as </a:t>
-            </a:r>
-            <a:r>
-              <a:rPr lang="en-GB" sz="2400" b="0" i="0" dirty="0" err="1">
-                <a:solidFill>
-                  <a:srgbClr val="333333"/>
-                </a:solidFill>
-                <a:effectLst/>
-                <a:latin typeface="Ubuntu"/>
-              </a:rPr>
-              <a:t>DataShare</a:t>
-            </a:r>
-            <a:r>
-              <a:rPr lang="en-GB" sz="2400" b="0" i="0" dirty="0">
-                <a:solidFill>
-                  <a:srgbClr val="333333"/>
-                </a:solidFill>
-                <a:effectLst/>
-                <a:latin typeface="Ubuntu"/>
-              </a:rPr>
-              <a:t> or </a:t>
-            </a:r>
-            <a:r>
-              <a:rPr lang="en-GB" sz="2400" b="0" i="0" dirty="0" err="1">
-                <a:solidFill>
-                  <a:srgbClr val="333333"/>
-                </a:solidFill>
-                <a:effectLst/>
-                <a:latin typeface="Ubuntu"/>
-              </a:rPr>
-              <a:t>Zenodo</a:t>
-            </a:r>
-            <a:r>
-              <a:rPr lang="en-GB" sz="2400" b="0" i="0" dirty="0">
-                <a:solidFill>
-                  <a:srgbClr val="333333"/>
-                </a:solidFill>
-                <a:effectLst/>
-                <a:latin typeface="Ubuntu"/>
-              </a:rPr>
-              <a:t>.</a:t>
-            </a:r>
-            <a:endParaRPr lang="en-GB" sz="2400" dirty="0"/>
-          </a:p>
-        </p:txBody>
-      </p:sp>
-      <p:sp>
-        <p:nvSpPr>
-          <p:cNvPr id="16" name="TextBox 15">
-            <a:extLst>
-              <a:ext uri="{FF2B5EF4-FFF2-40B4-BE49-F238E27FC236}">
-                <a16:creationId xmlns:a16="http://schemas.microsoft.com/office/drawing/2014/main" id="{F48D18B6-429B-4ACA-B9AC-8341B6F657F3}"/>
-              </a:ext>
-            </a:extLst>
-          </p:cNvPr>
-          <p:cNvSpPr txBox="1"/>
-          <p:nvPr/>
-        </p:nvSpPr>
-        <p:spPr>
-          <a:xfrm>
-            <a:off x="7523922" y="4444831"/>
-            <a:ext cx="6094324" cy="369332"/>
-          </a:xfrm>
-          <a:prstGeom prst="rect">
-            <a:avLst/>
-          </a:prstGeom>
-          <a:noFill/>
-        </p:spPr>
-        <p:txBody>
-          <a:bodyPr wrap="square">
-            <a:spAutoFit/>
-          </a:bodyPr>
-          <a:lstStyle/>
-          <a:p>
-            <a:r>
-              <a:rPr lang="en-GB" dirty="0">
-                <a:hlinkClick r:id="rId2"/>
-              </a:rPr>
-              <a:t>https://www.wiki.ed.ac.uk/x/XbRVHQ</a:t>
-            </a:r>
-            <a:r>
-              <a:rPr lang="en-GB" dirty="0"/>
-              <a:t> </a:t>
-            </a:r>
-          </a:p>
-        </p:txBody>
-      </p:sp>
-      <p:sp>
-        <p:nvSpPr>
-          <p:cNvPr id="8" name="TextBox 7">
-            <a:extLst>
-              <a:ext uri="{FF2B5EF4-FFF2-40B4-BE49-F238E27FC236}">
-                <a16:creationId xmlns:a16="http://schemas.microsoft.com/office/drawing/2014/main" id="{97160006-7E89-4AA4-86CC-F661B527EF12}"/>
-              </a:ext>
-            </a:extLst>
-          </p:cNvPr>
-          <p:cNvSpPr txBox="1"/>
-          <p:nvPr/>
-        </p:nvSpPr>
-        <p:spPr>
-          <a:xfrm>
-            <a:off x="1939332" y="4306332"/>
-            <a:ext cx="3975447" cy="646331"/>
-          </a:xfrm>
-          <a:prstGeom prst="rect">
-            <a:avLst/>
-          </a:prstGeom>
-          <a:noFill/>
-        </p:spPr>
-        <p:txBody>
-          <a:bodyPr wrap="none" rtlCol="0">
-            <a:spAutoFit/>
-          </a:bodyPr>
-          <a:lstStyle/>
-          <a:p>
-            <a:pPr algn="ctr"/>
-            <a:r>
-              <a:rPr lang="en-GB" dirty="0"/>
-              <a:t>An example readme file can be found at </a:t>
-            </a:r>
-          </a:p>
-          <a:p>
-            <a:pPr algn="ctr"/>
-            <a:r>
-              <a:rPr lang="en-GB" dirty="0" err="1"/>
-              <a:t>BioRDM’s</a:t>
-            </a:r>
-            <a:r>
-              <a:rPr lang="en-GB" dirty="0"/>
-              <a:t> Wiki Page for </a:t>
-            </a:r>
-            <a:r>
-              <a:rPr lang="en-GB" dirty="0" err="1"/>
-              <a:t>DataShare</a:t>
-            </a:r>
-            <a:endParaRPr lang="en-GB" dirty="0"/>
-          </a:p>
-        </p:txBody>
-      </p:sp>
-      <p:sp>
-        <p:nvSpPr>
-          <p:cNvPr id="9" name="Arrow: Right 8">
-            <a:extLst>
-              <a:ext uri="{FF2B5EF4-FFF2-40B4-BE49-F238E27FC236}">
-                <a16:creationId xmlns:a16="http://schemas.microsoft.com/office/drawing/2014/main" id="{3FA85775-6AD8-4E37-B1B9-6BAA1BAA3DA0}"/>
-              </a:ext>
-            </a:extLst>
-          </p:cNvPr>
-          <p:cNvSpPr/>
-          <p:nvPr/>
-        </p:nvSpPr>
-        <p:spPr>
-          <a:xfrm>
-            <a:off x="6277223" y="4318612"/>
-            <a:ext cx="884255" cy="621770"/>
-          </a:xfrm>
-          <a:prstGeom prst="rightArrow">
-            <a:avLst/>
-          </a:prstGeom>
-        </p:spPr>
-        <p:style>
-          <a:lnRef idx="2">
-            <a:schemeClr val="accent1">
-              <a:shade val="50000"/>
-            </a:schemeClr>
-          </a:lnRef>
-          <a:fillRef idx="1">
-            <a:schemeClr val="accent1"/>
-          </a:fillRef>
-          <a:effectRef idx="0">
-            <a:schemeClr val="accent1"/>
-          </a:effectRef>
-          <a:fontRef idx="minor">
-            <a:schemeClr val="lt1"/>
-          </a:fontRef>
-        </p:style>
-        <p:txBody>
-          <a:bodyPr rtlCol="0" anchor="ctr"/>
-          <a:lstStyle/>
-          <a:p>
-            <a:pPr algn="ctr"/>
-            <a:endParaRPr lang="en-GB"/>
-          </a:p>
-        </p:txBody>
-      </p:sp>
-    </p:spTree>
-    <p:extLst>
-      <p:ext uri="{BB962C8B-B14F-4D97-AF65-F5344CB8AC3E}">
-        <p14:creationId xmlns:p14="http://schemas.microsoft.com/office/powerpoint/2010/main" val="1507444769"/>
-      </p:ext>
-    </p:extLst>
-  </p:cSld>
-  <p:clrMapOvr>
-    <a:masterClrMapping/>
-  </p:clrMapOvr>
-</p:sld>
-</file>
-
-<file path=ppt/slides/slide27.xml><?xml version="1.0" encoding="utf-8"?>
-<p:sld xmlns:a="http://schemas.openxmlformats.org/drawingml/2006/main" xmlns:r="http://schemas.openxmlformats.org/officeDocument/2006/relationships" xmlns:p="http://schemas.openxmlformats.org/presentationml/2006/main">
-  <p:cSld>
-    <p:spTree>
-      <p:nvGrpSpPr>
-        <p:cNvPr id="1" name=""/>
-        <p:cNvGrpSpPr/>
-        <p:nvPr/>
-      </p:nvGrpSpPr>
-      <p:grpSpPr>
-        <a:xfrm>
-          <a:off x="0" y="0"/>
-          <a:ext cx="0" cy="0"/>
-          <a:chOff x="0" y="0"/>
-          <a:chExt cx="0" cy="0"/>
-        </a:xfrm>
-      </p:grpSpPr>
       <p:pic>
         <p:nvPicPr>
           <p:cNvPr id="4" name="Picture 2" descr="Ed_DaSH">
@@ -8591,7 +8597,7 @@
 </p:sld>
 </file>
 
-<file path=ppt/slides/slide28.xml><?xml version="1.0" encoding="utf-8"?>
+<file path=ppt/slides/slide27.xml><?xml version="1.0" encoding="utf-8"?>
 <p:sld xmlns:a="http://schemas.openxmlformats.org/drawingml/2006/main" xmlns:r="http://schemas.openxmlformats.org/officeDocument/2006/relationships" xmlns:p="http://schemas.openxmlformats.org/presentationml/2006/main">
   <p:cSld>
     <p:spTree>
